--- a/Lessions/Bai-02-Inputs-and-Variables/2.Bai-02-Inputs-and-Variables-p2.pptx
+++ b/Lessions/Bai-02-Inputs-and-Variables/2.Bai-02-Inputs-and-Variables-p2.pptx
@@ -5,7 +5,7 @@
     <p:sldMasterId id="2147483660" r:id="rId1"/>
   </p:sldMasterIdLst>
   <p:notesMasterIdLst>
-    <p:notesMasterId r:id="rId14"/>
+    <p:notesMasterId r:id="rId15"/>
   </p:notesMasterIdLst>
   <p:sldIdLst>
     <p:sldId id="256" r:id="rId2"/>
@@ -18,8 +18,9 @@
     <p:sldId id="286" r:id="rId9"/>
     <p:sldId id="266" r:id="rId10"/>
     <p:sldId id="268" r:id="rId11"/>
-    <p:sldId id="287" r:id="rId12"/>
-    <p:sldId id="288" r:id="rId13"/>
+    <p:sldId id="289" r:id="rId12"/>
+    <p:sldId id="287" r:id="rId13"/>
+    <p:sldId id="288" r:id="rId14"/>
   </p:sldIdLst>
   <p:sldSz cx="9144000" cy="6858000" type="screen4x3"/>
   <p:notesSz cx="6858000" cy="9144000"/>
@@ -3124,7 +3125,7 @@
                 <a:latin typeface="UTM Helve" panose="02040603050506020204" pitchFamily="18" charset="0"/>
                 <a:ea typeface="Roboto" pitchFamily="2" charset="0"/>
               </a:rPr>
-              <a:t>2.4 Hoạt động học viên</a:t>
+              <a:t>2.3 Giới thiệu về Biến - Variables</a:t>
             </a:r>
             <a:endParaRPr lang="en-US" sz="2400" b="1" dirty="0">
               <a:solidFill>
@@ -3136,69 +3137,16 @@
           </a:p>
         </p:txBody>
       </p:sp>
-      <p:pic>
-        <p:nvPicPr>
-          <p:cNvPr id="5" name="Picture 4"/>
-          <p:cNvPicPr>
-            <a:picLocks noChangeAspect="1"/>
-          </p:cNvPicPr>
-          <p:nvPr/>
-        </p:nvPicPr>
-        <p:blipFill>
-          <a:blip r:embed="rId2"/>
-          <a:stretch>
-            <a:fillRect/>
-          </a:stretch>
-        </p:blipFill>
-        <p:spPr>
-          <a:xfrm>
-            <a:off x="5617732" y="1754675"/>
-            <a:ext cx="2693241" cy="2324763"/>
-          </a:xfrm>
-          <a:prstGeom prst="rect">
-            <a:avLst/>
-          </a:prstGeom>
-        </p:spPr>
-      </p:pic>
-      <p:pic>
-        <p:nvPicPr>
-          <p:cNvPr id="6" name="Picture 5"/>
-          <p:cNvPicPr>
-            <a:picLocks noChangeAspect="1"/>
-          </p:cNvPicPr>
-          <p:nvPr/>
-        </p:nvPicPr>
-        <p:blipFill rotWithShape="1">
-          <a:blip r:embed="rId3">
-            <a:extLst>
-              <a:ext uri="{28A0092B-C50C-407E-A947-70E740481C1C}">
-                <a14:useLocalDpi xmlns:a14="http://schemas.microsoft.com/office/drawing/2010/main" val="0"/>
-              </a:ext>
-            </a:extLst>
-          </a:blip>
-          <a:srcRect r="33981"/>
-          <a:stretch/>
-        </p:blipFill>
-        <p:spPr>
-          <a:xfrm>
-            <a:off x="5497322" y="4515972"/>
-            <a:ext cx="3213459" cy="1807915"/>
-          </a:xfrm>
-          <a:prstGeom prst="rect">
-            <a:avLst/>
-          </a:prstGeom>
-        </p:spPr>
-      </p:pic>
-      <p:sp>
-        <p:nvSpPr>
-          <p:cNvPr id="7" name="TextBox 6"/>
+      <p:sp>
+        <p:nvSpPr>
+          <p:cNvPr id="5" name="TextBox 4"/>
           <p:cNvSpPr txBox="1"/>
           <p:nvPr/>
         </p:nvSpPr>
         <p:spPr>
           <a:xfrm>
-            <a:off x="1098981" y="1272143"/>
-            <a:ext cx="3764567" cy="461665"/>
+            <a:off x="1265305" y="1364739"/>
+            <a:ext cx="5649845" cy="461665"/>
           </a:xfrm>
           <a:prstGeom prst="rect">
             <a:avLst/>
@@ -3222,7 +3170,7 @@
                 <a:latin typeface="UTM Helve" panose="02040603050506020204" pitchFamily="18" charset="0"/>
                 <a:ea typeface="Roboto" pitchFamily="2" charset="0"/>
               </a:rPr>
-              <a:t>Săn Rác</a:t>
+              <a:t>Biến số ngẫu nhiên</a:t>
             </a:r>
             <a:endParaRPr lang="en-US" sz="2400" b="1" dirty="0">
               <a:solidFill>
@@ -3239,14 +3187,14 @@
       </p:sp>
       <p:pic>
         <p:nvPicPr>
-          <p:cNvPr id="8" name="Picture 7"/>
+          <p:cNvPr id="6" name="Picture 5"/>
           <p:cNvPicPr>
             <a:picLocks noChangeAspect="1"/>
           </p:cNvPicPr>
           <p:nvPr/>
         </p:nvPicPr>
         <p:blipFill>
-          <a:blip r:embed="rId4">
+          <a:blip r:embed="rId2">
             <a:extLst>
               <a:ext uri="{28A0092B-C50C-407E-A947-70E740481C1C}">
                 <a14:useLocalDpi xmlns:a14="http://schemas.microsoft.com/office/drawing/2010/main" val="0"/>
@@ -3259,7 +3207,7 @@
         </p:blipFill>
         <p:spPr>
           <a:xfrm>
-            <a:off x="542728" y="1345100"/>
+            <a:off x="709053" y="1437696"/>
             <a:ext cx="466725" cy="409575"/>
           </a:xfrm>
           <a:prstGeom prst="rect">
@@ -3269,19 +3217,17 @@
       </p:pic>
       <p:sp>
         <p:nvSpPr>
-          <p:cNvPr id="9" name="Rounded Rectangle 8"/>
+          <p:cNvPr id="7" name="Rectangle 6"/>
           <p:cNvSpPr/>
           <p:nvPr/>
         </p:nvSpPr>
         <p:spPr>
           <a:xfrm>
-            <a:off x="542727" y="3962399"/>
-            <a:ext cx="4871875" cy="2361487"/>
-          </a:xfrm>
-          <a:prstGeom prst="roundRect">
-            <a:avLst>
-              <a:gd name="adj" fmla="val 3719"/>
-            </a:avLst>
+            <a:off x="837841" y="3722378"/>
+            <a:ext cx="172836" cy="176901"/>
+          </a:xfrm>
+          <a:prstGeom prst="rect">
+            <a:avLst/>
           </a:prstGeom>
           <a:gradFill flip="none" rotWithShape="1">
             <a:gsLst>
@@ -3326,58 +3272,289 @@
       </p:sp>
       <p:sp>
         <p:nvSpPr>
-          <p:cNvPr id="11" name="Rectangle 10"/>
+          <p:cNvPr id="8" name="Title 1"/>
+          <p:cNvSpPr txBox="1">
+            <a:spLocks/>
+          </p:cNvSpPr>
+          <p:nvPr/>
+        </p:nvSpPr>
+        <p:spPr>
+          <a:xfrm>
+            <a:off x="709053" y="2125361"/>
+            <a:ext cx="4003872" cy="605352"/>
+          </a:xfrm>
+          <a:prstGeom prst="rect">
+            <a:avLst/>
+          </a:prstGeom>
+        </p:spPr>
+        <p:txBody>
+          <a:bodyPr/>
+          <a:lstStyle>
+            <a:lvl1pPr algn="l" defTabSz="914400" rtl="0" eaLnBrk="1" latinLnBrk="0" hangingPunct="1">
+              <a:lnSpc>
+                <a:spcPct val="90000"/>
+              </a:lnSpc>
+              <a:spcBef>
+                <a:spcPct val="0"/>
+              </a:spcBef>
+              <a:buNone/>
+              <a:defRPr sz="3200" b="1" kern="1200">
+                <a:solidFill>
+                  <a:srgbClr val="019DD0"/>
+                </a:solidFill>
+                <a:latin typeface="Arial" panose="020B0604020202020204" pitchFamily="34" charset="0"/>
+                <a:ea typeface="+mj-ea"/>
+                <a:cs typeface="Arial" panose="020B0604020202020204" pitchFamily="34" charset="0"/>
+              </a:defRPr>
+            </a:lvl1pPr>
+          </a:lstStyle>
+          <a:p>
+            <a:pPr>
+              <a:lnSpc>
+                <a:spcPct val="100000"/>
+              </a:lnSpc>
+            </a:pPr>
+            <a:r>
+              <a:rPr lang="en-US" sz="2000" dirty="0" smtClean="0">
+                <a:solidFill>
+                  <a:schemeClr val="tx1">
+                    <a:lumMod val="95000"/>
+                    <a:lumOff val="5000"/>
+                  </a:schemeClr>
+                </a:solidFill>
+                <a:ea typeface="Roboto Condensed" pitchFamily="2" charset="0"/>
+              </a:rPr>
+              <a:t>Ngẫu nhiên là gì ?</a:t>
+            </a:r>
+            <a:endParaRPr lang="en-US" sz="2000" dirty="0" smtClean="0">
+              <a:solidFill>
+                <a:schemeClr val="tx1">
+                  <a:lumMod val="95000"/>
+                  <a:lumOff val="5000"/>
+                </a:schemeClr>
+              </a:solidFill>
+              <a:ea typeface="Roboto Condensed" pitchFamily="2" charset="0"/>
+            </a:endParaRPr>
+          </a:p>
+        </p:txBody>
+      </p:sp>
+      <p:sp>
+        <p:nvSpPr>
+          <p:cNvPr id="9" name="Title 1"/>
+          <p:cNvSpPr txBox="1">
+            <a:spLocks/>
+          </p:cNvSpPr>
+          <p:nvPr/>
+        </p:nvSpPr>
+        <p:spPr>
+          <a:xfrm>
+            <a:off x="1058512" y="3586261"/>
+            <a:ext cx="4003872" cy="1483454"/>
+          </a:xfrm>
+          <a:prstGeom prst="rect">
+            <a:avLst/>
+          </a:prstGeom>
+        </p:spPr>
+        <p:txBody>
+          <a:bodyPr/>
+          <a:lstStyle>
+            <a:lvl1pPr algn="l" defTabSz="914400" rtl="0" eaLnBrk="1" latinLnBrk="0" hangingPunct="1">
+              <a:lnSpc>
+                <a:spcPct val="90000"/>
+              </a:lnSpc>
+              <a:spcBef>
+                <a:spcPct val="0"/>
+              </a:spcBef>
+              <a:buNone/>
+              <a:defRPr sz="3200" b="1" kern="1200">
+                <a:solidFill>
+                  <a:srgbClr val="019DD0"/>
+                </a:solidFill>
+                <a:latin typeface="Arial" panose="020B0604020202020204" pitchFamily="34" charset="0"/>
+                <a:ea typeface="+mj-ea"/>
+                <a:cs typeface="Arial" panose="020B0604020202020204" pitchFamily="34" charset="0"/>
+              </a:defRPr>
+            </a:lvl1pPr>
+          </a:lstStyle>
+          <a:p>
+            <a:pPr>
+              <a:lnSpc>
+                <a:spcPct val="100000"/>
+              </a:lnSpc>
+            </a:pPr>
+            <a:r>
+              <a:rPr lang="en-US" sz="2000" b="0" dirty="0" smtClean="0">
+                <a:solidFill>
+                  <a:schemeClr val="tx1">
+                    <a:lumMod val="95000"/>
+                    <a:lumOff val="5000"/>
+                  </a:schemeClr>
+                </a:solidFill>
+                <a:ea typeface="Roboto Condensed" pitchFamily="2" charset="0"/>
+              </a:rPr>
+              <a:t>Chúng ta có thể tạo ra một biến với giá trị số ngẫu nhiên.</a:t>
+            </a:r>
+          </a:p>
+          <a:p>
+            <a:pPr>
+              <a:lnSpc>
+                <a:spcPct val="100000"/>
+              </a:lnSpc>
+            </a:pPr>
+            <a:r>
+              <a:rPr lang="en-US" sz="2000" b="0" dirty="0" smtClean="0">
+                <a:solidFill>
+                  <a:schemeClr val="tx1">
+                    <a:lumMod val="95000"/>
+                    <a:lumOff val="5000"/>
+                  </a:schemeClr>
+                </a:solidFill>
+                <a:ea typeface="Roboto Condensed" pitchFamily="2" charset="0"/>
+              </a:rPr>
+              <a:t>Bằng cách chọn Math block sau đó chọn </a:t>
+            </a:r>
+            <a:r>
+              <a:rPr lang="en-US" sz="2000" dirty="0" smtClean="0">
+                <a:solidFill>
+                  <a:schemeClr val="tx1">
+                    <a:lumMod val="95000"/>
+                    <a:lumOff val="5000"/>
+                  </a:schemeClr>
+                </a:solidFill>
+                <a:ea typeface="Roboto Condensed" pitchFamily="2" charset="0"/>
+              </a:rPr>
+              <a:t>pick random x to y</a:t>
+            </a:r>
+            <a:endParaRPr lang="en-US" sz="2000" dirty="0" smtClean="0">
+              <a:solidFill>
+                <a:schemeClr val="tx1">
+                  <a:lumMod val="95000"/>
+                  <a:lumOff val="5000"/>
+                </a:schemeClr>
+              </a:solidFill>
+              <a:ea typeface="Roboto Condensed" pitchFamily="2" charset="0"/>
+            </a:endParaRPr>
+          </a:p>
+        </p:txBody>
+      </p:sp>
+      <p:sp>
+        <p:nvSpPr>
+          <p:cNvPr id="11" name="Title 1"/>
+          <p:cNvSpPr txBox="1">
+            <a:spLocks/>
+          </p:cNvSpPr>
+          <p:nvPr/>
+        </p:nvSpPr>
+        <p:spPr>
+          <a:xfrm>
+            <a:off x="709053" y="2681952"/>
+            <a:ext cx="8047836" cy="605352"/>
+          </a:xfrm>
+          <a:prstGeom prst="rect">
+            <a:avLst/>
+          </a:prstGeom>
+        </p:spPr>
+        <p:txBody>
+          <a:bodyPr/>
+          <a:lstStyle>
+            <a:lvl1pPr algn="l" defTabSz="914400" rtl="0" eaLnBrk="1" latinLnBrk="0" hangingPunct="1">
+              <a:lnSpc>
+                <a:spcPct val="90000"/>
+              </a:lnSpc>
+              <a:spcBef>
+                <a:spcPct val="0"/>
+              </a:spcBef>
+              <a:buNone/>
+              <a:defRPr sz="3200" b="1" kern="1200">
+                <a:solidFill>
+                  <a:srgbClr val="019DD0"/>
+                </a:solidFill>
+                <a:latin typeface="Arial" panose="020B0604020202020204" pitchFamily="34" charset="0"/>
+                <a:ea typeface="+mj-ea"/>
+                <a:cs typeface="Arial" panose="020B0604020202020204" pitchFamily="34" charset="0"/>
+              </a:defRPr>
+            </a:lvl1pPr>
+          </a:lstStyle>
+          <a:p>
+            <a:pPr>
+              <a:lnSpc>
+                <a:spcPct val="100000"/>
+              </a:lnSpc>
+            </a:pPr>
+            <a:r>
+              <a:rPr lang="en-US" sz="2000" b="0" i="1" dirty="0" smtClean="0">
+                <a:solidFill>
+                  <a:schemeClr val="tx1">
+                    <a:lumMod val="95000"/>
+                    <a:lumOff val="5000"/>
+                  </a:schemeClr>
+                </a:solidFill>
+                <a:ea typeface="Roboto Condensed" pitchFamily="2" charset="0"/>
+              </a:rPr>
+              <a:t>Ngẫu nhiên là một cái gì đó tình cờ xảy ra, không dự đoán trước được.</a:t>
+            </a:r>
+            <a:endParaRPr lang="en-US" sz="2000" b="0" i="1" dirty="0" smtClean="0">
+              <a:solidFill>
+                <a:schemeClr val="tx1">
+                  <a:lumMod val="95000"/>
+                  <a:lumOff val="5000"/>
+                </a:schemeClr>
+              </a:solidFill>
+              <a:ea typeface="Roboto Condensed" pitchFamily="2" charset="0"/>
+            </a:endParaRPr>
+          </a:p>
+        </p:txBody>
+      </p:sp>
+      <p:pic>
+        <p:nvPicPr>
+          <p:cNvPr id="12" name="Picture 11"/>
+          <p:cNvPicPr>
+            <a:picLocks noChangeAspect="1"/>
+          </p:cNvPicPr>
+          <p:nvPr/>
+        </p:nvPicPr>
+        <p:blipFill>
+          <a:blip r:embed="rId3"/>
+          <a:stretch>
+            <a:fillRect/>
+          </a:stretch>
+        </p:blipFill>
+        <p:spPr>
+          <a:xfrm>
+            <a:off x="4964871" y="3878924"/>
+            <a:ext cx="4344006" cy="1190791"/>
+          </a:xfrm>
+          <a:prstGeom prst="rect">
+            <a:avLst/>
+          </a:prstGeom>
+        </p:spPr>
+      </p:pic>
+      <p:sp>
+        <p:nvSpPr>
+          <p:cNvPr id="13" name="Rectangle 12"/>
           <p:cNvSpPr/>
           <p:nvPr/>
         </p:nvSpPr>
         <p:spPr>
           <a:xfrm>
-            <a:off x="418920" y="2020964"/>
-            <a:ext cx="4954594" cy="1631216"/>
-          </a:xfrm>
-          <a:prstGeom prst="rect">
-            <a:avLst/>
-          </a:prstGeom>
-        </p:spPr>
-        <p:txBody>
-          <a:bodyPr wrap="square">
-            <a:spAutoFit/>
-          </a:bodyPr>
-          <a:lstStyle/>
-          <a:p>
-            <a:r>
-              <a:rPr lang="en-US" sz="2000" dirty="0" smtClean="0"/>
-              <a:t>Một </a:t>
-            </a:r>
-            <a:r>
-              <a:rPr lang="vi-VN" sz="2000" dirty="0" smtClean="0"/>
-              <a:t>tổ </a:t>
-            </a:r>
-            <a:r>
-              <a:rPr lang="vi-VN" sz="2000" dirty="0"/>
-              <a:t>chức môi trường địa phương đang lo ngại vấn đề ô nhiễm rác tại khu vực sinh sống. Họ nghe nói micro:bit có thể lưu trữ thông tin, và họ hỏi là liệu bạn có thể thiết kế cho họ một chường trình:</a:t>
-            </a:r>
-            <a:endParaRPr lang="en-US" sz="2000" dirty="0"/>
-          </a:p>
-        </p:txBody>
-      </p:sp>
-      <p:sp>
-        <p:nvSpPr>
-          <p:cNvPr id="12" name="Rectangle 11"/>
-          <p:cNvSpPr/>
-          <p:nvPr/>
-        </p:nvSpPr>
-        <p:spPr>
-          <a:xfrm>
-            <a:off x="724931" y="4298349"/>
+            <a:off x="837841" y="5498495"/>
             <a:ext cx="172836" cy="176901"/>
           </a:xfrm>
           <a:prstGeom prst="rect">
             <a:avLst/>
           </a:prstGeom>
-          <a:solidFill>
-            <a:schemeClr val="bg1"/>
-          </a:solidFill>
+          <a:gradFill flip="none" rotWithShape="1">
+            <a:gsLst>
+              <a:gs pos="15000">
+                <a:srgbClr val="EC5F77"/>
+              </a:gs>
+              <a:gs pos="100000">
+                <a:srgbClr val="A8589E"/>
+              </a:gs>
+            </a:gsLst>
+            <a:lin ang="0" scaled="1"/>
+            <a:tileRect/>
+          </a:gradFill>
           <a:ln>
             <a:noFill/>
           </a:ln>
@@ -3409,7 +3586,7 @@
       </p:sp>
       <p:sp>
         <p:nvSpPr>
-          <p:cNvPr id="13" name="Title 1"/>
+          <p:cNvPr id="14" name="Title 1"/>
           <p:cNvSpPr txBox="1">
             <a:spLocks/>
           </p:cNvSpPr>
@@ -3417,8 +3594,8 @@
         </p:nvSpPr>
         <p:spPr>
           <a:xfrm>
-            <a:off x="961186" y="4179184"/>
-            <a:ext cx="4453417" cy="437210"/>
+            <a:off x="1058512" y="5362378"/>
+            <a:ext cx="7038566" cy="1184522"/>
           </a:xfrm>
           <a:prstGeom prst="rect">
             <a:avLst/>
@@ -3452,243 +3629,69 @@
               </a:lnSpc>
             </a:pPr>
             <a:r>
-              <a:rPr lang="en-US" sz="2000" b="0" dirty="0" smtClean="0">
-                <a:solidFill>
-                  <a:schemeClr val="bg1"/>
+              <a:rPr lang="en-US" sz="2000" dirty="0">
+                <a:solidFill>
+                  <a:schemeClr val="tx1">
+                    <a:lumMod val="95000"/>
+                    <a:lumOff val="5000"/>
+                  </a:schemeClr>
                 </a:solidFill>
                 <a:ea typeface="Roboto Condensed" pitchFamily="2" charset="0"/>
               </a:rPr>
-              <a:t>Đếm số lượng rác thải có thể tái chế</a:t>
-            </a:r>
-            <a:endParaRPr lang="en-US" sz="2000" b="0" dirty="0" smtClean="0">
+              <a:t>x</a:t>
+            </a:r>
+            <a:r>
+              <a:rPr lang="en-US" sz="2000" b="0" dirty="0" smtClean="0">
+                <a:solidFill>
+                  <a:schemeClr val="tx1">
+                    <a:lumMod val="95000"/>
+                    <a:lumOff val="5000"/>
+                  </a:schemeClr>
+                </a:solidFill>
+                <a:ea typeface="Roboto Condensed" pitchFamily="2" charset="0"/>
+              </a:rPr>
+              <a:t> là giá trị bắt đầu và </a:t>
+            </a:r>
+            <a:r>
+              <a:rPr lang="en-US" sz="2000" dirty="0" smtClean="0">
+                <a:solidFill>
+                  <a:schemeClr val="tx1">
+                    <a:lumMod val="95000"/>
+                    <a:lumOff val="5000"/>
+                  </a:schemeClr>
+                </a:solidFill>
+                <a:ea typeface="Roboto Condensed" pitchFamily="2" charset="0"/>
+              </a:rPr>
+              <a:t>y</a:t>
+            </a:r>
+            <a:r>
+              <a:rPr lang="en-US" sz="2000" b="0" dirty="0" smtClean="0">
+                <a:solidFill>
+                  <a:schemeClr val="tx1">
+                    <a:lumMod val="95000"/>
+                    <a:lumOff val="5000"/>
+                  </a:schemeClr>
+                </a:solidFill>
+                <a:ea typeface="Roboto Condensed" pitchFamily="2" charset="0"/>
+              </a:rPr>
+              <a:t> là giá trị kết thúc. Chương trình sẽ ngẫu nhiên lấy ra một giá trị trong khoảng từ x – y mà bạn đã khai báo</a:t>
+            </a:r>
+            <a:endParaRPr lang="en-US" sz="2000" dirty="0" smtClean="0">
               <a:solidFill>
-                <a:schemeClr val="bg1"/>
+                <a:schemeClr val="tx1">
+                  <a:lumMod val="95000"/>
+                  <a:lumOff val="5000"/>
+                </a:schemeClr>
               </a:solidFill>
               <a:ea typeface="Roboto Condensed" pitchFamily="2" charset="0"/>
             </a:endParaRPr>
           </a:p>
         </p:txBody>
       </p:sp>
-      <p:sp>
-        <p:nvSpPr>
-          <p:cNvPr id="14" name="Rectangle 13"/>
-          <p:cNvSpPr/>
-          <p:nvPr/>
-        </p:nvSpPr>
-        <p:spPr>
-          <a:xfrm>
-            <a:off x="724931" y="4780949"/>
-            <a:ext cx="172836" cy="176901"/>
-          </a:xfrm>
-          <a:prstGeom prst="rect">
-            <a:avLst/>
-          </a:prstGeom>
-          <a:solidFill>
-            <a:schemeClr val="bg1"/>
-          </a:solidFill>
-          <a:ln>
-            <a:noFill/>
-          </a:ln>
-        </p:spPr>
-        <p:style>
-          <a:lnRef idx="2">
-            <a:schemeClr val="accent1">
-              <a:shade val="50000"/>
-            </a:schemeClr>
-          </a:lnRef>
-          <a:fillRef idx="1">
-            <a:schemeClr val="accent1"/>
-          </a:fillRef>
-          <a:effectRef idx="0">
-            <a:schemeClr val="accent1"/>
-          </a:effectRef>
-          <a:fontRef idx="minor">
-            <a:schemeClr val="lt1"/>
-          </a:fontRef>
-        </p:style>
-        <p:txBody>
-          <a:bodyPr rtlCol="0" anchor="ctr"/>
-          <a:lstStyle/>
-          <a:p>
-            <a:pPr algn="ctr"/>
-            <a:endParaRPr lang="en-US"/>
-          </a:p>
-        </p:txBody>
-      </p:sp>
-      <p:sp>
-        <p:nvSpPr>
-          <p:cNvPr id="15" name="Title 1"/>
-          <p:cNvSpPr txBox="1">
-            <a:spLocks/>
-          </p:cNvSpPr>
-          <p:nvPr/>
-        </p:nvSpPr>
-        <p:spPr>
-          <a:xfrm>
-            <a:off x="961186" y="4661783"/>
-            <a:ext cx="4453417" cy="686488"/>
-          </a:xfrm>
-          <a:prstGeom prst="rect">
-            <a:avLst/>
-          </a:prstGeom>
-        </p:spPr>
-        <p:txBody>
-          <a:bodyPr/>
-          <a:lstStyle>
-            <a:lvl1pPr algn="l" defTabSz="914400" rtl="0" eaLnBrk="1" latinLnBrk="0" hangingPunct="1">
-              <a:lnSpc>
-                <a:spcPct val="90000"/>
-              </a:lnSpc>
-              <a:spcBef>
-                <a:spcPct val="0"/>
-              </a:spcBef>
-              <a:buNone/>
-              <a:defRPr sz="3200" b="1" kern="1200">
-                <a:solidFill>
-                  <a:srgbClr val="019DD0"/>
-                </a:solidFill>
-                <a:latin typeface="Arial" panose="020B0604020202020204" pitchFamily="34" charset="0"/>
-                <a:ea typeface="+mj-ea"/>
-                <a:cs typeface="Arial" panose="020B0604020202020204" pitchFamily="34" charset="0"/>
-              </a:defRPr>
-            </a:lvl1pPr>
-          </a:lstStyle>
-          <a:p>
-            <a:pPr>
-              <a:lnSpc>
-                <a:spcPct val="100000"/>
-              </a:lnSpc>
-            </a:pPr>
-            <a:r>
-              <a:rPr lang="en-US" sz="2000" b="0" dirty="0" smtClean="0">
-                <a:solidFill>
-                  <a:schemeClr val="bg1"/>
-                </a:solidFill>
-                <a:ea typeface="Roboto Condensed" pitchFamily="2" charset="0"/>
-              </a:rPr>
-              <a:t>Đếm số lượng rác thải không thể tái chế</a:t>
-            </a:r>
-            <a:endParaRPr lang="en-US" sz="2000" b="0" dirty="0" smtClean="0">
-              <a:solidFill>
-                <a:schemeClr val="bg1"/>
-              </a:solidFill>
-              <a:ea typeface="Roboto Condensed" pitchFamily="2" charset="0"/>
-            </a:endParaRPr>
-          </a:p>
-        </p:txBody>
-      </p:sp>
-      <p:sp>
-        <p:nvSpPr>
-          <p:cNvPr id="16" name="Rectangle 15"/>
-          <p:cNvSpPr/>
-          <p:nvPr/>
-        </p:nvSpPr>
-        <p:spPr>
-          <a:xfrm>
-            <a:off x="724931" y="5555649"/>
-            <a:ext cx="172836" cy="176901"/>
-          </a:xfrm>
-          <a:prstGeom prst="rect">
-            <a:avLst/>
-          </a:prstGeom>
-          <a:solidFill>
-            <a:schemeClr val="bg1"/>
-          </a:solidFill>
-          <a:ln>
-            <a:noFill/>
-          </a:ln>
-        </p:spPr>
-        <p:style>
-          <a:lnRef idx="2">
-            <a:schemeClr val="accent1">
-              <a:shade val="50000"/>
-            </a:schemeClr>
-          </a:lnRef>
-          <a:fillRef idx="1">
-            <a:schemeClr val="accent1"/>
-          </a:fillRef>
-          <a:effectRef idx="0">
-            <a:schemeClr val="accent1"/>
-          </a:effectRef>
-          <a:fontRef idx="minor">
-            <a:schemeClr val="lt1"/>
-          </a:fontRef>
-        </p:style>
-        <p:txBody>
-          <a:bodyPr rtlCol="0" anchor="ctr"/>
-          <a:lstStyle/>
-          <a:p>
-            <a:pPr algn="ctr"/>
-            <a:endParaRPr lang="en-US"/>
-          </a:p>
-        </p:txBody>
-      </p:sp>
-      <p:sp>
-        <p:nvSpPr>
-          <p:cNvPr id="17" name="Title 1"/>
-          <p:cNvSpPr txBox="1">
-            <a:spLocks/>
-          </p:cNvSpPr>
-          <p:nvPr/>
-        </p:nvSpPr>
-        <p:spPr>
-          <a:xfrm>
-            <a:off x="961186" y="5436483"/>
-            <a:ext cx="4453417" cy="686488"/>
-          </a:xfrm>
-          <a:prstGeom prst="rect">
-            <a:avLst/>
-          </a:prstGeom>
-        </p:spPr>
-        <p:txBody>
-          <a:bodyPr/>
-          <a:lstStyle>
-            <a:lvl1pPr algn="l" defTabSz="914400" rtl="0" eaLnBrk="1" latinLnBrk="0" hangingPunct="1">
-              <a:lnSpc>
-                <a:spcPct val="90000"/>
-              </a:lnSpc>
-              <a:spcBef>
-                <a:spcPct val="0"/>
-              </a:spcBef>
-              <a:buNone/>
-              <a:defRPr sz="3200" b="1" kern="1200">
-                <a:solidFill>
-                  <a:srgbClr val="019DD0"/>
-                </a:solidFill>
-                <a:latin typeface="Arial" panose="020B0604020202020204" pitchFamily="34" charset="0"/>
-                <a:ea typeface="+mj-ea"/>
-                <a:cs typeface="Arial" panose="020B0604020202020204" pitchFamily="34" charset="0"/>
-              </a:defRPr>
-            </a:lvl1pPr>
-          </a:lstStyle>
-          <a:p>
-            <a:pPr>
-              <a:lnSpc>
-                <a:spcPct val="100000"/>
-              </a:lnSpc>
-            </a:pPr>
-            <a:r>
-              <a:rPr lang="en-US" sz="2000" b="0" dirty="0" smtClean="0">
-                <a:solidFill>
-                  <a:schemeClr val="bg1"/>
-                </a:solidFill>
-                <a:ea typeface="Roboto Condensed" pitchFamily="2" charset="0"/>
-              </a:rPr>
-              <a:t>Xem được số lượng mỗi loại rác thải đã đếm được</a:t>
-            </a:r>
-            <a:endParaRPr lang="en-US" sz="2000" b="0" dirty="0" smtClean="0">
-              <a:solidFill>
-                <a:schemeClr val="bg1"/>
-              </a:solidFill>
-              <a:ea typeface="Roboto Condensed" pitchFamily="2" charset="0"/>
-            </a:endParaRPr>
-          </a:p>
-        </p:txBody>
-      </p:sp>
     </p:spTree>
     <p:extLst>
       <p:ext uri="{BB962C8B-B14F-4D97-AF65-F5344CB8AC3E}">
-        <p14:creationId xmlns:p14="http://schemas.microsoft.com/office/powerpoint/2010/main" val="2483830330"/>
+        <p14:creationId xmlns:p14="http://schemas.microsoft.com/office/powerpoint/2010/main" val="755697984"/>
       </p:ext>
     </p:extLst>
   </p:cSld>
@@ -3836,6 +3839,59 @@
           </a:p>
         </p:txBody>
       </p:sp>
+      <p:pic>
+        <p:nvPicPr>
+          <p:cNvPr id="5" name="Picture 4"/>
+          <p:cNvPicPr>
+            <a:picLocks noChangeAspect="1"/>
+          </p:cNvPicPr>
+          <p:nvPr/>
+        </p:nvPicPr>
+        <p:blipFill>
+          <a:blip r:embed="rId2"/>
+          <a:stretch>
+            <a:fillRect/>
+          </a:stretch>
+        </p:blipFill>
+        <p:spPr>
+          <a:xfrm>
+            <a:off x="5617732" y="1754675"/>
+            <a:ext cx="2693241" cy="2324763"/>
+          </a:xfrm>
+          <a:prstGeom prst="rect">
+            <a:avLst/>
+          </a:prstGeom>
+        </p:spPr>
+      </p:pic>
+      <p:pic>
+        <p:nvPicPr>
+          <p:cNvPr id="6" name="Picture 5"/>
+          <p:cNvPicPr>
+            <a:picLocks noChangeAspect="1"/>
+          </p:cNvPicPr>
+          <p:nvPr/>
+        </p:nvPicPr>
+        <p:blipFill rotWithShape="1">
+          <a:blip r:embed="rId3">
+            <a:extLst>
+              <a:ext uri="{28A0092B-C50C-407E-A947-70E740481C1C}">
+                <a14:useLocalDpi xmlns:a14="http://schemas.microsoft.com/office/drawing/2010/main" val="0"/>
+              </a:ext>
+            </a:extLst>
+          </a:blip>
+          <a:srcRect r="33981"/>
+          <a:stretch/>
+        </p:blipFill>
+        <p:spPr>
+          <a:xfrm>
+            <a:off x="5497322" y="4515972"/>
+            <a:ext cx="3213459" cy="1807915"/>
+          </a:xfrm>
+          <a:prstGeom prst="rect">
+            <a:avLst/>
+          </a:prstGeom>
+        </p:spPr>
+      </p:pic>
       <p:sp>
         <p:nvSpPr>
           <p:cNvPr id="7" name="TextBox 6"/>
@@ -3893,7 +3949,7 @@
           <p:nvPr/>
         </p:nvPicPr>
         <p:blipFill>
-          <a:blip r:embed="rId2">
+          <a:blip r:embed="rId4">
             <a:extLst>
               <a:ext uri="{28A0092B-C50C-407E-A947-70E740481C1C}">
                 <a14:useLocalDpi xmlns:a14="http://schemas.microsoft.com/office/drawing/2010/main" val="0"/>
@@ -3916,26 +3972,34 @@
       </p:pic>
       <p:sp>
         <p:nvSpPr>
-          <p:cNvPr id="18" name="Rounded Rectangle 17"/>
+          <p:cNvPr id="9" name="Rounded Rectangle 8"/>
           <p:cNvSpPr/>
           <p:nvPr/>
         </p:nvSpPr>
         <p:spPr>
           <a:xfrm>
-            <a:off x="542728" y="2020965"/>
-            <a:ext cx="4320820" cy="4125836"/>
+            <a:off x="542727" y="3962399"/>
+            <a:ext cx="4871875" cy="2361487"/>
           </a:xfrm>
           <a:prstGeom prst="roundRect">
             <a:avLst>
               <a:gd name="adj" fmla="val 3719"/>
             </a:avLst>
           </a:prstGeom>
-          <a:noFill/>
-          <a:ln w="19050">
-            <a:solidFill>
-              <a:srgbClr val="EC5F77"/>
-            </a:solidFill>
-            <a:prstDash val="sysDash"/>
+          <a:gradFill flip="none" rotWithShape="1">
+            <a:gsLst>
+              <a:gs pos="15000">
+                <a:srgbClr val="EC5F77"/>
+              </a:gs>
+              <a:gs pos="100000">
+                <a:srgbClr val="A8589E"/>
+              </a:gs>
+            </a:gsLst>
+            <a:lin ang="0" scaled="1"/>
+            <a:tileRect/>
+          </a:gradFill>
+          <a:ln>
+            <a:noFill/>
           </a:ln>
         </p:spPr>
         <p:style>
@@ -3965,20 +4029,57 @@
       </p:sp>
       <p:sp>
         <p:nvSpPr>
-          <p:cNvPr id="19" name="Rectangle 18"/>
+          <p:cNvPr id="11" name="Rectangle 10"/>
           <p:cNvSpPr/>
           <p:nvPr/>
         </p:nvSpPr>
         <p:spPr>
           <a:xfrm>
-            <a:off x="699890" y="2710297"/>
+            <a:off x="418920" y="2020964"/>
+            <a:ext cx="4954594" cy="1631216"/>
+          </a:xfrm>
+          <a:prstGeom prst="rect">
+            <a:avLst/>
+          </a:prstGeom>
+        </p:spPr>
+        <p:txBody>
+          <a:bodyPr wrap="square">
+            <a:spAutoFit/>
+          </a:bodyPr>
+          <a:lstStyle/>
+          <a:p>
+            <a:r>
+              <a:rPr lang="en-US" sz="2000" dirty="0" smtClean="0"/>
+              <a:t>Một </a:t>
+            </a:r>
+            <a:r>
+              <a:rPr lang="vi-VN" sz="2000" dirty="0" smtClean="0"/>
+              <a:t>tổ </a:t>
+            </a:r>
+            <a:r>
+              <a:rPr lang="vi-VN" sz="2000" dirty="0"/>
+              <a:t>chức môi trường địa phương đang lo ngại vấn đề ô nhiễm rác tại khu vực sinh sống. Họ nghe nói micro:bit có thể lưu trữ thông tin, và họ hỏi là liệu bạn có thể thiết kế cho họ một chường trình:</a:t>
+            </a:r>
+            <a:endParaRPr lang="en-US" sz="2000" dirty="0"/>
+          </a:p>
+        </p:txBody>
+      </p:sp>
+      <p:sp>
+        <p:nvSpPr>
+          <p:cNvPr id="12" name="Rectangle 11"/>
+          <p:cNvSpPr/>
+          <p:nvPr/>
+        </p:nvSpPr>
+        <p:spPr>
+          <a:xfrm>
+            <a:off x="724931" y="4298349"/>
             <a:ext cx="172836" cy="176901"/>
           </a:xfrm>
           <a:prstGeom prst="rect">
             <a:avLst/>
           </a:prstGeom>
           <a:solidFill>
-            <a:srgbClr val="EC5F77"/>
+            <a:schemeClr val="bg1"/>
           </a:solidFill>
           <a:ln>
             <a:noFill/>
@@ -4011,7 +4112,7 @@
       </p:sp>
       <p:sp>
         <p:nvSpPr>
-          <p:cNvPr id="20" name="Title 1"/>
+          <p:cNvPr id="13" name="Title 1"/>
           <p:cNvSpPr txBox="1">
             <a:spLocks/>
           </p:cNvSpPr>
@@ -4019,8 +4120,8 @@
         </p:nvSpPr>
         <p:spPr>
           <a:xfrm>
-            <a:off x="612302" y="2143087"/>
-            <a:ext cx="4003872" cy="389372"/>
+            <a:off x="961186" y="4179184"/>
+            <a:ext cx="4453417" cy="437210"/>
           </a:xfrm>
           <a:prstGeom prst="rect">
             <a:avLst/>
@@ -4054,113 +4155,33 @@
               </a:lnSpc>
             </a:pPr>
             <a:r>
-              <a:rPr lang="en-US" sz="2000" dirty="0" smtClean="0">
-                <a:solidFill>
-                  <a:schemeClr val="tx1">
-                    <a:lumMod val="95000"/>
-                    <a:lumOff val="5000"/>
-                  </a:schemeClr>
+              <a:rPr lang="en-US" sz="2000" b="0" dirty="0" smtClean="0">
+                <a:solidFill>
+                  <a:schemeClr val="bg1"/>
                 </a:solidFill>
                 <a:ea typeface="Roboto Condensed" pitchFamily="2" charset="0"/>
               </a:rPr>
-              <a:t>Hướng dẫn thêm:</a:t>
-            </a:r>
-            <a:endParaRPr lang="en-US" sz="2000" dirty="0" smtClean="0">
-              <a:solidFill>
-                <a:schemeClr val="tx1">
-                  <a:lumMod val="95000"/>
-                  <a:lumOff val="5000"/>
-                </a:schemeClr>
-              </a:solidFill>
-              <a:ea typeface="Roboto Condensed" pitchFamily="2" charset="0"/>
-            </a:endParaRPr>
-          </a:p>
-        </p:txBody>
-      </p:sp>
-      <p:sp>
-        <p:nvSpPr>
-          <p:cNvPr id="21" name="Title 1"/>
-          <p:cNvSpPr txBox="1">
-            <a:spLocks/>
-          </p:cNvSpPr>
-          <p:nvPr/>
-        </p:nvSpPr>
-        <p:spPr>
-          <a:xfrm>
-            <a:off x="927938" y="2578661"/>
-            <a:ext cx="3859410" cy="761440"/>
-          </a:xfrm>
-          <a:prstGeom prst="rect">
-            <a:avLst/>
-          </a:prstGeom>
-        </p:spPr>
-        <p:txBody>
-          <a:bodyPr/>
-          <a:lstStyle>
-            <a:lvl1pPr algn="l" defTabSz="914400" rtl="0" eaLnBrk="1" latinLnBrk="0" hangingPunct="1">
-              <a:lnSpc>
-                <a:spcPct val="90000"/>
-              </a:lnSpc>
-              <a:spcBef>
-                <a:spcPct val="0"/>
-              </a:spcBef>
-              <a:buNone/>
-              <a:defRPr sz="3200" b="1" kern="1200">
-                <a:solidFill>
-                  <a:srgbClr val="019DD0"/>
-                </a:solidFill>
-                <a:latin typeface="Arial" panose="020B0604020202020204" pitchFamily="34" charset="0"/>
-                <a:ea typeface="+mj-ea"/>
-                <a:cs typeface="Arial" panose="020B0604020202020204" pitchFamily="34" charset="0"/>
-              </a:defRPr>
-            </a:lvl1pPr>
-          </a:lstStyle>
-          <a:p>
-            <a:pPr>
-              <a:lnSpc>
-                <a:spcPct val="100000"/>
-              </a:lnSpc>
-            </a:pPr>
-            <a:r>
-              <a:rPr lang="en-US" sz="2000" b="0" dirty="0" smtClean="0">
-                <a:solidFill>
-                  <a:schemeClr val="tx1">
-                    <a:lumMod val="95000"/>
-                    <a:lumOff val="5000"/>
-                  </a:schemeClr>
-                </a:solidFill>
-                <a:ea typeface="Roboto Condensed" pitchFamily="2" charset="0"/>
-              </a:rPr>
-              <a:t>Khởi động chương trình hiển thị ra màn hình LED hình trái tim</a:t>
-            </a:r>
-            <a:endParaRPr lang="en-US" sz="2000" b="0" dirty="0" smtClean="0">
-              <a:solidFill>
-                <a:schemeClr val="tx1">
-                  <a:lumMod val="95000"/>
-                  <a:lumOff val="5000"/>
-                </a:schemeClr>
-              </a:solidFill>
-              <a:ea typeface="Roboto Condensed" pitchFamily="2" charset="0"/>
-            </a:endParaRPr>
-          </a:p>
-        </p:txBody>
-      </p:sp>
-      <p:sp>
-        <p:nvSpPr>
-          <p:cNvPr id="22" name="Rectangle 21"/>
+              <a:t>Đếm số lượng rác thải có thể tái chế</a:t>
+            </a:r>
+          </a:p>
+        </p:txBody>
+      </p:sp>
+      <p:sp>
+        <p:nvSpPr>
+          <p:cNvPr id="14" name="Rectangle 13"/>
           <p:cNvSpPr/>
           <p:nvPr/>
         </p:nvSpPr>
         <p:spPr>
           <a:xfrm>
-            <a:off x="699890" y="3535797"/>
+            <a:off x="724931" y="4780949"/>
             <a:ext cx="172836" cy="176901"/>
           </a:xfrm>
           <a:prstGeom prst="rect">
             <a:avLst/>
           </a:prstGeom>
           <a:solidFill>
-            <a:srgbClr val="EC5F77"/>
+            <a:schemeClr val="bg1"/>
           </a:solidFill>
           <a:ln>
             <a:noFill/>
@@ -4193,7 +4214,7 @@
       </p:sp>
       <p:sp>
         <p:nvSpPr>
-          <p:cNvPr id="23" name="Title 1"/>
+          <p:cNvPr id="15" name="Title 1"/>
           <p:cNvSpPr txBox="1">
             <a:spLocks/>
           </p:cNvSpPr>
@@ -4201,8 +4222,8 @@
         </p:nvSpPr>
         <p:spPr>
           <a:xfrm>
-            <a:off x="927938" y="3404161"/>
-            <a:ext cx="3859410" cy="761440"/>
+            <a:off x="961186" y="4661783"/>
+            <a:ext cx="4453417" cy="686488"/>
           </a:xfrm>
           <a:prstGeom prst="rect">
             <a:avLst/>
@@ -4238,43 +4259,31 @@
             <a:r>
               <a:rPr lang="en-US" sz="2000" b="0" dirty="0" smtClean="0">
                 <a:solidFill>
-                  <a:schemeClr val="tx1">
-                    <a:lumMod val="95000"/>
-                    <a:lumOff val="5000"/>
-                  </a:schemeClr>
+                  <a:schemeClr val="bg1"/>
                 </a:solidFill>
                 <a:ea typeface="Roboto Condensed" pitchFamily="2" charset="0"/>
               </a:rPr>
-              <a:t>Nhấn button A để đếm số lượng rác thải có thể tái chế</a:t>
-            </a:r>
-            <a:endParaRPr lang="en-US" sz="2000" b="0" dirty="0" smtClean="0">
-              <a:solidFill>
-                <a:schemeClr val="tx1">
-                  <a:lumMod val="95000"/>
-                  <a:lumOff val="5000"/>
-                </a:schemeClr>
-              </a:solidFill>
-              <a:ea typeface="Roboto Condensed" pitchFamily="2" charset="0"/>
-            </a:endParaRPr>
-          </a:p>
-        </p:txBody>
-      </p:sp>
-      <p:sp>
-        <p:nvSpPr>
-          <p:cNvPr id="24" name="Rectangle 23"/>
+              <a:t>Đếm số lượng rác thải không thể tái chế</a:t>
+            </a:r>
+          </a:p>
+        </p:txBody>
+      </p:sp>
+      <p:sp>
+        <p:nvSpPr>
+          <p:cNvPr id="16" name="Rectangle 15"/>
           <p:cNvSpPr/>
           <p:nvPr/>
         </p:nvSpPr>
         <p:spPr>
           <a:xfrm>
-            <a:off x="699890" y="4348597"/>
+            <a:off x="724931" y="5555649"/>
             <a:ext cx="172836" cy="176901"/>
           </a:xfrm>
           <a:prstGeom prst="rect">
             <a:avLst/>
           </a:prstGeom>
           <a:solidFill>
-            <a:srgbClr val="EC5F77"/>
+            <a:schemeClr val="bg1"/>
           </a:solidFill>
           <a:ln>
             <a:noFill/>
@@ -4307,7 +4316,7 @@
       </p:sp>
       <p:sp>
         <p:nvSpPr>
-          <p:cNvPr id="25" name="Title 1"/>
+          <p:cNvPr id="17" name="Title 1"/>
           <p:cNvSpPr txBox="1">
             <a:spLocks/>
           </p:cNvSpPr>
@@ -4315,8 +4324,8 @@
         </p:nvSpPr>
         <p:spPr>
           <a:xfrm>
-            <a:off x="927938" y="4216961"/>
-            <a:ext cx="3859410" cy="761440"/>
+            <a:off x="961186" y="5436483"/>
+            <a:ext cx="4453417" cy="686488"/>
           </a:xfrm>
           <a:prstGeom prst="rect">
             <a:avLst/>
@@ -4352,44 +4361,95 @@
             <a:r>
               <a:rPr lang="en-US" sz="2000" b="0" dirty="0" smtClean="0">
                 <a:solidFill>
-                  <a:schemeClr val="tx1">
-                    <a:lumMod val="95000"/>
-                    <a:lumOff val="5000"/>
-                  </a:schemeClr>
+                  <a:schemeClr val="bg1"/>
                 </a:solidFill>
                 <a:ea typeface="Roboto Condensed" pitchFamily="2" charset="0"/>
               </a:rPr>
-              <a:t>Nhấn button B để đếm số lượng rác thải không thể tái chế</a:t>
-            </a:r>
-            <a:endParaRPr lang="en-US" sz="2000" b="0" dirty="0" smtClean="0">
-              <a:solidFill>
-                <a:schemeClr val="tx1">
-                  <a:lumMod val="95000"/>
-                  <a:lumOff val="5000"/>
-                </a:schemeClr>
-              </a:solidFill>
-              <a:ea typeface="Roboto Condensed" pitchFamily="2" charset="0"/>
-            </a:endParaRPr>
-          </a:p>
-        </p:txBody>
-      </p:sp>
-      <p:sp>
-        <p:nvSpPr>
-          <p:cNvPr id="26" name="Rectangle 25"/>
+              <a:t>Xem được số lượng mỗi loại rác thải đã đếm được</a:t>
+            </a:r>
+          </a:p>
+        </p:txBody>
+      </p:sp>
+    </p:spTree>
+    <p:extLst>
+      <p:ext uri="{BB962C8B-B14F-4D97-AF65-F5344CB8AC3E}">
+        <p14:creationId xmlns:p14="http://schemas.microsoft.com/office/powerpoint/2010/main" val="2483830330"/>
+      </p:ext>
+    </p:extLst>
+  </p:cSld>
+  <p:clrMapOvr>
+    <a:masterClrMapping/>
+  </p:clrMapOvr>
+</p:sld>
+</file>
+
+<file path=ppt/slides/slide13.xml><?xml version="1.0" encoding="utf-8"?>
+<p:sld xmlns:a="http://schemas.openxmlformats.org/drawingml/2006/main" xmlns:r="http://schemas.openxmlformats.org/officeDocument/2006/relationships" xmlns:p="http://schemas.openxmlformats.org/presentationml/2006/main">
+  <p:cSld>
+    <p:spTree>
+      <p:nvGrpSpPr>
+        <p:cNvPr id="1" name=""/>
+        <p:cNvGrpSpPr/>
+        <p:nvPr/>
+      </p:nvGrpSpPr>
+      <p:grpSpPr>
+        <a:xfrm>
+          <a:off x="0" y="0"/>
+          <a:ext cx="0" cy="0"/>
+          <a:chOff x="0" y="0"/>
+          <a:chExt cx="0" cy="0"/>
+        </a:xfrm>
+      </p:grpSpPr>
+      <p:sp>
+        <p:nvSpPr>
+          <p:cNvPr id="2" name="Slide Number Placeholder 1"/>
+          <p:cNvSpPr>
+            <a:spLocks noGrp="1"/>
+          </p:cNvSpPr>
+          <p:nvPr>
+            <p:ph type="sldNum" sz="quarter" idx="12"/>
+          </p:nvPr>
+        </p:nvSpPr>
+        <p:spPr/>
+        <p:txBody>
+          <a:bodyPr/>
+          <a:lstStyle/>
+          <a:p>
+            <a:fld id="{7D9EC917-02A2-4152-9EE3-DFE2775A77C7}" type="slidenum">
+              <a:rPr lang="en-US" smtClean="0"/>
+              <a:pPr/>
+              <a:t>13</a:t>
+            </a:fld>
+            <a:endParaRPr lang="en-US"/>
+          </a:p>
+        </p:txBody>
+      </p:sp>
+      <p:sp>
+        <p:nvSpPr>
+          <p:cNvPr id="3" name="Rectangle 2"/>
           <p:cNvSpPr/>
           <p:nvPr/>
         </p:nvSpPr>
         <p:spPr>
           <a:xfrm>
-            <a:off x="699890" y="5224897"/>
-            <a:ext cx="172836" cy="176901"/>
-          </a:xfrm>
-          <a:prstGeom prst="rect">
-            <a:avLst/>
-          </a:prstGeom>
-          <a:solidFill>
-            <a:srgbClr val="EC5F77"/>
-          </a:solidFill>
+            <a:off x="301925" y="1051379"/>
+            <a:ext cx="8454964" cy="27432"/>
+          </a:xfrm>
+          <a:prstGeom prst="rect">
+            <a:avLst/>
+          </a:prstGeom>
+          <a:gradFill flip="none" rotWithShape="1">
+            <a:gsLst>
+              <a:gs pos="15000">
+                <a:srgbClr val="EC5F77"/>
+              </a:gs>
+              <a:gs pos="100000">
+                <a:srgbClr val="A8589E"/>
+              </a:gs>
+            </a:gsLst>
+            <a:lin ang="0" scaled="1"/>
+            <a:tileRect/>
+          </a:gradFill>
           <a:ln>
             <a:noFill/>
           </a:ln>
@@ -4421,7 +4481,222 @@
       </p:sp>
       <p:sp>
         <p:nvSpPr>
-          <p:cNvPr id="27" name="Title 1"/>
+          <p:cNvPr id="4" name="TextBox 3"/>
+          <p:cNvSpPr txBox="1"/>
+          <p:nvPr/>
+        </p:nvSpPr>
+        <p:spPr>
+          <a:xfrm>
+            <a:off x="248815" y="546584"/>
+            <a:ext cx="7374995" cy="461665"/>
+          </a:xfrm>
+          <a:prstGeom prst="rect">
+            <a:avLst/>
+          </a:prstGeom>
+          <a:noFill/>
+        </p:spPr>
+        <p:txBody>
+          <a:bodyPr wrap="square" rtlCol="0">
+            <a:spAutoFit/>
+          </a:bodyPr>
+          <a:lstStyle/>
+          <a:p>
+            <a:r>
+              <a:rPr lang="en-US" sz="2400" b="1" dirty="0" smtClean="0">
+                <a:solidFill>
+                  <a:srgbClr val="EC5F77"/>
+                </a:solidFill>
+                <a:latin typeface="UTM Helve" panose="02040603050506020204" pitchFamily="18" charset="0"/>
+                <a:ea typeface="Roboto" pitchFamily="2" charset="0"/>
+              </a:rPr>
+              <a:t>2.4 Hoạt động học viên</a:t>
+            </a:r>
+            <a:endParaRPr lang="en-US" sz="2400" b="1" dirty="0">
+              <a:solidFill>
+                <a:srgbClr val="EC5F77"/>
+              </a:solidFill>
+              <a:latin typeface="UTM Helve" panose="02040603050506020204" pitchFamily="18" charset="0"/>
+              <a:ea typeface="Roboto" pitchFamily="2" charset="0"/>
+            </a:endParaRPr>
+          </a:p>
+        </p:txBody>
+      </p:sp>
+      <p:sp>
+        <p:nvSpPr>
+          <p:cNvPr id="7" name="TextBox 6"/>
+          <p:cNvSpPr txBox="1"/>
+          <p:nvPr/>
+        </p:nvSpPr>
+        <p:spPr>
+          <a:xfrm>
+            <a:off x="1098981" y="1272143"/>
+            <a:ext cx="3764567" cy="461665"/>
+          </a:xfrm>
+          <a:prstGeom prst="rect">
+            <a:avLst/>
+          </a:prstGeom>
+          <a:noFill/>
+        </p:spPr>
+        <p:txBody>
+          <a:bodyPr wrap="square" rtlCol="0">
+            <a:spAutoFit/>
+          </a:bodyPr>
+          <a:lstStyle/>
+          <a:p>
+            <a:r>
+              <a:rPr lang="en-US" sz="2400" b="1" dirty="0" smtClean="0">
+                <a:solidFill>
+                  <a:schemeClr val="tx1">
+                    <a:lumMod val="85000"/>
+                    <a:lumOff val="15000"/>
+                  </a:schemeClr>
+                </a:solidFill>
+                <a:latin typeface="UTM Helve" panose="02040603050506020204" pitchFamily="18" charset="0"/>
+                <a:ea typeface="Roboto" pitchFamily="2" charset="0"/>
+              </a:rPr>
+              <a:t>Săn Rác</a:t>
+            </a:r>
+            <a:endParaRPr lang="en-US" sz="2400" b="1" dirty="0">
+              <a:solidFill>
+                <a:schemeClr val="tx1">
+                  <a:lumMod val="85000"/>
+                  <a:lumOff val="15000"/>
+                </a:schemeClr>
+              </a:solidFill>
+              <a:latin typeface="UTM Helve" panose="02040603050506020204" pitchFamily="18" charset="0"/>
+              <a:ea typeface="Roboto" pitchFamily="2" charset="0"/>
+            </a:endParaRPr>
+          </a:p>
+        </p:txBody>
+      </p:sp>
+      <p:pic>
+        <p:nvPicPr>
+          <p:cNvPr id="8" name="Picture 7"/>
+          <p:cNvPicPr>
+            <a:picLocks noChangeAspect="1"/>
+          </p:cNvPicPr>
+          <p:nvPr/>
+        </p:nvPicPr>
+        <p:blipFill>
+          <a:blip r:embed="rId2">
+            <a:extLst>
+              <a:ext uri="{28A0092B-C50C-407E-A947-70E740481C1C}">
+                <a14:useLocalDpi xmlns:a14="http://schemas.microsoft.com/office/drawing/2010/main" val="0"/>
+              </a:ext>
+            </a:extLst>
+          </a:blip>
+          <a:stretch>
+            <a:fillRect/>
+          </a:stretch>
+        </p:blipFill>
+        <p:spPr>
+          <a:xfrm>
+            <a:off x="542728" y="1345100"/>
+            <a:ext cx="466725" cy="409575"/>
+          </a:xfrm>
+          <a:prstGeom prst="rect">
+            <a:avLst/>
+          </a:prstGeom>
+        </p:spPr>
+      </p:pic>
+      <p:sp>
+        <p:nvSpPr>
+          <p:cNvPr id="18" name="Rounded Rectangle 17"/>
+          <p:cNvSpPr/>
+          <p:nvPr/>
+        </p:nvSpPr>
+        <p:spPr>
+          <a:xfrm>
+            <a:off x="542728" y="2020965"/>
+            <a:ext cx="4320820" cy="4125836"/>
+          </a:xfrm>
+          <a:prstGeom prst="roundRect">
+            <a:avLst>
+              <a:gd name="adj" fmla="val 3719"/>
+            </a:avLst>
+          </a:prstGeom>
+          <a:noFill/>
+          <a:ln w="19050">
+            <a:solidFill>
+              <a:srgbClr val="EC5F77"/>
+            </a:solidFill>
+            <a:prstDash val="sysDash"/>
+          </a:ln>
+        </p:spPr>
+        <p:style>
+          <a:lnRef idx="2">
+            <a:schemeClr val="accent1">
+              <a:shade val="50000"/>
+            </a:schemeClr>
+          </a:lnRef>
+          <a:fillRef idx="1">
+            <a:schemeClr val="accent1"/>
+          </a:fillRef>
+          <a:effectRef idx="0">
+            <a:schemeClr val="accent1"/>
+          </a:effectRef>
+          <a:fontRef idx="minor">
+            <a:schemeClr val="lt1"/>
+          </a:fontRef>
+        </p:style>
+        <p:txBody>
+          <a:bodyPr rtlCol="0" anchor="ctr"/>
+          <a:lstStyle/>
+          <a:p>
+            <a:pPr algn="ctr"/>
+            <a:endParaRPr lang="en-US"/>
+          </a:p>
+        </p:txBody>
+      </p:sp>
+      <p:sp>
+        <p:nvSpPr>
+          <p:cNvPr id="19" name="Rectangle 18"/>
+          <p:cNvSpPr/>
+          <p:nvPr/>
+        </p:nvSpPr>
+        <p:spPr>
+          <a:xfrm>
+            <a:off x="699890" y="2710297"/>
+            <a:ext cx="172836" cy="176901"/>
+          </a:xfrm>
+          <a:prstGeom prst="rect">
+            <a:avLst/>
+          </a:prstGeom>
+          <a:solidFill>
+            <a:srgbClr val="EC5F77"/>
+          </a:solidFill>
+          <a:ln>
+            <a:noFill/>
+          </a:ln>
+        </p:spPr>
+        <p:style>
+          <a:lnRef idx="2">
+            <a:schemeClr val="accent1">
+              <a:shade val="50000"/>
+            </a:schemeClr>
+          </a:lnRef>
+          <a:fillRef idx="1">
+            <a:schemeClr val="accent1"/>
+          </a:fillRef>
+          <a:effectRef idx="0">
+            <a:schemeClr val="accent1"/>
+          </a:effectRef>
+          <a:fontRef idx="minor">
+            <a:schemeClr val="lt1"/>
+          </a:fontRef>
+        </p:style>
+        <p:txBody>
+          <a:bodyPr rtlCol="0" anchor="ctr"/>
+          <a:lstStyle/>
+          <a:p>
+            <a:pPr algn="ctr"/>
+            <a:endParaRPr lang="en-US"/>
+          </a:p>
+        </p:txBody>
+      </p:sp>
+      <p:sp>
+        <p:nvSpPr>
+          <p:cNvPr id="20" name="Title 1"/>
           <p:cNvSpPr txBox="1">
             <a:spLocks/>
           </p:cNvSpPr>
@@ -4429,8 +4704,8 @@
         </p:nvSpPr>
         <p:spPr>
           <a:xfrm>
-            <a:off x="927938" y="5093261"/>
-            <a:ext cx="3859410" cy="761440"/>
+            <a:off x="612302" y="2143087"/>
+            <a:ext cx="4003872" cy="389372"/>
           </a:xfrm>
           <a:prstGeom prst="rect">
             <a:avLst/>
@@ -4464,7 +4739,7 @@
               </a:lnSpc>
             </a:pPr>
             <a:r>
-              <a:rPr lang="en-US" sz="2000" b="0" dirty="0" smtClean="0">
+              <a:rPr lang="en-US" sz="2000" dirty="0" smtClean="0">
                 <a:solidFill>
                   <a:schemeClr val="tx1">
                     <a:lumMod val="95000"/>
@@ -4473,17 +4748,382 @@
                 </a:solidFill>
                 <a:ea typeface="Roboto Condensed" pitchFamily="2" charset="0"/>
               </a:rPr>
+              <a:t>Hướng dẫn thêm:</a:t>
+            </a:r>
+          </a:p>
+        </p:txBody>
+      </p:sp>
+      <p:sp>
+        <p:nvSpPr>
+          <p:cNvPr id="21" name="Title 1"/>
+          <p:cNvSpPr txBox="1">
+            <a:spLocks/>
+          </p:cNvSpPr>
+          <p:nvPr/>
+        </p:nvSpPr>
+        <p:spPr>
+          <a:xfrm>
+            <a:off x="927938" y="2578661"/>
+            <a:ext cx="3859410" cy="761440"/>
+          </a:xfrm>
+          <a:prstGeom prst="rect">
+            <a:avLst/>
+          </a:prstGeom>
+        </p:spPr>
+        <p:txBody>
+          <a:bodyPr/>
+          <a:lstStyle>
+            <a:lvl1pPr algn="l" defTabSz="914400" rtl="0" eaLnBrk="1" latinLnBrk="0" hangingPunct="1">
+              <a:lnSpc>
+                <a:spcPct val="90000"/>
+              </a:lnSpc>
+              <a:spcBef>
+                <a:spcPct val="0"/>
+              </a:spcBef>
+              <a:buNone/>
+              <a:defRPr sz="3200" b="1" kern="1200">
+                <a:solidFill>
+                  <a:srgbClr val="019DD0"/>
+                </a:solidFill>
+                <a:latin typeface="Arial" panose="020B0604020202020204" pitchFamily="34" charset="0"/>
+                <a:ea typeface="+mj-ea"/>
+                <a:cs typeface="Arial" panose="020B0604020202020204" pitchFamily="34" charset="0"/>
+              </a:defRPr>
+            </a:lvl1pPr>
+          </a:lstStyle>
+          <a:p>
+            <a:pPr>
+              <a:lnSpc>
+                <a:spcPct val="100000"/>
+              </a:lnSpc>
+            </a:pPr>
+            <a:r>
+              <a:rPr lang="en-US" sz="2000" b="0" dirty="0" smtClean="0">
+                <a:solidFill>
+                  <a:schemeClr val="tx1">
+                    <a:lumMod val="95000"/>
+                    <a:lumOff val="5000"/>
+                  </a:schemeClr>
+                </a:solidFill>
+                <a:ea typeface="Roboto Condensed" pitchFamily="2" charset="0"/>
+              </a:rPr>
+              <a:t>Khởi động chương trình hiển thị ra màn hình LED hình trái tim</a:t>
+            </a:r>
+          </a:p>
+        </p:txBody>
+      </p:sp>
+      <p:sp>
+        <p:nvSpPr>
+          <p:cNvPr id="22" name="Rectangle 21"/>
+          <p:cNvSpPr/>
+          <p:nvPr/>
+        </p:nvSpPr>
+        <p:spPr>
+          <a:xfrm>
+            <a:off x="699890" y="3535797"/>
+            <a:ext cx="172836" cy="176901"/>
+          </a:xfrm>
+          <a:prstGeom prst="rect">
+            <a:avLst/>
+          </a:prstGeom>
+          <a:solidFill>
+            <a:srgbClr val="EC5F77"/>
+          </a:solidFill>
+          <a:ln>
+            <a:noFill/>
+          </a:ln>
+        </p:spPr>
+        <p:style>
+          <a:lnRef idx="2">
+            <a:schemeClr val="accent1">
+              <a:shade val="50000"/>
+            </a:schemeClr>
+          </a:lnRef>
+          <a:fillRef idx="1">
+            <a:schemeClr val="accent1"/>
+          </a:fillRef>
+          <a:effectRef idx="0">
+            <a:schemeClr val="accent1"/>
+          </a:effectRef>
+          <a:fontRef idx="minor">
+            <a:schemeClr val="lt1"/>
+          </a:fontRef>
+        </p:style>
+        <p:txBody>
+          <a:bodyPr rtlCol="0" anchor="ctr"/>
+          <a:lstStyle/>
+          <a:p>
+            <a:pPr algn="ctr"/>
+            <a:endParaRPr lang="en-US"/>
+          </a:p>
+        </p:txBody>
+      </p:sp>
+      <p:sp>
+        <p:nvSpPr>
+          <p:cNvPr id="23" name="Title 1"/>
+          <p:cNvSpPr txBox="1">
+            <a:spLocks/>
+          </p:cNvSpPr>
+          <p:nvPr/>
+        </p:nvSpPr>
+        <p:spPr>
+          <a:xfrm>
+            <a:off x="927938" y="3404161"/>
+            <a:ext cx="3859410" cy="761440"/>
+          </a:xfrm>
+          <a:prstGeom prst="rect">
+            <a:avLst/>
+          </a:prstGeom>
+        </p:spPr>
+        <p:txBody>
+          <a:bodyPr/>
+          <a:lstStyle>
+            <a:lvl1pPr algn="l" defTabSz="914400" rtl="0" eaLnBrk="1" latinLnBrk="0" hangingPunct="1">
+              <a:lnSpc>
+                <a:spcPct val="90000"/>
+              </a:lnSpc>
+              <a:spcBef>
+                <a:spcPct val="0"/>
+              </a:spcBef>
+              <a:buNone/>
+              <a:defRPr sz="3200" b="1" kern="1200">
+                <a:solidFill>
+                  <a:srgbClr val="019DD0"/>
+                </a:solidFill>
+                <a:latin typeface="Arial" panose="020B0604020202020204" pitchFamily="34" charset="0"/>
+                <a:ea typeface="+mj-ea"/>
+                <a:cs typeface="Arial" panose="020B0604020202020204" pitchFamily="34" charset="0"/>
+              </a:defRPr>
+            </a:lvl1pPr>
+          </a:lstStyle>
+          <a:p>
+            <a:pPr>
+              <a:lnSpc>
+                <a:spcPct val="100000"/>
+              </a:lnSpc>
+            </a:pPr>
+            <a:r>
+              <a:rPr lang="en-US" sz="2000" b="0" dirty="0" smtClean="0">
+                <a:solidFill>
+                  <a:schemeClr val="tx1">
+                    <a:lumMod val="95000"/>
+                    <a:lumOff val="5000"/>
+                  </a:schemeClr>
+                </a:solidFill>
+                <a:ea typeface="Roboto Condensed" pitchFamily="2" charset="0"/>
+              </a:rPr>
+              <a:t>Nhấn button A để đếm số lượng rác thải có thể tái chế</a:t>
+            </a:r>
+          </a:p>
+        </p:txBody>
+      </p:sp>
+      <p:sp>
+        <p:nvSpPr>
+          <p:cNvPr id="24" name="Rectangle 23"/>
+          <p:cNvSpPr/>
+          <p:nvPr/>
+        </p:nvSpPr>
+        <p:spPr>
+          <a:xfrm>
+            <a:off x="699890" y="4348597"/>
+            <a:ext cx="172836" cy="176901"/>
+          </a:xfrm>
+          <a:prstGeom prst="rect">
+            <a:avLst/>
+          </a:prstGeom>
+          <a:solidFill>
+            <a:srgbClr val="EC5F77"/>
+          </a:solidFill>
+          <a:ln>
+            <a:noFill/>
+          </a:ln>
+        </p:spPr>
+        <p:style>
+          <a:lnRef idx="2">
+            <a:schemeClr val="accent1">
+              <a:shade val="50000"/>
+            </a:schemeClr>
+          </a:lnRef>
+          <a:fillRef idx="1">
+            <a:schemeClr val="accent1"/>
+          </a:fillRef>
+          <a:effectRef idx="0">
+            <a:schemeClr val="accent1"/>
+          </a:effectRef>
+          <a:fontRef idx="minor">
+            <a:schemeClr val="lt1"/>
+          </a:fontRef>
+        </p:style>
+        <p:txBody>
+          <a:bodyPr rtlCol="0" anchor="ctr"/>
+          <a:lstStyle/>
+          <a:p>
+            <a:pPr algn="ctr"/>
+            <a:endParaRPr lang="en-US"/>
+          </a:p>
+        </p:txBody>
+      </p:sp>
+      <p:sp>
+        <p:nvSpPr>
+          <p:cNvPr id="25" name="Title 1"/>
+          <p:cNvSpPr txBox="1">
+            <a:spLocks/>
+          </p:cNvSpPr>
+          <p:nvPr/>
+        </p:nvSpPr>
+        <p:spPr>
+          <a:xfrm>
+            <a:off x="927938" y="4216961"/>
+            <a:ext cx="3859410" cy="761440"/>
+          </a:xfrm>
+          <a:prstGeom prst="rect">
+            <a:avLst/>
+          </a:prstGeom>
+        </p:spPr>
+        <p:txBody>
+          <a:bodyPr/>
+          <a:lstStyle>
+            <a:lvl1pPr algn="l" defTabSz="914400" rtl="0" eaLnBrk="1" latinLnBrk="0" hangingPunct="1">
+              <a:lnSpc>
+                <a:spcPct val="90000"/>
+              </a:lnSpc>
+              <a:spcBef>
+                <a:spcPct val="0"/>
+              </a:spcBef>
+              <a:buNone/>
+              <a:defRPr sz="3200" b="1" kern="1200">
+                <a:solidFill>
+                  <a:srgbClr val="019DD0"/>
+                </a:solidFill>
+                <a:latin typeface="Arial" panose="020B0604020202020204" pitchFamily="34" charset="0"/>
+                <a:ea typeface="+mj-ea"/>
+                <a:cs typeface="Arial" panose="020B0604020202020204" pitchFamily="34" charset="0"/>
+              </a:defRPr>
+            </a:lvl1pPr>
+          </a:lstStyle>
+          <a:p>
+            <a:pPr>
+              <a:lnSpc>
+                <a:spcPct val="100000"/>
+              </a:lnSpc>
+            </a:pPr>
+            <a:r>
+              <a:rPr lang="en-US" sz="2000" b="0" dirty="0" smtClean="0">
+                <a:solidFill>
+                  <a:schemeClr val="tx1">
+                    <a:lumMod val="95000"/>
+                    <a:lumOff val="5000"/>
+                  </a:schemeClr>
+                </a:solidFill>
+                <a:ea typeface="Roboto Condensed" pitchFamily="2" charset="0"/>
+              </a:rPr>
+              <a:t>Nhấn button B để đếm số lượng rác thải không thể tái chế</a:t>
+            </a:r>
+          </a:p>
+        </p:txBody>
+      </p:sp>
+      <p:sp>
+        <p:nvSpPr>
+          <p:cNvPr id="26" name="Rectangle 25"/>
+          <p:cNvSpPr/>
+          <p:nvPr/>
+        </p:nvSpPr>
+        <p:spPr>
+          <a:xfrm>
+            <a:off x="699890" y="5224897"/>
+            <a:ext cx="172836" cy="176901"/>
+          </a:xfrm>
+          <a:prstGeom prst="rect">
+            <a:avLst/>
+          </a:prstGeom>
+          <a:solidFill>
+            <a:srgbClr val="EC5F77"/>
+          </a:solidFill>
+          <a:ln>
+            <a:noFill/>
+          </a:ln>
+        </p:spPr>
+        <p:style>
+          <a:lnRef idx="2">
+            <a:schemeClr val="accent1">
+              <a:shade val="50000"/>
+            </a:schemeClr>
+          </a:lnRef>
+          <a:fillRef idx="1">
+            <a:schemeClr val="accent1"/>
+          </a:fillRef>
+          <a:effectRef idx="0">
+            <a:schemeClr val="accent1"/>
+          </a:effectRef>
+          <a:fontRef idx="minor">
+            <a:schemeClr val="lt1"/>
+          </a:fontRef>
+        </p:style>
+        <p:txBody>
+          <a:bodyPr rtlCol="0" anchor="ctr"/>
+          <a:lstStyle/>
+          <a:p>
+            <a:pPr algn="ctr"/>
+            <a:endParaRPr lang="en-US"/>
+          </a:p>
+        </p:txBody>
+      </p:sp>
+      <p:sp>
+        <p:nvSpPr>
+          <p:cNvPr id="27" name="Title 1"/>
+          <p:cNvSpPr txBox="1">
+            <a:spLocks/>
+          </p:cNvSpPr>
+          <p:nvPr/>
+        </p:nvSpPr>
+        <p:spPr>
+          <a:xfrm>
+            <a:off x="927938" y="5093261"/>
+            <a:ext cx="3859410" cy="761440"/>
+          </a:xfrm>
+          <a:prstGeom prst="rect">
+            <a:avLst/>
+          </a:prstGeom>
+        </p:spPr>
+        <p:txBody>
+          <a:bodyPr/>
+          <a:lstStyle>
+            <a:lvl1pPr algn="l" defTabSz="914400" rtl="0" eaLnBrk="1" latinLnBrk="0" hangingPunct="1">
+              <a:lnSpc>
+                <a:spcPct val="90000"/>
+              </a:lnSpc>
+              <a:spcBef>
+                <a:spcPct val="0"/>
+              </a:spcBef>
+              <a:buNone/>
+              <a:defRPr sz="3200" b="1" kern="1200">
+                <a:solidFill>
+                  <a:srgbClr val="019DD0"/>
+                </a:solidFill>
+                <a:latin typeface="Arial" panose="020B0604020202020204" pitchFamily="34" charset="0"/>
+                <a:ea typeface="+mj-ea"/>
+                <a:cs typeface="Arial" panose="020B0604020202020204" pitchFamily="34" charset="0"/>
+              </a:defRPr>
+            </a:lvl1pPr>
+          </a:lstStyle>
+          <a:p>
+            <a:pPr>
+              <a:lnSpc>
+                <a:spcPct val="100000"/>
+              </a:lnSpc>
+            </a:pPr>
+            <a:r>
+              <a:rPr lang="en-US" sz="2000" b="0" dirty="0" smtClean="0">
+                <a:solidFill>
+                  <a:schemeClr val="tx1">
+                    <a:lumMod val="95000"/>
+                    <a:lumOff val="5000"/>
+                  </a:schemeClr>
+                </a:solidFill>
+                <a:ea typeface="Roboto Condensed" pitchFamily="2" charset="0"/>
+              </a:rPr>
               <a:t>Chạm Logo để xem số lượng rác thãi mỗi loại đã đếm được</a:t>
             </a:r>
-            <a:endParaRPr lang="en-US" sz="2000" b="0" dirty="0" smtClean="0">
-              <a:solidFill>
-                <a:schemeClr val="tx1">
-                  <a:lumMod val="95000"/>
-                  <a:lumOff val="5000"/>
-                </a:schemeClr>
-              </a:solidFill>
-              <a:ea typeface="Roboto Condensed" pitchFamily="2" charset="0"/>
-            </a:endParaRPr>
           </a:p>
         </p:txBody>
       </p:sp>
@@ -6000,20 +6640,7 @@
                 <a:latin typeface="UTM Helve" panose="02040603050506020204" pitchFamily="18" charset="0"/>
                 <a:ea typeface="Roboto" pitchFamily="2" charset="0"/>
               </a:rPr>
-              <a:t>Đặc tính </a:t>
-            </a:r>
-            <a:r>
-              <a:rPr lang="en-US" sz="2400" b="1" dirty="0" smtClean="0">
-                <a:solidFill>
-                  <a:schemeClr val="tx1">
-                    <a:lumMod val="85000"/>
-                    <a:lumOff val="15000"/>
-                  </a:schemeClr>
-                </a:solidFill>
-                <a:latin typeface="UTM Helve" panose="02040603050506020204" pitchFamily="18" charset="0"/>
-                <a:ea typeface="Roboto" pitchFamily="2" charset="0"/>
-              </a:rPr>
-              <a:t>của biến</a:t>
+              <a:t>Đặc tính của biến</a:t>
             </a:r>
             <a:endParaRPr lang="en-US" sz="2400" b="1" dirty="0">
               <a:solidFill>
@@ -7324,15 +7951,6 @@
               </a:rPr>
               <a:t>Chúng ta tìm hiểu cách sử dụng của biến của một ví dụ sau:</a:t>
             </a:r>
-            <a:endParaRPr lang="en-US" sz="2000" b="0" dirty="0" smtClean="0">
-              <a:solidFill>
-                <a:schemeClr val="tx1">
-                  <a:lumMod val="95000"/>
-                  <a:lumOff val="5000"/>
-                </a:schemeClr>
-              </a:solidFill>
-              <a:ea typeface="Roboto Condensed" pitchFamily="2" charset="0"/>
-            </a:endParaRPr>
           </a:p>
         </p:txBody>
       </p:sp>
@@ -7392,15 +8010,6 @@
               </a:rPr>
               <a:t>Tạo ra một biến, khi nhấn button A thì tăng biến lên một giá trị, nhấn button B thì giảm biến đi một giá trị</a:t>
             </a:r>
-            <a:endParaRPr lang="en-US" sz="2000" b="0" dirty="0" smtClean="0">
-              <a:solidFill>
-                <a:schemeClr val="tx1">
-                  <a:lumMod val="95000"/>
-                  <a:lumOff val="5000"/>
-                </a:schemeClr>
-              </a:solidFill>
-              <a:ea typeface="Roboto Condensed" pitchFamily="2" charset="0"/>
-            </a:endParaRPr>
           </a:p>
         </p:txBody>
       </p:sp>
@@ -7515,15 +8124,6 @@
               </a:rPr>
               <a:t>Chạm vào Logo thì hiển thị giá trị của biến ra màn hình LED</a:t>
             </a:r>
-            <a:endParaRPr lang="en-US" sz="2000" b="0" dirty="0" smtClean="0">
-              <a:solidFill>
-                <a:schemeClr val="tx1">
-                  <a:lumMod val="95000"/>
-                  <a:lumOff val="5000"/>
-                </a:schemeClr>
-              </a:solidFill>
-              <a:ea typeface="Roboto Condensed" pitchFamily="2" charset="0"/>
-            </a:endParaRPr>
           </a:p>
         </p:txBody>
       </p:sp>
@@ -7824,15 +8424,6 @@
               </a:rPr>
               <a:t>use Variables</a:t>
             </a:r>
-            <a:endParaRPr lang="en-US" sz="2000" dirty="0" smtClean="0">
-              <a:solidFill>
-                <a:schemeClr val="tx1">
-                  <a:lumMod val="95000"/>
-                  <a:lumOff val="5000"/>
-                </a:schemeClr>
-              </a:solidFill>
-              <a:ea typeface="Roboto Condensed" pitchFamily="2" charset="0"/>
-            </a:endParaRPr>
           </a:p>
         </p:txBody>
       </p:sp>
@@ -7892,15 +8483,6 @@
               </a:rPr>
               <a:t>Tạo xong bạn sẽ thấy có giao diện như hình bên phải</a:t>
             </a:r>
-            <a:endParaRPr lang="en-US" sz="2000" b="0" dirty="0" smtClean="0">
-              <a:solidFill>
-                <a:schemeClr val="tx1">
-                  <a:lumMod val="95000"/>
-                  <a:lumOff val="5000"/>
-                </a:schemeClr>
-              </a:solidFill>
-              <a:ea typeface="Roboto Condensed" pitchFamily="2" charset="0"/>
-            </a:endParaRPr>
           </a:p>
         </p:txBody>
       </p:sp>
@@ -8070,15 +8652,6 @@
               </a:rPr>
               <a:t>counterA</a:t>
             </a:r>
-            <a:endParaRPr lang="en-US" sz="2000" dirty="0" smtClean="0">
-              <a:solidFill>
-                <a:schemeClr val="tx1">
-                  <a:lumMod val="95000"/>
-                  <a:lumOff val="5000"/>
-                </a:schemeClr>
-              </a:solidFill>
-              <a:ea typeface="Roboto Condensed" pitchFamily="2" charset="0"/>
-            </a:endParaRPr>
           </a:p>
         </p:txBody>
       </p:sp>
@@ -9048,15 +9621,6 @@
               </a:rPr>
               <a:t>Tạo ra một biến, khi nhấn button A thì tăng biến lên một giá trị, nhấn button B thì giảm biến đi một giá trị</a:t>
             </a:r>
-            <a:endParaRPr lang="en-US" sz="2000" b="0" dirty="0" smtClean="0">
-              <a:solidFill>
-                <a:schemeClr val="tx1">
-                  <a:lumMod val="95000"/>
-                  <a:lumOff val="5000"/>
-                </a:schemeClr>
-              </a:solidFill>
-              <a:ea typeface="Roboto Condensed" pitchFamily="2" charset="0"/>
-            </a:endParaRPr>
           </a:p>
         </p:txBody>
       </p:sp>
@@ -9171,15 +9735,6 @@
               </a:rPr>
               <a:t>Chạm vào Logo thì hiển thị giá trị của biến ra màn hình LED</a:t>
             </a:r>
-            <a:endParaRPr lang="en-US" sz="2000" b="0" dirty="0" smtClean="0">
-              <a:solidFill>
-                <a:schemeClr val="tx1">
-                  <a:lumMod val="95000"/>
-                  <a:lumOff val="5000"/>
-                </a:schemeClr>
-              </a:solidFill>
-              <a:ea typeface="Roboto Condensed" pitchFamily="2" charset="0"/>
-            </a:endParaRPr>
           </a:p>
         </p:txBody>
       </p:sp>

--- a/Lessions/Bai-02-Inputs-and-Variables/2.Bai-02-Inputs-and-Variables-p2.pptx
+++ b/Lessions/Bai-02-Inputs-and-Variables/2.Bai-02-Inputs-and-Variables-p2.pptx
@@ -5,7 +5,7 @@
     <p:sldMasterId id="2147483660" r:id="rId1"/>
   </p:sldMasterIdLst>
   <p:notesMasterIdLst>
-    <p:notesMasterId r:id="rId15"/>
+    <p:notesMasterId r:id="rId14"/>
   </p:notesMasterIdLst>
   <p:sldIdLst>
     <p:sldId id="256" r:id="rId2"/>
@@ -13,14 +13,13 @@
     <p:sldId id="281" r:id="rId4"/>
     <p:sldId id="282" r:id="rId5"/>
     <p:sldId id="283" r:id="rId6"/>
-    <p:sldId id="284" r:id="rId7"/>
-    <p:sldId id="285" r:id="rId8"/>
-    <p:sldId id="286" r:id="rId9"/>
-    <p:sldId id="266" r:id="rId10"/>
-    <p:sldId id="268" r:id="rId11"/>
-    <p:sldId id="289" r:id="rId12"/>
-    <p:sldId id="287" r:id="rId13"/>
-    <p:sldId id="288" r:id="rId14"/>
+    <p:sldId id="285" r:id="rId7"/>
+    <p:sldId id="284" r:id="rId8"/>
+    <p:sldId id="290" r:id="rId9"/>
+    <p:sldId id="291" r:id="rId10"/>
+    <p:sldId id="289" r:id="rId11"/>
+    <p:sldId id="287" r:id="rId12"/>
+    <p:sldId id="288" r:id="rId13"/>
   </p:sldIdLst>
   <p:sldSz cx="9144000" cy="6858000" type="screen4x3"/>
   <p:notesSz cx="6858000" cy="9144000"/>
@@ -209,7 +208,7 @@
           <a:p>
             <a:fld id="{E1BDF935-9821-4834-9D99-7DEFA719F44D}" type="datetimeFigureOut">
               <a:rPr lang="en-US" smtClean="0"/>
-              <a:t>5/4/2023</a:t>
+              <a:t>6/13/2024</a:t>
             </a:fld>
             <a:endParaRPr lang="en-US"/>
           </a:p>
@@ -2585,6 +2584,13 @@
   <p:clrMapOvr>
     <a:masterClrMapping/>
   </p:clrMapOvr>
+  <p:timing>
+    <p:tnLst>
+      <p:par>
+        <p:cTn id="1" dur="indefinite" restart="never" nodeType="tmRoot"/>
+      </p:par>
+    </p:tnLst>
+  </p:timing>
 </p:sld>
 </file>
 
@@ -2631,14 +2637,69 @@
       </p:sp>
       <p:sp>
         <p:nvSpPr>
-          <p:cNvPr id="5" name="TextBox 4"/>
+          <p:cNvPr id="3" name="Rectangle 2"/>
+          <p:cNvSpPr/>
+          <p:nvPr/>
+        </p:nvSpPr>
+        <p:spPr>
+          <a:xfrm>
+            <a:off x="301925" y="1051379"/>
+            <a:ext cx="8454964" cy="27432"/>
+          </a:xfrm>
+          <a:prstGeom prst="rect">
+            <a:avLst/>
+          </a:prstGeom>
+          <a:gradFill flip="none" rotWithShape="1">
+            <a:gsLst>
+              <a:gs pos="15000">
+                <a:srgbClr val="EC5F77"/>
+              </a:gs>
+              <a:gs pos="100000">
+                <a:srgbClr val="A8589E"/>
+              </a:gs>
+            </a:gsLst>
+            <a:lin ang="0" scaled="1"/>
+            <a:tileRect/>
+          </a:gradFill>
+          <a:ln>
+            <a:noFill/>
+          </a:ln>
+        </p:spPr>
+        <p:style>
+          <a:lnRef idx="2">
+            <a:schemeClr val="accent1">
+              <a:shade val="50000"/>
+            </a:schemeClr>
+          </a:lnRef>
+          <a:fillRef idx="1">
+            <a:schemeClr val="accent1"/>
+          </a:fillRef>
+          <a:effectRef idx="0">
+            <a:schemeClr val="accent1"/>
+          </a:effectRef>
+          <a:fontRef idx="minor">
+            <a:schemeClr val="lt1"/>
+          </a:fontRef>
+        </p:style>
+        <p:txBody>
+          <a:bodyPr rtlCol="0" anchor="ctr"/>
+          <a:lstStyle/>
+          <a:p>
+            <a:pPr algn="ctr"/>
+            <a:endParaRPr lang="en-US"/>
+          </a:p>
+        </p:txBody>
+      </p:sp>
+      <p:sp>
+        <p:nvSpPr>
+          <p:cNvPr id="4" name="TextBox 3"/>
           <p:cNvSpPr txBox="1"/>
           <p:nvPr/>
         </p:nvSpPr>
         <p:spPr>
           <a:xfrm>
-            <a:off x="1265305" y="1364739"/>
-            <a:ext cx="5649845" cy="461665"/>
+            <a:off x="248815" y="546584"/>
+            <a:ext cx="7374995" cy="461665"/>
           </a:xfrm>
           <a:prstGeom prst="rect">
             <a:avLst/>
@@ -2654,6 +2715,48 @@
             <a:r>
               <a:rPr lang="en-US" sz="2400" b="1" dirty="0" smtClean="0">
                 <a:solidFill>
+                  <a:srgbClr val="EC5F77"/>
+                </a:solidFill>
+                <a:latin typeface="UTM Helve" panose="02040603050506020204" pitchFamily="18" charset="0"/>
+                <a:ea typeface="Roboto" pitchFamily="2" charset="0"/>
+              </a:rPr>
+              <a:t>2.3 Giới thiệu về Biến - Variables</a:t>
+            </a:r>
+            <a:endParaRPr lang="en-US" sz="2400" b="1" dirty="0">
+              <a:solidFill>
+                <a:srgbClr val="EC5F77"/>
+              </a:solidFill>
+              <a:latin typeface="UTM Helve" panose="02040603050506020204" pitchFamily="18" charset="0"/>
+              <a:ea typeface="Roboto" pitchFamily="2" charset="0"/>
+            </a:endParaRPr>
+          </a:p>
+        </p:txBody>
+      </p:sp>
+      <p:sp>
+        <p:nvSpPr>
+          <p:cNvPr id="5" name="TextBox 4"/>
+          <p:cNvSpPr txBox="1"/>
+          <p:nvPr/>
+        </p:nvSpPr>
+        <p:spPr>
+          <a:xfrm>
+            <a:off x="1265305" y="1364739"/>
+            <a:ext cx="5649845" cy="461665"/>
+          </a:xfrm>
+          <a:prstGeom prst="rect">
+            <a:avLst/>
+          </a:prstGeom>
+          <a:noFill/>
+        </p:spPr>
+        <p:txBody>
+          <a:bodyPr wrap="square" rtlCol="0">
+            <a:spAutoFit/>
+          </a:bodyPr>
+          <a:lstStyle/>
+          <a:p>
+            <a:r>
+              <a:rPr lang="en-US" sz="2400" b="1" dirty="0" smtClean="0">
+                <a:solidFill>
                   <a:schemeClr val="tx1">
                     <a:lumMod val="85000"/>
                     <a:lumOff val="15000"/>
@@ -2662,7 +2765,7 @@
                 <a:latin typeface="UTM Helve" panose="02040603050506020204" pitchFamily="18" charset="0"/>
                 <a:ea typeface="Roboto" pitchFamily="2" charset="0"/>
               </a:rPr>
-              <a:t>Giữ an toàn cho micro:bit</a:t>
+              <a:t>Biến số ngẫu nhiên</a:t>
             </a:r>
             <a:endParaRPr lang="en-US" sz="2400" b="1" dirty="0">
               <a:solidFill>
@@ -2707,198 +2810,16 @@
           </a:prstGeom>
         </p:spPr>
       </p:pic>
-      <p:pic>
-        <p:nvPicPr>
-          <p:cNvPr id="7" name="Google Shape;149;p5"/>
-          <p:cNvPicPr preferRelativeResize="0"/>
-          <p:nvPr/>
-        </p:nvPicPr>
-        <p:blipFill rotWithShape="1">
-          <a:blip r:embed="rId3">
-            <a:alphaModFix/>
-          </a:blip>
-          <a:srcRect/>
-          <a:stretch/>
-        </p:blipFill>
-        <p:spPr>
-          <a:xfrm>
-            <a:off x="804690" y="2535250"/>
-            <a:ext cx="3206517" cy="3182856"/>
-          </a:xfrm>
-          <a:prstGeom prst="rect">
-            <a:avLst/>
-          </a:prstGeom>
-          <a:noFill/>
-          <a:ln>
-            <a:noFill/>
-          </a:ln>
-        </p:spPr>
-      </p:pic>
       <p:sp>
         <p:nvSpPr>
-          <p:cNvPr id="8" name="Title 1"/>
-          <p:cNvSpPr txBox="1">
-            <a:spLocks/>
-          </p:cNvSpPr>
-          <p:nvPr/>
-        </p:nvSpPr>
-        <p:spPr>
-          <a:xfrm>
-            <a:off x="4261791" y="2490360"/>
-            <a:ext cx="4253559" cy="3227746"/>
-          </a:xfrm>
-          <a:prstGeom prst="rect">
-            <a:avLst/>
-          </a:prstGeom>
-        </p:spPr>
-        <p:txBody>
-          <a:bodyPr/>
-          <a:lstStyle>
-            <a:lvl1pPr algn="l" defTabSz="914400" rtl="0" eaLnBrk="1" latinLnBrk="0" hangingPunct="1">
-              <a:lnSpc>
-                <a:spcPct val="90000"/>
-              </a:lnSpc>
-              <a:spcBef>
-                <a:spcPct val="0"/>
-              </a:spcBef>
-              <a:buNone/>
-              <a:defRPr sz="3200" b="1" kern="1200">
-                <a:solidFill>
-                  <a:srgbClr val="019DD0"/>
-                </a:solidFill>
-                <a:latin typeface="Arial" panose="020B0604020202020204" pitchFamily="34" charset="0"/>
-                <a:ea typeface="+mj-ea"/>
-                <a:cs typeface="Arial" panose="020B0604020202020204" pitchFamily="34" charset="0"/>
-              </a:defRPr>
-            </a:lvl1pPr>
-          </a:lstStyle>
-          <a:p>
-            <a:pPr marL="342900" indent="-342900">
-              <a:lnSpc>
-                <a:spcPct val="100000"/>
-              </a:lnSpc>
-              <a:buFont typeface="Arial" panose="020B0604020202020204" pitchFamily="34" charset="0"/>
-              <a:buChar char="•"/>
-            </a:pPr>
-            <a:r>
-              <a:rPr lang="en-US" sz="2400" b="0" dirty="0">
-                <a:solidFill>
-                  <a:schemeClr val="tx1">
-                    <a:lumMod val="95000"/>
-                    <a:lumOff val="5000"/>
-                  </a:schemeClr>
-                </a:solidFill>
-                <a:ea typeface="Roboto Condensed" pitchFamily="2" charset="0"/>
-              </a:rPr>
-              <a:t>Cầm micro:bit cẩn thận ở các </a:t>
-            </a:r>
-            <a:r>
-              <a:rPr lang="en-US" sz="2400" b="0" dirty="0" smtClean="0">
-                <a:solidFill>
-                  <a:schemeClr val="tx1">
-                    <a:lumMod val="95000"/>
-                    <a:lumOff val="5000"/>
-                  </a:schemeClr>
-                </a:solidFill>
-                <a:ea typeface="Roboto Condensed" pitchFamily="2" charset="0"/>
-              </a:rPr>
-              <a:t>cạnh</a:t>
-            </a:r>
-            <a:br>
-              <a:rPr lang="en-US" sz="2400" b="0" dirty="0" smtClean="0">
-                <a:solidFill>
-                  <a:schemeClr val="tx1">
-                    <a:lumMod val="95000"/>
-                    <a:lumOff val="5000"/>
-                  </a:schemeClr>
-                </a:solidFill>
-                <a:ea typeface="Roboto Condensed" pitchFamily="2" charset="0"/>
-              </a:rPr>
-            </a:br>
-            <a:endParaRPr lang="en-US" sz="2400" b="0" dirty="0" smtClean="0">
-              <a:solidFill>
-                <a:schemeClr val="tx1">
-                  <a:lumMod val="95000"/>
-                  <a:lumOff val="5000"/>
-                </a:schemeClr>
-              </a:solidFill>
-              <a:ea typeface="Roboto Condensed" pitchFamily="2" charset="0"/>
-            </a:endParaRPr>
-          </a:p>
-          <a:p>
-            <a:pPr marL="342900" indent="-342900">
-              <a:lnSpc>
-                <a:spcPct val="100000"/>
-              </a:lnSpc>
-              <a:buFont typeface="Arial" panose="020B0604020202020204" pitchFamily="34" charset="0"/>
-              <a:buChar char="•"/>
-            </a:pPr>
-            <a:r>
-              <a:rPr lang="en-US" sz="2400" b="0" dirty="0" smtClean="0">
-                <a:solidFill>
-                  <a:schemeClr val="tx1">
-                    <a:lumMod val="95000"/>
-                    <a:lumOff val="5000"/>
-                  </a:schemeClr>
-                </a:solidFill>
-                <a:ea typeface="Roboto Condensed" pitchFamily="2" charset="0"/>
-              </a:rPr>
-              <a:t>Tránh chạm vào các bộ phận</a:t>
-            </a:r>
-            <a:br>
-              <a:rPr lang="en-US" sz="2400" b="0" dirty="0" smtClean="0">
-                <a:solidFill>
-                  <a:schemeClr val="tx1">
-                    <a:lumMod val="95000"/>
-                    <a:lumOff val="5000"/>
-                  </a:schemeClr>
-                </a:solidFill>
-                <a:ea typeface="Roboto Condensed" pitchFamily="2" charset="0"/>
-              </a:rPr>
-            </a:br>
-            <a:endParaRPr lang="en-US" sz="2400" b="0" dirty="0" smtClean="0">
-              <a:solidFill>
-                <a:schemeClr val="tx1">
-                  <a:lumMod val="95000"/>
-                  <a:lumOff val="5000"/>
-                </a:schemeClr>
-              </a:solidFill>
-              <a:ea typeface="Roboto Condensed" pitchFamily="2" charset="0"/>
-            </a:endParaRPr>
-          </a:p>
-          <a:p>
-            <a:pPr marL="342900" indent="-342900">
-              <a:lnSpc>
-                <a:spcPct val="100000"/>
-              </a:lnSpc>
-              <a:buFont typeface="Arial" panose="020B0604020202020204" pitchFamily="34" charset="0"/>
-              <a:buChar char="•"/>
-            </a:pPr>
-            <a:r>
-              <a:rPr lang="en-US" sz="2400" b="0" dirty="0" smtClean="0">
-                <a:solidFill>
-                  <a:schemeClr val="tx1">
-                    <a:lumMod val="95000"/>
-                    <a:lumOff val="5000"/>
-                  </a:schemeClr>
-                </a:solidFill>
-                <a:ea typeface="Roboto Condensed" pitchFamily="2" charset="0"/>
-              </a:rPr>
-              <a:t>Tránh xa micro:bit khỏi nước</a:t>
-            </a:r>
-          </a:p>
-        </p:txBody>
-      </p:sp>
-      <p:sp>
-        <p:nvSpPr>
-          <p:cNvPr id="11" name="Rectangle 10"/>
+          <p:cNvPr id="7" name="Rectangle 6"/>
           <p:cNvSpPr/>
           <p:nvPr/>
         </p:nvSpPr>
         <p:spPr>
           <a:xfrm>
-            <a:off x="301925" y="1051379"/>
-            <a:ext cx="8454964" cy="27432"/>
+            <a:off x="837841" y="3722378"/>
+            <a:ext cx="172836" cy="176901"/>
           </a:xfrm>
           <a:prstGeom prst="rect">
             <a:avLst/>
@@ -2946,42 +2867,391 @@
       </p:sp>
       <p:sp>
         <p:nvSpPr>
-          <p:cNvPr id="12" name="TextBox 11"/>
-          <p:cNvSpPr txBox="1"/>
+          <p:cNvPr id="8" name="Title 1"/>
+          <p:cNvSpPr txBox="1">
+            <a:spLocks/>
+          </p:cNvSpPr>
           <p:nvPr/>
         </p:nvSpPr>
         <p:spPr>
           <a:xfrm>
-            <a:off x="248815" y="546584"/>
-            <a:ext cx="7374995" cy="461665"/>
-          </a:xfrm>
-          <a:prstGeom prst="rect">
-            <a:avLst/>
-          </a:prstGeom>
-          <a:noFill/>
+            <a:off x="709053" y="2125361"/>
+            <a:ext cx="4003872" cy="605352"/>
+          </a:xfrm>
+          <a:prstGeom prst="rect">
+            <a:avLst/>
+          </a:prstGeom>
         </p:spPr>
         <p:txBody>
-          <a:bodyPr wrap="square" rtlCol="0">
-            <a:spAutoFit/>
-          </a:bodyPr>
+          <a:bodyPr/>
+          <a:lstStyle>
+            <a:lvl1pPr algn="l" defTabSz="914400" rtl="0" eaLnBrk="1" latinLnBrk="0" hangingPunct="1">
+              <a:lnSpc>
+                <a:spcPct val="90000"/>
+              </a:lnSpc>
+              <a:spcBef>
+                <a:spcPct val="0"/>
+              </a:spcBef>
+              <a:buNone/>
+              <a:defRPr sz="3200" b="1" kern="1200">
+                <a:solidFill>
+                  <a:srgbClr val="019DD0"/>
+                </a:solidFill>
+                <a:latin typeface="Arial" panose="020B0604020202020204" pitchFamily="34" charset="0"/>
+                <a:ea typeface="+mj-ea"/>
+                <a:cs typeface="Arial" panose="020B0604020202020204" pitchFamily="34" charset="0"/>
+              </a:defRPr>
+            </a:lvl1pPr>
+          </a:lstStyle>
+          <a:p>
+            <a:pPr>
+              <a:lnSpc>
+                <a:spcPct val="100000"/>
+              </a:lnSpc>
+            </a:pPr>
+            <a:r>
+              <a:rPr lang="en-US" sz="2000" dirty="0" smtClean="0">
+                <a:solidFill>
+                  <a:schemeClr val="tx1">
+                    <a:lumMod val="95000"/>
+                    <a:lumOff val="5000"/>
+                  </a:schemeClr>
+                </a:solidFill>
+                <a:ea typeface="Roboto Condensed" pitchFamily="2" charset="0"/>
+              </a:rPr>
+              <a:t>Ngẫu nhiên là gì ?</a:t>
+            </a:r>
+          </a:p>
+        </p:txBody>
+      </p:sp>
+      <p:sp>
+        <p:nvSpPr>
+          <p:cNvPr id="9" name="Title 1"/>
+          <p:cNvSpPr txBox="1">
+            <a:spLocks/>
+          </p:cNvSpPr>
+          <p:nvPr/>
+        </p:nvSpPr>
+        <p:spPr>
+          <a:xfrm>
+            <a:off x="1058512" y="3586261"/>
+            <a:ext cx="4003872" cy="1483454"/>
+          </a:xfrm>
+          <a:prstGeom prst="rect">
+            <a:avLst/>
+          </a:prstGeom>
+        </p:spPr>
+        <p:txBody>
+          <a:bodyPr/>
+          <a:lstStyle>
+            <a:lvl1pPr algn="l" defTabSz="914400" rtl="0" eaLnBrk="1" latinLnBrk="0" hangingPunct="1">
+              <a:lnSpc>
+                <a:spcPct val="90000"/>
+              </a:lnSpc>
+              <a:spcBef>
+                <a:spcPct val="0"/>
+              </a:spcBef>
+              <a:buNone/>
+              <a:defRPr sz="3200" b="1" kern="1200">
+                <a:solidFill>
+                  <a:srgbClr val="019DD0"/>
+                </a:solidFill>
+                <a:latin typeface="Arial" panose="020B0604020202020204" pitchFamily="34" charset="0"/>
+                <a:ea typeface="+mj-ea"/>
+                <a:cs typeface="Arial" panose="020B0604020202020204" pitchFamily="34" charset="0"/>
+              </a:defRPr>
+            </a:lvl1pPr>
+          </a:lstStyle>
+          <a:p>
+            <a:pPr>
+              <a:lnSpc>
+                <a:spcPct val="100000"/>
+              </a:lnSpc>
+            </a:pPr>
+            <a:r>
+              <a:rPr lang="en-US" sz="2000" b="0" dirty="0" smtClean="0">
+                <a:solidFill>
+                  <a:schemeClr val="tx1">
+                    <a:lumMod val="95000"/>
+                    <a:lumOff val="5000"/>
+                  </a:schemeClr>
+                </a:solidFill>
+                <a:ea typeface="Roboto Condensed" pitchFamily="2" charset="0"/>
+              </a:rPr>
+              <a:t>Chúng ta có thể tạo ra một biến với giá trị số ngẫu nhiên.</a:t>
+            </a:r>
+          </a:p>
+          <a:p>
+            <a:pPr>
+              <a:lnSpc>
+                <a:spcPct val="100000"/>
+              </a:lnSpc>
+            </a:pPr>
+            <a:r>
+              <a:rPr lang="en-US" sz="2000" b="0" dirty="0" smtClean="0">
+                <a:solidFill>
+                  <a:schemeClr val="tx1">
+                    <a:lumMod val="95000"/>
+                    <a:lumOff val="5000"/>
+                  </a:schemeClr>
+                </a:solidFill>
+                <a:ea typeface="Roboto Condensed" pitchFamily="2" charset="0"/>
+              </a:rPr>
+              <a:t>Bằng cách chọn Math block sau đó chọn </a:t>
+            </a:r>
+            <a:r>
+              <a:rPr lang="en-US" sz="2000" dirty="0" smtClean="0">
+                <a:solidFill>
+                  <a:schemeClr val="tx1">
+                    <a:lumMod val="95000"/>
+                    <a:lumOff val="5000"/>
+                  </a:schemeClr>
+                </a:solidFill>
+                <a:ea typeface="Roboto Condensed" pitchFamily="2" charset="0"/>
+              </a:rPr>
+              <a:t>pick random x to y</a:t>
+            </a:r>
+          </a:p>
+        </p:txBody>
+      </p:sp>
+      <p:sp>
+        <p:nvSpPr>
+          <p:cNvPr id="11" name="Title 1"/>
+          <p:cNvSpPr txBox="1">
+            <a:spLocks/>
+          </p:cNvSpPr>
+          <p:nvPr/>
+        </p:nvSpPr>
+        <p:spPr>
+          <a:xfrm>
+            <a:off x="709053" y="2681952"/>
+            <a:ext cx="8047836" cy="605352"/>
+          </a:xfrm>
+          <a:prstGeom prst="rect">
+            <a:avLst/>
+          </a:prstGeom>
+        </p:spPr>
+        <p:txBody>
+          <a:bodyPr/>
+          <a:lstStyle>
+            <a:lvl1pPr algn="l" defTabSz="914400" rtl="0" eaLnBrk="1" latinLnBrk="0" hangingPunct="1">
+              <a:lnSpc>
+                <a:spcPct val="90000"/>
+              </a:lnSpc>
+              <a:spcBef>
+                <a:spcPct val="0"/>
+              </a:spcBef>
+              <a:buNone/>
+              <a:defRPr sz="3200" b="1" kern="1200">
+                <a:solidFill>
+                  <a:srgbClr val="019DD0"/>
+                </a:solidFill>
+                <a:latin typeface="Arial" panose="020B0604020202020204" pitchFamily="34" charset="0"/>
+                <a:ea typeface="+mj-ea"/>
+                <a:cs typeface="Arial" panose="020B0604020202020204" pitchFamily="34" charset="0"/>
+              </a:defRPr>
+            </a:lvl1pPr>
+          </a:lstStyle>
+          <a:p>
+            <a:pPr>
+              <a:lnSpc>
+                <a:spcPct val="100000"/>
+              </a:lnSpc>
+            </a:pPr>
+            <a:r>
+              <a:rPr lang="en-US" sz="2000" b="0" i="1" dirty="0" smtClean="0">
+                <a:solidFill>
+                  <a:schemeClr val="tx1">
+                    <a:lumMod val="95000"/>
+                    <a:lumOff val="5000"/>
+                  </a:schemeClr>
+                </a:solidFill>
+                <a:ea typeface="Roboto Condensed" pitchFamily="2" charset="0"/>
+              </a:rPr>
+              <a:t>Ngẫu nhiên là một cái gì đó tình cờ xảy ra, không dự đoán trước được.</a:t>
+            </a:r>
+          </a:p>
+        </p:txBody>
+      </p:sp>
+      <p:pic>
+        <p:nvPicPr>
+          <p:cNvPr id="12" name="Picture 11"/>
+          <p:cNvPicPr>
+            <a:picLocks noChangeAspect="1"/>
+          </p:cNvPicPr>
+          <p:nvPr/>
+        </p:nvPicPr>
+        <p:blipFill>
+          <a:blip r:embed="rId3"/>
+          <a:stretch>
+            <a:fillRect/>
+          </a:stretch>
+        </p:blipFill>
+        <p:spPr>
+          <a:xfrm>
+            <a:off x="4964871" y="3878924"/>
+            <a:ext cx="4344006" cy="1190791"/>
+          </a:xfrm>
+          <a:prstGeom prst="rect">
+            <a:avLst/>
+          </a:prstGeom>
+        </p:spPr>
+      </p:pic>
+      <p:sp>
+        <p:nvSpPr>
+          <p:cNvPr id="13" name="Rectangle 12"/>
+          <p:cNvSpPr/>
+          <p:nvPr/>
+        </p:nvSpPr>
+        <p:spPr>
+          <a:xfrm>
+            <a:off x="837841" y="5498495"/>
+            <a:ext cx="172836" cy="176901"/>
+          </a:xfrm>
+          <a:prstGeom prst="rect">
+            <a:avLst/>
+          </a:prstGeom>
+          <a:gradFill flip="none" rotWithShape="1">
+            <a:gsLst>
+              <a:gs pos="15000">
+                <a:srgbClr val="EC5F77"/>
+              </a:gs>
+              <a:gs pos="100000">
+                <a:srgbClr val="A8589E"/>
+              </a:gs>
+            </a:gsLst>
+            <a:lin ang="0" scaled="1"/>
+            <a:tileRect/>
+          </a:gradFill>
+          <a:ln>
+            <a:noFill/>
+          </a:ln>
+        </p:spPr>
+        <p:style>
+          <a:lnRef idx="2">
+            <a:schemeClr val="accent1">
+              <a:shade val="50000"/>
+            </a:schemeClr>
+          </a:lnRef>
+          <a:fillRef idx="1">
+            <a:schemeClr val="accent1"/>
+          </a:fillRef>
+          <a:effectRef idx="0">
+            <a:schemeClr val="accent1"/>
+          </a:effectRef>
+          <a:fontRef idx="minor">
+            <a:schemeClr val="lt1"/>
+          </a:fontRef>
+        </p:style>
+        <p:txBody>
+          <a:bodyPr rtlCol="0" anchor="ctr"/>
           <a:lstStyle/>
           <a:p>
-            <a:r>
-              <a:rPr lang="en-US" sz="2400" b="1" dirty="0" smtClean="0">
-                <a:solidFill>
-                  <a:srgbClr val="EC5F77"/>
-                </a:solidFill>
-                <a:latin typeface="UTM Helve" panose="02040603050506020204" pitchFamily="18" charset="0"/>
-                <a:ea typeface="Roboto" pitchFamily="2" charset="0"/>
-              </a:rPr>
-              <a:t>2.3 Giới thiệu về Biến - Variables</a:t>
-            </a:r>
-            <a:endParaRPr lang="en-US" sz="2400" b="1" dirty="0">
+            <a:pPr algn="ctr"/>
+            <a:endParaRPr lang="en-US"/>
+          </a:p>
+        </p:txBody>
+      </p:sp>
+      <p:sp>
+        <p:nvSpPr>
+          <p:cNvPr id="14" name="Title 1"/>
+          <p:cNvSpPr txBox="1">
+            <a:spLocks/>
+          </p:cNvSpPr>
+          <p:nvPr/>
+        </p:nvSpPr>
+        <p:spPr>
+          <a:xfrm>
+            <a:off x="1058512" y="5362378"/>
+            <a:ext cx="7038566" cy="1184522"/>
+          </a:xfrm>
+          <a:prstGeom prst="rect">
+            <a:avLst/>
+          </a:prstGeom>
+        </p:spPr>
+        <p:txBody>
+          <a:bodyPr/>
+          <a:lstStyle>
+            <a:lvl1pPr algn="l" defTabSz="914400" rtl="0" eaLnBrk="1" latinLnBrk="0" hangingPunct="1">
+              <a:lnSpc>
+                <a:spcPct val="90000"/>
+              </a:lnSpc>
+              <a:spcBef>
+                <a:spcPct val="0"/>
+              </a:spcBef>
+              <a:buNone/>
+              <a:defRPr sz="3200" b="1" kern="1200">
+                <a:solidFill>
+                  <a:srgbClr val="019DD0"/>
+                </a:solidFill>
+                <a:latin typeface="Arial" panose="020B0604020202020204" pitchFamily="34" charset="0"/>
+                <a:ea typeface="+mj-ea"/>
+                <a:cs typeface="Arial" panose="020B0604020202020204" pitchFamily="34" charset="0"/>
+              </a:defRPr>
+            </a:lvl1pPr>
+          </a:lstStyle>
+          <a:p>
+            <a:pPr>
+              <a:lnSpc>
+                <a:spcPct val="100000"/>
+              </a:lnSpc>
+            </a:pPr>
+            <a:r>
+              <a:rPr lang="en-US" sz="2000" dirty="0">
+                <a:solidFill>
+                  <a:schemeClr val="tx1">
+                    <a:lumMod val="95000"/>
+                    <a:lumOff val="5000"/>
+                  </a:schemeClr>
+                </a:solidFill>
+                <a:ea typeface="Roboto Condensed" pitchFamily="2" charset="0"/>
+              </a:rPr>
+              <a:t>x</a:t>
+            </a:r>
+            <a:r>
+              <a:rPr lang="en-US" sz="2000" b="0" dirty="0" smtClean="0">
+                <a:solidFill>
+                  <a:schemeClr val="tx1">
+                    <a:lumMod val="95000"/>
+                    <a:lumOff val="5000"/>
+                  </a:schemeClr>
+                </a:solidFill>
+                <a:ea typeface="Roboto Condensed" pitchFamily="2" charset="0"/>
+              </a:rPr>
+              <a:t> là giá trị bắt đầu và </a:t>
+            </a:r>
+            <a:r>
+              <a:rPr lang="en-US" sz="2000" dirty="0" smtClean="0">
+                <a:solidFill>
+                  <a:schemeClr val="tx1">
+                    <a:lumMod val="95000"/>
+                    <a:lumOff val="5000"/>
+                  </a:schemeClr>
+                </a:solidFill>
+                <a:ea typeface="Roboto Condensed" pitchFamily="2" charset="0"/>
+              </a:rPr>
+              <a:t>y</a:t>
+            </a:r>
+            <a:r>
+              <a:rPr lang="en-US" sz="2000" b="0" dirty="0" smtClean="0">
+                <a:solidFill>
+                  <a:schemeClr val="tx1">
+                    <a:lumMod val="95000"/>
+                    <a:lumOff val="5000"/>
+                  </a:schemeClr>
+                </a:solidFill>
+                <a:ea typeface="Roboto Condensed" pitchFamily="2" charset="0"/>
+              </a:rPr>
+              <a:t> là giá trị kết thúc. Chương trình sẽ ngẫu nhiên lấy ra một giá trị trong khoảng từ x – y mà bạn đã khai báo</a:t>
+            </a:r>
+            <a:endParaRPr lang="en-US" sz="2000" dirty="0" smtClean="0">
               <a:solidFill>
-                <a:srgbClr val="EC5F77"/>
+                <a:schemeClr val="tx1">
+                  <a:lumMod val="95000"/>
+                  <a:lumOff val="5000"/>
+                </a:schemeClr>
               </a:solidFill>
-              <a:latin typeface="UTM Helve" panose="02040603050506020204" pitchFamily="18" charset="0"/>
-              <a:ea typeface="Roboto" pitchFamily="2" charset="0"/>
+              <a:ea typeface="Roboto Condensed" pitchFamily="2" charset="0"/>
             </a:endParaRPr>
           </a:p>
         </p:txBody>
@@ -2989,13 +3259,20 @@
     </p:spTree>
     <p:extLst>
       <p:ext uri="{BB962C8B-B14F-4D97-AF65-F5344CB8AC3E}">
-        <p14:creationId xmlns:p14="http://schemas.microsoft.com/office/powerpoint/2010/main" val="2800974292"/>
+        <p14:creationId xmlns:p14="http://schemas.microsoft.com/office/powerpoint/2010/main" val="755697984"/>
       </p:ext>
     </p:extLst>
   </p:cSld>
   <p:clrMapOvr>
     <a:masterClrMapping/>
   </p:clrMapOvr>
+  <p:timing>
+    <p:tnLst>
+      <p:par>
+        <p:cTn id="1" dur="indefinite" restart="never" nodeType="tmRoot"/>
+      </p:par>
+    </p:tnLst>
+  </p:timing>
 </p:sld>
 </file>
 
@@ -3125,7 +3402,7 @@
                 <a:latin typeface="UTM Helve" panose="02040603050506020204" pitchFamily="18" charset="0"/>
                 <a:ea typeface="Roboto" pitchFamily="2" charset="0"/>
               </a:rPr>
-              <a:t>2.3 Giới thiệu về Biến - Variables</a:t>
+              <a:t>2.4 Hoạt động học viên</a:t>
             </a:r>
             <a:endParaRPr lang="en-US" sz="2400" b="1" dirty="0">
               <a:solidFill>
@@ -3137,16 +3414,69 @@
           </a:p>
         </p:txBody>
       </p:sp>
+      <p:pic>
+        <p:nvPicPr>
+          <p:cNvPr id="5" name="Picture 4"/>
+          <p:cNvPicPr>
+            <a:picLocks noChangeAspect="1"/>
+          </p:cNvPicPr>
+          <p:nvPr/>
+        </p:nvPicPr>
+        <p:blipFill>
+          <a:blip r:embed="rId2"/>
+          <a:stretch>
+            <a:fillRect/>
+          </a:stretch>
+        </p:blipFill>
+        <p:spPr>
+          <a:xfrm>
+            <a:off x="5617732" y="1754675"/>
+            <a:ext cx="2693241" cy="2324763"/>
+          </a:xfrm>
+          <a:prstGeom prst="rect">
+            <a:avLst/>
+          </a:prstGeom>
+        </p:spPr>
+      </p:pic>
+      <p:pic>
+        <p:nvPicPr>
+          <p:cNvPr id="6" name="Picture 5"/>
+          <p:cNvPicPr>
+            <a:picLocks noChangeAspect="1"/>
+          </p:cNvPicPr>
+          <p:nvPr/>
+        </p:nvPicPr>
+        <p:blipFill rotWithShape="1">
+          <a:blip r:embed="rId3">
+            <a:extLst>
+              <a:ext uri="{28A0092B-C50C-407E-A947-70E740481C1C}">
+                <a14:useLocalDpi xmlns:a14="http://schemas.microsoft.com/office/drawing/2010/main" val="0"/>
+              </a:ext>
+            </a:extLst>
+          </a:blip>
+          <a:srcRect r="33981"/>
+          <a:stretch/>
+        </p:blipFill>
+        <p:spPr>
+          <a:xfrm>
+            <a:off x="5497322" y="4515972"/>
+            <a:ext cx="3213459" cy="1807915"/>
+          </a:xfrm>
+          <a:prstGeom prst="rect">
+            <a:avLst/>
+          </a:prstGeom>
+        </p:spPr>
+      </p:pic>
       <p:sp>
         <p:nvSpPr>
-          <p:cNvPr id="5" name="TextBox 4"/>
+          <p:cNvPr id="7" name="TextBox 6"/>
           <p:cNvSpPr txBox="1"/>
           <p:nvPr/>
         </p:nvSpPr>
         <p:spPr>
           <a:xfrm>
-            <a:off x="1265305" y="1364739"/>
-            <a:ext cx="5649845" cy="461665"/>
+            <a:off x="1098981" y="1272143"/>
+            <a:ext cx="3764567" cy="461665"/>
           </a:xfrm>
           <a:prstGeom prst="rect">
             <a:avLst/>
@@ -3170,7 +3500,7 @@
                 <a:latin typeface="UTM Helve" panose="02040603050506020204" pitchFamily="18" charset="0"/>
                 <a:ea typeface="Roboto" pitchFamily="2" charset="0"/>
               </a:rPr>
-              <a:t>Biến số ngẫu nhiên</a:t>
+              <a:t>Săn Rác</a:t>
             </a:r>
             <a:endParaRPr lang="en-US" sz="2400" b="1" dirty="0">
               <a:solidFill>
@@ -3187,14 +3517,14 @@
       </p:sp>
       <p:pic>
         <p:nvPicPr>
-          <p:cNvPr id="6" name="Picture 5"/>
+          <p:cNvPr id="8" name="Picture 7"/>
           <p:cNvPicPr>
             <a:picLocks noChangeAspect="1"/>
           </p:cNvPicPr>
           <p:nvPr/>
         </p:nvPicPr>
         <p:blipFill>
-          <a:blip r:embed="rId2">
+          <a:blip r:embed="rId4">
             <a:extLst>
               <a:ext uri="{28A0092B-C50C-407E-A947-70E740481C1C}">
                 <a14:useLocalDpi xmlns:a14="http://schemas.microsoft.com/office/drawing/2010/main" val="0"/>
@@ -3207,7 +3537,7 @@
         </p:blipFill>
         <p:spPr>
           <a:xfrm>
-            <a:off x="709053" y="1437696"/>
+            <a:off x="542728" y="1345100"/>
             <a:ext cx="466725" cy="409575"/>
           </a:xfrm>
           <a:prstGeom prst="rect">
@@ -3217,17 +3547,19 @@
       </p:pic>
       <p:sp>
         <p:nvSpPr>
-          <p:cNvPr id="7" name="Rectangle 6"/>
+          <p:cNvPr id="9" name="Rounded Rectangle 8"/>
           <p:cNvSpPr/>
           <p:nvPr/>
         </p:nvSpPr>
         <p:spPr>
           <a:xfrm>
-            <a:off x="837841" y="3722378"/>
-            <a:ext cx="172836" cy="176901"/>
-          </a:xfrm>
-          <a:prstGeom prst="rect">
-            <a:avLst/>
+            <a:off x="542727" y="3962399"/>
+            <a:ext cx="4871875" cy="2361487"/>
+          </a:xfrm>
+          <a:prstGeom prst="roundRect">
+            <a:avLst>
+              <a:gd name="adj" fmla="val 3719"/>
+            </a:avLst>
           </a:prstGeom>
           <a:gradFill flip="none" rotWithShape="1">
             <a:gsLst>
@@ -3272,289 +3604,58 @@
       </p:sp>
       <p:sp>
         <p:nvSpPr>
-          <p:cNvPr id="8" name="Title 1"/>
-          <p:cNvSpPr txBox="1">
-            <a:spLocks/>
-          </p:cNvSpPr>
+          <p:cNvPr id="11" name="Rectangle 10"/>
+          <p:cNvSpPr/>
           <p:nvPr/>
         </p:nvSpPr>
         <p:spPr>
           <a:xfrm>
-            <a:off x="709053" y="2125361"/>
-            <a:ext cx="4003872" cy="605352"/>
+            <a:off x="418920" y="2020964"/>
+            <a:ext cx="4954594" cy="1631216"/>
           </a:xfrm>
           <a:prstGeom prst="rect">
             <a:avLst/>
           </a:prstGeom>
         </p:spPr>
         <p:txBody>
-          <a:bodyPr/>
-          <a:lstStyle>
-            <a:lvl1pPr algn="l" defTabSz="914400" rtl="0" eaLnBrk="1" latinLnBrk="0" hangingPunct="1">
-              <a:lnSpc>
-                <a:spcPct val="90000"/>
-              </a:lnSpc>
-              <a:spcBef>
-                <a:spcPct val="0"/>
-              </a:spcBef>
-              <a:buNone/>
-              <a:defRPr sz="3200" b="1" kern="1200">
-                <a:solidFill>
-                  <a:srgbClr val="019DD0"/>
-                </a:solidFill>
-                <a:latin typeface="Arial" panose="020B0604020202020204" pitchFamily="34" charset="0"/>
-                <a:ea typeface="+mj-ea"/>
-                <a:cs typeface="Arial" panose="020B0604020202020204" pitchFamily="34" charset="0"/>
-              </a:defRPr>
-            </a:lvl1pPr>
-          </a:lstStyle>
+          <a:bodyPr wrap="square">
+            <a:spAutoFit/>
+          </a:bodyPr>
+          <a:lstStyle/>
           <a:p>
-            <a:pPr>
-              <a:lnSpc>
-                <a:spcPct val="100000"/>
-              </a:lnSpc>
-            </a:pPr>
-            <a:r>
-              <a:rPr lang="en-US" sz="2000" dirty="0" smtClean="0">
-                <a:solidFill>
-                  <a:schemeClr val="tx1">
-                    <a:lumMod val="95000"/>
-                    <a:lumOff val="5000"/>
-                  </a:schemeClr>
-                </a:solidFill>
-                <a:ea typeface="Roboto Condensed" pitchFamily="2" charset="0"/>
-              </a:rPr>
-              <a:t>Ngẫu nhiên là gì ?</a:t>
-            </a:r>
-            <a:endParaRPr lang="en-US" sz="2000" dirty="0" smtClean="0">
-              <a:solidFill>
-                <a:schemeClr val="tx1">
-                  <a:lumMod val="95000"/>
-                  <a:lumOff val="5000"/>
-                </a:schemeClr>
-              </a:solidFill>
-              <a:ea typeface="Roboto Condensed" pitchFamily="2" charset="0"/>
-            </a:endParaRPr>
+            <a:r>
+              <a:rPr lang="en-US" sz="2000" dirty="0" smtClean="0"/>
+              <a:t>Một </a:t>
+            </a:r>
+            <a:r>
+              <a:rPr lang="vi-VN" sz="2000" dirty="0" smtClean="0"/>
+              <a:t>tổ </a:t>
+            </a:r>
+            <a:r>
+              <a:rPr lang="vi-VN" sz="2000" dirty="0"/>
+              <a:t>chức môi trường địa phương đang lo ngại vấn đề ô nhiễm rác tại khu vực sinh sống. Họ nghe nói micro:bit có thể lưu trữ thông tin, và họ hỏi là liệu bạn có thể thiết kế cho họ một chường trình:</a:t>
+            </a:r>
+            <a:endParaRPr lang="en-US" sz="2000" dirty="0"/>
           </a:p>
         </p:txBody>
       </p:sp>
       <p:sp>
         <p:nvSpPr>
-          <p:cNvPr id="9" name="Title 1"/>
-          <p:cNvSpPr txBox="1">
-            <a:spLocks/>
-          </p:cNvSpPr>
-          <p:nvPr/>
-        </p:nvSpPr>
-        <p:spPr>
-          <a:xfrm>
-            <a:off x="1058512" y="3586261"/>
-            <a:ext cx="4003872" cy="1483454"/>
-          </a:xfrm>
-          <a:prstGeom prst="rect">
-            <a:avLst/>
-          </a:prstGeom>
-        </p:spPr>
-        <p:txBody>
-          <a:bodyPr/>
-          <a:lstStyle>
-            <a:lvl1pPr algn="l" defTabSz="914400" rtl="0" eaLnBrk="1" latinLnBrk="0" hangingPunct="1">
-              <a:lnSpc>
-                <a:spcPct val="90000"/>
-              </a:lnSpc>
-              <a:spcBef>
-                <a:spcPct val="0"/>
-              </a:spcBef>
-              <a:buNone/>
-              <a:defRPr sz="3200" b="1" kern="1200">
-                <a:solidFill>
-                  <a:srgbClr val="019DD0"/>
-                </a:solidFill>
-                <a:latin typeface="Arial" panose="020B0604020202020204" pitchFamily="34" charset="0"/>
-                <a:ea typeface="+mj-ea"/>
-                <a:cs typeface="Arial" panose="020B0604020202020204" pitchFamily="34" charset="0"/>
-              </a:defRPr>
-            </a:lvl1pPr>
-          </a:lstStyle>
-          <a:p>
-            <a:pPr>
-              <a:lnSpc>
-                <a:spcPct val="100000"/>
-              </a:lnSpc>
-            </a:pPr>
-            <a:r>
-              <a:rPr lang="en-US" sz="2000" b="0" dirty="0" smtClean="0">
-                <a:solidFill>
-                  <a:schemeClr val="tx1">
-                    <a:lumMod val="95000"/>
-                    <a:lumOff val="5000"/>
-                  </a:schemeClr>
-                </a:solidFill>
-                <a:ea typeface="Roboto Condensed" pitchFamily="2" charset="0"/>
-              </a:rPr>
-              <a:t>Chúng ta có thể tạo ra một biến với giá trị số ngẫu nhiên.</a:t>
-            </a:r>
-          </a:p>
-          <a:p>
-            <a:pPr>
-              <a:lnSpc>
-                <a:spcPct val="100000"/>
-              </a:lnSpc>
-            </a:pPr>
-            <a:r>
-              <a:rPr lang="en-US" sz="2000" b="0" dirty="0" smtClean="0">
-                <a:solidFill>
-                  <a:schemeClr val="tx1">
-                    <a:lumMod val="95000"/>
-                    <a:lumOff val="5000"/>
-                  </a:schemeClr>
-                </a:solidFill>
-                <a:ea typeface="Roboto Condensed" pitchFamily="2" charset="0"/>
-              </a:rPr>
-              <a:t>Bằng cách chọn Math block sau đó chọn </a:t>
-            </a:r>
-            <a:r>
-              <a:rPr lang="en-US" sz="2000" dirty="0" smtClean="0">
-                <a:solidFill>
-                  <a:schemeClr val="tx1">
-                    <a:lumMod val="95000"/>
-                    <a:lumOff val="5000"/>
-                  </a:schemeClr>
-                </a:solidFill>
-                <a:ea typeface="Roboto Condensed" pitchFamily="2" charset="0"/>
-              </a:rPr>
-              <a:t>pick random x to y</a:t>
-            </a:r>
-            <a:endParaRPr lang="en-US" sz="2000" dirty="0" smtClean="0">
-              <a:solidFill>
-                <a:schemeClr val="tx1">
-                  <a:lumMod val="95000"/>
-                  <a:lumOff val="5000"/>
-                </a:schemeClr>
-              </a:solidFill>
-              <a:ea typeface="Roboto Condensed" pitchFamily="2" charset="0"/>
-            </a:endParaRPr>
-          </a:p>
-        </p:txBody>
-      </p:sp>
-      <p:sp>
-        <p:nvSpPr>
-          <p:cNvPr id="11" name="Title 1"/>
-          <p:cNvSpPr txBox="1">
-            <a:spLocks/>
-          </p:cNvSpPr>
-          <p:nvPr/>
-        </p:nvSpPr>
-        <p:spPr>
-          <a:xfrm>
-            <a:off x="709053" y="2681952"/>
-            <a:ext cx="8047836" cy="605352"/>
-          </a:xfrm>
-          <a:prstGeom prst="rect">
-            <a:avLst/>
-          </a:prstGeom>
-        </p:spPr>
-        <p:txBody>
-          <a:bodyPr/>
-          <a:lstStyle>
-            <a:lvl1pPr algn="l" defTabSz="914400" rtl="0" eaLnBrk="1" latinLnBrk="0" hangingPunct="1">
-              <a:lnSpc>
-                <a:spcPct val="90000"/>
-              </a:lnSpc>
-              <a:spcBef>
-                <a:spcPct val="0"/>
-              </a:spcBef>
-              <a:buNone/>
-              <a:defRPr sz="3200" b="1" kern="1200">
-                <a:solidFill>
-                  <a:srgbClr val="019DD0"/>
-                </a:solidFill>
-                <a:latin typeface="Arial" panose="020B0604020202020204" pitchFamily="34" charset="0"/>
-                <a:ea typeface="+mj-ea"/>
-                <a:cs typeface="Arial" panose="020B0604020202020204" pitchFamily="34" charset="0"/>
-              </a:defRPr>
-            </a:lvl1pPr>
-          </a:lstStyle>
-          <a:p>
-            <a:pPr>
-              <a:lnSpc>
-                <a:spcPct val="100000"/>
-              </a:lnSpc>
-            </a:pPr>
-            <a:r>
-              <a:rPr lang="en-US" sz="2000" b="0" i="1" dirty="0" smtClean="0">
-                <a:solidFill>
-                  <a:schemeClr val="tx1">
-                    <a:lumMod val="95000"/>
-                    <a:lumOff val="5000"/>
-                  </a:schemeClr>
-                </a:solidFill>
-                <a:ea typeface="Roboto Condensed" pitchFamily="2" charset="0"/>
-              </a:rPr>
-              <a:t>Ngẫu nhiên là một cái gì đó tình cờ xảy ra, không dự đoán trước được.</a:t>
-            </a:r>
-            <a:endParaRPr lang="en-US" sz="2000" b="0" i="1" dirty="0" smtClean="0">
-              <a:solidFill>
-                <a:schemeClr val="tx1">
-                  <a:lumMod val="95000"/>
-                  <a:lumOff val="5000"/>
-                </a:schemeClr>
-              </a:solidFill>
-              <a:ea typeface="Roboto Condensed" pitchFamily="2" charset="0"/>
-            </a:endParaRPr>
-          </a:p>
-        </p:txBody>
-      </p:sp>
-      <p:pic>
-        <p:nvPicPr>
-          <p:cNvPr id="12" name="Picture 11"/>
-          <p:cNvPicPr>
-            <a:picLocks noChangeAspect="1"/>
-          </p:cNvPicPr>
-          <p:nvPr/>
-        </p:nvPicPr>
-        <p:blipFill>
-          <a:blip r:embed="rId3"/>
-          <a:stretch>
-            <a:fillRect/>
-          </a:stretch>
-        </p:blipFill>
-        <p:spPr>
-          <a:xfrm>
-            <a:off x="4964871" y="3878924"/>
-            <a:ext cx="4344006" cy="1190791"/>
-          </a:xfrm>
-          <a:prstGeom prst="rect">
-            <a:avLst/>
-          </a:prstGeom>
-        </p:spPr>
-      </p:pic>
-      <p:sp>
-        <p:nvSpPr>
-          <p:cNvPr id="13" name="Rectangle 12"/>
+          <p:cNvPr id="12" name="Rectangle 11"/>
           <p:cNvSpPr/>
           <p:nvPr/>
         </p:nvSpPr>
         <p:spPr>
           <a:xfrm>
-            <a:off x="837841" y="5498495"/>
+            <a:off x="724931" y="4298349"/>
             <a:ext cx="172836" cy="176901"/>
           </a:xfrm>
           <a:prstGeom prst="rect">
             <a:avLst/>
           </a:prstGeom>
-          <a:gradFill flip="none" rotWithShape="1">
-            <a:gsLst>
-              <a:gs pos="15000">
-                <a:srgbClr val="EC5F77"/>
-              </a:gs>
-              <a:gs pos="100000">
-                <a:srgbClr val="A8589E"/>
-              </a:gs>
-            </a:gsLst>
-            <a:lin ang="0" scaled="1"/>
-            <a:tileRect/>
-          </a:gradFill>
+          <a:solidFill>
+            <a:schemeClr val="bg1"/>
+          </a:solidFill>
           <a:ln>
             <a:noFill/>
           </a:ln>
@@ -3586,7 +3687,7 @@
       </p:sp>
       <p:sp>
         <p:nvSpPr>
-          <p:cNvPr id="14" name="Title 1"/>
+          <p:cNvPr id="13" name="Title 1"/>
           <p:cNvSpPr txBox="1">
             <a:spLocks/>
           </p:cNvSpPr>
@@ -3594,8 +3695,8 @@
         </p:nvSpPr>
         <p:spPr>
           <a:xfrm>
-            <a:off x="1058512" y="5362378"/>
-            <a:ext cx="7038566" cy="1184522"/>
+            <a:off x="961186" y="4179184"/>
+            <a:ext cx="4453417" cy="437210"/>
           </a:xfrm>
           <a:prstGeom prst="rect">
             <a:avLst/>
@@ -3629,75 +3730,238 @@
               </a:lnSpc>
             </a:pPr>
             <a:r>
-              <a:rPr lang="en-US" sz="2000" dirty="0">
-                <a:solidFill>
-                  <a:schemeClr val="tx1">
-                    <a:lumMod val="95000"/>
-                    <a:lumOff val="5000"/>
-                  </a:schemeClr>
-                </a:solidFill>
-                <a:ea typeface="Roboto Condensed" pitchFamily="2" charset="0"/>
-              </a:rPr>
-              <a:t>x</a:t>
-            </a:r>
-            <a:r>
-              <a:rPr lang="en-US" sz="2000" b="0" dirty="0" smtClean="0">
-                <a:solidFill>
-                  <a:schemeClr val="tx1">
-                    <a:lumMod val="95000"/>
-                    <a:lumOff val="5000"/>
-                  </a:schemeClr>
-                </a:solidFill>
-                <a:ea typeface="Roboto Condensed" pitchFamily="2" charset="0"/>
-              </a:rPr>
-              <a:t> là giá trị bắt đầu và </a:t>
-            </a:r>
-            <a:r>
-              <a:rPr lang="en-US" sz="2000" dirty="0" smtClean="0">
-                <a:solidFill>
-                  <a:schemeClr val="tx1">
-                    <a:lumMod val="95000"/>
-                    <a:lumOff val="5000"/>
-                  </a:schemeClr>
-                </a:solidFill>
-                <a:ea typeface="Roboto Condensed" pitchFamily="2" charset="0"/>
-              </a:rPr>
-              <a:t>y</a:t>
-            </a:r>
-            <a:r>
-              <a:rPr lang="en-US" sz="2000" b="0" dirty="0" smtClean="0">
-                <a:solidFill>
-                  <a:schemeClr val="tx1">
-                    <a:lumMod val="95000"/>
-                    <a:lumOff val="5000"/>
-                  </a:schemeClr>
-                </a:solidFill>
-                <a:ea typeface="Roboto Condensed" pitchFamily="2" charset="0"/>
-              </a:rPr>
-              <a:t> là giá trị kết thúc. Chương trình sẽ ngẫu nhiên lấy ra một giá trị trong khoảng từ x – y mà bạn đã khai báo</a:t>
-            </a:r>
-            <a:endParaRPr lang="en-US" sz="2000" dirty="0" smtClean="0">
-              <a:solidFill>
-                <a:schemeClr val="tx1">
-                  <a:lumMod val="95000"/>
-                  <a:lumOff val="5000"/>
-                </a:schemeClr>
-              </a:solidFill>
-              <a:ea typeface="Roboto Condensed" pitchFamily="2" charset="0"/>
-            </a:endParaRPr>
+              <a:rPr lang="en-US" sz="2000" b="0" dirty="0" smtClean="0">
+                <a:solidFill>
+                  <a:schemeClr val="bg1"/>
+                </a:solidFill>
+                <a:ea typeface="Roboto Condensed" pitchFamily="2" charset="0"/>
+              </a:rPr>
+              <a:t>Đếm số lượng rác thải có thể tái chế</a:t>
+            </a:r>
+          </a:p>
+        </p:txBody>
+      </p:sp>
+      <p:sp>
+        <p:nvSpPr>
+          <p:cNvPr id="14" name="Rectangle 13"/>
+          <p:cNvSpPr/>
+          <p:nvPr/>
+        </p:nvSpPr>
+        <p:spPr>
+          <a:xfrm>
+            <a:off x="724931" y="4780949"/>
+            <a:ext cx="172836" cy="176901"/>
+          </a:xfrm>
+          <a:prstGeom prst="rect">
+            <a:avLst/>
+          </a:prstGeom>
+          <a:solidFill>
+            <a:schemeClr val="bg1"/>
+          </a:solidFill>
+          <a:ln>
+            <a:noFill/>
+          </a:ln>
+        </p:spPr>
+        <p:style>
+          <a:lnRef idx="2">
+            <a:schemeClr val="accent1">
+              <a:shade val="50000"/>
+            </a:schemeClr>
+          </a:lnRef>
+          <a:fillRef idx="1">
+            <a:schemeClr val="accent1"/>
+          </a:fillRef>
+          <a:effectRef idx="0">
+            <a:schemeClr val="accent1"/>
+          </a:effectRef>
+          <a:fontRef idx="minor">
+            <a:schemeClr val="lt1"/>
+          </a:fontRef>
+        </p:style>
+        <p:txBody>
+          <a:bodyPr rtlCol="0" anchor="ctr"/>
+          <a:lstStyle/>
+          <a:p>
+            <a:pPr algn="ctr"/>
+            <a:endParaRPr lang="en-US"/>
+          </a:p>
+        </p:txBody>
+      </p:sp>
+      <p:sp>
+        <p:nvSpPr>
+          <p:cNvPr id="15" name="Title 1"/>
+          <p:cNvSpPr txBox="1">
+            <a:spLocks/>
+          </p:cNvSpPr>
+          <p:nvPr/>
+        </p:nvSpPr>
+        <p:spPr>
+          <a:xfrm>
+            <a:off x="961186" y="4661783"/>
+            <a:ext cx="4453417" cy="686488"/>
+          </a:xfrm>
+          <a:prstGeom prst="rect">
+            <a:avLst/>
+          </a:prstGeom>
+        </p:spPr>
+        <p:txBody>
+          <a:bodyPr/>
+          <a:lstStyle>
+            <a:lvl1pPr algn="l" defTabSz="914400" rtl="0" eaLnBrk="1" latinLnBrk="0" hangingPunct="1">
+              <a:lnSpc>
+                <a:spcPct val="90000"/>
+              </a:lnSpc>
+              <a:spcBef>
+                <a:spcPct val="0"/>
+              </a:spcBef>
+              <a:buNone/>
+              <a:defRPr sz="3200" b="1" kern="1200">
+                <a:solidFill>
+                  <a:srgbClr val="019DD0"/>
+                </a:solidFill>
+                <a:latin typeface="Arial" panose="020B0604020202020204" pitchFamily="34" charset="0"/>
+                <a:ea typeface="+mj-ea"/>
+                <a:cs typeface="Arial" panose="020B0604020202020204" pitchFamily="34" charset="0"/>
+              </a:defRPr>
+            </a:lvl1pPr>
+          </a:lstStyle>
+          <a:p>
+            <a:pPr>
+              <a:lnSpc>
+                <a:spcPct val="100000"/>
+              </a:lnSpc>
+            </a:pPr>
+            <a:r>
+              <a:rPr lang="en-US" sz="2000" b="0" dirty="0" smtClean="0">
+                <a:solidFill>
+                  <a:schemeClr val="bg1"/>
+                </a:solidFill>
+                <a:ea typeface="Roboto Condensed" pitchFamily="2" charset="0"/>
+              </a:rPr>
+              <a:t>Đếm số lượng rác thải không thể tái chế</a:t>
+            </a:r>
+          </a:p>
+        </p:txBody>
+      </p:sp>
+      <p:sp>
+        <p:nvSpPr>
+          <p:cNvPr id="16" name="Rectangle 15"/>
+          <p:cNvSpPr/>
+          <p:nvPr/>
+        </p:nvSpPr>
+        <p:spPr>
+          <a:xfrm>
+            <a:off x="724931" y="5555649"/>
+            <a:ext cx="172836" cy="176901"/>
+          </a:xfrm>
+          <a:prstGeom prst="rect">
+            <a:avLst/>
+          </a:prstGeom>
+          <a:solidFill>
+            <a:schemeClr val="bg1"/>
+          </a:solidFill>
+          <a:ln>
+            <a:noFill/>
+          </a:ln>
+        </p:spPr>
+        <p:style>
+          <a:lnRef idx="2">
+            <a:schemeClr val="accent1">
+              <a:shade val="50000"/>
+            </a:schemeClr>
+          </a:lnRef>
+          <a:fillRef idx="1">
+            <a:schemeClr val="accent1"/>
+          </a:fillRef>
+          <a:effectRef idx="0">
+            <a:schemeClr val="accent1"/>
+          </a:effectRef>
+          <a:fontRef idx="minor">
+            <a:schemeClr val="lt1"/>
+          </a:fontRef>
+        </p:style>
+        <p:txBody>
+          <a:bodyPr rtlCol="0" anchor="ctr"/>
+          <a:lstStyle/>
+          <a:p>
+            <a:pPr algn="ctr"/>
+            <a:endParaRPr lang="en-US"/>
+          </a:p>
+        </p:txBody>
+      </p:sp>
+      <p:sp>
+        <p:nvSpPr>
+          <p:cNvPr id="17" name="Title 1"/>
+          <p:cNvSpPr txBox="1">
+            <a:spLocks/>
+          </p:cNvSpPr>
+          <p:nvPr/>
+        </p:nvSpPr>
+        <p:spPr>
+          <a:xfrm>
+            <a:off x="961186" y="5436483"/>
+            <a:ext cx="4453417" cy="686488"/>
+          </a:xfrm>
+          <a:prstGeom prst="rect">
+            <a:avLst/>
+          </a:prstGeom>
+        </p:spPr>
+        <p:txBody>
+          <a:bodyPr/>
+          <a:lstStyle>
+            <a:lvl1pPr algn="l" defTabSz="914400" rtl="0" eaLnBrk="1" latinLnBrk="0" hangingPunct="1">
+              <a:lnSpc>
+                <a:spcPct val="90000"/>
+              </a:lnSpc>
+              <a:spcBef>
+                <a:spcPct val="0"/>
+              </a:spcBef>
+              <a:buNone/>
+              <a:defRPr sz="3200" b="1" kern="1200">
+                <a:solidFill>
+                  <a:srgbClr val="019DD0"/>
+                </a:solidFill>
+                <a:latin typeface="Arial" panose="020B0604020202020204" pitchFamily="34" charset="0"/>
+                <a:ea typeface="+mj-ea"/>
+                <a:cs typeface="Arial" panose="020B0604020202020204" pitchFamily="34" charset="0"/>
+              </a:defRPr>
+            </a:lvl1pPr>
+          </a:lstStyle>
+          <a:p>
+            <a:pPr>
+              <a:lnSpc>
+                <a:spcPct val="100000"/>
+              </a:lnSpc>
+            </a:pPr>
+            <a:r>
+              <a:rPr lang="en-US" sz="2000" b="0" dirty="0" smtClean="0">
+                <a:solidFill>
+                  <a:schemeClr val="bg1"/>
+                </a:solidFill>
+                <a:ea typeface="Roboto Condensed" pitchFamily="2" charset="0"/>
+              </a:rPr>
+              <a:t>Xem được số lượng mỗi loại rác thải đã đếm được</a:t>
+            </a:r>
           </a:p>
         </p:txBody>
       </p:sp>
     </p:spTree>
     <p:extLst>
       <p:ext uri="{BB962C8B-B14F-4D97-AF65-F5344CB8AC3E}">
-        <p14:creationId xmlns:p14="http://schemas.microsoft.com/office/powerpoint/2010/main" val="755697984"/>
+        <p14:creationId xmlns:p14="http://schemas.microsoft.com/office/powerpoint/2010/main" val="2483830330"/>
       </p:ext>
     </p:extLst>
   </p:cSld>
   <p:clrMapOvr>
     <a:masterClrMapping/>
   </p:clrMapOvr>
+  <p:timing>
+    <p:tnLst>
+      <p:par>
+        <p:cTn id="1" dur="indefinite" restart="never" nodeType="tmRoot"/>
+      </p:par>
+    </p:tnLst>
+  </p:timing>
 </p:sld>
 </file>
 
@@ -3737,688 +4001,6 @@
               <a:rPr lang="en-US" smtClean="0"/>
               <a:pPr/>
               <a:t>12</a:t>
-            </a:fld>
-            <a:endParaRPr lang="en-US"/>
-          </a:p>
-        </p:txBody>
-      </p:sp>
-      <p:sp>
-        <p:nvSpPr>
-          <p:cNvPr id="3" name="Rectangle 2"/>
-          <p:cNvSpPr/>
-          <p:nvPr/>
-        </p:nvSpPr>
-        <p:spPr>
-          <a:xfrm>
-            <a:off x="301925" y="1051379"/>
-            <a:ext cx="8454964" cy="27432"/>
-          </a:xfrm>
-          <a:prstGeom prst="rect">
-            <a:avLst/>
-          </a:prstGeom>
-          <a:gradFill flip="none" rotWithShape="1">
-            <a:gsLst>
-              <a:gs pos="15000">
-                <a:srgbClr val="EC5F77"/>
-              </a:gs>
-              <a:gs pos="100000">
-                <a:srgbClr val="A8589E"/>
-              </a:gs>
-            </a:gsLst>
-            <a:lin ang="0" scaled="1"/>
-            <a:tileRect/>
-          </a:gradFill>
-          <a:ln>
-            <a:noFill/>
-          </a:ln>
-        </p:spPr>
-        <p:style>
-          <a:lnRef idx="2">
-            <a:schemeClr val="accent1">
-              <a:shade val="50000"/>
-            </a:schemeClr>
-          </a:lnRef>
-          <a:fillRef idx="1">
-            <a:schemeClr val="accent1"/>
-          </a:fillRef>
-          <a:effectRef idx="0">
-            <a:schemeClr val="accent1"/>
-          </a:effectRef>
-          <a:fontRef idx="minor">
-            <a:schemeClr val="lt1"/>
-          </a:fontRef>
-        </p:style>
-        <p:txBody>
-          <a:bodyPr rtlCol="0" anchor="ctr"/>
-          <a:lstStyle/>
-          <a:p>
-            <a:pPr algn="ctr"/>
-            <a:endParaRPr lang="en-US"/>
-          </a:p>
-        </p:txBody>
-      </p:sp>
-      <p:sp>
-        <p:nvSpPr>
-          <p:cNvPr id="4" name="TextBox 3"/>
-          <p:cNvSpPr txBox="1"/>
-          <p:nvPr/>
-        </p:nvSpPr>
-        <p:spPr>
-          <a:xfrm>
-            <a:off x="248815" y="546584"/>
-            <a:ext cx="7374995" cy="461665"/>
-          </a:xfrm>
-          <a:prstGeom prst="rect">
-            <a:avLst/>
-          </a:prstGeom>
-          <a:noFill/>
-        </p:spPr>
-        <p:txBody>
-          <a:bodyPr wrap="square" rtlCol="0">
-            <a:spAutoFit/>
-          </a:bodyPr>
-          <a:lstStyle/>
-          <a:p>
-            <a:r>
-              <a:rPr lang="en-US" sz="2400" b="1" dirty="0" smtClean="0">
-                <a:solidFill>
-                  <a:srgbClr val="EC5F77"/>
-                </a:solidFill>
-                <a:latin typeface="UTM Helve" panose="02040603050506020204" pitchFamily="18" charset="0"/>
-                <a:ea typeface="Roboto" pitchFamily="2" charset="0"/>
-              </a:rPr>
-              <a:t>2.4 Hoạt động học viên</a:t>
-            </a:r>
-            <a:endParaRPr lang="en-US" sz="2400" b="1" dirty="0">
-              <a:solidFill>
-                <a:srgbClr val="EC5F77"/>
-              </a:solidFill>
-              <a:latin typeface="UTM Helve" panose="02040603050506020204" pitchFamily="18" charset="0"/>
-              <a:ea typeface="Roboto" pitchFamily="2" charset="0"/>
-            </a:endParaRPr>
-          </a:p>
-        </p:txBody>
-      </p:sp>
-      <p:pic>
-        <p:nvPicPr>
-          <p:cNvPr id="5" name="Picture 4"/>
-          <p:cNvPicPr>
-            <a:picLocks noChangeAspect="1"/>
-          </p:cNvPicPr>
-          <p:nvPr/>
-        </p:nvPicPr>
-        <p:blipFill>
-          <a:blip r:embed="rId2"/>
-          <a:stretch>
-            <a:fillRect/>
-          </a:stretch>
-        </p:blipFill>
-        <p:spPr>
-          <a:xfrm>
-            <a:off x="5617732" y="1754675"/>
-            <a:ext cx="2693241" cy="2324763"/>
-          </a:xfrm>
-          <a:prstGeom prst="rect">
-            <a:avLst/>
-          </a:prstGeom>
-        </p:spPr>
-      </p:pic>
-      <p:pic>
-        <p:nvPicPr>
-          <p:cNvPr id="6" name="Picture 5"/>
-          <p:cNvPicPr>
-            <a:picLocks noChangeAspect="1"/>
-          </p:cNvPicPr>
-          <p:nvPr/>
-        </p:nvPicPr>
-        <p:blipFill rotWithShape="1">
-          <a:blip r:embed="rId3">
-            <a:extLst>
-              <a:ext uri="{28A0092B-C50C-407E-A947-70E740481C1C}">
-                <a14:useLocalDpi xmlns:a14="http://schemas.microsoft.com/office/drawing/2010/main" val="0"/>
-              </a:ext>
-            </a:extLst>
-          </a:blip>
-          <a:srcRect r="33981"/>
-          <a:stretch/>
-        </p:blipFill>
-        <p:spPr>
-          <a:xfrm>
-            <a:off x="5497322" y="4515972"/>
-            <a:ext cx="3213459" cy="1807915"/>
-          </a:xfrm>
-          <a:prstGeom prst="rect">
-            <a:avLst/>
-          </a:prstGeom>
-        </p:spPr>
-      </p:pic>
-      <p:sp>
-        <p:nvSpPr>
-          <p:cNvPr id="7" name="TextBox 6"/>
-          <p:cNvSpPr txBox="1"/>
-          <p:nvPr/>
-        </p:nvSpPr>
-        <p:spPr>
-          <a:xfrm>
-            <a:off x="1098981" y="1272143"/>
-            <a:ext cx="3764567" cy="461665"/>
-          </a:xfrm>
-          <a:prstGeom prst="rect">
-            <a:avLst/>
-          </a:prstGeom>
-          <a:noFill/>
-        </p:spPr>
-        <p:txBody>
-          <a:bodyPr wrap="square" rtlCol="0">
-            <a:spAutoFit/>
-          </a:bodyPr>
-          <a:lstStyle/>
-          <a:p>
-            <a:r>
-              <a:rPr lang="en-US" sz="2400" b="1" dirty="0" smtClean="0">
-                <a:solidFill>
-                  <a:schemeClr val="tx1">
-                    <a:lumMod val="85000"/>
-                    <a:lumOff val="15000"/>
-                  </a:schemeClr>
-                </a:solidFill>
-                <a:latin typeface="UTM Helve" panose="02040603050506020204" pitchFamily="18" charset="0"/>
-                <a:ea typeface="Roboto" pitchFamily="2" charset="0"/>
-              </a:rPr>
-              <a:t>Săn Rác</a:t>
-            </a:r>
-            <a:endParaRPr lang="en-US" sz="2400" b="1" dirty="0">
-              <a:solidFill>
-                <a:schemeClr val="tx1">
-                  <a:lumMod val="85000"/>
-                  <a:lumOff val="15000"/>
-                </a:schemeClr>
-              </a:solidFill>
-              <a:latin typeface="UTM Helve" panose="02040603050506020204" pitchFamily="18" charset="0"/>
-              <a:ea typeface="Roboto" pitchFamily="2" charset="0"/>
-            </a:endParaRPr>
-          </a:p>
-        </p:txBody>
-      </p:sp>
-      <p:pic>
-        <p:nvPicPr>
-          <p:cNvPr id="8" name="Picture 7"/>
-          <p:cNvPicPr>
-            <a:picLocks noChangeAspect="1"/>
-          </p:cNvPicPr>
-          <p:nvPr/>
-        </p:nvPicPr>
-        <p:blipFill>
-          <a:blip r:embed="rId4">
-            <a:extLst>
-              <a:ext uri="{28A0092B-C50C-407E-A947-70E740481C1C}">
-                <a14:useLocalDpi xmlns:a14="http://schemas.microsoft.com/office/drawing/2010/main" val="0"/>
-              </a:ext>
-            </a:extLst>
-          </a:blip>
-          <a:stretch>
-            <a:fillRect/>
-          </a:stretch>
-        </p:blipFill>
-        <p:spPr>
-          <a:xfrm>
-            <a:off x="542728" y="1345100"/>
-            <a:ext cx="466725" cy="409575"/>
-          </a:xfrm>
-          <a:prstGeom prst="rect">
-            <a:avLst/>
-          </a:prstGeom>
-        </p:spPr>
-      </p:pic>
-      <p:sp>
-        <p:nvSpPr>
-          <p:cNvPr id="9" name="Rounded Rectangle 8"/>
-          <p:cNvSpPr/>
-          <p:nvPr/>
-        </p:nvSpPr>
-        <p:spPr>
-          <a:xfrm>
-            <a:off x="542727" y="3962399"/>
-            <a:ext cx="4871875" cy="2361487"/>
-          </a:xfrm>
-          <a:prstGeom prst="roundRect">
-            <a:avLst>
-              <a:gd name="adj" fmla="val 3719"/>
-            </a:avLst>
-          </a:prstGeom>
-          <a:gradFill flip="none" rotWithShape="1">
-            <a:gsLst>
-              <a:gs pos="15000">
-                <a:srgbClr val="EC5F77"/>
-              </a:gs>
-              <a:gs pos="100000">
-                <a:srgbClr val="A8589E"/>
-              </a:gs>
-            </a:gsLst>
-            <a:lin ang="0" scaled="1"/>
-            <a:tileRect/>
-          </a:gradFill>
-          <a:ln>
-            <a:noFill/>
-          </a:ln>
-        </p:spPr>
-        <p:style>
-          <a:lnRef idx="2">
-            <a:schemeClr val="accent1">
-              <a:shade val="50000"/>
-            </a:schemeClr>
-          </a:lnRef>
-          <a:fillRef idx="1">
-            <a:schemeClr val="accent1"/>
-          </a:fillRef>
-          <a:effectRef idx="0">
-            <a:schemeClr val="accent1"/>
-          </a:effectRef>
-          <a:fontRef idx="minor">
-            <a:schemeClr val="lt1"/>
-          </a:fontRef>
-        </p:style>
-        <p:txBody>
-          <a:bodyPr rtlCol="0" anchor="ctr"/>
-          <a:lstStyle/>
-          <a:p>
-            <a:pPr algn="ctr"/>
-            <a:endParaRPr lang="en-US"/>
-          </a:p>
-        </p:txBody>
-      </p:sp>
-      <p:sp>
-        <p:nvSpPr>
-          <p:cNvPr id="11" name="Rectangle 10"/>
-          <p:cNvSpPr/>
-          <p:nvPr/>
-        </p:nvSpPr>
-        <p:spPr>
-          <a:xfrm>
-            <a:off x="418920" y="2020964"/>
-            <a:ext cx="4954594" cy="1631216"/>
-          </a:xfrm>
-          <a:prstGeom prst="rect">
-            <a:avLst/>
-          </a:prstGeom>
-        </p:spPr>
-        <p:txBody>
-          <a:bodyPr wrap="square">
-            <a:spAutoFit/>
-          </a:bodyPr>
-          <a:lstStyle/>
-          <a:p>
-            <a:r>
-              <a:rPr lang="en-US" sz="2000" dirty="0" smtClean="0"/>
-              <a:t>Một </a:t>
-            </a:r>
-            <a:r>
-              <a:rPr lang="vi-VN" sz="2000" dirty="0" smtClean="0"/>
-              <a:t>tổ </a:t>
-            </a:r>
-            <a:r>
-              <a:rPr lang="vi-VN" sz="2000" dirty="0"/>
-              <a:t>chức môi trường địa phương đang lo ngại vấn đề ô nhiễm rác tại khu vực sinh sống. Họ nghe nói micro:bit có thể lưu trữ thông tin, và họ hỏi là liệu bạn có thể thiết kế cho họ một chường trình:</a:t>
-            </a:r>
-            <a:endParaRPr lang="en-US" sz="2000" dirty="0"/>
-          </a:p>
-        </p:txBody>
-      </p:sp>
-      <p:sp>
-        <p:nvSpPr>
-          <p:cNvPr id="12" name="Rectangle 11"/>
-          <p:cNvSpPr/>
-          <p:nvPr/>
-        </p:nvSpPr>
-        <p:spPr>
-          <a:xfrm>
-            <a:off x="724931" y="4298349"/>
-            <a:ext cx="172836" cy="176901"/>
-          </a:xfrm>
-          <a:prstGeom prst="rect">
-            <a:avLst/>
-          </a:prstGeom>
-          <a:solidFill>
-            <a:schemeClr val="bg1"/>
-          </a:solidFill>
-          <a:ln>
-            <a:noFill/>
-          </a:ln>
-        </p:spPr>
-        <p:style>
-          <a:lnRef idx="2">
-            <a:schemeClr val="accent1">
-              <a:shade val="50000"/>
-            </a:schemeClr>
-          </a:lnRef>
-          <a:fillRef idx="1">
-            <a:schemeClr val="accent1"/>
-          </a:fillRef>
-          <a:effectRef idx="0">
-            <a:schemeClr val="accent1"/>
-          </a:effectRef>
-          <a:fontRef idx="minor">
-            <a:schemeClr val="lt1"/>
-          </a:fontRef>
-        </p:style>
-        <p:txBody>
-          <a:bodyPr rtlCol="0" anchor="ctr"/>
-          <a:lstStyle/>
-          <a:p>
-            <a:pPr algn="ctr"/>
-            <a:endParaRPr lang="en-US"/>
-          </a:p>
-        </p:txBody>
-      </p:sp>
-      <p:sp>
-        <p:nvSpPr>
-          <p:cNvPr id="13" name="Title 1"/>
-          <p:cNvSpPr txBox="1">
-            <a:spLocks/>
-          </p:cNvSpPr>
-          <p:nvPr/>
-        </p:nvSpPr>
-        <p:spPr>
-          <a:xfrm>
-            <a:off x="961186" y="4179184"/>
-            <a:ext cx="4453417" cy="437210"/>
-          </a:xfrm>
-          <a:prstGeom prst="rect">
-            <a:avLst/>
-          </a:prstGeom>
-        </p:spPr>
-        <p:txBody>
-          <a:bodyPr/>
-          <a:lstStyle>
-            <a:lvl1pPr algn="l" defTabSz="914400" rtl="0" eaLnBrk="1" latinLnBrk="0" hangingPunct="1">
-              <a:lnSpc>
-                <a:spcPct val="90000"/>
-              </a:lnSpc>
-              <a:spcBef>
-                <a:spcPct val="0"/>
-              </a:spcBef>
-              <a:buNone/>
-              <a:defRPr sz="3200" b="1" kern="1200">
-                <a:solidFill>
-                  <a:srgbClr val="019DD0"/>
-                </a:solidFill>
-                <a:latin typeface="Arial" panose="020B0604020202020204" pitchFamily="34" charset="0"/>
-                <a:ea typeface="+mj-ea"/>
-                <a:cs typeface="Arial" panose="020B0604020202020204" pitchFamily="34" charset="0"/>
-              </a:defRPr>
-            </a:lvl1pPr>
-          </a:lstStyle>
-          <a:p>
-            <a:pPr>
-              <a:lnSpc>
-                <a:spcPct val="100000"/>
-              </a:lnSpc>
-            </a:pPr>
-            <a:r>
-              <a:rPr lang="en-US" sz="2000" b="0" dirty="0" smtClean="0">
-                <a:solidFill>
-                  <a:schemeClr val="bg1"/>
-                </a:solidFill>
-                <a:ea typeface="Roboto Condensed" pitchFamily="2" charset="0"/>
-              </a:rPr>
-              <a:t>Đếm số lượng rác thải có thể tái chế</a:t>
-            </a:r>
-          </a:p>
-        </p:txBody>
-      </p:sp>
-      <p:sp>
-        <p:nvSpPr>
-          <p:cNvPr id="14" name="Rectangle 13"/>
-          <p:cNvSpPr/>
-          <p:nvPr/>
-        </p:nvSpPr>
-        <p:spPr>
-          <a:xfrm>
-            <a:off x="724931" y="4780949"/>
-            <a:ext cx="172836" cy="176901"/>
-          </a:xfrm>
-          <a:prstGeom prst="rect">
-            <a:avLst/>
-          </a:prstGeom>
-          <a:solidFill>
-            <a:schemeClr val="bg1"/>
-          </a:solidFill>
-          <a:ln>
-            <a:noFill/>
-          </a:ln>
-        </p:spPr>
-        <p:style>
-          <a:lnRef idx="2">
-            <a:schemeClr val="accent1">
-              <a:shade val="50000"/>
-            </a:schemeClr>
-          </a:lnRef>
-          <a:fillRef idx="1">
-            <a:schemeClr val="accent1"/>
-          </a:fillRef>
-          <a:effectRef idx="0">
-            <a:schemeClr val="accent1"/>
-          </a:effectRef>
-          <a:fontRef idx="minor">
-            <a:schemeClr val="lt1"/>
-          </a:fontRef>
-        </p:style>
-        <p:txBody>
-          <a:bodyPr rtlCol="0" anchor="ctr"/>
-          <a:lstStyle/>
-          <a:p>
-            <a:pPr algn="ctr"/>
-            <a:endParaRPr lang="en-US"/>
-          </a:p>
-        </p:txBody>
-      </p:sp>
-      <p:sp>
-        <p:nvSpPr>
-          <p:cNvPr id="15" name="Title 1"/>
-          <p:cNvSpPr txBox="1">
-            <a:spLocks/>
-          </p:cNvSpPr>
-          <p:nvPr/>
-        </p:nvSpPr>
-        <p:spPr>
-          <a:xfrm>
-            <a:off x="961186" y="4661783"/>
-            <a:ext cx="4453417" cy="686488"/>
-          </a:xfrm>
-          <a:prstGeom prst="rect">
-            <a:avLst/>
-          </a:prstGeom>
-        </p:spPr>
-        <p:txBody>
-          <a:bodyPr/>
-          <a:lstStyle>
-            <a:lvl1pPr algn="l" defTabSz="914400" rtl="0" eaLnBrk="1" latinLnBrk="0" hangingPunct="1">
-              <a:lnSpc>
-                <a:spcPct val="90000"/>
-              </a:lnSpc>
-              <a:spcBef>
-                <a:spcPct val="0"/>
-              </a:spcBef>
-              <a:buNone/>
-              <a:defRPr sz="3200" b="1" kern="1200">
-                <a:solidFill>
-                  <a:srgbClr val="019DD0"/>
-                </a:solidFill>
-                <a:latin typeface="Arial" panose="020B0604020202020204" pitchFamily="34" charset="0"/>
-                <a:ea typeface="+mj-ea"/>
-                <a:cs typeface="Arial" panose="020B0604020202020204" pitchFamily="34" charset="0"/>
-              </a:defRPr>
-            </a:lvl1pPr>
-          </a:lstStyle>
-          <a:p>
-            <a:pPr>
-              <a:lnSpc>
-                <a:spcPct val="100000"/>
-              </a:lnSpc>
-            </a:pPr>
-            <a:r>
-              <a:rPr lang="en-US" sz="2000" b="0" dirty="0" smtClean="0">
-                <a:solidFill>
-                  <a:schemeClr val="bg1"/>
-                </a:solidFill>
-                <a:ea typeface="Roboto Condensed" pitchFamily="2" charset="0"/>
-              </a:rPr>
-              <a:t>Đếm số lượng rác thải không thể tái chế</a:t>
-            </a:r>
-          </a:p>
-        </p:txBody>
-      </p:sp>
-      <p:sp>
-        <p:nvSpPr>
-          <p:cNvPr id="16" name="Rectangle 15"/>
-          <p:cNvSpPr/>
-          <p:nvPr/>
-        </p:nvSpPr>
-        <p:spPr>
-          <a:xfrm>
-            <a:off x="724931" y="5555649"/>
-            <a:ext cx="172836" cy="176901"/>
-          </a:xfrm>
-          <a:prstGeom prst="rect">
-            <a:avLst/>
-          </a:prstGeom>
-          <a:solidFill>
-            <a:schemeClr val="bg1"/>
-          </a:solidFill>
-          <a:ln>
-            <a:noFill/>
-          </a:ln>
-        </p:spPr>
-        <p:style>
-          <a:lnRef idx="2">
-            <a:schemeClr val="accent1">
-              <a:shade val="50000"/>
-            </a:schemeClr>
-          </a:lnRef>
-          <a:fillRef idx="1">
-            <a:schemeClr val="accent1"/>
-          </a:fillRef>
-          <a:effectRef idx="0">
-            <a:schemeClr val="accent1"/>
-          </a:effectRef>
-          <a:fontRef idx="minor">
-            <a:schemeClr val="lt1"/>
-          </a:fontRef>
-        </p:style>
-        <p:txBody>
-          <a:bodyPr rtlCol="0" anchor="ctr"/>
-          <a:lstStyle/>
-          <a:p>
-            <a:pPr algn="ctr"/>
-            <a:endParaRPr lang="en-US"/>
-          </a:p>
-        </p:txBody>
-      </p:sp>
-      <p:sp>
-        <p:nvSpPr>
-          <p:cNvPr id="17" name="Title 1"/>
-          <p:cNvSpPr txBox="1">
-            <a:spLocks/>
-          </p:cNvSpPr>
-          <p:nvPr/>
-        </p:nvSpPr>
-        <p:spPr>
-          <a:xfrm>
-            <a:off x="961186" y="5436483"/>
-            <a:ext cx="4453417" cy="686488"/>
-          </a:xfrm>
-          <a:prstGeom prst="rect">
-            <a:avLst/>
-          </a:prstGeom>
-        </p:spPr>
-        <p:txBody>
-          <a:bodyPr/>
-          <a:lstStyle>
-            <a:lvl1pPr algn="l" defTabSz="914400" rtl="0" eaLnBrk="1" latinLnBrk="0" hangingPunct="1">
-              <a:lnSpc>
-                <a:spcPct val="90000"/>
-              </a:lnSpc>
-              <a:spcBef>
-                <a:spcPct val="0"/>
-              </a:spcBef>
-              <a:buNone/>
-              <a:defRPr sz="3200" b="1" kern="1200">
-                <a:solidFill>
-                  <a:srgbClr val="019DD0"/>
-                </a:solidFill>
-                <a:latin typeface="Arial" panose="020B0604020202020204" pitchFamily="34" charset="0"/>
-                <a:ea typeface="+mj-ea"/>
-                <a:cs typeface="Arial" panose="020B0604020202020204" pitchFamily="34" charset="0"/>
-              </a:defRPr>
-            </a:lvl1pPr>
-          </a:lstStyle>
-          <a:p>
-            <a:pPr>
-              <a:lnSpc>
-                <a:spcPct val="100000"/>
-              </a:lnSpc>
-            </a:pPr>
-            <a:r>
-              <a:rPr lang="en-US" sz="2000" b="0" dirty="0" smtClean="0">
-                <a:solidFill>
-                  <a:schemeClr val="bg1"/>
-                </a:solidFill>
-                <a:ea typeface="Roboto Condensed" pitchFamily="2" charset="0"/>
-              </a:rPr>
-              <a:t>Xem được số lượng mỗi loại rác thải đã đếm được</a:t>
-            </a:r>
-          </a:p>
-        </p:txBody>
-      </p:sp>
-    </p:spTree>
-    <p:extLst>
-      <p:ext uri="{BB962C8B-B14F-4D97-AF65-F5344CB8AC3E}">
-        <p14:creationId xmlns:p14="http://schemas.microsoft.com/office/powerpoint/2010/main" val="2483830330"/>
-      </p:ext>
-    </p:extLst>
-  </p:cSld>
-  <p:clrMapOvr>
-    <a:masterClrMapping/>
-  </p:clrMapOvr>
-</p:sld>
-</file>
-
-<file path=ppt/slides/slide13.xml><?xml version="1.0" encoding="utf-8"?>
-<p:sld xmlns:a="http://schemas.openxmlformats.org/drawingml/2006/main" xmlns:r="http://schemas.openxmlformats.org/officeDocument/2006/relationships" xmlns:p="http://schemas.openxmlformats.org/presentationml/2006/main">
-  <p:cSld>
-    <p:spTree>
-      <p:nvGrpSpPr>
-        <p:cNvPr id="1" name=""/>
-        <p:cNvGrpSpPr/>
-        <p:nvPr/>
-      </p:nvGrpSpPr>
-      <p:grpSpPr>
-        <a:xfrm>
-          <a:off x="0" y="0"/>
-          <a:ext cx="0" cy="0"/>
-          <a:chOff x="0" y="0"/>
-          <a:chExt cx="0" cy="0"/>
-        </a:xfrm>
-      </p:grpSpPr>
-      <p:sp>
-        <p:nvSpPr>
-          <p:cNvPr id="2" name="Slide Number Placeholder 1"/>
-          <p:cNvSpPr>
-            <a:spLocks noGrp="1"/>
-          </p:cNvSpPr>
-          <p:nvPr>
-            <p:ph type="sldNum" sz="quarter" idx="12"/>
-          </p:nvPr>
-        </p:nvSpPr>
-        <p:spPr/>
-        <p:txBody>
-          <a:bodyPr/>
-          <a:lstStyle/>
-          <a:p>
-            <a:fld id="{7D9EC917-02A2-4152-9EE3-DFE2775A77C7}" type="slidenum">
-              <a:rPr lang="en-US" smtClean="0"/>
-              <a:pPr/>
-              <a:t>13</a:t>
             </a:fld>
             <a:endParaRPr lang="en-US"/>
           </a:p>
@@ -5983,6 +5565,13 @@
   <p:clrMapOvr>
     <a:masterClrMapping/>
   </p:clrMapOvr>
+  <p:timing>
+    <p:tnLst>
+      <p:par>
+        <p:cTn id="1" dur="indefinite" restart="never" nodeType="tmRoot"/>
+      </p:par>
+    </p:tnLst>
+  </p:timing>
 </p:sld>
 </file>
 
@@ -6466,6 +6055,13 @@
   <p:clrMapOvr>
     <a:masterClrMapping/>
   </p:clrMapOvr>
+  <p:timing>
+    <p:tnLst>
+      <p:par>
+        <p:cTn id="1" dur="indefinite" restart="never" nodeType="tmRoot"/>
+      </p:par>
+    </p:tnLst>
+  </p:timing>
 </p:sld>
 </file>
 
@@ -6986,14 +6582,14 @@
                 <a:gridCol w="1968224">
                   <a:extLst>
                     <a:ext uri="{9D8B030D-6E8A-4147-A177-3AD203B41FA5}">
-                      <a16:colId xmlns:a16="http://schemas.microsoft.com/office/drawing/2014/main" val="1647899837"/>
+                      <a16:colId xmlns:a16="http://schemas.microsoft.com/office/drawing/2014/main" xmlns="" val="1647899837"/>
                     </a:ext>
                   </a:extLst>
                 </a:gridCol>
                 <a:gridCol w="1968224">
                   <a:extLst>
                     <a:ext uri="{9D8B030D-6E8A-4147-A177-3AD203B41FA5}">
-                      <a16:colId xmlns:a16="http://schemas.microsoft.com/office/drawing/2014/main" val="2483495536"/>
+                      <a16:colId xmlns:a16="http://schemas.microsoft.com/office/drawing/2014/main" xmlns="" val="2483495536"/>
                     </a:ext>
                   </a:extLst>
                 </a:gridCol>
@@ -7119,7 +6715,7 @@
                 </a:tc>
                 <a:extLst>
                   <a:ext uri="{0D108BD9-81ED-4DB2-BD59-A6C34878D82A}">
-                    <a16:rowId xmlns:a16="http://schemas.microsoft.com/office/drawing/2014/main" val="2158851293"/>
+                    <a16:rowId xmlns:a16="http://schemas.microsoft.com/office/drawing/2014/main" xmlns="" val="2158851293"/>
                   </a:ext>
                 </a:extLst>
               </a:tr>
@@ -7234,7 +6830,7 @@
                 </a:tc>
                 <a:extLst>
                   <a:ext uri="{0D108BD9-81ED-4DB2-BD59-A6C34878D82A}">
-                    <a16:rowId xmlns:a16="http://schemas.microsoft.com/office/drawing/2014/main" val="2867434985"/>
+                    <a16:rowId xmlns:a16="http://schemas.microsoft.com/office/drawing/2014/main" xmlns="" val="2867434985"/>
                   </a:ext>
                 </a:extLst>
               </a:tr>
@@ -7349,7 +6945,7 @@
                 </a:tc>
                 <a:extLst>
                   <a:ext uri="{0D108BD9-81ED-4DB2-BD59-A6C34878D82A}">
-                    <a16:rowId xmlns:a16="http://schemas.microsoft.com/office/drawing/2014/main" val="3339857345"/>
+                    <a16:rowId xmlns:a16="http://schemas.microsoft.com/office/drawing/2014/main" xmlns="" val="3339857345"/>
                   </a:ext>
                 </a:extLst>
               </a:tr>
@@ -7464,7 +7060,7 @@
                 </a:tc>
                 <a:extLst>
                   <a:ext uri="{0D108BD9-81ED-4DB2-BD59-A6C34878D82A}">
-                    <a16:rowId xmlns:a16="http://schemas.microsoft.com/office/drawing/2014/main" val="962353743"/>
+                    <a16:rowId xmlns:a16="http://schemas.microsoft.com/office/drawing/2014/main" xmlns="" val="962353743"/>
                   </a:ext>
                 </a:extLst>
               </a:tr>
@@ -7579,7 +7175,7 @@
                 </a:tc>
                 <a:extLst>
                   <a:ext uri="{0D108BD9-81ED-4DB2-BD59-A6C34878D82A}">
-                    <a16:rowId xmlns:a16="http://schemas.microsoft.com/office/drawing/2014/main" val="1934160046"/>
+                    <a16:rowId xmlns:a16="http://schemas.microsoft.com/office/drawing/2014/main" xmlns="" val="1934160046"/>
                   </a:ext>
                 </a:extLst>
               </a:tr>
@@ -7597,6 +7193,13 @@
   <p:clrMapOvr>
     <a:masterClrMapping/>
   </p:clrMapOvr>
+  <p:timing>
+    <p:tnLst>
+      <p:par>
+        <p:cTn id="1" dur="indefinite" restart="never" nodeType="tmRoot"/>
+      </p:par>
+    </p:tnLst>
+  </p:timing>
 </p:sld>
 </file>
 
@@ -7761,7 +7364,7 @@
           <a:lstStyle/>
           <a:p>
             <a:r>
-              <a:rPr lang="en-US" sz="2400" b="1" dirty="0" smtClean="0">
+              <a:rPr lang="en-US" sz="2400" b="1" dirty="0" err="1" smtClean="0">
                 <a:solidFill>
                   <a:schemeClr val="tx1">
                     <a:lumMod val="85000"/>
@@ -7771,7 +7374,59 @@
                 <a:latin typeface="UTM Helve" panose="02040603050506020204" pitchFamily="18" charset="0"/>
                 <a:ea typeface="Roboto" pitchFamily="2" charset="0"/>
               </a:rPr>
-              <a:t>Sử dụng biến trong MakeCode</a:t>
+              <a:t>Định</a:t>
+            </a:r>
+            <a:r>
+              <a:rPr lang="en-US" sz="2400" b="1" dirty="0" smtClean="0">
+                <a:solidFill>
+                  <a:schemeClr val="tx1">
+                    <a:lumMod val="85000"/>
+                    <a:lumOff val="15000"/>
+                  </a:schemeClr>
+                </a:solidFill>
+                <a:latin typeface="UTM Helve" panose="02040603050506020204" pitchFamily="18" charset="0"/>
+                <a:ea typeface="Roboto" pitchFamily="2" charset="0"/>
+              </a:rPr>
+              <a:t> </a:t>
+            </a:r>
+            <a:r>
+              <a:rPr lang="en-US" sz="2400" b="1" dirty="0" err="1" smtClean="0">
+                <a:solidFill>
+                  <a:schemeClr val="tx1">
+                    <a:lumMod val="85000"/>
+                    <a:lumOff val="15000"/>
+                  </a:schemeClr>
+                </a:solidFill>
+                <a:latin typeface="UTM Helve" panose="02040603050506020204" pitchFamily="18" charset="0"/>
+                <a:ea typeface="Roboto" pitchFamily="2" charset="0"/>
+              </a:rPr>
+              <a:t>nghĩa</a:t>
+            </a:r>
+            <a:r>
+              <a:rPr lang="en-US" sz="2400" b="1" dirty="0" smtClean="0">
+                <a:solidFill>
+                  <a:schemeClr val="tx1">
+                    <a:lumMod val="85000"/>
+                    <a:lumOff val="15000"/>
+                  </a:schemeClr>
+                </a:solidFill>
+                <a:latin typeface="UTM Helve" panose="02040603050506020204" pitchFamily="18" charset="0"/>
+                <a:ea typeface="Roboto" pitchFamily="2" charset="0"/>
+              </a:rPr>
+              <a:t> </a:t>
+            </a:r>
+            <a:r>
+              <a:rPr lang="en-US" sz="2400" b="1" dirty="0" err="1" smtClean="0">
+                <a:solidFill>
+                  <a:schemeClr val="tx1">
+                    <a:lumMod val="85000"/>
+                    <a:lumOff val="15000"/>
+                  </a:schemeClr>
+                </a:solidFill>
+                <a:latin typeface="UTM Helve" panose="02040603050506020204" pitchFamily="18" charset="0"/>
+                <a:ea typeface="Roboto" pitchFamily="2" charset="0"/>
+              </a:rPr>
+              <a:t>Biến</a:t>
             </a:r>
             <a:endParaRPr lang="en-US" sz="2400" b="1" dirty="0">
               <a:solidFill>
@@ -7824,16 +7479,15 @@
           </p:cNvPicPr>
           <p:nvPr/>
         </p:nvPicPr>
-        <p:blipFill>
+        <p:blipFill rotWithShape="1">
           <a:blip r:embed="rId3"/>
-          <a:stretch>
-            <a:fillRect/>
-          </a:stretch>
+          <a:srcRect b="26099"/>
+          <a:stretch/>
         </p:blipFill>
         <p:spPr>
           <a:xfrm>
-            <a:off x="5338574" y="1993912"/>
-            <a:ext cx="3320619" cy="3739436"/>
+            <a:off x="5756298" y="1148081"/>
+            <a:ext cx="2816885" cy="2344268"/>
           </a:xfrm>
           <a:prstGeom prst="rect">
             <a:avLst/>
@@ -7848,7 +7502,7 @@
         </p:nvSpPr>
         <p:spPr>
           <a:xfrm>
-            <a:off x="751423" y="3189784"/>
+            <a:off x="751423" y="2653887"/>
             <a:ext cx="172836" cy="176901"/>
           </a:xfrm>
           <a:prstGeom prst="rect">
@@ -7905,8 +7559,8 @@
         </p:nvSpPr>
         <p:spPr>
           <a:xfrm>
-            <a:off x="542728" y="2095577"/>
-            <a:ext cx="4575372" cy="711123"/>
+            <a:off x="542728" y="1796916"/>
+            <a:ext cx="4795846" cy="711123"/>
           </a:xfrm>
           <a:prstGeom prst="rect">
             <a:avLst/>
@@ -7940,17 +7594,287 @@
               </a:lnSpc>
             </a:pPr>
             <a:r>
-              <a:rPr lang="en-US" sz="2000" b="0" dirty="0" smtClean="0">
-                <a:solidFill>
-                  <a:schemeClr val="tx1">
-                    <a:lumMod val="95000"/>
-                    <a:lumOff val="5000"/>
-                  </a:schemeClr>
-                </a:solidFill>
-                <a:ea typeface="Roboto Condensed" pitchFamily="2" charset="0"/>
-              </a:rPr>
-              <a:t>Chúng ta tìm hiểu cách sử dụng của biến của một ví dụ sau:</a:t>
-            </a:r>
+              <a:rPr lang="en-US" sz="2000" b="0" dirty="0" err="1" smtClean="0">
+                <a:solidFill>
+                  <a:schemeClr val="tx1">
+                    <a:lumMod val="95000"/>
+                    <a:lumOff val="5000"/>
+                  </a:schemeClr>
+                </a:solidFill>
+                <a:ea typeface="Roboto Condensed" pitchFamily="2" charset="0"/>
+              </a:rPr>
+              <a:t>Để</a:t>
+            </a:r>
+            <a:r>
+              <a:rPr lang="en-US" sz="2000" b="0" dirty="0" smtClean="0">
+                <a:solidFill>
+                  <a:schemeClr val="tx1">
+                    <a:lumMod val="95000"/>
+                    <a:lumOff val="5000"/>
+                  </a:schemeClr>
+                </a:solidFill>
+                <a:ea typeface="Roboto Condensed" pitchFamily="2" charset="0"/>
+              </a:rPr>
+              <a:t> </a:t>
+            </a:r>
+            <a:r>
+              <a:rPr lang="en-US" sz="2000" b="0" dirty="0" err="1" smtClean="0">
+                <a:solidFill>
+                  <a:schemeClr val="tx1">
+                    <a:lumMod val="95000"/>
+                    <a:lumOff val="5000"/>
+                  </a:schemeClr>
+                </a:solidFill>
+                <a:ea typeface="Roboto Condensed" pitchFamily="2" charset="0"/>
+              </a:rPr>
+              <a:t>định</a:t>
+            </a:r>
+            <a:r>
+              <a:rPr lang="en-US" sz="2000" b="0" dirty="0" smtClean="0">
+                <a:solidFill>
+                  <a:schemeClr val="tx1">
+                    <a:lumMod val="95000"/>
+                    <a:lumOff val="5000"/>
+                  </a:schemeClr>
+                </a:solidFill>
+                <a:ea typeface="Roboto Condensed" pitchFamily="2" charset="0"/>
+              </a:rPr>
+              <a:t> </a:t>
+            </a:r>
+            <a:r>
+              <a:rPr lang="en-US" sz="2000" b="0" dirty="0" err="1" smtClean="0">
+                <a:solidFill>
+                  <a:schemeClr val="tx1">
+                    <a:lumMod val="95000"/>
+                    <a:lumOff val="5000"/>
+                  </a:schemeClr>
+                </a:solidFill>
+                <a:ea typeface="Roboto Condensed" pitchFamily="2" charset="0"/>
+              </a:rPr>
+              <a:t>nghĩa</a:t>
+            </a:r>
+            <a:r>
+              <a:rPr lang="en-US" sz="2000" b="0" dirty="0" smtClean="0">
+                <a:solidFill>
+                  <a:schemeClr val="tx1">
+                    <a:lumMod val="95000"/>
+                    <a:lumOff val="5000"/>
+                  </a:schemeClr>
+                </a:solidFill>
+                <a:ea typeface="Roboto Condensed" pitchFamily="2" charset="0"/>
+              </a:rPr>
+              <a:t> </a:t>
+            </a:r>
+            <a:r>
+              <a:rPr lang="en-US" sz="2000" b="0" dirty="0" err="1" smtClean="0">
+                <a:solidFill>
+                  <a:schemeClr val="tx1">
+                    <a:lumMod val="95000"/>
+                    <a:lumOff val="5000"/>
+                  </a:schemeClr>
+                </a:solidFill>
+                <a:ea typeface="Roboto Condensed" pitchFamily="2" charset="0"/>
+              </a:rPr>
+              <a:t>biến</a:t>
+            </a:r>
+            <a:r>
+              <a:rPr lang="en-US" sz="2000" b="0" dirty="0" smtClean="0">
+                <a:solidFill>
+                  <a:schemeClr val="tx1">
+                    <a:lumMod val="95000"/>
+                    <a:lumOff val="5000"/>
+                  </a:schemeClr>
+                </a:solidFill>
+                <a:ea typeface="Roboto Condensed" pitchFamily="2" charset="0"/>
+              </a:rPr>
+              <a:t>, </a:t>
+            </a:r>
+            <a:r>
+              <a:rPr lang="en-US" sz="2000" b="0" dirty="0" err="1" smtClean="0">
+                <a:solidFill>
+                  <a:schemeClr val="tx1">
+                    <a:lumMod val="95000"/>
+                    <a:lumOff val="5000"/>
+                  </a:schemeClr>
+                </a:solidFill>
+                <a:ea typeface="Roboto Condensed" pitchFamily="2" charset="0"/>
+              </a:rPr>
+              <a:t>bạn</a:t>
+            </a:r>
+            <a:r>
+              <a:rPr lang="en-US" sz="2000" b="0" dirty="0" smtClean="0">
+                <a:solidFill>
+                  <a:schemeClr val="tx1">
+                    <a:lumMod val="95000"/>
+                    <a:lumOff val="5000"/>
+                  </a:schemeClr>
+                </a:solidFill>
+                <a:ea typeface="Roboto Condensed" pitchFamily="2" charset="0"/>
+              </a:rPr>
+              <a:t> </a:t>
+            </a:r>
+            <a:r>
+              <a:rPr lang="en-US" sz="2000" b="0" dirty="0" err="1" smtClean="0">
+                <a:solidFill>
+                  <a:schemeClr val="tx1">
+                    <a:lumMod val="95000"/>
+                    <a:lumOff val="5000"/>
+                  </a:schemeClr>
+                </a:solidFill>
+                <a:ea typeface="Roboto Condensed" pitchFamily="2" charset="0"/>
+              </a:rPr>
+              <a:t>chọn</a:t>
+            </a:r>
+            <a:r>
+              <a:rPr lang="en-US" sz="2000" b="0" dirty="0" smtClean="0">
+                <a:solidFill>
+                  <a:schemeClr val="tx1">
+                    <a:lumMod val="95000"/>
+                    <a:lumOff val="5000"/>
+                  </a:schemeClr>
+                </a:solidFill>
+                <a:ea typeface="Roboto Condensed" pitchFamily="2" charset="0"/>
+              </a:rPr>
+              <a:t> </a:t>
+            </a:r>
+            <a:r>
+              <a:rPr lang="en-US" sz="2000" dirty="0" smtClean="0">
+                <a:solidFill>
+                  <a:srgbClr val="FF0000"/>
+                </a:solidFill>
+                <a:ea typeface="Roboto Condensed" pitchFamily="2" charset="0"/>
+              </a:rPr>
+              <a:t>Variables</a:t>
+            </a:r>
+            <a:r>
+              <a:rPr lang="en-US" sz="2000" b="0" dirty="0" smtClean="0">
+                <a:solidFill>
+                  <a:schemeClr val="tx1">
+                    <a:lumMod val="95000"/>
+                    <a:lumOff val="5000"/>
+                  </a:schemeClr>
+                </a:solidFill>
+                <a:ea typeface="Roboto Condensed" pitchFamily="2" charset="0"/>
+              </a:rPr>
+              <a:t>, </a:t>
+            </a:r>
+            <a:r>
+              <a:rPr lang="en-US" sz="2000" b="0" dirty="0" err="1" smtClean="0">
+                <a:solidFill>
+                  <a:schemeClr val="tx1">
+                    <a:lumMod val="95000"/>
+                    <a:lumOff val="5000"/>
+                  </a:schemeClr>
+                </a:solidFill>
+                <a:ea typeface="Roboto Condensed" pitchFamily="2" charset="0"/>
+              </a:rPr>
+              <a:t>sau</a:t>
+            </a:r>
+            <a:r>
+              <a:rPr lang="en-US" sz="2000" b="0" dirty="0" smtClean="0">
+                <a:solidFill>
+                  <a:schemeClr val="tx1">
+                    <a:lumMod val="95000"/>
+                    <a:lumOff val="5000"/>
+                  </a:schemeClr>
+                </a:solidFill>
+                <a:ea typeface="Roboto Condensed" pitchFamily="2" charset="0"/>
+              </a:rPr>
+              <a:t> </a:t>
+            </a:r>
+            <a:r>
+              <a:rPr lang="en-US" sz="2000" b="0" dirty="0" err="1" smtClean="0">
+                <a:solidFill>
+                  <a:schemeClr val="tx1">
+                    <a:lumMod val="95000"/>
+                    <a:lumOff val="5000"/>
+                  </a:schemeClr>
+                </a:solidFill>
+                <a:ea typeface="Roboto Condensed" pitchFamily="2" charset="0"/>
+              </a:rPr>
+              <a:t>đó</a:t>
+            </a:r>
+            <a:r>
+              <a:rPr lang="en-US" sz="2000" b="0" dirty="0" smtClean="0">
+                <a:solidFill>
+                  <a:schemeClr val="tx1">
+                    <a:lumMod val="95000"/>
+                    <a:lumOff val="5000"/>
+                  </a:schemeClr>
+                </a:solidFill>
+                <a:ea typeface="Roboto Condensed" pitchFamily="2" charset="0"/>
+              </a:rPr>
+              <a:t> </a:t>
+            </a:r>
+            <a:r>
+              <a:rPr lang="en-US" sz="2000" b="0" dirty="0" err="1" smtClean="0">
+                <a:solidFill>
+                  <a:schemeClr val="tx1">
+                    <a:lumMod val="95000"/>
+                    <a:lumOff val="5000"/>
+                  </a:schemeClr>
+                </a:solidFill>
+                <a:ea typeface="Roboto Condensed" pitchFamily="2" charset="0"/>
+              </a:rPr>
+              <a:t>chọn</a:t>
+            </a:r>
+            <a:r>
+              <a:rPr lang="en-US" sz="2000" b="0" dirty="0" smtClean="0">
+                <a:solidFill>
+                  <a:schemeClr val="tx1">
+                    <a:lumMod val="95000"/>
+                    <a:lumOff val="5000"/>
+                  </a:schemeClr>
+                </a:solidFill>
+                <a:ea typeface="Roboto Condensed" pitchFamily="2" charset="0"/>
+              </a:rPr>
+              <a:t> </a:t>
+            </a:r>
+            <a:r>
+              <a:rPr lang="en-US" sz="2000" dirty="0" smtClean="0">
+                <a:solidFill>
+                  <a:schemeClr val="tx1">
+                    <a:lumMod val="95000"/>
+                    <a:lumOff val="5000"/>
+                  </a:schemeClr>
+                </a:solidFill>
+                <a:ea typeface="Roboto Condensed" pitchFamily="2" charset="0"/>
+              </a:rPr>
+              <a:t>Make a </a:t>
+            </a:r>
+            <a:r>
+              <a:rPr lang="en-US" sz="2000" dirty="0" err="1" smtClean="0">
+                <a:solidFill>
+                  <a:schemeClr val="tx1">
+                    <a:lumMod val="95000"/>
+                    <a:lumOff val="5000"/>
+                  </a:schemeClr>
+                </a:solidFill>
+                <a:ea typeface="Roboto Condensed" pitchFamily="2" charset="0"/>
+              </a:rPr>
+              <a:t>Variabe</a:t>
+            </a:r>
+            <a:r>
+              <a:rPr lang="en-US" sz="2000" dirty="0" smtClean="0">
+                <a:solidFill>
+                  <a:schemeClr val="tx1">
+                    <a:lumMod val="95000"/>
+                    <a:lumOff val="5000"/>
+                  </a:schemeClr>
+                </a:solidFill>
+                <a:ea typeface="Roboto Condensed" pitchFamily="2" charset="0"/>
+              </a:rPr>
+              <a:t>…</a:t>
+            </a:r>
+            <a:endParaRPr lang="en-US" sz="2000" dirty="0" smtClean="0">
+              <a:solidFill>
+                <a:schemeClr val="tx1">
+                  <a:lumMod val="95000"/>
+                  <a:lumOff val="5000"/>
+                </a:schemeClr>
+              </a:solidFill>
+              <a:ea typeface="Roboto Condensed" pitchFamily="2" charset="0"/>
+            </a:endParaRPr>
           </a:p>
         </p:txBody>
       </p:sp>
@@ -7964,8 +7888,8 @@
         </p:nvSpPr>
         <p:spPr>
           <a:xfrm>
-            <a:off x="1012628" y="3086177"/>
-            <a:ext cx="4003872" cy="1384223"/>
+            <a:off x="1012628" y="2550280"/>
+            <a:ext cx="4003872" cy="471975"/>
           </a:xfrm>
           <a:prstGeom prst="rect">
             <a:avLst/>
@@ -7999,78 +7923,236 @@
               </a:lnSpc>
             </a:pPr>
             <a:r>
-              <a:rPr lang="en-US" sz="2000" b="0" dirty="0" smtClean="0">
-                <a:solidFill>
-                  <a:schemeClr val="tx1">
-                    <a:lumMod val="95000"/>
-                    <a:lumOff val="5000"/>
-                  </a:schemeClr>
-                </a:solidFill>
-                <a:ea typeface="Roboto Condensed" pitchFamily="2" charset="0"/>
-              </a:rPr>
-              <a:t>Tạo ra một biến, khi nhấn button A thì tăng biến lên một giá trị, nhấn button B thì giảm biến đi một giá trị</a:t>
-            </a:r>
+              <a:rPr lang="en-US" sz="2000" b="0" dirty="0" err="1" smtClean="0">
+                <a:solidFill>
+                  <a:schemeClr val="tx1">
+                    <a:lumMod val="95000"/>
+                    <a:lumOff val="5000"/>
+                  </a:schemeClr>
+                </a:solidFill>
+                <a:ea typeface="Roboto Condensed" pitchFamily="2" charset="0"/>
+              </a:rPr>
+              <a:t>Sau</a:t>
+            </a:r>
+            <a:r>
+              <a:rPr lang="en-US" sz="2000" b="0" dirty="0" smtClean="0">
+                <a:solidFill>
+                  <a:schemeClr val="tx1">
+                    <a:lumMod val="95000"/>
+                    <a:lumOff val="5000"/>
+                  </a:schemeClr>
+                </a:solidFill>
+                <a:ea typeface="Roboto Condensed" pitchFamily="2" charset="0"/>
+              </a:rPr>
+              <a:t> </a:t>
+            </a:r>
+            <a:r>
+              <a:rPr lang="en-US" sz="2000" b="0" dirty="0" err="1" smtClean="0">
+                <a:solidFill>
+                  <a:schemeClr val="tx1">
+                    <a:lumMod val="95000"/>
+                    <a:lumOff val="5000"/>
+                  </a:schemeClr>
+                </a:solidFill>
+                <a:ea typeface="Roboto Condensed" pitchFamily="2" charset="0"/>
+              </a:rPr>
+              <a:t>đó</a:t>
+            </a:r>
+            <a:r>
+              <a:rPr lang="en-US" sz="2000" b="0" dirty="0" smtClean="0">
+                <a:solidFill>
+                  <a:schemeClr val="tx1">
+                    <a:lumMod val="95000"/>
+                    <a:lumOff val="5000"/>
+                  </a:schemeClr>
+                </a:solidFill>
+                <a:ea typeface="Roboto Condensed" pitchFamily="2" charset="0"/>
+              </a:rPr>
+              <a:t> </a:t>
+            </a:r>
+            <a:r>
+              <a:rPr lang="en-US" sz="2000" b="0" dirty="0" err="1" smtClean="0">
+                <a:solidFill>
+                  <a:schemeClr val="tx1">
+                    <a:lumMod val="95000"/>
+                    <a:lumOff val="5000"/>
+                  </a:schemeClr>
+                </a:solidFill>
+                <a:ea typeface="Roboto Condensed" pitchFamily="2" charset="0"/>
+              </a:rPr>
+              <a:t>đặt</a:t>
+            </a:r>
+            <a:r>
+              <a:rPr lang="en-US" sz="2000" b="0" dirty="0" smtClean="0">
+                <a:solidFill>
+                  <a:schemeClr val="tx1">
+                    <a:lumMod val="95000"/>
+                    <a:lumOff val="5000"/>
+                  </a:schemeClr>
+                </a:solidFill>
+                <a:ea typeface="Roboto Condensed" pitchFamily="2" charset="0"/>
+              </a:rPr>
+              <a:t> </a:t>
+            </a:r>
+            <a:r>
+              <a:rPr lang="en-US" sz="2000" b="0" dirty="0" err="1" smtClean="0">
+                <a:solidFill>
+                  <a:schemeClr val="tx1">
+                    <a:lumMod val="95000"/>
+                    <a:lumOff val="5000"/>
+                  </a:schemeClr>
+                </a:solidFill>
+                <a:ea typeface="Roboto Condensed" pitchFamily="2" charset="0"/>
+              </a:rPr>
+              <a:t>tên</a:t>
+            </a:r>
+            <a:r>
+              <a:rPr lang="en-US" sz="2000" b="0" dirty="0" smtClean="0">
+                <a:solidFill>
+                  <a:schemeClr val="tx1">
+                    <a:lumMod val="95000"/>
+                    <a:lumOff val="5000"/>
+                  </a:schemeClr>
+                </a:solidFill>
+                <a:ea typeface="Roboto Condensed" pitchFamily="2" charset="0"/>
+              </a:rPr>
+              <a:t> </a:t>
+            </a:r>
+            <a:r>
+              <a:rPr lang="en-US" sz="2000" b="0" dirty="0" err="1" smtClean="0">
+                <a:solidFill>
+                  <a:schemeClr val="tx1">
+                    <a:lumMod val="95000"/>
+                    <a:lumOff val="5000"/>
+                  </a:schemeClr>
+                </a:solidFill>
+                <a:ea typeface="Roboto Condensed" pitchFamily="2" charset="0"/>
+              </a:rPr>
+              <a:t>cho</a:t>
+            </a:r>
+            <a:r>
+              <a:rPr lang="en-US" sz="2000" b="0" dirty="0" smtClean="0">
+                <a:solidFill>
+                  <a:schemeClr val="tx1">
+                    <a:lumMod val="95000"/>
+                    <a:lumOff val="5000"/>
+                  </a:schemeClr>
+                </a:solidFill>
+                <a:ea typeface="Roboto Condensed" pitchFamily="2" charset="0"/>
+              </a:rPr>
+              <a:t> </a:t>
+            </a:r>
+            <a:r>
+              <a:rPr lang="en-US" sz="2000" b="0" dirty="0" err="1" smtClean="0">
+                <a:solidFill>
+                  <a:schemeClr val="tx1">
+                    <a:lumMod val="95000"/>
+                    <a:lumOff val="5000"/>
+                  </a:schemeClr>
+                </a:solidFill>
+                <a:ea typeface="Roboto Condensed" pitchFamily="2" charset="0"/>
+              </a:rPr>
+              <a:t>biến</a:t>
+            </a:r>
+            <a:endParaRPr lang="en-US" sz="2000" b="0" dirty="0" smtClean="0">
+              <a:solidFill>
+                <a:schemeClr val="tx1">
+                  <a:lumMod val="95000"/>
+                  <a:lumOff val="5000"/>
+                </a:schemeClr>
+              </a:solidFill>
+              <a:ea typeface="Roboto Condensed" pitchFamily="2" charset="0"/>
+            </a:endParaRPr>
           </a:p>
         </p:txBody>
       </p:sp>
-      <p:sp>
-        <p:nvSpPr>
-          <p:cNvPr id="12" name="Rectangle 11"/>
-          <p:cNvSpPr/>
+      <p:pic>
+        <p:nvPicPr>
+          <p:cNvPr id="8" name="Picture 7"/>
+          <p:cNvPicPr>
+            <a:picLocks noChangeAspect="1"/>
+          </p:cNvPicPr>
           <p:nvPr/>
-        </p:nvSpPr>
-        <p:spPr>
-          <a:xfrm>
-            <a:off x="751423" y="4713784"/>
-            <a:ext cx="172836" cy="176901"/>
-          </a:xfrm>
-          <a:prstGeom prst="rect">
-            <a:avLst/>
-          </a:prstGeom>
-          <a:gradFill flip="none" rotWithShape="1">
-            <a:gsLst>
-              <a:gs pos="15000">
-                <a:srgbClr val="EC5F77"/>
-              </a:gs>
-              <a:gs pos="100000">
-                <a:srgbClr val="A8589E"/>
-              </a:gs>
-            </a:gsLst>
-            <a:lin ang="0" scaled="1"/>
-            <a:tileRect/>
-          </a:gradFill>
+        </p:nvPicPr>
+        <p:blipFill>
+          <a:blip r:embed="rId4"/>
+          <a:stretch>
+            <a:fillRect/>
+          </a:stretch>
+        </p:blipFill>
+        <p:spPr>
+          <a:xfrm>
+            <a:off x="751423" y="3004042"/>
+            <a:ext cx="3325813" cy="1440269"/>
+          </a:xfrm>
+          <a:prstGeom prst="rect">
+            <a:avLst/>
+          </a:prstGeom>
+        </p:spPr>
+      </p:pic>
+      <p:pic>
+        <p:nvPicPr>
+          <p:cNvPr id="14" name="Picture 13"/>
+          <p:cNvPicPr>
+            <a:picLocks noChangeAspect="1"/>
+          </p:cNvPicPr>
+          <p:nvPr/>
+        </p:nvPicPr>
+        <p:blipFill>
+          <a:blip r:embed="rId5"/>
+          <a:stretch>
+            <a:fillRect/>
+          </a:stretch>
+        </p:blipFill>
+        <p:spPr>
+          <a:xfrm>
+            <a:off x="4250724" y="3600735"/>
+            <a:ext cx="3262184" cy="2747501"/>
+          </a:xfrm>
+          <a:prstGeom prst="rect">
+            <a:avLst/>
+          </a:prstGeom>
+        </p:spPr>
+      </p:pic>
+      <p:cxnSp>
+        <p:nvCxnSpPr>
+          <p:cNvPr id="26" name="Elbow Connector 25"/>
+          <p:cNvCxnSpPr/>
+          <p:nvPr/>
+        </p:nvCxnSpPr>
+        <p:spPr>
+          <a:xfrm>
+            <a:off x="2940651" y="4486552"/>
+            <a:ext cx="1227695" cy="1008086"/>
+          </a:xfrm>
+          <a:prstGeom prst="bentConnector3">
+            <a:avLst>
+              <a:gd name="adj1" fmla="val 346"/>
+            </a:avLst>
+          </a:prstGeom>
           <a:ln>
-            <a:noFill/>
+            <a:prstDash val="dash"/>
+            <a:tailEnd type="triangle"/>
           </a:ln>
         </p:spPr>
         <p:style>
-          <a:lnRef idx="2">
-            <a:schemeClr val="accent1">
-              <a:shade val="50000"/>
-            </a:schemeClr>
+          <a:lnRef idx="1">
+            <a:schemeClr val="accent1"/>
           </a:lnRef>
-          <a:fillRef idx="1">
+          <a:fillRef idx="0">
             <a:schemeClr val="accent1"/>
           </a:fillRef>
           <a:effectRef idx="0">
             <a:schemeClr val="accent1"/>
           </a:effectRef>
           <a:fontRef idx="minor">
-            <a:schemeClr val="lt1"/>
+            <a:schemeClr val="tx1"/>
           </a:fontRef>
         </p:style>
-        <p:txBody>
-          <a:bodyPr rtlCol="0" anchor="ctr"/>
-          <a:lstStyle/>
-          <a:p>
-            <a:pPr algn="ctr"/>
-            <a:endParaRPr lang="en-US"/>
-          </a:p>
-        </p:txBody>
-      </p:sp>
+      </p:cxnSp>
       <p:sp>
         <p:nvSpPr>
-          <p:cNvPr id="13" name="Title 1"/>
+          <p:cNvPr id="28" name="Title 1"/>
           <p:cNvSpPr txBox="1">
             <a:spLocks/>
           </p:cNvSpPr>
@@ -8078,8 +8160,8 @@
         </p:nvSpPr>
         <p:spPr>
           <a:xfrm>
-            <a:off x="1012628" y="4610177"/>
-            <a:ext cx="4003872" cy="876223"/>
+            <a:off x="664136" y="4598107"/>
+            <a:ext cx="1928023" cy="1043563"/>
           </a:xfrm>
           <a:prstGeom prst="rect">
             <a:avLst/>
@@ -8122,8 +8204,446 @@
                 </a:solidFill>
                 <a:ea typeface="Roboto Condensed" pitchFamily="2" charset="0"/>
               </a:rPr>
-              <a:t>Chạm vào Logo thì hiển thị giá trị của biến ra màn hình LED</a:t>
-            </a:r>
+              <a:t>Click </a:t>
+            </a:r>
+            <a:r>
+              <a:rPr lang="en-US" sz="2000" dirty="0" err="1" smtClean="0">
+                <a:solidFill>
+                  <a:schemeClr val="tx1">
+                    <a:lumMod val="95000"/>
+                    <a:lumOff val="5000"/>
+                  </a:schemeClr>
+                </a:solidFill>
+                <a:ea typeface="Roboto Condensed" pitchFamily="2" charset="0"/>
+              </a:rPr>
+              <a:t>OK,bạn</a:t>
+            </a:r>
+            <a:r>
+              <a:rPr lang="en-US" sz="2000" b="0" dirty="0" smtClean="0">
+                <a:solidFill>
+                  <a:schemeClr val="tx1">
+                    <a:lumMod val="95000"/>
+                    <a:lumOff val="5000"/>
+                  </a:schemeClr>
+                </a:solidFill>
+                <a:ea typeface="Roboto Condensed" pitchFamily="2" charset="0"/>
+              </a:rPr>
+              <a:t> </a:t>
+            </a:r>
+            <a:r>
+              <a:rPr lang="en-US" sz="2000" b="0" dirty="0" err="1" smtClean="0">
+                <a:solidFill>
+                  <a:schemeClr val="tx1">
+                    <a:lumMod val="95000"/>
+                    <a:lumOff val="5000"/>
+                  </a:schemeClr>
+                </a:solidFill>
+                <a:ea typeface="Roboto Condensed" pitchFamily="2" charset="0"/>
+              </a:rPr>
+              <a:t>sẽ</a:t>
+            </a:r>
+            <a:r>
+              <a:rPr lang="en-US" sz="2000" b="0" dirty="0" smtClean="0">
+                <a:solidFill>
+                  <a:schemeClr val="tx1">
+                    <a:lumMod val="95000"/>
+                    <a:lumOff val="5000"/>
+                  </a:schemeClr>
+                </a:solidFill>
+                <a:ea typeface="Roboto Condensed" pitchFamily="2" charset="0"/>
+              </a:rPr>
+              <a:t> </a:t>
+            </a:r>
+            <a:r>
+              <a:rPr lang="en-US" sz="2000" b="0" dirty="0" err="1" smtClean="0">
+                <a:solidFill>
+                  <a:schemeClr val="tx1">
+                    <a:lumMod val="95000"/>
+                    <a:lumOff val="5000"/>
+                  </a:schemeClr>
+                </a:solidFill>
+                <a:ea typeface="Roboto Condensed" pitchFamily="2" charset="0"/>
+              </a:rPr>
+              <a:t>có</a:t>
+            </a:r>
+            <a:r>
+              <a:rPr lang="en-US" sz="2000" b="0" dirty="0" smtClean="0">
+                <a:solidFill>
+                  <a:schemeClr val="tx1">
+                    <a:lumMod val="95000"/>
+                    <a:lumOff val="5000"/>
+                  </a:schemeClr>
+                </a:solidFill>
+                <a:ea typeface="Roboto Condensed" pitchFamily="2" charset="0"/>
+              </a:rPr>
+              <a:t> </a:t>
+            </a:r>
+            <a:r>
+              <a:rPr lang="en-US" sz="2000" b="0" dirty="0" err="1" smtClean="0">
+                <a:solidFill>
+                  <a:schemeClr val="tx1">
+                    <a:lumMod val="95000"/>
+                    <a:lumOff val="5000"/>
+                  </a:schemeClr>
+                </a:solidFill>
+                <a:ea typeface="Roboto Condensed" pitchFamily="2" charset="0"/>
+              </a:rPr>
+              <a:t>được</a:t>
+            </a:r>
+            <a:r>
+              <a:rPr lang="en-US" sz="2000" b="0" dirty="0" smtClean="0">
+                <a:solidFill>
+                  <a:schemeClr val="tx1">
+                    <a:lumMod val="95000"/>
+                    <a:lumOff val="5000"/>
+                  </a:schemeClr>
+                </a:solidFill>
+                <a:ea typeface="Roboto Condensed" pitchFamily="2" charset="0"/>
+              </a:rPr>
+              <a:t> </a:t>
+            </a:r>
+            <a:r>
+              <a:rPr lang="en-US" sz="2000" b="0" dirty="0" err="1" smtClean="0">
+                <a:solidFill>
+                  <a:schemeClr val="tx1">
+                    <a:lumMod val="95000"/>
+                    <a:lumOff val="5000"/>
+                  </a:schemeClr>
+                </a:solidFill>
+                <a:ea typeface="Roboto Condensed" pitchFamily="2" charset="0"/>
+              </a:rPr>
+              <a:t>như</a:t>
+            </a:r>
+            <a:r>
+              <a:rPr lang="en-US" sz="2000" b="0" dirty="0" smtClean="0">
+                <a:solidFill>
+                  <a:schemeClr val="tx1">
+                    <a:lumMod val="95000"/>
+                    <a:lumOff val="5000"/>
+                  </a:schemeClr>
+                </a:solidFill>
+                <a:ea typeface="Roboto Condensed" pitchFamily="2" charset="0"/>
+              </a:rPr>
+              <a:t> </a:t>
+            </a:r>
+            <a:r>
+              <a:rPr lang="en-US" sz="2000" b="0" dirty="0" err="1" smtClean="0">
+                <a:solidFill>
+                  <a:schemeClr val="tx1">
+                    <a:lumMod val="95000"/>
+                    <a:lumOff val="5000"/>
+                  </a:schemeClr>
+                </a:solidFill>
+                <a:ea typeface="Roboto Condensed" pitchFamily="2" charset="0"/>
+              </a:rPr>
+              <a:t>hình</a:t>
+            </a:r>
+            <a:r>
+              <a:rPr lang="en-US" sz="2000" b="0" dirty="0" smtClean="0">
+                <a:solidFill>
+                  <a:schemeClr val="tx1">
+                    <a:lumMod val="95000"/>
+                    <a:lumOff val="5000"/>
+                  </a:schemeClr>
+                </a:solidFill>
+                <a:ea typeface="Roboto Condensed" pitchFamily="2" charset="0"/>
+              </a:rPr>
+              <a:t> </a:t>
+            </a:r>
+            <a:r>
+              <a:rPr lang="en-US" sz="2000" b="0" dirty="0" err="1" smtClean="0">
+                <a:solidFill>
+                  <a:schemeClr val="tx1">
+                    <a:lumMod val="95000"/>
+                    <a:lumOff val="5000"/>
+                  </a:schemeClr>
+                </a:solidFill>
+                <a:ea typeface="Roboto Condensed" pitchFamily="2" charset="0"/>
+              </a:rPr>
+              <a:t>bên</a:t>
+            </a:r>
+            <a:endParaRPr lang="en-US" sz="2000" b="0" dirty="0" smtClean="0">
+              <a:solidFill>
+                <a:schemeClr val="tx1">
+                  <a:lumMod val="95000"/>
+                  <a:lumOff val="5000"/>
+                </a:schemeClr>
+              </a:solidFill>
+              <a:ea typeface="Roboto Condensed" pitchFamily="2" charset="0"/>
+            </a:endParaRPr>
+          </a:p>
+        </p:txBody>
+      </p:sp>
+      <p:sp>
+        <p:nvSpPr>
+          <p:cNvPr id="29" name="Title 1"/>
+          <p:cNvSpPr txBox="1">
+            <a:spLocks/>
+          </p:cNvSpPr>
+          <p:nvPr/>
+        </p:nvSpPr>
+        <p:spPr>
+          <a:xfrm>
+            <a:off x="751422" y="5740525"/>
+            <a:ext cx="2840275" cy="607712"/>
+          </a:xfrm>
+          <a:prstGeom prst="rect">
+            <a:avLst/>
+          </a:prstGeom>
+          <a:ln w="12700">
+            <a:solidFill>
+              <a:schemeClr val="tx1"/>
+            </a:solidFill>
+            <a:prstDash val="dash"/>
+          </a:ln>
+        </p:spPr>
+        <p:txBody>
+          <a:bodyPr/>
+          <a:lstStyle>
+            <a:lvl1pPr algn="l" defTabSz="914400" rtl="0" eaLnBrk="1" latinLnBrk="0" hangingPunct="1">
+              <a:lnSpc>
+                <a:spcPct val="90000"/>
+              </a:lnSpc>
+              <a:spcBef>
+                <a:spcPct val="0"/>
+              </a:spcBef>
+              <a:buNone/>
+              <a:defRPr sz="3200" b="1" kern="1200">
+                <a:solidFill>
+                  <a:srgbClr val="019DD0"/>
+                </a:solidFill>
+                <a:latin typeface="Arial" panose="020B0604020202020204" pitchFamily="34" charset="0"/>
+                <a:ea typeface="+mj-ea"/>
+                <a:cs typeface="Arial" panose="020B0604020202020204" pitchFamily="34" charset="0"/>
+              </a:defRPr>
+            </a:lvl1pPr>
+          </a:lstStyle>
+          <a:p>
+            <a:pPr algn="ctr">
+              <a:lnSpc>
+                <a:spcPct val="100000"/>
+              </a:lnSpc>
+            </a:pPr>
+            <a:r>
+              <a:rPr lang="en-US" sz="1600" b="0" i="1" dirty="0" err="1" smtClean="0">
+                <a:solidFill>
+                  <a:schemeClr val="tx1">
+                    <a:lumMod val="95000"/>
+                    <a:lumOff val="5000"/>
+                  </a:schemeClr>
+                </a:solidFill>
+                <a:ea typeface="Roboto Condensed" pitchFamily="2" charset="0"/>
+              </a:rPr>
+              <a:t>Mặc</a:t>
+            </a:r>
+            <a:r>
+              <a:rPr lang="en-US" sz="1600" b="0" i="1" dirty="0" smtClean="0">
+                <a:solidFill>
+                  <a:schemeClr val="tx1">
+                    <a:lumMod val="95000"/>
+                    <a:lumOff val="5000"/>
+                  </a:schemeClr>
+                </a:solidFill>
+                <a:ea typeface="Roboto Condensed" pitchFamily="2" charset="0"/>
+              </a:rPr>
+              <a:t> </a:t>
+            </a:r>
+            <a:r>
+              <a:rPr lang="en-US" sz="1600" b="0" i="1" dirty="0" err="1" smtClean="0">
+                <a:solidFill>
+                  <a:schemeClr val="tx1">
+                    <a:lumMod val="95000"/>
+                    <a:lumOff val="5000"/>
+                  </a:schemeClr>
+                </a:solidFill>
+                <a:ea typeface="Roboto Condensed" pitchFamily="2" charset="0"/>
+              </a:rPr>
+              <a:t>định</a:t>
+            </a:r>
+            <a:r>
+              <a:rPr lang="en-US" sz="1600" b="0" i="1" dirty="0" smtClean="0">
+                <a:solidFill>
+                  <a:schemeClr val="tx1">
+                    <a:lumMod val="95000"/>
+                    <a:lumOff val="5000"/>
+                  </a:schemeClr>
+                </a:solidFill>
+                <a:ea typeface="Roboto Condensed" pitchFamily="2" charset="0"/>
+              </a:rPr>
+              <a:t> </a:t>
+            </a:r>
+            <a:r>
+              <a:rPr lang="en-US" sz="1600" b="0" i="1" dirty="0" err="1" smtClean="0">
+                <a:solidFill>
+                  <a:schemeClr val="tx1">
+                    <a:lumMod val="95000"/>
+                    <a:lumOff val="5000"/>
+                  </a:schemeClr>
+                </a:solidFill>
+                <a:ea typeface="Roboto Condensed" pitchFamily="2" charset="0"/>
+              </a:rPr>
+              <a:t>kiểu</a:t>
+            </a:r>
+            <a:r>
+              <a:rPr lang="en-US" sz="1600" b="0" i="1" dirty="0" smtClean="0">
+                <a:solidFill>
+                  <a:schemeClr val="tx1">
+                    <a:lumMod val="95000"/>
+                    <a:lumOff val="5000"/>
+                  </a:schemeClr>
+                </a:solidFill>
+                <a:ea typeface="Roboto Condensed" pitchFamily="2" charset="0"/>
+              </a:rPr>
+              <a:t> </a:t>
+            </a:r>
+            <a:r>
+              <a:rPr lang="en-US" sz="1600" b="0" i="1" dirty="0" err="1" smtClean="0">
+                <a:solidFill>
+                  <a:schemeClr val="tx1">
+                    <a:lumMod val="95000"/>
+                    <a:lumOff val="5000"/>
+                  </a:schemeClr>
+                </a:solidFill>
+                <a:ea typeface="Roboto Condensed" pitchFamily="2" charset="0"/>
+              </a:rPr>
+              <a:t>dữ</a:t>
+            </a:r>
+            <a:r>
+              <a:rPr lang="en-US" sz="1600" b="0" i="1" dirty="0" smtClean="0">
+                <a:solidFill>
+                  <a:schemeClr val="tx1">
+                    <a:lumMod val="95000"/>
+                    <a:lumOff val="5000"/>
+                  </a:schemeClr>
+                </a:solidFill>
+                <a:ea typeface="Roboto Condensed" pitchFamily="2" charset="0"/>
+              </a:rPr>
+              <a:t> </a:t>
+            </a:r>
+            <a:r>
+              <a:rPr lang="en-US" sz="1600" b="0" i="1" dirty="0" err="1" smtClean="0">
+                <a:solidFill>
+                  <a:schemeClr val="tx1">
+                    <a:lumMod val="95000"/>
+                    <a:lumOff val="5000"/>
+                  </a:schemeClr>
+                </a:solidFill>
+                <a:ea typeface="Roboto Condensed" pitchFamily="2" charset="0"/>
+              </a:rPr>
+              <a:t>liệu</a:t>
+            </a:r>
+            <a:r>
+              <a:rPr lang="en-US" sz="1600" b="0" i="1" dirty="0" smtClean="0">
+                <a:solidFill>
+                  <a:schemeClr val="tx1">
+                    <a:lumMod val="95000"/>
+                    <a:lumOff val="5000"/>
+                  </a:schemeClr>
+                </a:solidFill>
+                <a:ea typeface="Roboto Condensed" pitchFamily="2" charset="0"/>
+              </a:rPr>
+              <a:t> </a:t>
+            </a:r>
+          </a:p>
+          <a:p>
+            <a:pPr algn="ctr">
+              <a:lnSpc>
+                <a:spcPct val="100000"/>
+              </a:lnSpc>
+            </a:pPr>
+            <a:r>
+              <a:rPr lang="en-US" sz="1600" b="0" i="1" dirty="0" err="1" smtClean="0">
+                <a:solidFill>
+                  <a:schemeClr val="tx1">
+                    <a:lumMod val="95000"/>
+                    <a:lumOff val="5000"/>
+                  </a:schemeClr>
+                </a:solidFill>
+                <a:ea typeface="Roboto Condensed" pitchFamily="2" charset="0"/>
+              </a:rPr>
+              <a:t>của</a:t>
+            </a:r>
+            <a:r>
+              <a:rPr lang="en-US" sz="1600" b="0" i="1" dirty="0" smtClean="0">
+                <a:solidFill>
+                  <a:schemeClr val="tx1">
+                    <a:lumMod val="95000"/>
+                    <a:lumOff val="5000"/>
+                  </a:schemeClr>
+                </a:solidFill>
+                <a:ea typeface="Roboto Condensed" pitchFamily="2" charset="0"/>
+              </a:rPr>
+              <a:t> </a:t>
+            </a:r>
+            <a:r>
+              <a:rPr lang="en-US" sz="1600" b="0" i="1" dirty="0" err="1" smtClean="0">
+                <a:solidFill>
+                  <a:schemeClr val="tx1">
+                    <a:lumMod val="95000"/>
+                    <a:lumOff val="5000"/>
+                  </a:schemeClr>
+                </a:solidFill>
+                <a:ea typeface="Roboto Condensed" pitchFamily="2" charset="0"/>
+              </a:rPr>
+              <a:t>biến</a:t>
+            </a:r>
+            <a:r>
+              <a:rPr lang="en-US" sz="1600" b="0" i="1" dirty="0" smtClean="0">
+                <a:solidFill>
+                  <a:schemeClr val="tx1">
+                    <a:lumMod val="95000"/>
+                    <a:lumOff val="5000"/>
+                  </a:schemeClr>
+                </a:solidFill>
+                <a:ea typeface="Roboto Condensed" pitchFamily="2" charset="0"/>
+              </a:rPr>
+              <a:t> </a:t>
+            </a:r>
+            <a:r>
+              <a:rPr lang="en-US" sz="1600" b="0" i="1" dirty="0" err="1" smtClean="0">
+                <a:solidFill>
+                  <a:schemeClr val="tx1">
+                    <a:lumMod val="95000"/>
+                    <a:lumOff val="5000"/>
+                  </a:schemeClr>
+                </a:solidFill>
+                <a:ea typeface="Roboto Condensed" pitchFamily="2" charset="0"/>
+              </a:rPr>
+              <a:t>là</a:t>
+            </a:r>
+            <a:r>
+              <a:rPr lang="en-US" sz="1600" b="0" i="1" dirty="0" smtClean="0">
+                <a:solidFill>
+                  <a:schemeClr val="tx1">
+                    <a:lumMod val="95000"/>
+                    <a:lumOff val="5000"/>
+                  </a:schemeClr>
+                </a:solidFill>
+                <a:ea typeface="Roboto Condensed" pitchFamily="2" charset="0"/>
+              </a:rPr>
+              <a:t> </a:t>
+            </a:r>
+            <a:r>
+              <a:rPr lang="en-US" sz="1600" b="0" i="1" dirty="0" err="1" smtClean="0">
+                <a:solidFill>
+                  <a:schemeClr val="tx1">
+                    <a:lumMod val="95000"/>
+                    <a:lumOff val="5000"/>
+                  </a:schemeClr>
+                </a:solidFill>
+                <a:ea typeface="Roboto Condensed" pitchFamily="2" charset="0"/>
+              </a:rPr>
+              <a:t>số</a:t>
+            </a:r>
+            <a:endParaRPr lang="en-US" sz="1600" b="0" i="1" dirty="0" smtClean="0">
+              <a:solidFill>
+                <a:schemeClr val="tx1">
+                  <a:lumMod val="95000"/>
+                  <a:lumOff val="5000"/>
+                </a:schemeClr>
+              </a:solidFill>
+              <a:ea typeface="Roboto Condensed" pitchFamily="2" charset="0"/>
+            </a:endParaRPr>
           </a:p>
         </p:txBody>
       </p:sp>
@@ -8137,6 +8657,13 @@
   <p:clrMapOvr>
     <a:masterClrMapping/>
   </p:clrMapOvr>
+  <p:timing>
+    <p:tnLst>
+      <p:par>
+        <p:cTn id="1" dur="indefinite" restart="never" nodeType="tmRoot"/>
+      </p:par>
+    </p:tnLst>
+  </p:timing>
 </p:sld>
 </file>
 
@@ -8183,7 +8710,7 @@
       </p:sp>
       <p:sp>
         <p:nvSpPr>
-          <p:cNvPr id="3" name="Rectangle 2"/>
+          <p:cNvPr id="4" name="Rectangle 3"/>
           <p:cNvSpPr/>
           <p:nvPr/>
         </p:nvSpPr>
@@ -8238,7 +8765,7 @@
       </p:sp>
       <p:sp>
         <p:nvSpPr>
-          <p:cNvPr id="4" name="TextBox 3"/>
+          <p:cNvPr id="5" name="TextBox 4"/>
           <p:cNvSpPr txBox="1"/>
           <p:nvPr/>
         </p:nvSpPr>
@@ -8280,7 +8807,7 @@
       </p:sp>
       <p:sp>
         <p:nvSpPr>
-          <p:cNvPr id="5" name="TextBox 4"/>
+          <p:cNvPr id="6" name="TextBox 5"/>
           <p:cNvSpPr txBox="1"/>
           <p:nvPr/>
         </p:nvSpPr>
@@ -8328,7 +8855,7 @@
       </p:sp>
       <p:pic>
         <p:nvPicPr>
-          <p:cNvPr id="6" name="Picture 5"/>
+          <p:cNvPr id="7" name="Picture 6"/>
           <p:cNvPicPr>
             <a:picLocks noChangeAspect="1"/>
           </p:cNvPicPr>
@@ -8358,7 +8885,7 @@
       </p:pic>
       <p:sp>
         <p:nvSpPr>
-          <p:cNvPr id="11" name="Title 1"/>
+          <p:cNvPr id="10" name="Title 1"/>
           <p:cNvSpPr txBox="1">
             <a:spLocks/>
           </p:cNvSpPr>
@@ -8366,8 +8893,8 @@
         </p:nvSpPr>
         <p:spPr>
           <a:xfrm>
-            <a:off x="1012628" y="2081821"/>
-            <a:ext cx="4181672" cy="762980"/>
+            <a:off x="3442138" y="1927140"/>
+            <a:ext cx="4181672" cy="593592"/>
           </a:xfrm>
           <a:prstGeom prst="rect">
             <a:avLst/>
@@ -8401,35 +8928,344 @@
               </a:lnSpc>
             </a:pPr>
             <a:r>
-              <a:rPr lang="en-US" sz="2000" b="0" dirty="0" smtClean="0">
-                <a:solidFill>
-                  <a:schemeClr val="tx1">
-                    <a:lumMod val="95000"/>
-                    <a:lumOff val="5000"/>
-                  </a:schemeClr>
-                </a:solidFill>
-                <a:ea typeface="Roboto Condensed" pitchFamily="2" charset="0"/>
-              </a:rPr>
-              <a:t>Tạo Project mới đặt tên là </a:t>
-            </a:r>
-            <a:r>
-              <a:rPr lang="en-US" sz="2000" dirty="0" smtClean="0">
-                <a:solidFill>
-                  <a:schemeClr val="tx1">
-                    <a:lumMod val="95000"/>
-                    <a:lumOff val="5000"/>
-                  </a:schemeClr>
-                </a:solidFill>
-                <a:ea typeface="Roboto Condensed" pitchFamily="2" charset="0"/>
-              </a:rPr>
-              <a:t>use Variables</a:t>
-            </a:r>
+              <a:rPr lang="en-US" sz="2000" b="0" dirty="0" err="1" smtClean="0">
+                <a:solidFill>
+                  <a:schemeClr val="tx1">
+                    <a:lumMod val="95000"/>
+                    <a:lumOff val="5000"/>
+                  </a:schemeClr>
+                </a:solidFill>
+                <a:ea typeface="Roboto Condensed" pitchFamily="2" charset="0"/>
+              </a:rPr>
+              <a:t>Khối</a:t>
+            </a:r>
+            <a:r>
+              <a:rPr lang="en-US" sz="2000" b="0" dirty="0" smtClean="0">
+                <a:solidFill>
+                  <a:schemeClr val="tx1">
+                    <a:lumMod val="95000"/>
+                    <a:lumOff val="5000"/>
+                  </a:schemeClr>
+                </a:solidFill>
+                <a:ea typeface="Roboto Condensed" pitchFamily="2" charset="0"/>
+              </a:rPr>
+              <a:t> </a:t>
+            </a:r>
+            <a:r>
+              <a:rPr lang="en-US" sz="2000" b="0" dirty="0" err="1" smtClean="0">
+                <a:solidFill>
+                  <a:schemeClr val="tx1">
+                    <a:lumMod val="95000"/>
+                    <a:lumOff val="5000"/>
+                  </a:schemeClr>
+                </a:solidFill>
+                <a:ea typeface="Roboto Condensed" pitchFamily="2" charset="0"/>
+              </a:rPr>
+              <a:t>này</a:t>
+            </a:r>
+            <a:r>
+              <a:rPr lang="en-US" sz="2000" b="0" dirty="0" smtClean="0">
+                <a:solidFill>
+                  <a:schemeClr val="tx1">
+                    <a:lumMod val="95000"/>
+                    <a:lumOff val="5000"/>
+                  </a:schemeClr>
+                </a:solidFill>
+                <a:ea typeface="Roboto Condensed" pitchFamily="2" charset="0"/>
+              </a:rPr>
+              <a:t> </a:t>
+            </a:r>
+            <a:r>
+              <a:rPr lang="en-US" sz="2000" b="0" dirty="0" err="1" smtClean="0">
+                <a:solidFill>
+                  <a:schemeClr val="tx1">
+                    <a:lumMod val="95000"/>
+                    <a:lumOff val="5000"/>
+                  </a:schemeClr>
+                </a:solidFill>
+                <a:ea typeface="Roboto Condensed" pitchFamily="2" charset="0"/>
+              </a:rPr>
+              <a:t>dùng</a:t>
+            </a:r>
+            <a:r>
+              <a:rPr lang="en-US" sz="2000" b="0" dirty="0" smtClean="0">
+                <a:solidFill>
+                  <a:schemeClr val="tx1">
+                    <a:lumMod val="95000"/>
+                    <a:lumOff val="5000"/>
+                  </a:schemeClr>
+                </a:solidFill>
+                <a:ea typeface="Roboto Condensed" pitchFamily="2" charset="0"/>
+              </a:rPr>
+              <a:t> </a:t>
+            </a:r>
+            <a:r>
+              <a:rPr lang="en-US" sz="2000" b="0" dirty="0" err="1" smtClean="0">
+                <a:solidFill>
+                  <a:schemeClr val="tx1">
+                    <a:lumMod val="95000"/>
+                    <a:lumOff val="5000"/>
+                  </a:schemeClr>
+                </a:solidFill>
+                <a:ea typeface="Roboto Condensed" pitchFamily="2" charset="0"/>
+              </a:rPr>
+              <a:t>để</a:t>
+            </a:r>
+            <a:r>
+              <a:rPr lang="en-US" sz="2000" b="0" dirty="0" smtClean="0">
+                <a:solidFill>
+                  <a:schemeClr val="tx1">
+                    <a:lumMod val="95000"/>
+                    <a:lumOff val="5000"/>
+                  </a:schemeClr>
+                </a:solidFill>
+                <a:ea typeface="Roboto Condensed" pitchFamily="2" charset="0"/>
+              </a:rPr>
+              <a:t> </a:t>
+            </a:r>
+            <a:r>
+              <a:rPr lang="en-US" sz="2000" b="0" dirty="0" err="1" smtClean="0">
+                <a:solidFill>
+                  <a:schemeClr val="tx1">
+                    <a:lumMod val="95000"/>
+                    <a:lumOff val="5000"/>
+                  </a:schemeClr>
+                </a:solidFill>
+                <a:ea typeface="Roboto Condensed" pitchFamily="2" charset="0"/>
+              </a:rPr>
+              <a:t>gán</a:t>
+            </a:r>
+            <a:r>
+              <a:rPr lang="en-US" sz="2000" b="0" dirty="0" smtClean="0">
+                <a:solidFill>
+                  <a:schemeClr val="tx1">
+                    <a:lumMod val="95000"/>
+                    <a:lumOff val="5000"/>
+                  </a:schemeClr>
+                </a:solidFill>
+                <a:ea typeface="Roboto Condensed" pitchFamily="2" charset="0"/>
+              </a:rPr>
+              <a:t> </a:t>
+            </a:r>
+            <a:r>
+              <a:rPr lang="en-US" sz="2000" b="0" dirty="0" err="1" smtClean="0">
+                <a:solidFill>
+                  <a:schemeClr val="tx1">
+                    <a:lumMod val="95000"/>
+                    <a:lumOff val="5000"/>
+                  </a:schemeClr>
+                </a:solidFill>
+                <a:ea typeface="Roboto Condensed" pitchFamily="2" charset="0"/>
+              </a:rPr>
+              <a:t>giá</a:t>
+            </a:r>
+            <a:r>
+              <a:rPr lang="en-US" sz="2000" b="0" dirty="0" smtClean="0">
+                <a:solidFill>
+                  <a:schemeClr val="tx1">
+                    <a:lumMod val="95000"/>
+                    <a:lumOff val="5000"/>
+                  </a:schemeClr>
+                </a:solidFill>
+                <a:ea typeface="Roboto Condensed" pitchFamily="2" charset="0"/>
+              </a:rPr>
+              <a:t> </a:t>
+            </a:r>
+            <a:r>
+              <a:rPr lang="en-US" sz="2000" b="0" dirty="0" err="1" smtClean="0">
+                <a:solidFill>
+                  <a:schemeClr val="tx1">
+                    <a:lumMod val="95000"/>
+                    <a:lumOff val="5000"/>
+                  </a:schemeClr>
+                </a:solidFill>
+                <a:ea typeface="Roboto Condensed" pitchFamily="2" charset="0"/>
+              </a:rPr>
+              <a:t>trị</a:t>
+            </a:r>
+            <a:r>
+              <a:rPr lang="en-US" sz="2000" b="0" dirty="0" smtClean="0">
+                <a:solidFill>
+                  <a:schemeClr val="tx1">
+                    <a:lumMod val="95000"/>
+                    <a:lumOff val="5000"/>
+                  </a:schemeClr>
+                </a:solidFill>
+                <a:ea typeface="Roboto Condensed" pitchFamily="2" charset="0"/>
+              </a:rPr>
+              <a:t> </a:t>
+            </a:r>
+            <a:r>
+              <a:rPr lang="en-US" sz="2000" b="0" dirty="0" err="1" smtClean="0">
+                <a:solidFill>
+                  <a:schemeClr val="tx1">
+                    <a:lumMod val="95000"/>
+                    <a:lumOff val="5000"/>
+                  </a:schemeClr>
+                </a:solidFill>
+                <a:ea typeface="Roboto Condensed" pitchFamily="2" charset="0"/>
+              </a:rPr>
+              <a:t>cho</a:t>
+            </a:r>
+            <a:r>
+              <a:rPr lang="en-US" sz="2000" b="0" dirty="0" smtClean="0">
+                <a:solidFill>
+                  <a:schemeClr val="tx1">
+                    <a:lumMod val="95000"/>
+                    <a:lumOff val="5000"/>
+                  </a:schemeClr>
+                </a:solidFill>
+                <a:ea typeface="Roboto Condensed" pitchFamily="2" charset="0"/>
+              </a:rPr>
+              <a:t> </a:t>
+            </a:r>
+            <a:r>
+              <a:rPr lang="en-US" sz="2000" b="0" dirty="0" err="1" smtClean="0">
+                <a:solidFill>
+                  <a:schemeClr val="tx1">
+                    <a:lumMod val="95000"/>
+                    <a:lumOff val="5000"/>
+                  </a:schemeClr>
+                </a:solidFill>
+                <a:ea typeface="Roboto Condensed" pitchFamily="2" charset="0"/>
+              </a:rPr>
+              <a:t>biến</a:t>
+            </a:r>
+            <a:r>
+              <a:rPr lang="en-US" sz="2000" b="0" dirty="0" smtClean="0">
+                <a:solidFill>
+                  <a:schemeClr val="tx1">
+                    <a:lumMod val="95000"/>
+                    <a:lumOff val="5000"/>
+                  </a:schemeClr>
+                </a:solidFill>
+                <a:ea typeface="Roboto Condensed" pitchFamily="2" charset="0"/>
+              </a:rPr>
+              <a:t>. </a:t>
+            </a:r>
+            <a:r>
+              <a:rPr lang="en-US" sz="2000" b="0" dirty="0" err="1" smtClean="0">
+                <a:solidFill>
+                  <a:schemeClr val="tx1">
+                    <a:lumMod val="95000"/>
+                    <a:lumOff val="5000"/>
+                  </a:schemeClr>
+                </a:solidFill>
+                <a:ea typeface="Roboto Condensed" pitchFamily="2" charset="0"/>
+              </a:rPr>
+              <a:t>Mặc</a:t>
+            </a:r>
+            <a:r>
+              <a:rPr lang="en-US" sz="2000" b="0" dirty="0" smtClean="0">
+                <a:solidFill>
+                  <a:schemeClr val="tx1">
+                    <a:lumMod val="95000"/>
+                    <a:lumOff val="5000"/>
+                  </a:schemeClr>
+                </a:solidFill>
+                <a:ea typeface="Roboto Condensed" pitchFamily="2" charset="0"/>
+              </a:rPr>
+              <a:t> </a:t>
+            </a:r>
+            <a:r>
+              <a:rPr lang="en-US" sz="2000" b="0" dirty="0" err="1" smtClean="0">
+                <a:solidFill>
+                  <a:schemeClr val="tx1">
+                    <a:lumMod val="95000"/>
+                    <a:lumOff val="5000"/>
+                  </a:schemeClr>
+                </a:solidFill>
+                <a:ea typeface="Roboto Condensed" pitchFamily="2" charset="0"/>
+              </a:rPr>
+              <a:t>định</a:t>
+            </a:r>
+            <a:r>
+              <a:rPr lang="en-US" sz="2000" b="0" dirty="0" smtClean="0">
+                <a:solidFill>
+                  <a:schemeClr val="tx1">
+                    <a:lumMod val="95000"/>
+                    <a:lumOff val="5000"/>
+                  </a:schemeClr>
+                </a:solidFill>
+                <a:ea typeface="Roboto Condensed" pitchFamily="2" charset="0"/>
+              </a:rPr>
+              <a:t> </a:t>
+            </a:r>
+            <a:r>
+              <a:rPr lang="en-US" sz="2000" b="0" dirty="0" err="1" smtClean="0">
+                <a:solidFill>
+                  <a:schemeClr val="tx1">
+                    <a:lumMod val="95000"/>
+                    <a:lumOff val="5000"/>
+                  </a:schemeClr>
+                </a:solidFill>
+                <a:ea typeface="Roboto Condensed" pitchFamily="2" charset="0"/>
+              </a:rPr>
+              <a:t>là</a:t>
+            </a:r>
+            <a:r>
+              <a:rPr lang="en-US" sz="2000" b="0" dirty="0" smtClean="0">
+                <a:solidFill>
+                  <a:schemeClr val="tx1">
+                    <a:lumMod val="95000"/>
+                    <a:lumOff val="5000"/>
+                  </a:schemeClr>
+                </a:solidFill>
+                <a:ea typeface="Roboto Condensed" pitchFamily="2" charset="0"/>
+              </a:rPr>
+              <a:t> </a:t>
+            </a:r>
+            <a:r>
+              <a:rPr lang="en-US" sz="2000" b="0" dirty="0" err="1" smtClean="0">
+                <a:solidFill>
+                  <a:schemeClr val="tx1">
+                    <a:lumMod val="95000"/>
+                    <a:lumOff val="5000"/>
+                  </a:schemeClr>
+                </a:solidFill>
+                <a:ea typeface="Roboto Condensed" pitchFamily="2" charset="0"/>
+              </a:rPr>
+              <a:t>kiểu</a:t>
+            </a:r>
+            <a:r>
+              <a:rPr lang="en-US" sz="2000" b="0" dirty="0" smtClean="0">
+                <a:solidFill>
+                  <a:schemeClr val="tx1">
+                    <a:lumMod val="95000"/>
+                    <a:lumOff val="5000"/>
+                  </a:schemeClr>
+                </a:solidFill>
+                <a:ea typeface="Roboto Condensed" pitchFamily="2" charset="0"/>
+              </a:rPr>
+              <a:t> </a:t>
+            </a:r>
+            <a:r>
+              <a:rPr lang="en-US" sz="2000" b="0" dirty="0" err="1" smtClean="0">
+                <a:solidFill>
+                  <a:schemeClr val="tx1">
+                    <a:lumMod val="95000"/>
+                    <a:lumOff val="5000"/>
+                  </a:schemeClr>
+                </a:solidFill>
+                <a:ea typeface="Roboto Condensed" pitchFamily="2" charset="0"/>
+              </a:rPr>
+              <a:t>số</a:t>
+            </a:r>
+            <a:endParaRPr lang="en-US" sz="2000" dirty="0" smtClean="0">
+              <a:solidFill>
+                <a:schemeClr val="tx1">
+                  <a:lumMod val="95000"/>
+                  <a:lumOff val="5000"/>
+                </a:schemeClr>
+              </a:solidFill>
+              <a:ea typeface="Roboto Condensed" pitchFamily="2" charset="0"/>
+            </a:endParaRPr>
           </a:p>
         </p:txBody>
       </p:sp>
       <p:sp>
         <p:nvSpPr>
-          <p:cNvPr id="13" name="Title 1"/>
+          <p:cNvPr id="11" name="Title 1"/>
           <p:cNvSpPr txBox="1">
             <a:spLocks/>
           </p:cNvSpPr>
@@ -8437,8 +9273,8 @@
         </p:nvSpPr>
         <p:spPr>
           <a:xfrm>
-            <a:off x="1009453" y="4024069"/>
-            <a:ext cx="3778447" cy="876223"/>
+            <a:off x="3442138" y="2895828"/>
+            <a:ext cx="4466186" cy="593592"/>
           </a:xfrm>
           <a:prstGeom prst="rect">
             <a:avLst/>
@@ -8472,40 +9308,399 @@
               </a:lnSpc>
             </a:pPr>
             <a:r>
-              <a:rPr lang="en-US" sz="2000" b="0" dirty="0" smtClean="0">
-                <a:solidFill>
-                  <a:schemeClr val="tx1">
-                    <a:lumMod val="95000"/>
-                    <a:lumOff val="5000"/>
-                  </a:schemeClr>
-                </a:solidFill>
-                <a:ea typeface="Roboto Condensed" pitchFamily="2" charset="0"/>
-              </a:rPr>
-              <a:t>Tạo xong bạn sẽ thấy có giao diện như hình bên phải</a:t>
-            </a:r>
+              <a:rPr lang="en-US" sz="2000" b="0" dirty="0" err="1" smtClean="0">
+                <a:solidFill>
+                  <a:schemeClr val="tx1">
+                    <a:lumMod val="95000"/>
+                    <a:lumOff val="5000"/>
+                  </a:schemeClr>
+                </a:solidFill>
+                <a:ea typeface="Roboto Condensed" pitchFamily="2" charset="0"/>
+              </a:rPr>
+              <a:t>Khối</a:t>
+            </a:r>
+            <a:r>
+              <a:rPr lang="en-US" sz="2000" b="0" dirty="0" smtClean="0">
+                <a:solidFill>
+                  <a:schemeClr val="tx1">
+                    <a:lumMod val="95000"/>
+                    <a:lumOff val="5000"/>
+                  </a:schemeClr>
+                </a:solidFill>
+                <a:ea typeface="Roboto Condensed" pitchFamily="2" charset="0"/>
+              </a:rPr>
+              <a:t> </a:t>
+            </a:r>
+            <a:r>
+              <a:rPr lang="en-US" sz="2000" b="0" dirty="0" err="1" smtClean="0">
+                <a:solidFill>
+                  <a:schemeClr val="tx1">
+                    <a:lumMod val="95000"/>
+                    <a:lumOff val="5000"/>
+                  </a:schemeClr>
+                </a:solidFill>
+                <a:ea typeface="Roboto Condensed" pitchFamily="2" charset="0"/>
+              </a:rPr>
+              <a:t>này</a:t>
+            </a:r>
+            <a:r>
+              <a:rPr lang="en-US" sz="2000" b="0" dirty="0" smtClean="0">
+                <a:solidFill>
+                  <a:schemeClr val="tx1">
+                    <a:lumMod val="95000"/>
+                    <a:lumOff val="5000"/>
+                  </a:schemeClr>
+                </a:solidFill>
+                <a:ea typeface="Roboto Condensed" pitchFamily="2" charset="0"/>
+              </a:rPr>
+              <a:t> </a:t>
+            </a:r>
+            <a:r>
+              <a:rPr lang="en-US" sz="2000" b="0" dirty="0" err="1" smtClean="0">
+                <a:solidFill>
+                  <a:schemeClr val="tx1">
+                    <a:lumMod val="95000"/>
+                    <a:lumOff val="5000"/>
+                  </a:schemeClr>
+                </a:solidFill>
+                <a:ea typeface="Roboto Condensed" pitchFamily="2" charset="0"/>
+              </a:rPr>
+              <a:t>Thay</a:t>
+            </a:r>
+            <a:r>
+              <a:rPr lang="en-US" sz="2000" b="0" dirty="0" smtClean="0">
+                <a:solidFill>
+                  <a:schemeClr val="tx1">
+                    <a:lumMod val="95000"/>
+                    <a:lumOff val="5000"/>
+                  </a:schemeClr>
+                </a:solidFill>
+                <a:ea typeface="Roboto Condensed" pitchFamily="2" charset="0"/>
+              </a:rPr>
+              <a:t> </a:t>
+            </a:r>
+            <a:r>
+              <a:rPr lang="en-US" sz="2000" b="0" dirty="0" smtClean="0">
+                <a:solidFill>
+                  <a:schemeClr val="tx1">
+                    <a:lumMod val="95000"/>
+                    <a:lumOff val="5000"/>
+                  </a:schemeClr>
+                </a:solidFill>
+                <a:ea typeface="Roboto Condensed" pitchFamily="2" charset="0"/>
+              </a:rPr>
+              <a:t>đổi giá trị của biến bằng một giá </a:t>
+            </a:r>
+            <a:r>
+              <a:rPr lang="en-US" sz="2000" b="0" dirty="0" err="1" smtClean="0">
+                <a:solidFill>
+                  <a:schemeClr val="tx1">
+                    <a:lumMod val="95000"/>
+                    <a:lumOff val="5000"/>
+                  </a:schemeClr>
+                </a:solidFill>
+                <a:ea typeface="Roboto Condensed" pitchFamily="2" charset="0"/>
+              </a:rPr>
+              <a:t>trị</a:t>
+            </a:r>
+            <a:r>
+              <a:rPr lang="en-US" sz="2000" b="0" dirty="0" smtClean="0">
+                <a:solidFill>
+                  <a:schemeClr val="tx1">
+                    <a:lumMod val="95000"/>
+                    <a:lumOff val="5000"/>
+                  </a:schemeClr>
+                </a:solidFill>
+                <a:ea typeface="Roboto Condensed" pitchFamily="2" charset="0"/>
+              </a:rPr>
+              <a:t> </a:t>
+            </a:r>
+            <a:r>
+              <a:rPr lang="en-US" sz="2000" b="0" dirty="0" err="1" smtClean="0">
+                <a:solidFill>
+                  <a:schemeClr val="tx1">
+                    <a:lumMod val="95000"/>
+                    <a:lumOff val="5000"/>
+                  </a:schemeClr>
+                </a:solidFill>
+                <a:ea typeface="Roboto Condensed" pitchFamily="2" charset="0"/>
+              </a:rPr>
+              <a:t>mới</a:t>
+            </a:r>
+            <a:r>
+              <a:rPr lang="en-US" sz="2000" b="0" dirty="0" smtClean="0">
+                <a:solidFill>
+                  <a:schemeClr val="tx1">
+                    <a:lumMod val="95000"/>
+                    <a:lumOff val="5000"/>
+                  </a:schemeClr>
+                </a:solidFill>
+                <a:ea typeface="Roboto Condensed" pitchFamily="2" charset="0"/>
+              </a:rPr>
+              <a:t>. </a:t>
+            </a:r>
+            <a:r>
+              <a:rPr lang="en-US" sz="2000" b="0" dirty="0" err="1" smtClean="0">
+                <a:solidFill>
+                  <a:schemeClr val="tx1">
+                    <a:lumMod val="95000"/>
+                    <a:lumOff val="5000"/>
+                  </a:schemeClr>
+                </a:solidFill>
+                <a:ea typeface="Roboto Condensed" pitchFamily="2" charset="0"/>
+              </a:rPr>
+              <a:t>Mặc</a:t>
+            </a:r>
+            <a:r>
+              <a:rPr lang="en-US" sz="2000" b="0" dirty="0" smtClean="0">
+                <a:solidFill>
+                  <a:schemeClr val="tx1">
+                    <a:lumMod val="95000"/>
+                    <a:lumOff val="5000"/>
+                  </a:schemeClr>
+                </a:solidFill>
+                <a:ea typeface="Roboto Condensed" pitchFamily="2" charset="0"/>
+              </a:rPr>
+              <a:t> </a:t>
+            </a:r>
+            <a:r>
+              <a:rPr lang="en-US" sz="2000" b="0" dirty="0" err="1" smtClean="0">
+                <a:solidFill>
+                  <a:schemeClr val="tx1">
+                    <a:lumMod val="95000"/>
+                    <a:lumOff val="5000"/>
+                  </a:schemeClr>
+                </a:solidFill>
+                <a:ea typeface="Roboto Condensed" pitchFamily="2" charset="0"/>
+              </a:rPr>
+              <a:t>định</a:t>
+            </a:r>
+            <a:r>
+              <a:rPr lang="en-US" sz="2000" b="0" dirty="0" smtClean="0">
+                <a:solidFill>
+                  <a:schemeClr val="tx1">
+                    <a:lumMod val="95000"/>
+                    <a:lumOff val="5000"/>
+                  </a:schemeClr>
+                </a:solidFill>
+                <a:ea typeface="Roboto Condensed" pitchFamily="2" charset="0"/>
+              </a:rPr>
+              <a:t> </a:t>
+            </a:r>
+            <a:r>
+              <a:rPr lang="en-US" sz="2000" b="0" dirty="0" err="1" smtClean="0">
+                <a:solidFill>
+                  <a:schemeClr val="tx1">
+                    <a:lumMod val="95000"/>
+                    <a:lumOff val="5000"/>
+                  </a:schemeClr>
+                </a:solidFill>
+                <a:ea typeface="Roboto Condensed" pitchFamily="2" charset="0"/>
+              </a:rPr>
+              <a:t>là</a:t>
+            </a:r>
+            <a:r>
+              <a:rPr lang="en-US" sz="2000" b="0" dirty="0" smtClean="0">
+                <a:solidFill>
+                  <a:schemeClr val="tx1">
+                    <a:lumMod val="95000"/>
+                    <a:lumOff val="5000"/>
+                  </a:schemeClr>
+                </a:solidFill>
+                <a:ea typeface="Roboto Condensed" pitchFamily="2" charset="0"/>
+              </a:rPr>
+              <a:t> </a:t>
+            </a:r>
+            <a:r>
+              <a:rPr lang="en-US" sz="2000" b="0" dirty="0" err="1" smtClean="0">
+                <a:solidFill>
+                  <a:schemeClr val="tx1">
+                    <a:lumMod val="95000"/>
+                    <a:lumOff val="5000"/>
+                  </a:schemeClr>
+                </a:solidFill>
+                <a:ea typeface="Roboto Condensed" pitchFamily="2" charset="0"/>
+              </a:rPr>
+              <a:t>số</a:t>
+            </a:r>
+            <a:endParaRPr lang="en-US" sz="2000" dirty="0" smtClean="0">
+              <a:solidFill>
+                <a:schemeClr val="tx1">
+                  <a:lumMod val="95000"/>
+                  <a:lumOff val="5000"/>
+                </a:schemeClr>
+              </a:solidFill>
+              <a:ea typeface="Roboto Condensed" pitchFamily="2" charset="0"/>
+            </a:endParaRPr>
           </a:p>
         </p:txBody>
       </p:sp>
       <p:sp>
         <p:nvSpPr>
-          <p:cNvPr id="14" name="Oval 13"/>
+          <p:cNvPr id="12" name="Title 1"/>
+          <p:cNvSpPr txBox="1">
+            <a:spLocks/>
+          </p:cNvSpPr>
+          <p:nvPr/>
+        </p:nvSpPr>
+        <p:spPr>
+          <a:xfrm>
+            <a:off x="3478221" y="4165126"/>
+            <a:ext cx="4181672" cy="458622"/>
+          </a:xfrm>
+          <a:prstGeom prst="rect">
+            <a:avLst/>
+          </a:prstGeom>
+        </p:spPr>
+        <p:txBody>
+          <a:bodyPr/>
+          <a:lstStyle>
+            <a:lvl1pPr algn="l" defTabSz="914400" rtl="0" eaLnBrk="1" latinLnBrk="0" hangingPunct="1">
+              <a:lnSpc>
+                <a:spcPct val="90000"/>
+              </a:lnSpc>
+              <a:spcBef>
+                <a:spcPct val="0"/>
+              </a:spcBef>
+              <a:buNone/>
+              <a:defRPr sz="3200" b="1" kern="1200">
+                <a:solidFill>
+                  <a:srgbClr val="019DD0"/>
+                </a:solidFill>
+                <a:latin typeface="Arial" panose="020B0604020202020204" pitchFamily="34" charset="0"/>
+                <a:ea typeface="+mj-ea"/>
+                <a:cs typeface="Arial" panose="020B0604020202020204" pitchFamily="34" charset="0"/>
+              </a:defRPr>
+            </a:lvl1pPr>
+          </a:lstStyle>
+          <a:p>
+            <a:pPr>
+              <a:lnSpc>
+                <a:spcPct val="100000"/>
+              </a:lnSpc>
+            </a:pPr>
+            <a:r>
+              <a:rPr lang="en-US" sz="2000" b="0" dirty="0" err="1" smtClean="0">
+                <a:solidFill>
+                  <a:schemeClr val="tx1">
+                    <a:lumMod val="95000"/>
+                    <a:lumOff val="5000"/>
+                  </a:schemeClr>
+                </a:solidFill>
+                <a:ea typeface="Roboto Condensed" pitchFamily="2" charset="0"/>
+              </a:rPr>
+              <a:t>Khối</a:t>
+            </a:r>
+            <a:r>
+              <a:rPr lang="en-US" sz="2000" b="0" dirty="0" smtClean="0">
+                <a:solidFill>
+                  <a:schemeClr val="tx1">
+                    <a:lumMod val="95000"/>
+                    <a:lumOff val="5000"/>
+                  </a:schemeClr>
+                </a:solidFill>
+                <a:ea typeface="Roboto Condensed" pitchFamily="2" charset="0"/>
+              </a:rPr>
+              <a:t> </a:t>
+            </a:r>
+            <a:r>
+              <a:rPr lang="en-US" sz="2000" b="0" dirty="0" err="1" smtClean="0">
+                <a:solidFill>
+                  <a:schemeClr val="tx1">
+                    <a:lumMod val="95000"/>
+                    <a:lumOff val="5000"/>
+                  </a:schemeClr>
+                </a:solidFill>
+                <a:ea typeface="Roboto Condensed" pitchFamily="2" charset="0"/>
+              </a:rPr>
+              <a:t>này</a:t>
+            </a:r>
+            <a:r>
+              <a:rPr lang="en-US" sz="2000" b="0" dirty="0" smtClean="0">
+                <a:solidFill>
+                  <a:schemeClr val="tx1">
+                    <a:lumMod val="95000"/>
+                    <a:lumOff val="5000"/>
+                  </a:schemeClr>
+                </a:solidFill>
+                <a:ea typeface="Roboto Condensed" pitchFamily="2" charset="0"/>
+              </a:rPr>
+              <a:t> </a:t>
+            </a:r>
+            <a:r>
+              <a:rPr lang="en-US" sz="2000" b="0" dirty="0" smtClean="0">
+                <a:solidFill>
+                  <a:schemeClr val="tx1">
+                    <a:lumMod val="95000"/>
+                    <a:lumOff val="5000"/>
+                  </a:schemeClr>
+                </a:solidFill>
+                <a:ea typeface="Roboto Condensed" pitchFamily="2" charset="0"/>
+              </a:rPr>
+              <a:t>chứa giá trị </a:t>
+            </a:r>
+            <a:r>
+              <a:rPr lang="en-US" sz="2000" b="0" dirty="0" err="1" smtClean="0">
+                <a:solidFill>
+                  <a:schemeClr val="tx1">
+                    <a:lumMod val="95000"/>
+                    <a:lumOff val="5000"/>
+                  </a:schemeClr>
+                </a:solidFill>
+                <a:ea typeface="Roboto Condensed" pitchFamily="2" charset="0"/>
+              </a:rPr>
+              <a:t>của</a:t>
+            </a:r>
+            <a:r>
+              <a:rPr lang="en-US" sz="2000" b="0" dirty="0" smtClean="0">
+                <a:solidFill>
+                  <a:schemeClr val="tx1">
+                    <a:lumMod val="95000"/>
+                    <a:lumOff val="5000"/>
+                  </a:schemeClr>
+                </a:solidFill>
+                <a:ea typeface="Roboto Condensed" pitchFamily="2" charset="0"/>
+              </a:rPr>
+              <a:t> </a:t>
+            </a:r>
+            <a:r>
+              <a:rPr lang="en-US" sz="2000" b="0" dirty="0" err="1" smtClean="0">
+                <a:solidFill>
+                  <a:schemeClr val="tx1">
+                    <a:lumMod val="95000"/>
+                    <a:lumOff val="5000"/>
+                  </a:schemeClr>
+                </a:solidFill>
+                <a:ea typeface="Roboto Condensed" pitchFamily="2" charset="0"/>
+              </a:rPr>
+              <a:t>biến</a:t>
+            </a:r>
+            <a:endParaRPr lang="en-US" sz="2000" dirty="0" smtClean="0">
+              <a:solidFill>
+                <a:schemeClr val="tx1">
+                  <a:lumMod val="95000"/>
+                  <a:lumOff val="5000"/>
+                </a:schemeClr>
+              </a:solidFill>
+              <a:ea typeface="Roboto Condensed" pitchFamily="2" charset="0"/>
+            </a:endParaRPr>
+          </a:p>
+        </p:txBody>
+      </p:sp>
+      <p:sp>
+        <p:nvSpPr>
+          <p:cNvPr id="14" name="Right Arrow 13"/>
           <p:cNvSpPr/>
           <p:nvPr/>
         </p:nvSpPr>
         <p:spPr>
           <a:xfrm>
-            <a:off x="542728" y="2087102"/>
-            <a:ext cx="419459" cy="419459"/>
-          </a:xfrm>
-          <a:prstGeom prst="ellipse">
-            <a:avLst/>
-          </a:prstGeom>
-          <a:solidFill>
-            <a:srgbClr val="EC5F77"/>
-          </a:solidFill>
-          <a:ln>
-            <a:noFill/>
-          </a:ln>
+            <a:off x="3118399" y="3113413"/>
+            <a:ext cx="319844" cy="206026"/>
+          </a:xfrm>
+          <a:prstGeom prst="rightArrow">
+            <a:avLst/>
+          </a:prstGeom>
         </p:spPr>
         <p:style>
           <a:lnRef idx="2">
@@ -8528,153 +9723,24 @@
           <a:lstStyle/>
           <a:p>
             <a:pPr algn="ctr"/>
-            <a:r>
-              <a:rPr lang="en-US" sz="2000" b="1" dirty="0" smtClean="0"/>
-              <a:t>1</a:t>
-            </a:r>
-            <a:endParaRPr lang="en-US" sz="2000" b="1" dirty="0"/>
+            <a:endParaRPr lang="en-US"/>
           </a:p>
         </p:txBody>
       </p:sp>
       <p:sp>
         <p:nvSpPr>
-          <p:cNvPr id="15" name="Title 1"/>
-          <p:cNvSpPr txBox="1">
-            <a:spLocks/>
-          </p:cNvSpPr>
-          <p:nvPr/>
-        </p:nvSpPr>
-        <p:spPr>
-          <a:xfrm>
-            <a:off x="1012628" y="2881920"/>
-            <a:ext cx="4181672" cy="1055079"/>
-          </a:xfrm>
-          <a:prstGeom prst="rect">
-            <a:avLst/>
-          </a:prstGeom>
-        </p:spPr>
-        <p:txBody>
-          <a:bodyPr/>
-          <a:lstStyle>
-            <a:lvl1pPr algn="l" defTabSz="914400" rtl="0" eaLnBrk="1" latinLnBrk="0" hangingPunct="1">
-              <a:lnSpc>
-                <a:spcPct val="90000"/>
-              </a:lnSpc>
-              <a:spcBef>
-                <a:spcPct val="0"/>
-              </a:spcBef>
-              <a:buNone/>
-              <a:defRPr sz="3200" b="1" kern="1200">
-                <a:solidFill>
-                  <a:srgbClr val="019DD0"/>
-                </a:solidFill>
-                <a:latin typeface="Arial" panose="020B0604020202020204" pitchFamily="34" charset="0"/>
-                <a:ea typeface="+mj-ea"/>
-                <a:cs typeface="Arial" panose="020B0604020202020204" pitchFamily="34" charset="0"/>
-              </a:defRPr>
-            </a:lvl1pPr>
-          </a:lstStyle>
-          <a:p>
-            <a:pPr>
-              <a:lnSpc>
-                <a:spcPct val="100000"/>
-              </a:lnSpc>
-            </a:pPr>
-            <a:r>
-              <a:rPr lang="en-US" sz="2000" b="0" dirty="0" smtClean="0">
-                <a:solidFill>
-                  <a:schemeClr val="tx1">
-                    <a:lumMod val="95000"/>
-                    <a:lumOff val="5000"/>
-                  </a:schemeClr>
-                </a:solidFill>
-                <a:ea typeface="Roboto Condensed" pitchFamily="2" charset="0"/>
-              </a:rPr>
-              <a:t>Click chọn khối </a:t>
-            </a:r>
-            <a:r>
-              <a:rPr lang="en-US" sz="2000" dirty="0" smtClean="0">
-                <a:solidFill>
-                  <a:schemeClr val="tx1">
-                    <a:lumMod val="95000"/>
-                    <a:lumOff val="5000"/>
-                  </a:schemeClr>
-                </a:solidFill>
-                <a:ea typeface="Roboto Condensed" pitchFamily="2" charset="0"/>
-              </a:rPr>
-              <a:t>Variables </a:t>
-            </a:r>
-            <a:r>
-              <a:rPr lang="en-US" sz="2000" b="0" dirty="0" smtClean="0">
-                <a:solidFill>
-                  <a:schemeClr val="tx1">
-                    <a:lumMod val="95000"/>
-                    <a:lumOff val="5000"/>
-                  </a:schemeClr>
-                </a:solidFill>
-                <a:ea typeface="Roboto Condensed" pitchFamily="2" charset="0"/>
-              </a:rPr>
-              <a:t>sau đó click </a:t>
-            </a:r>
-            <a:r>
-              <a:rPr lang="en-US" sz="2000" dirty="0" smtClean="0">
-                <a:solidFill>
-                  <a:schemeClr val="tx1">
-                    <a:lumMod val="95000"/>
-                    <a:lumOff val="5000"/>
-                  </a:schemeClr>
-                </a:solidFill>
-                <a:ea typeface="Roboto Condensed" pitchFamily="2" charset="0"/>
-              </a:rPr>
-              <a:t>Make a variables</a:t>
-            </a:r>
-            <a:r>
-              <a:rPr lang="en-US" sz="2000" b="0" dirty="0" smtClean="0">
-                <a:solidFill>
-                  <a:schemeClr val="tx1">
-                    <a:lumMod val="95000"/>
-                    <a:lumOff val="5000"/>
-                  </a:schemeClr>
-                </a:solidFill>
-                <a:ea typeface="Roboto Condensed" pitchFamily="2" charset="0"/>
-              </a:rPr>
-              <a:t>, đặt một biến tên là </a:t>
-            </a:r>
-            <a:r>
-              <a:rPr lang="en-US" sz="2000" dirty="0" smtClean="0">
-                <a:solidFill>
-                  <a:schemeClr val="tx1">
-                    <a:lumMod val="95000"/>
-                    <a:lumOff val="5000"/>
-                  </a:schemeClr>
-                </a:solidFill>
-                <a:ea typeface="Roboto Condensed" pitchFamily="2" charset="0"/>
-              </a:rPr>
-              <a:t>counterA</a:t>
-            </a:r>
-          </a:p>
-        </p:txBody>
-      </p:sp>
-      <p:sp>
-        <p:nvSpPr>
-          <p:cNvPr id="16" name="Oval 15"/>
+          <p:cNvPr id="15" name="Right Arrow 14"/>
           <p:cNvSpPr/>
           <p:nvPr/>
         </p:nvSpPr>
         <p:spPr>
           <a:xfrm>
-            <a:off x="542728" y="2912602"/>
-            <a:ext cx="419459" cy="419459"/>
-          </a:xfrm>
-          <a:prstGeom prst="ellipse">
-            <a:avLst/>
-          </a:prstGeom>
-          <a:solidFill>
-            <a:srgbClr val="EC5F77"/>
-          </a:solidFill>
-          <a:ln>
-            <a:noFill/>
-          </a:ln>
+            <a:off x="3118399" y="2060287"/>
+            <a:ext cx="319844" cy="206026"/>
+          </a:xfrm>
+          <a:prstGeom prst="rightArrow">
+            <a:avLst/>
+          </a:prstGeom>
         </p:spPr>
         <p:style>
           <a:lnRef idx="2">
@@ -8697,16 +9763,53 @@
           <a:lstStyle/>
           <a:p>
             <a:pPr algn="ctr"/>
-            <a:r>
-              <a:rPr lang="en-US" sz="2000" b="1" dirty="0"/>
-              <a:t>2</a:t>
-            </a:r>
+            <a:endParaRPr lang="en-US"/>
+          </a:p>
+        </p:txBody>
+      </p:sp>
+      <p:sp>
+        <p:nvSpPr>
+          <p:cNvPr id="16" name="Right Arrow 15"/>
+          <p:cNvSpPr/>
+          <p:nvPr/>
+        </p:nvSpPr>
+        <p:spPr>
+          <a:xfrm>
+            <a:off x="3118399" y="4291424"/>
+            <a:ext cx="319844" cy="206026"/>
+          </a:xfrm>
+          <a:prstGeom prst="rightArrow">
+            <a:avLst/>
+          </a:prstGeom>
+        </p:spPr>
+        <p:style>
+          <a:lnRef idx="2">
+            <a:schemeClr val="accent1">
+              <a:shade val="50000"/>
+            </a:schemeClr>
+          </a:lnRef>
+          <a:fillRef idx="1">
+            <a:schemeClr val="accent1"/>
+          </a:fillRef>
+          <a:effectRef idx="0">
+            <a:schemeClr val="accent1"/>
+          </a:effectRef>
+          <a:fontRef idx="minor">
+            <a:schemeClr val="lt1"/>
+          </a:fontRef>
+        </p:style>
+        <p:txBody>
+          <a:bodyPr rtlCol="0" anchor="ctr"/>
+          <a:lstStyle/>
+          <a:p>
+            <a:pPr algn="ctr"/>
+            <a:endParaRPr lang="en-US"/>
           </a:p>
         </p:txBody>
       </p:sp>
       <p:pic>
         <p:nvPicPr>
-          <p:cNvPr id="8" name="Picture 7"/>
+          <p:cNvPr id="17" name="Picture 16"/>
           <p:cNvPicPr>
             <a:picLocks noChangeAspect="1"/>
           </p:cNvPicPr>
@@ -8720,24 +9823,251 @@
         </p:blipFill>
         <p:spPr>
           <a:xfrm>
-            <a:off x="4920605" y="2081821"/>
-            <a:ext cx="3836284" cy="3884496"/>
+            <a:off x="776090" y="2027000"/>
+            <a:ext cx="1914525" cy="628650"/>
           </a:xfrm>
           <a:prstGeom prst="rect">
             <a:avLst/>
           </a:prstGeom>
         </p:spPr>
       </p:pic>
+      <p:pic>
+        <p:nvPicPr>
+          <p:cNvPr id="18" name="Picture 17"/>
+          <p:cNvPicPr>
+            <a:picLocks noChangeAspect="1"/>
+          </p:cNvPicPr>
+          <p:nvPr/>
+        </p:nvPicPr>
+        <p:blipFill>
+          <a:blip r:embed="rId4"/>
+          <a:stretch>
+            <a:fillRect/>
+          </a:stretch>
+        </p:blipFill>
+        <p:spPr>
+          <a:xfrm>
+            <a:off x="776090" y="3044974"/>
+            <a:ext cx="2105025" cy="561975"/>
+          </a:xfrm>
+          <a:prstGeom prst="rect">
+            <a:avLst/>
+          </a:prstGeom>
+        </p:spPr>
+      </p:pic>
+      <p:pic>
+        <p:nvPicPr>
+          <p:cNvPr id="19" name="Picture 18"/>
+          <p:cNvPicPr>
+            <a:picLocks noChangeAspect="1"/>
+          </p:cNvPicPr>
+          <p:nvPr/>
+        </p:nvPicPr>
+        <p:blipFill>
+          <a:blip r:embed="rId5"/>
+          <a:stretch>
+            <a:fillRect/>
+          </a:stretch>
+        </p:blipFill>
+        <p:spPr>
+          <a:xfrm>
+            <a:off x="768093" y="3897386"/>
+            <a:ext cx="1009650" cy="914400"/>
+          </a:xfrm>
+          <a:prstGeom prst="rect">
+            <a:avLst/>
+          </a:prstGeom>
+        </p:spPr>
+      </p:pic>
+      <p:sp>
+        <p:nvSpPr>
+          <p:cNvPr id="20" name="Rounded Rectangle 19"/>
+          <p:cNvSpPr/>
+          <p:nvPr/>
+        </p:nvSpPr>
+        <p:spPr>
+          <a:xfrm>
+            <a:off x="768093" y="5425752"/>
+            <a:ext cx="7741593" cy="898134"/>
+          </a:xfrm>
+          <a:prstGeom prst="roundRect">
+            <a:avLst>
+              <a:gd name="adj" fmla="val 3719"/>
+            </a:avLst>
+          </a:prstGeom>
+          <a:gradFill flip="none" rotWithShape="1">
+            <a:gsLst>
+              <a:gs pos="15000">
+                <a:srgbClr val="EC5F77"/>
+              </a:gs>
+              <a:gs pos="100000">
+                <a:srgbClr val="A8589E"/>
+              </a:gs>
+            </a:gsLst>
+            <a:lin ang="0" scaled="1"/>
+            <a:tileRect/>
+          </a:gradFill>
+          <a:ln>
+            <a:noFill/>
+          </a:ln>
+        </p:spPr>
+        <p:style>
+          <a:lnRef idx="2">
+            <a:schemeClr val="accent1">
+              <a:shade val="50000"/>
+            </a:schemeClr>
+          </a:lnRef>
+          <a:fillRef idx="1">
+            <a:schemeClr val="accent1"/>
+          </a:fillRef>
+          <a:effectRef idx="0">
+            <a:schemeClr val="accent1"/>
+          </a:effectRef>
+          <a:fontRef idx="minor">
+            <a:schemeClr val="lt1"/>
+          </a:fontRef>
+        </p:style>
+        <p:txBody>
+          <a:bodyPr rtlCol="0" anchor="ctr"/>
+          <a:lstStyle/>
+          <a:p>
+            <a:pPr algn="ctr"/>
+            <a:r>
+              <a:rPr lang="en-US" dirty="0" err="1" smtClean="0"/>
+              <a:t>Ngoài</a:t>
+            </a:r>
+            <a:r>
+              <a:rPr lang="en-US" dirty="0" smtClean="0"/>
+              <a:t> </a:t>
+            </a:r>
+            <a:r>
+              <a:rPr lang="en-US" dirty="0" err="1" smtClean="0"/>
+              <a:t>dữ</a:t>
+            </a:r>
+            <a:r>
+              <a:rPr lang="en-US" dirty="0" smtClean="0"/>
+              <a:t> </a:t>
+            </a:r>
+            <a:r>
+              <a:rPr lang="en-US" dirty="0" err="1" smtClean="0"/>
+              <a:t>kiệu</a:t>
+            </a:r>
+            <a:r>
+              <a:rPr lang="en-US" dirty="0" smtClean="0"/>
+              <a:t> </a:t>
+            </a:r>
+            <a:r>
+              <a:rPr lang="en-US" dirty="0" err="1" smtClean="0"/>
+              <a:t>kiểu</a:t>
+            </a:r>
+            <a:r>
+              <a:rPr lang="en-US" dirty="0" smtClean="0"/>
+              <a:t> </a:t>
+            </a:r>
+            <a:r>
+              <a:rPr lang="en-US" dirty="0" err="1" smtClean="0"/>
+              <a:t>số</a:t>
+            </a:r>
+            <a:r>
+              <a:rPr lang="en-US" dirty="0" smtClean="0"/>
+              <a:t>, </a:t>
+            </a:r>
+            <a:r>
+              <a:rPr lang="en-US" dirty="0" err="1" smtClean="0"/>
+              <a:t>giá</a:t>
+            </a:r>
+            <a:r>
+              <a:rPr lang="en-US" dirty="0" smtClean="0"/>
+              <a:t> </a:t>
+            </a:r>
+            <a:r>
+              <a:rPr lang="en-US" dirty="0" err="1" smtClean="0"/>
+              <a:t>trị</a:t>
+            </a:r>
+            <a:r>
+              <a:rPr lang="en-US" dirty="0" smtClean="0"/>
+              <a:t> </a:t>
+            </a:r>
+            <a:r>
+              <a:rPr lang="en-US" dirty="0" err="1" smtClean="0"/>
+              <a:t>của</a:t>
+            </a:r>
+            <a:r>
+              <a:rPr lang="en-US" dirty="0" smtClean="0"/>
+              <a:t> </a:t>
+            </a:r>
+            <a:r>
+              <a:rPr lang="en-US" dirty="0" err="1" smtClean="0"/>
+              <a:t>biến</a:t>
+            </a:r>
+            <a:r>
+              <a:rPr lang="en-US" dirty="0" smtClean="0"/>
+              <a:t> </a:t>
+            </a:r>
+            <a:r>
+              <a:rPr lang="en-US" dirty="0" err="1" smtClean="0"/>
+              <a:t>có</a:t>
+            </a:r>
+            <a:r>
+              <a:rPr lang="en-US" dirty="0" smtClean="0"/>
+              <a:t> </a:t>
+            </a:r>
+            <a:r>
+              <a:rPr lang="en-US" dirty="0" err="1" smtClean="0"/>
+              <a:t>thể</a:t>
+            </a:r>
+            <a:r>
+              <a:rPr lang="en-US" dirty="0" smtClean="0"/>
+              <a:t> </a:t>
+            </a:r>
+            <a:r>
+              <a:rPr lang="en-US" dirty="0" err="1" smtClean="0"/>
+              <a:t>là</a:t>
+            </a:r>
+            <a:r>
+              <a:rPr lang="en-US" dirty="0" smtClean="0"/>
+              <a:t> </a:t>
+            </a:r>
+          </a:p>
+          <a:p>
+            <a:pPr algn="ctr"/>
+            <a:r>
+              <a:rPr lang="en-US" dirty="0" err="1" smtClean="0"/>
+              <a:t>chữ</a:t>
+            </a:r>
+            <a:r>
+              <a:rPr lang="en-US" dirty="0" smtClean="0"/>
+              <a:t>, </a:t>
+            </a:r>
+            <a:r>
+              <a:rPr lang="en-US" dirty="0" err="1" smtClean="0"/>
+              <a:t>mảng</a:t>
+            </a:r>
+            <a:r>
+              <a:rPr lang="en-US" dirty="0" smtClean="0"/>
+              <a:t>, Logic, Function…</a:t>
+            </a:r>
+            <a:endParaRPr lang="en-US" dirty="0"/>
+          </a:p>
+        </p:txBody>
+      </p:sp>
     </p:spTree>
     <p:extLst>
       <p:ext uri="{BB962C8B-B14F-4D97-AF65-F5344CB8AC3E}">
-        <p14:creationId xmlns:p14="http://schemas.microsoft.com/office/powerpoint/2010/main" val="2491641932"/>
+        <p14:creationId xmlns:p14="http://schemas.microsoft.com/office/powerpoint/2010/main" val="723129226"/>
       </p:ext>
     </p:extLst>
   </p:cSld>
   <p:clrMapOvr>
     <a:masterClrMapping/>
   </p:clrMapOvr>
+  <p:timing>
+    <p:tnLst>
+      <p:par>
+        <p:cTn id="1" dur="indefinite" restart="never" nodeType="tmRoot"/>
+      </p:par>
+    </p:tnLst>
+  </p:timing>
 </p:sld>
 </file>
 
@@ -8782,33 +10112,9 @@
           </a:p>
         </p:txBody>
       </p:sp>
-      <p:pic>
-        <p:nvPicPr>
-          <p:cNvPr id="3" name="Picture 2"/>
-          <p:cNvPicPr>
-            <a:picLocks noChangeAspect="1"/>
-          </p:cNvPicPr>
-          <p:nvPr/>
-        </p:nvPicPr>
-        <p:blipFill>
-          <a:blip r:embed="rId2"/>
-          <a:stretch>
-            <a:fillRect/>
-          </a:stretch>
-        </p:blipFill>
-        <p:spPr>
-          <a:xfrm>
-            <a:off x="776090" y="2240529"/>
-            <a:ext cx="2934109" cy="809738"/>
-          </a:xfrm>
-          <a:prstGeom prst="rect">
-            <a:avLst/>
-          </a:prstGeom>
-        </p:spPr>
-      </p:pic>
       <p:sp>
         <p:nvSpPr>
-          <p:cNvPr id="4" name="Rectangle 3"/>
+          <p:cNvPr id="3" name="Rectangle 2"/>
           <p:cNvSpPr/>
           <p:nvPr/>
         </p:nvSpPr>
@@ -8863,7 +10169,7 @@
       </p:sp>
       <p:sp>
         <p:nvSpPr>
-          <p:cNvPr id="5" name="TextBox 4"/>
+          <p:cNvPr id="4" name="TextBox 3"/>
           <p:cNvSpPr txBox="1"/>
           <p:nvPr/>
         </p:nvSpPr>
@@ -8905,7 +10211,7 @@
       </p:sp>
       <p:sp>
         <p:nvSpPr>
-          <p:cNvPr id="6" name="TextBox 5"/>
+          <p:cNvPr id="5" name="TextBox 4"/>
           <p:cNvSpPr txBox="1"/>
           <p:nvPr/>
         </p:nvSpPr>
@@ -8953,14 +10259,14 @@
       </p:sp>
       <p:pic>
         <p:nvPicPr>
-          <p:cNvPr id="7" name="Picture 6"/>
+          <p:cNvPr id="6" name="Picture 5"/>
           <p:cNvPicPr>
             <a:picLocks noChangeAspect="1"/>
           </p:cNvPicPr>
           <p:nvPr/>
         </p:nvPicPr>
         <p:blipFill>
-          <a:blip r:embed="rId3">
+          <a:blip r:embed="rId2">
             <a:extLst>
               <a:ext uri="{28A0092B-C50C-407E-A947-70E740481C1C}">
                 <a14:useLocalDpi xmlns:a14="http://schemas.microsoft.com/office/drawing/2010/main" val="0"/>
@@ -8983,46 +10289,22 @@
       </p:pic>
       <p:pic>
         <p:nvPicPr>
-          <p:cNvPr id="8" name="Picture 7"/>
+          <p:cNvPr id="7" name="Picture 6"/>
           <p:cNvPicPr>
             <a:picLocks noChangeAspect="1"/>
           </p:cNvPicPr>
           <p:nvPr/>
         </p:nvPicPr>
         <p:blipFill>
-          <a:blip r:embed="rId4"/>
+          <a:blip r:embed="rId3"/>
           <a:stretch>
             <a:fillRect/>
           </a:stretch>
         </p:blipFill>
         <p:spPr>
           <a:xfrm>
-            <a:off x="776090" y="3449879"/>
-            <a:ext cx="3143689" cy="762106"/>
-          </a:xfrm>
-          <a:prstGeom prst="rect">
-            <a:avLst/>
-          </a:prstGeom>
-        </p:spPr>
-      </p:pic>
-      <p:pic>
-        <p:nvPicPr>
-          <p:cNvPr id="9" name="Picture 8"/>
-          <p:cNvPicPr>
-            <a:picLocks noChangeAspect="1"/>
-          </p:cNvPicPr>
-          <p:nvPr/>
-        </p:nvPicPr>
-        <p:blipFill>
-          <a:blip r:embed="rId5"/>
-          <a:stretch>
-            <a:fillRect/>
-          </a:stretch>
-        </p:blipFill>
-        <p:spPr>
-          <a:xfrm>
-            <a:off x="776090" y="4685172"/>
-            <a:ext cx="1381318" cy="619211"/>
+            <a:off x="1603459" y="2552142"/>
+            <a:ext cx="4533900" cy="1866900"/>
           </a:xfrm>
           <a:prstGeom prst="rect">
             <a:avLst/>
@@ -9031,7 +10313,7 @@
       </p:pic>
       <p:sp>
         <p:nvSpPr>
-          <p:cNvPr id="10" name="Title 1"/>
+          <p:cNvPr id="18" name="Title 1"/>
           <p:cNvSpPr txBox="1">
             <a:spLocks/>
           </p:cNvSpPr>
@@ -9039,8 +10321,8 @@
         </p:nvSpPr>
         <p:spPr>
           <a:xfrm>
-            <a:off x="4327328" y="2456675"/>
-            <a:ext cx="4181672" cy="593592"/>
+            <a:off x="542728" y="1913453"/>
+            <a:ext cx="4181672" cy="459044"/>
           </a:xfrm>
           <a:prstGeom prst="rect">
             <a:avLst/>
@@ -9074,40 +10356,52 @@
               </a:lnSpc>
             </a:pPr>
             <a:r>
-              <a:rPr lang="en-US" sz="2000" b="0" dirty="0" smtClean="0">
-                <a:solidFill>
-                  <a:schemeClr val="tx1">
-                    <a:lumMod val="95000"/>
-                    <a:lumOff val="5000"/>
-                  </a:schemeClr>
-                </a:solidFill>
-                <a:ea typeface="Roboto Condensed" pitchFamily="2" charset="0"/>
-              </a:rPr>
-              <a:t>Khởi tạo </a:t>
-            </a:r>
-            <a:r>
-              <a:rPr lang="en-US" sz="2000" dirty="0" smtClean="0">
-                <a:solidFill>
-                  <a:schemeClr val="tx1">
-                    <a:lumMod val="95000"/>
-                    <a:lumOff val="5000"/>
-                  </a:schemeClr>
-                </a:solidFill>
-                <a:ea typeface="Roboto Condensed" pitchFamily="2" charset="0"/>
-              </a:rPr>
-              <a:t>giá trị mặc định </a:t>
-            </a:r>
-            <a:r>
-              <a:rPr lang="en-US" sz="2000" b="0" dirty="0" smtClean="0">
-                <a:solidFill>
-                  <a:schemeClr val="tx1">
-                    <a:lumMod val="95000"/>
-                    <a:lumOff val="5000"/>
-                  </a:schemeClr>
-                </a:solidFill>
-                <a:ea typeface="Roboto Condensed" pitchFamily="2" charset="0"/>
-              </a:rPr>
-              <a:t>cho biến</a:t>
+              <a:rPr lang="en-US" sz="2000" b="0" dirty="0" err="1" smtClean="0">
+                <a:solidFill>
+                  <a:schemeClr val="tx1">
+                    <a:lumMod val="95000"/>
+                    <a:lumOff val="5000"/>
+                  </a:schemeClr>
+                </a:solidFill>
+                <a:ea typeface="Roboto Condensed" pitchFamily="2" charset="0"/>
+              </a:rPr>
+              <a:t>Ví</a:t>
+            </a:r>
+            <a:r>
+              <a:rPr lang="en-US" sz="2000" b="0" dirty="0" smtClean="0">
+                <a:solidFill>
+                  <a:schemeClr val="tx1">
+                    <a:lumMod val="95000"/>
+                    <a:lumOff val="5000"/>
+                  </a:schemeClr>
+                </a:solidFill>
+                <a:ea typeface="Roboto Condensed" pitchFamily="2" charset="0"/>
+              </a:rPr>
+              <a:t> </a:t>
+            </a:r>
+            <a:r>
+              <a:rPr lang="en-US" sz="2000" b="0" dirty="0" err="1" smtClean="0">
+                <a:solidFill>
+                  <a:schemeClr val="tx1">
+                    <a:lumMod val="95000"/>
+                    <a:lumOff val="5000"/>
+                  </a:schemeClr>
+                </a:solidFill>
+                <a:ea typeface="Roboto Condensed" pitchFamily="2" charset="0"/>
+              </a:rPr>
+              <a:t>dụ</a:t>
+            </a:r>
+            <a:r>
+              <a:rPr lang="en-US" sz="2000" b="0" dirty="0" smtClean="0">
+                <a:solidFill>
+                  <a:schemeClr val="tx1">
+                    <a:lumMod val="95000"/>
+                    <a:lumOff val="5000"/>
+                  </a:schemeClr>
+                </a:solidFill>
+                <a:ea typeface="Roboto Condensed" pitchFamily="2" charset="0"/>
+              </a:rPr>
+              <a:t>:</a:t>
             </a:r>
             <a:endParaRPr lang="en-US" sz="2000" dirty="0" smtClean="0">
               <a:solidFill>
@@ -9123,7 +10417,7 @@
       </p:sp>
       <p:sp>
         <p:nvSpPr>
-          <p:cNvPr id="11" name="Title 1"/>
+          <p:cNvPr id="19" name="Title 1"/>
           <p:cNvSpPr txBox="1">
             <a:spLocks/>
           </p:cNvSpPr>
@@ -9131,8 +10425,8 @@
         </p:nvSpPr>
         <p:spPr>
           <a:xfrm>
-            <a:off x="4327328" y="3507106"/>
-            <a:ext cx="4181672" cy="593592"/>
+            <a:off x="542727" y="4631940"/>
+            <a:ext cx="5495607" cy="459044"/>
           </a:xfrm>
           <a:prstGeom prst="rect">
             <a:avLst/>
@@ -9166,16 +10460,172 @@
               </a:lnSpc>
             </a:pPr>
             <a:r>
-              <a:rPr lang="en-US" sz="2000" b="0" dirty="0" smtClean="0">
-                <a:solidFill>
-                  <a:schemeClr val="tx1">
-                    <a:lumMod val="95000"/>
-                    <a:lumOff val="5000"/>
-                  </a:schemeClr>
-                </a:solidFill>
-                <a:ea typeface="Roboto Condensed" pitchFamily="2" charset="0"/>
-              </a:rPr>
-              <a:t>Thay đổi giá trị của biến bằng một giá trị mới</a:t>
+              <a:rPr lang="en-US" sz="2000" b="0" dirty="0" err="1" smtClean="0">
+                <a:solidFill>
+                  <a:schemeClr val="tx1">
+                    <a:lumMod val="95000"/>
+                    <a:lumOff val="5000"/>
+                  </a:schemeClr>
+                </a:solidFill>
+                <a:ea typeface="Roboto Condensed" pitchFamily="2" charset="0"/>
+              </a:rPr>
+              <a:t>Mặc</a:t>
+            </a:r>
+            <a:r>
+              <a:rPr lang="en-US" sz="2000" b="0" dirty="0" smtClean="0">
+                <a:solidFill>
+                  <a:schemeClr val="tx1">
+                    <a:lumMod val="95000"/>
+                    <a:lumOff val="5000"/>
+                  </a:schemeClr>
+                </a:solidFill>
+                <a:ea typeface="Roboto Condensed" pitchFamily="2" charset="0"/>
+              </a:rPr>
+              <a:t> </a:t>
+            </a:r>
+            <a:r>
+              <a:rPr lang="en-US" sz="2000" b="0" dirty="0" err="1" smtClean="0">
+                <a:solidFill>
+                  <a:schemeClr val="tx1">
+                    <a:lumMod val="95000"/>
+                    <a:lumOff val="5000"/>
+                  </a:schemeClr>
+                </a:solidFill>
+                <a:ea typeface="Roboto Condensed" pitchFamily="2" charset="0"/>
+              </a:rPr>
+              <a:t>định</a:t>
+            </a:r>
+            <a:r>
+              <a:rPr lang="en-US" sz="2000" b="0" dirty="0" smtClean="0">
+                <a:solidFill>
+                  <a:schemeClr val="tx1">
+                    <a:lumMod val="95000"/>
+                    <a:lumOff val="5000"/>
+                  </a:schemeClr>
+                </a:solidFill>
+                <a:ea typeface="Roboto Condensed" pitchFamily="2" charset="0"/>
+              </a:rPr>
+              <a:t>: </a:t>
+            </a:r>
+            <a:r>
+              <a:rPr lang="en-US" sz="2000" b="0" dirty="0" err="1" smtClean="0">
+                <a:solidFill>
+                  <a:schemeClr val="tx1">
+                    <a:lumMod val="95000"/>
+                    <a:lumOff val="5000"/>
+                  </a:schemeClr>
+                </a:solidFill>
+                <a:ea typeface="Roboto Condensed" pitchFamily="2" charset="0"/>
+              </a:rPr>
+              <a:t>Gán</a:t>
+            </a:r>
+            <a:r>
+              <a:rPr lang="en-US" sz="2000" b="0" dirty="0" smtClean="0">
+                <a:solidFill>
+                  <a:schemeClr val="tx1">
+                    <a:lumMod val="95000"/>
+                    <a:lumOff val="5000"/>
+                  </a:schemeClr>
+                </a:solidFill>
+                <a:ea typeface="Roboto Condensed" pitchFamily="2" charset="0"/>
+              </a:rPr>
+              <a:t> </a:t>
+            </a:r>
+            <a:r>
+              <a:rPr lang="en-US" sz="2000" b="0" dirty="0" err="1" smtClean="0">
+                <a:solidFill>
+                  <a:schemeClr val="tx1">
+                    <a:lumMod val="95000"/>
+                    <a:lumOff val="5000"/>
+                  </a:schemeClr>
+                </a:solidFill>
+                <a:ea typeface="Roboto Condensed" pitchFamily="2" charset="0"/>
+              </a:rPr>
+              <a:t>cho</a:t>
+            </a:r>
+            <a:r>
+              <a:rPr lang="en-US" sz="2000" b="0" dirty="0" smtClean="0">
+                <a:solidFill>
+                  <a:schemeClr val="tx1">
+                    <a:lumMod val="95000"/>
+                    <a:lumOff val="5000"/>
+                  </a:schemeClr>
+                </a:solidFill>
+                <a:ea typeface="Roboto Condensed" pitchFamily="2" charset="0"/>
+              </a:rPr>
+              <a:t> </a:t>
+            </a:r>
+            <a:r>
+              <a:rPr lang="en-US" sz="2000" b="0" dirty="0" err="1" smtClean="0">
+                <a:solidFill>
+                  <a:schemeClr val="tx1">
+                    <a:lumMod val="95000"/>
+                    <a:lumOff val="5000"/>
+                  </a:schemeClr>
+                </a:solidFill>
+                <a:ea typeface="Roboto Condensed" pitchFamily="2" charset="0"/>
+              </a:rPr>
+              <a:t>biến</a:t>
+            </a:r>
+            <a:r>
+              <a:rPr lang="en-US" sz="2000" b="0" dirty="0" smtClean="0">
+                <a:solidFill>
+                  <a:schemeClr val="tx1">
+                    <a:lumMod val="95000"/>
+                    <a:lumOff val="5000"/>
+                  </a:schemeClr>
+                </a:solidFill>
+                <a:ea typeface="Roboto Condensed" pitchFamily="2" charset="0"/>
+              </a:rPr>
+              <a:t> count </a:t>
+            </a:r>
+            <a:r>
+              <a:rPr lang="en-US" sz="2000" b="0" dirty="0" err="1" smtClean="0">
+                <a:solidFill>
+                  <a:schemeClr val="tx1">
+                    <a:lumMod val="95000"/>
+                    <a:lumOff val="5000"/>
+                  </a:schemeClr>
+                </a:solidFill>
+                <a:ea typeface="Roboto Condensed" pitchFamily="2" charset="0"/>
+              </a:rPr>
+              <a:t>giá</a:t>
+            </a:r>
+            <a:r>
+              <a:rPr lang="en-US" sz="2000" b="0" dirty="0" smtClean="0">
+                <a:solidFill>
+                  <a:schemeClr val="tx1">
+                    <a:lumMod val="95000"/>
+                    <a:lumOff val="5000"/>
+                  </a:schemeClr>
+                </a:solidFill>
+                <a:ea typeface="Roboto Condensed" pitchFamily="2" charset="0"/>
+              </a:rPr>
+              <a:t> </a:t>
+            </a:r>
+            <a:r>
+              <a:rPr lang="en-US" sz="2000" b="0" dirty="0" err="1" smtClean="0">
+                <a:solidFill>
+                  <a:schemeClr val="tx1">
+                    <a:lumMod val="95000"/>
+                    <a:lumOff val="5000"/>
+                  </a:schemeClr>
+                </a:solidFill>
+                <a:ea typeface="Roboto Condensed" pitchFamily="2" charset="0"/>
+              </a:rPr>
+              <a:t>trị</a:t>
+            </a:r>
+            <a:r>
+              <a:rPr lang="en-US" sz="2000" b="0" dirty="0" smtClean="0">
+                <a:solidFill>
+                  <a:schemeClr val="tx1">
+                    <a:lumMod val="95000"/>
+                    <a:lumOff val="5000"/>
+                  </a:schemeClr>
+                </a:solidFill>
+                <a:ea typeface="Roboto Condensed" pitchFamily="2" charset="0"/>
+              </a:rPr>
+              <a:t> = 0</a:t>
             </a:r>
             <a:endParaRPr lang="en-US" sz="2000" dirty="0" smtClean="0">
               <a:solidFill>
@@ -9191,7 +10641,7 @@
       </p:sp>
       <p:sp>
         <p:nvSpPr>
-          <p:cNvPr id="12" name="Title 1"/>
+          <p:cNvPr id="20" name="Title 1"/>
           <p:cNvSpPr txBox="1">
             <a:spLocks/>
           </p:cNvSpPr>
@@ -9199,8 +10649,8 @@
         </p:nvSpPr>
         <p:spPr>
           <a:xfrm>
-            <a:off x="4327328" y="4650106"/>
-            <a:ext cx="4181672" cy="747394"/>
+            <a:off x="542727" y="5216826"/>
+            <a:ext cx="7291457" cy="459044"/>
           </a:xfrm>
           <a:prstGeom prst="rect">
             <a:avLst/>
@@ -9234,16 +10684,601 @@
               </a:lnSpc>
             </a:pPr>
             <a:r>
-              <a:rPr lang="en-US" sz="2000" b="0" dirty="0" smtClean="0">
-                <a:solidFill>
-                  <a:schemeClr val="tx1">
-                    <a:lumMod val="95000"/>
-                    <a:lumOff val="5000"/>
-                  </a:schemeClr>
-                </a:solidFill>
-                <a:ea typeface="Roboto Condensed" pitchFamily="2" charset="0"/>
-              </a:rPr>
-              <a:t>Block này chứa giá trị của biến tại thời điểm đang sử dụng</a:t>
+              <a:rPr lang="en-US" sz="2000" b="0" dirty="0" err="1" smtClean="0">
+                <a:solidFill>
+                  <a:schemeClr val="tx1">
+                    <a:lumMod val="95000"/>
+                    <a:lumOff val="5000"/>
+                  </a:schemeClr>
+                </a:solidFill>
+                <a:ea typeface="Roboto Condensed" pitchFamily="2" charset="0"/>
+              </a:rPr>
+              <a:t>Khi</a:t>
+            </a:r>
+            <a:r>
+              <a:rPr lang="en-US" sz="2000" b="0" dirty="0" smtClean="0">
+                <a:solidFill>
+                  <a:schemeClr val="tx1">
+                    <a:lumMod val="95000"/>
+                    <a:lumOff val="5000"/>
+                  </a:schemeClr>
+                </a:solidFill>
+                <a:ea typeface="Roboto Condensed" pitchFamily="2" charset="0"/>
+              </a:rPr>
+              <a:t> </a:t>
+            </a:r>
+            <a:r>
+              <a:rPr lang="en-US" sz="2000" b="0" dirty="0" err="1" smtClean="0">
+                <a:solidFill>
+                  <a:schemeClr val="tx1">
+                    <a:lumMod val="95000"/>
+                    <a:lumOff val="5000"/>
+                  </a:schemeClr>
+                </a:solidFill>
+                <a:ea typeface="Roboto Condensed" pitchFamily="2" charset="0"/>
+              </a:rPr>
+              <a:t>nhấn</a:t>
+            </a:r>
+            <a:r>
+              <a:rPr lang="en-US" sz="2000" b="0" dirty="0" smtClean="0">
+                <a:solidFill>
+                  <a:schemeClr val="tx1">
+                    <a:lumMod val="95000"/>
+                    <a:lumOff val="5000"/>
+                  </a:schemeClr>
+                </a:solidFill>
+                <a:ea typeface="Roboto Condensed" pitchFamily="2" charset="0"/>
+              </a:rPr>
+              <a:t> </a:t>
+            </a:r>
+            <a:r>
+              <a:rPr lang="en-US" sz="2000" b="0" dirty="0" err="1" smtClean="0">
+                <a:solidFill>
+                  <a:schemeClr val="tx1">
+                    <a:lumMod val="95000"/>
+                    <a:lumOff val="5000"/>
+                  </a:schemeClr>
+                </a:solidFill>
+                <a:ea typeface="Roboto Condensed" pitchFamily="2" charset="0"/>
+              </a:rPr>
+              <a:t>nút</a:t>
+            </a:r>
+            <a:r>
+              <a:rPr lang="en-US" sz="2000" b="0" dirty="0" smtClean="0">
+                <a:solidFill>
+                  <a:schemeClr val="tx1">
+                    <a:lumMod val="95000"/>
+                    <a:lumOff val="5000"/>
+                  </a:schemeClr>
+                </a:solidFill>
+                <a:ea typeface="Roboto Condensed" pitchFamily="2" charset="0"/>
+              </a:rPr>
+              <a:t> A, </a:t>
+            </a:r>
+            <a:r>
+              <a:rPr lang="en-US" sz="2000" b="0" dirty="0" err="1" smtClean="0">
+                <a:solidFill>
+                  <a:schemeClr val="tx1">
+                    <a:lumMod val="95000"/>
+                    <a:lumOff val="5000"/>
+                  </a:schemeClr>
+                </a:solidFill>
+                <a:ea typeface="Roboto Condensed" pitchFamily="2" charset="0"/>
+              </a:rPr>
+              <a:t>dùng</a:t>
+            </a:r>
+            <a:r>
+              <a:rPr lang="en-US" sz="2000" b="0" dirty="0" smtClean="0">
+                <a:solidFill>
+                  <a:schemeClr val="tx1">
+                    <a:lumMod val="95000"/>
+                    <a:lumOff val="5000"/>
+                  </a:schemeClr>
+                </a:solidFill>
+                <a:ea typeface="Roboto Condensed" pitchFamily="2" charset="0"/>
+              </a:rPr>
+              <a:t> </a:t>
+            </a:r>
+            <a:r>
+              <a:rPr lang="en-US" sz="2000" b="0" dirty="0" err="1" smtClean="0">
+                <a:solidFill>
+                  <a:schemeClr val="tx1">
+                    <a:lumMod val="95000"/>
+                    <a:lumOff val="5000"/>
+                  </a:schemeClr>
+                </a:solidFill>
+                <a:ea typeface="Roboto Condensed" pitchFamily="2" charset="0"/>
+              </a:rPr>
+              <a:t>khối</a:t>
+            </a:r>
+            <a:r>
+              <a:rPr lang="en-US" sz="2000" b="0" dirty="0" smtClean="0">
+                <a:solidFill>
+                  <a:schemeClr val="tx1">
+                    <a:lumMod val="95000"/>
+                    <a:lumOff val="5000"/>
+                  </a:schemeClr>
+                </a:solidFill>
+                <a:ea typeface="Roboto Condensed" pitchFamily="2" charset="0"/>
+              </a:rPr>
+              <a:t> change, </a:t>
+            </a:r>
+            <a:r>
+              <a:rPr lang="en-US" sz="2000" b="0" dirty="0" err="1" smtClean="0">
+                <a:solidFill>
+                  <a:schemeClr val="tx1">
+                    <a:lumMod val="95000"/>
+                    <a:lumOff val="5000"/>
+                  </a:schemeClr>
+                </a:solidFill>
+                <a:ea typeface="Roboto Condensed" pitchFamily="2" charset="0"/>
+              </a:rPr>
+              <a:t>để</a:t>
+            </a:r>
+            <a:r>
+              <a:rPr lang="en-US" sz="2000" b="0" dirty="0" smtClean="0">
+                <a:solidFill>
+                  <a:schemeClr val="tx1">
+                    <a:lumMod val="95000"/>
+                    <a:lumOff val="5000"/>
+                  </a:schemeClr>
+                </a:solidFill>
+                <a:ea typeface="Roboto Condensed" pitchFamily="2" charset="0"/>
+              </a:rPr>
+              <a:t> </a:t>
+            </a:r>
+            <a:r>
+              <a:rPr lang="en-US" sz="2000" b="0" dirty="0" err="1" smtClean="0">
+                <a:solidFill>
+                  <a:schemeClr val="tx1">
+                    <a:lumMod val="95000"/>
+                    <a:lumOff val="5000"/>
+                  </a:schemeClr>
+                </a:solidFill>
+                <a:ea typeface="Roboto Condensed" pitchFamily="2" charset="0"/>
+              </a:rPr>
+              <a:t>thay</a:t>
+            </a:r>
+            <a:r>
+              <a:rPr lang="en-US" sz="2000" b="0" dirty="0" smtClean="0">
+                <a:solidFill>
+                  <a:schemeClr val="tx1">
+                    <a:lumMod val="95000"/>
+                    <a:lumOff val="5000"/>
+                  </a:schemeClr>
+                </a:solidFill>
+                <a:ea typeface="Roboto Condensed" pitchFamily="2" charset="0"/>
+              </a:rPr>
+              <a:t> </a:t>
+            </a:r>
+            <a:r>
+              <a:rPr lang="en-US" sz="2000" b="0" dirty="0" err="1" smtClean="0">
+                <a:solidFill>
+                  <a:schemeClr val="tx1">
+                    <a:lumMod val="95000"/>
+                    <a:lumOff val="5000"/>
+                  </a:schemeClr>
+                </a:solidFill>
+                <a:ea typeface="Roboto Condensed" pitchFamily="2" charset="0"/>
+              </a:rPr>
+              <a:t>đổi</a:t>
+            </a:r>
+            <a:r>
+              <a:rPr lang="en-US" sz="2000" b="0" dirty="0" smtClean="0">
+                <a:solidFill>
+                  <a:schemeClr val="tx1">
+                    <a:lumMod val="95000"/>
+                    <a:lumOff val="5000"/>
+                  </a:schemeClr>
+                </a:solidFill>
+                <a:ea typeface="Roboto Condensed" pitchFamily="2" charset="0"/>
+              </a:rPr>
+              <a:t> </a:t>
+            </a:r>
+            <a:r>
+              <a:rPr lang="en-US" sz="2000" b="0" dirty="0" err="1" smtClean="0">
+                <a:solidFill>
+                  <a:schemeClr val="tx1">
+                    <a:lumMod val="95000"/>
+                    <a:lumOff val="5000"/>
+                  </a:schemeClr>
+                </a:solidFill>
+                <a:ea typeface="Roboto Condensed" pitchFamily="2" charset="0"/>
+              </a:rPr>
+              <a:t>giá</a:t>
+            </a:r>
+            <a:r>
+              <a:rPr lang="en-US" sz="2000" b="0" dirty="0" smtClean="0">
+                <a:solidFill>
+                  <a:schemeClr val="tx1">
+                    <a:lumMod val="95000"/>
+                    <a:lumOff val="5000"/>
+                  </a:schemeClr>
+                </a:solidFill>
+                <a:ea typeface="Roboto Condensed" pitchFamily="2" charset="0"/>
+              </a:rPr>
+              <a:t> </a:t>
+            </a:r>
+            <a:r>
+              <a:rPr lang="en-US" sz="2000" b="0" dirty="0" err="1" smtClean="0">
+                <a:solidFill>
+                  <a:schemeClr val="tx1">
+                    <a:lumMod val="95000"/>
+                    <a:lumOff val="5000"/>
+                  </a:schemeClr>
+                </a:solidFill>
+                <a:ea typeface="Roboto Condensed" pitchFamily="2" charset="0"/>
+              </a:rPr>
+              <a:t>trị</a:t>
+            </a:r>
+            <a:r>
+              <a:rPr lang="en-US" sz="2000" b="0" dirty="0" smtClean="0">
+                <a:solidFill>
+                  <a:schemeClr val="tx1">
+                    <a:lumMod val="95000"/>
+                    <a:lumOff val="5000"/>
+                  </a:schemeClr>
+                </a:solidFill>
+                <a:ea typeface="Roboto Condensed" pitchFamily="2" charset="0"/>
+              </a:rPr>
+              <a:t> </a:t>
+            </a:r>
+            <a:r>
+              <a:rPr lang="en-US" sz="2000" b="0" dirty="0" err="1" smtClean="0">
+                <a:solidFill>
+                  <a:schemeClr val="tx1">
+                    <a:lumMod val="95000"/>
+                    <a:lumOff val="5000"/>
+                  </a:schemeClr>
+                </a:solidFill>
+                <a:ea typeface="Roboto Condensed" pitchFamily="2" charset="0"/>
+              </a:rPr>
+              <a:t>của</a:t>
+            </a:r>
+            <a:r>
+              <a:rPr lang="en-US" sz="2000" b="0" dirty="0" smtClean="0">
+                <a:solidFill>
+                  <a:schemeClr val="tx1">
+                    <a:lumMod val="95000"/>
+                    <a:lumOff val="5000"/>
+                  </a:schemeClr>
+                </a:solidFill>
+                <a:ea typeface="Roboto Condensed" pitchFamily="2" charset="0"/>
+              </a:rPr>
+              <a:t> </a:t>
+            </a:r>
+            <a:r>
+              <a:rPr lang="en-US" sz="2000" b="0" dirty="0" err="1" smtClean="0">
+                <a:solidFill>
+                  <a:schemeClr val="tx1">
+                    <a:lumMod val="95000"/>
+                    <a:lumOff val="5000"/>
+                  </a:schemeClr>
+                </a:solidFill>
+                <a:ea typeface="Roboto Condensed" pitchFamily="2" charset="0"/>
+              </a:rPr>
+              <a:t>nó</a:t>
+            </a:r>
+            <a:r>
+              <a:rPr lang="en-US" sz="2000" b="0" dirty="0" smtClean="0">
+                <a:solidFill>
+                  <a:schemeClr val="tx1">
+                    <a:lumMod val="95000"/>
+                    <a:lumOff val="5000"/>
+                  </a:schemeClr>
+                </a:solidFill>
+                <a:ea typeface="Roboto Condensed" pitchFamily="2" charset="0"/>
+              </a:rPr>
+              <a:t> </a:t>
+            </a:r>
+            <a:r>
+              <a:rPr lang="en-US" sz="2000" b="0" dirty="0" err="1" smtClean="0">
+                <a:solidFill>
+                  <a:schemeClr val="tx1">
+                    <a:lumMod val="95000"/>
+                    <a:lumOff val="5000"/>
+                  </a:schemeClr>
+                </a:solidFill>
+                <a:ea typeface="Roboto Condensed" pitchFamily="2" charset="0"/>
+              </a:rPr>
+              <a:t>tăng</a:t>
+            </a:r>
+            <a:r>
+              <a:rPr lang="en-US" sz="2000" b="0" dirty="0" smtClean="0">
+                <a:solidFill>
+                  <a:schemeClr val="tx1">
+                    <a:lumMod val="95000"/>
+                    <a:lumOff val="5000"/>
+                  </a:schemeClr>
+                </a:solidFill>
+                <a:ea typeface="Roboto Condensed" pitchFamily="2" charset="0"/>
+              </a:rPr>
+              <a:t> </a:t>
+            </a:r>
+            <a:r>
+              <a:rPr lang="en-US" sz="2000" b="0" dirty="0" err="1" smtClean="0">
+                <a:solidFill>
+                  <a:schemeClr val="tx1">
+                    <a:lumMod val="95000"/>
+                    <a:lumOff val="5000"/>
+                  </a:schemeClr>
+                </a:solidFill>
+                <a:ea typeface="Roboto Condensed" pitchFamily="2" charset="0"/>
+              </a:rPr>
+              <a:t>lên</a:t>
+            </a:r>
+            <a:r>
+              <a:rPr lang="en-US" sz="2000" b="0" dirty="0" smtClean="0">
+                <a:solidFill>
+                  <a:schemeClr val="tx1">
+                    <a:lumMod val="95000"/>
+                    <a:lumOff val="5000"/>
+                  </a:schemeClr>
+                </a:solidFill>
+                <a:ea typeface="Roboto Condensed" pitchFamily="2" charset="0"/>
+              </a:rPr>
+              <a:t> n </a:t>
+            </a:r>
+            <a:r>
+              <a:rPr lang="en-US" sz="2000" b="0" dirty="0" err="1" smtClean="0">
+                <a:solidFill>
+                  <a:schemeClr val="tx1">
+                    <a:lumMod val="95000"/>
+                    <a:lumOff val="5000"/>
+                  </a:schemeClr>
+                </a:solidFill>
+                <a:ea typeface="Roboto Condensed" pitchFamily="2" charset="0"/>
+              </a:rPr>
+              <a:t>đơn</a:t>
+            </a:r>
+            <a:r>
+              <a:rPr lang="en-US" sz="2000" b="0" dirty="0" smtClean="0">
+                <a:solidFill>
+                  <a:schemeClr val="tx1">
+                    <a:lumMod val="95000"/>
+                    <a:lumOff val="5000"/>
+                  </a:schemeClr>
+                </a:solidFill>
+                <a:ea typeface="Roboto Condensed" pitchFamily="2" charset="0"/>
+              </a:rPr>
+              <a:t> </a:t>
+            </a:r>
+            <a:r>
+              <a:rPr lang="en-US" sz="2000" b="0" dirty="0" err="1" smtClean="0">
+                <a:solidFill>
+                  <a:schemeClr val="tx1">
+                    <a:lumMod val="95000"/>
+                    <a:lumOff val="5000"/>
+                  </a:schemeClr>
+                </a:solidFill>
+                <a:ea typeface="Roboto Condensed" pitchFamily="2" charset="0"/>
+              </a:rPr>
+              <a:t>vị</a:t>
+            </a:r>
+            <a:r>
+              <a:rPr lang="en-US" sz="2000" b="0" dirty="0" smtClean="0">
+                <a:solidFill>
+                  <a:schemeClr val="tx1">
+                    <a:lumMod val="95000"/>
+                    <a:lumOff val="5000"/>
+                  </a:schemeClr>
+                </a:solidFill>
+                <a:ea typeface="Roboto Condensed" pitchFamily="2" charset="0"/>
+              </a:rPr>
+              <a:t>. </a:t>
+            </a:r>
+            <a:r>
+              <a:rPr lang="en-US" sz="2000" b="0" dirty="0" err="1" smtClean="0">
+                <a:solidFill>
+                  <a:schemeClr val="tx1">
+                    <a:lumMod val="95000"/>
+                    <a:lumOff val="5000"/>
+                  </a:schemeClr>
+                </a:solidFill>
+                <a:ea typeface="Roboto Condensed" pitchFamily="2" charset="0"/>
+              </a:rPr>
+              <a:t>Trong</a:t>
+            </a:r>
+            <a:r>
+              <a:rPr lang="en-US" sz="2000" b="0" dirty="0" smtClean="0">
+                <a:solidFill>
+                  <a:schemeClr val="tx1">
+                    <a:lumMod val="95000"/>
+                    <a:lumOff val="5000"/>
+                  </a:schemeClr>
+                </a:solidFill>
+                <a:ea typeface="Roboto Condensed" pitchFamily="2" charset="0"/>
+              </a:rPr>
+              <a:t> </a:t>
+            </a:r>
+            <a:r>
+              <a:rPr lang="en-US" sz="2000" b="0" dirty="0" err="1" smtClean="0">
+                <a:solidFill>
+                  <a:schemeClr val="tx1">
+                    <a:lumMod val="95000"/>
+                    <a:lumOff val="5000"/>
+                  </a:schemeClr>
+                </a:solidFill>
+                <a:ea typeface="Roboto Condensed" pitchFamily="2" charset="0"/>
+              </a:rPr>
+              <a:t>đó</a:t>
+            </a:r>
+            <a:r>
+              <a:rPr lang="en-US" sz="2000" b="0" dirty="0" smtClean="0">
+                <a:solidFill>
+                  <a:schemeClr val="tx1">
+                    <a:lumMod val="95000"/>
+                    <a:lumOff val="5000"/>
+                  </a:schemeClr>
+                </a:solidFill>
+                <a:ea typeface="Roboto Condensed" pitchFamily="2" charset="0"/>
+              </a:rPr>
+              <a:t> n, </a:t>
+            </a:r>
+            <a:r>
+              <a:rPr lang="en-US" sz="2000" b="0" dirty="0" err="1" smtClean="0">
+                <a:solidFill>
+                  <a:schemeClr val="tx1">
+                    <a:lumMod val="95000"/>
+                    <a:lumOff val="5000"/>
+                  </a:schemeClr>
+                </a:solidFill>
+                <a:ea typeface="Roboto Condensed" pitchFamily="2" charset="0"/>
+              </a:rPr>
+              <a:t>là</a:t>
+            </a:r>
+            <a:r>
+              <a:rPr lang="en-US" sz="2000" b="0" dirty="0" smtClean="0">
+                <a:solidFill>
+                  <a:schemeClr val="tx1">
+                    <a:lumMod val="95000"/>
+                    <a:lumOff val="5000"/>
+                  </a:schemeClr>
+                </a:solidFill>
+                <a:ea typeface="Roboto Condensed" pitchFamily="2" charset="0"/>
+              </a:rPr>
+              <a:t> con </a:t>
+            </a:r>
+            <a:r>
+              <a:rPr lang="en-US" sz="2000" b="0" dirty="0" err="1" smtClean="0">
+                <a:solidFill>
+                  <a:schemeClr val="tx1">
+                    <a:lumMod val="95000"/>
+                    <a:lumOff val="5000"/>
+                  </a:schemeClr>
+                </a:solidFill>
+                <a:ea typeface="Roboto Condensed" pitchFamily="2" charset="0"/>
+              </a:rPr>
+              <a:t>số</a:t>
+            </a:r>
+            <a:r>
+              <a:rPr lang="en-US" sz="2000" b="0" dirty="0" smtClean="0">
+                <a:solidFill>
+                  <a:schemeClr val="tx1">
+                    <a:lumMod val="95000"/>
+                    <a:lumOff val="5000"/>
+                  </a:schemeClr>
+                </a:solidFill>
+                <a:ea typeface="Roboto Condensed" pitchFamily="2" charset="0"/>
+              </a:rPr>
+              <a:t> </a:t>
+            </a:r>
+            <a:r>
+              <a:rPr lang="en-US" sz="2000" b="0" dirty="0" err="1" smtClean="0">
+                <a:solidFill>
+                  <a:schemeClr val="tx1">
+                    <a:lumMod val="95000"/>
+                    <a:lumOff val="5000"/>
+                  </a:schemeClr>
+                </a:solidFill>
+                <a:ea typeface="Roboto Condensed" pitchFamily="2" charset="0"/>
+              </a:rPr>
+              <a:t>bạn</a:t>
+            </a:r>
+            <a:r>
+              <a:rPr lang="en-US" sz="2000" b="0" dirty="0" smtClean="0">
+                <a:solidFill>
+                  <a:schemeClr val="tx1">
+                    <a:lumMod val="95000"/>
+                    <a:lumOff val="5000"/>
+                  </a:schemeClr>
+                </a:solidFill>
+                <a:ea typeface="Roboto Condensed" pitchFamily="2" charset="0"/>
+              </a:rPr>
+              <a:t> </a:t>
+            </a:r>
+            <a:r>
+              <a:rPr lang="en-US" sz="2000" b="0" dirty="0" err="1" smtClean="0">
+                <a:solidFill>
+                  <a:schemeClr val="tx1">
+                    <a:lumMod val="95000"/>
+                    <a:lumOff val="5000"/>
+                  </a:schemeClr>
+                </a:solidFill>
+                <a:ea typeface="Roboto Condensed" pitchFamily="2" charset="0"/>
+              </a:rPr>
+              <a:t>điền</a:t>
+            </a:r>
+            <a:r>
+              <a:rPr lang="en-US" sz="2000" b="0" dirty="0" smtClean="0">
+                <a:solidFill>
+                  <a:schemeClr val="tx1">
+                    <a:lumMod val="95000"/>
+                    <a:lumOff val="5000"/>
+                  </a:schemeClr>
+                </a:solidFill>
+                <a:ea typeface="Roboto Condensed" pitchFamily="2" charset="0"/>
+              </a:rPr>
+              <a:t> </a:t>
+            </a:r>
+            <a:r>
+              <a:rPr lang="en-US" sz="2000" b="0" dirty="0" err="1" smtClean="0">
+                <a:solidFill>
+                  <a:schemeClr val="tx1">
+                    <a:lumMod val="95000"/>
+                    <a:lumOff val="5000"/>
+                  </a:schemeClr>
+                </a:solidFill>
+                <a:ea typeface="Roboto Condensed" pitchFamily="2" charset="0"/>
+              </a:rPr>
+              <a:t>vào</a:t>
+            </a:r>
+            <a:r>
+              <a:rPr lang="en-US" sz="2000" b="0" dirty="0" smtClean="0">
+                <a:solidFill>
+                  <a:schemeClr val="tx1">
+                    <a:lumMod val="95000"/>
+                    <a:lumOff val="5000"/>
+                  </a:schemeClr>
+                </a:solidFill>
+                <a:ea typeface="Roboto Condensed" pitchFamily="2" charset="0"/>
+              </a:rPr>
+              <a:t> </a:t>
+            </a:r>
+            <a:r>
+              <a:rPr lang="en-US" sz="2000" b="0" dirty="0" err="1" smtClean="0">
+                <a:solidFill>
+                  <a:schemeClr val="tx1">
+                    <a:lumMod val="95000"/>
+                    <a:lumOff val="5000"/>
+                  </a:schemeClr>
+                </a:solidFill>
+                <a:ea typeface="Roboto Condensed" pitchFamily="2" charset="0"/>
+              </a:rPr>
+              <a:t>sau</a:t>
+            </a:r>
+            <a:r>
+              <a:rPr lang="en-US" sz="2000" b="0" dirty="0" smtClean="0">
+                <a:solidFill>
+                  <a:schemeClr val="tx1">
+                    <a:lumMod val="95000"/>
+                    <a:lumOff val="5000"/>
+                  </a:schemeClr>
+                </a:solidFill>
+                <a:ea typeface="Roboto Condensed" pitchFamily="2" charset="0"/>
+              </a:rPr>
+              <a:t> ô </a:t>
+            </a:r>
+            <a:r>
+              <a:rPr lang="en-US" sz="2000" dirty="0" smtClean="0">
+                <a:solidFill>
+                  <a:srgbClr val="FF0000"/>
+                </a:solidFill>
+                <a:ea typeface="Roboto Condensed" pitchFamily="2" charset="0"/>
+              </a:rPr>
+              <a:t>by</a:t>
+            </a:r>
+            <a:r>
+              <a:rPr lang="en-US" sz="2000" b="0" dirty="0" smtClean="0">
+                <a:solidFill>
+                  <a:schemeClr val="tx1">
+                    <a:lumMod val="95000"/>
+                    <a:lumOff val="5000"/>
+                  </a:schemeClr>
+                </a:solidFill>
+                <a:ea typeface="Roboto Condensed" pitchFamily="2" charset="0"/>
+              </a:rPr>
+              <a:t>.</a:t>
             </a:r>
             <a:endParaRPr lang="en-US" sz="2000" dirty="0" smtClean="0">
               <a:solidFill>
@@ -9260,13 +11295,20 @@
     </p:spTree>
     <p:extLst>
       <p:ext uri="{BB962C8B-B14F-4D97-AF65-F5344CB8AC3E}">
-        <p14:creationId xmlns:p14="http://schemas.microsoft.com/office/powerpoint/2010/main" val="723129226"/>
+        <p14:creationId xmlns:p14="http://schemas.microsoft.com/office/powerpoint/2010/main" val="2491641932"/>
       </p:ext>
     </p:extLst>
   </p:cSld>
   <p:clrMapOvr>
     <a:masterClrMapping/>
   </p:clrMapOvr>
+  <p:timing>
+    <p:tnLst>
+      <p:par>
+        <p:cTn id="1" dur="indefinite" restart="never" nodeType="tmRoot"/>
+      </p:par>
+    </p:tnLst>
+  </p:timing>
 </p:sld>
 </file>
 
@@ -9416,8 +11458,8 @@
         </p:nvSpPr>
         <p:spPr>
           <a:xfrm>
-            <a:off x="1098981" y="1272143"/>
-            <a:ext cx="4758480" cy="461665"/>
+            <a:off x="1265305" y="1259367"/>
+            <a:ext cx="5649845" cy="461665"/>
           </a:xfrm>
           <a:prstGeom prst="rect">
             <a:avLst/>
@@ -9431,7 +11473,7 @@
           <a:lstStyle/>
           <a:p>
             <a:r>
-              <a:rPr lang="en-US" sz="2400" b="1" dirty="0" smtClean="0">
+              <a:rPr lang="en-US" sz="2400" b="1" dirty="0" err="1" smtClean="0">
                 <a:solidFill>
                   <a:schemeClr val="tx1">
                     <a:lumMod val="85000"/>
@@ -9441,7 +11483,85 @@
                 <a:latin typeface="UTM Helve" panose="02040603050506020204" pitchFamily="18" charset="0"/>
                 <a:ea typeface="Roboto" pitchFamily="2" charset="0"/>
               </a:rPr>
-              <a:t>Sử dụng biến trong MakeCode</a:t>
+              <a:t>Tính</a:t>
+            </a:r>
+            <a:r>
+              <a:rPr lang="en-US" sz="2400" b="1" dirty="0" smtClean="0">
+                <a:solidFill>
+                  <a:schemeClr val="tx1">
+                    <a:lumMod val="85000"/>
+                    <a:lumOff val="15000"/>
+                  </a:schemeClr>
+                </a:solidFill>
+                <a:latin typeface="UTM Helve" panose="02040603050506020204" pitchFamily="18" charset="0"/>
+                <a:ea typeface="Roboto" pitchFamily="2" charset="0"/>
+              </a:rPr>
+              <a:t> </a:t>
+            </a:r>
+            <a:r>
+              <a:rPr lang="en-US" sz="2400" b="1" dirty="0" err="1" smtClean="0">
+                <a:solidFill>
+                  <a:schemeClr val="tx1">
+                    <a:lumMod val="85000"/>
+                    <a:lumOff val="15000"/>
+                  </a:schemeClr>
+                </a:solidFill>
+                <a:latin typeface="UTM Helve" panose="02040603050506020204" pitchFamily="18" charset="0"/>
+                <a:ea typeface="Roboto" pitchFamily="2" charset="0"/>
+              </a:rPr>
+              <a:t>toán</a:t>
+            </a:r>
+            <a:r>
+              <a:rPr lang="en-US" sz="2400" b="1" dirty="0" smtClean="0">
+                <a:solidFill>
+                  <a:schemeClr val="tx1">
+                    <a:lumMod val="85000"/>
+                    <a:lumOff val="15000"/>
+                  </a:schemeClr>
+                </a:solidFill>
+                <a:latin typeface="UTM Helve" panose="02040603050506020204" pitchFamily="18" charset="0"/>
+                <a:ea typeface="Roboto" pitchFamily="2" charset="0"/>
+              </a:rPr>
+              <a:t> </a:t>
+            </a:r>
+            <a:r>
+              <a:rPr lang="en-US" sz="2400" b="1" dirty="0" err="1" smtClean="0">
+                <a:solidFill>
+                  <a:schemeClr val="tx1">
+                    <a:lumMod val="85000"/>
+                    <a:lumOff val="15000"/>
+                  </a:schemeClr>
+                </a:solidFill>
+                <a:latin typeface="UTM Helve" panose="02040603050506020204" pitchFamily="18" charset="0"/>
+                <a:ea typeface="Roboto" pitchFamily="2" charset="0"/>
+              </a:rPr>
+              <a:t>với</a:t>
+            </a:r>
+            <a:r>
+              <a:rPr lang="en-US" sz="2400" b="1" dirty="0" smtClean="0">
+                <a:solidFill>
+                  <a:schemeClr val="tx1">
+                    <a:lumMod val="85000"/>
+                    <a:lumOff val="15000"/>
+                  </a:schemeClr>
+                </a:solidFill>
+                <a:latin typeface="UTM Helve" panose="02040603050506020204" pitchFamily="18" charset="0"/>
+                <a:ea typeface="Roboto" pitchFamily="2" charset="0"/>
+              </a:rPr>
+              <a:t> </a:t>
+            </a:r>
+            <a:r>
+              <a:rPr lang="en-US" sz="2400" b="1" dirty="0" err="1" smtClean="0">
+                <a:solidFill>
+                  <a:schemeClr val="tx1">
+                    <a:lumMod val="85000"/>
+                    <a:lumOff val="15000"/>
+                  </a:schemeClr>
+                </a:solidFill>
+                <a:latin typeface="UTM Helve" panose="02040603050506020204" pitchFamily="18" charset="0"/>
+                <a:ea typeface="Roboto" pitchFamily="2" charset="0"/>
+              </a:rPr>
+              <a:t>Biến</a:t>
             </a:r>
             <a:endParaRPr lang="en-US" sz="2400" b="1" dirty="0">
               <a:solidFill>
@@ -9478,32 +11598,8 @@
         </p:blipFill>
         <p:spPr>
           <a:xfrm>
-            <a:off x="542728" y="1345100"/>
+            <a:off x="709053" y="1332324"/>
             <a:ext cx="466725" cy="409575"/>
-          </a:xfrm>
-          <a:prstGeom prst="rect">
-            <a:avLst/>
-          </a:prstGeom>
-        </p:spPr>
-      </p:pic>
-      <p:pic>
-        <p:nvPicPr>
-          <p:cNvPr id="7" name="Picture 6"/>
-          <p:cNvPicPr>
-            <a:picLocks noChangeAspect="1"/>
-          </p:cNvPicPr>
-          <p:nvPr/>
-        </p:nvPicPr>
-        <p:blipFill>
-          <a:blip r:embed="rId3"/>
-          <a:stretch>
-            <a:fillRect/>
-          </a:stretch>
-        </p:blipFill>
-        <p:spPr>
-          <a:xfrm>
-            <a:off x="5946989" y="1502975"/>
-            <a:ext cx="2514951" cy="4858428"/>
           </a:xfrm>
           <a:prstGeom prst="rect">
             <a:avLst/>
@@ -9512,13 +11608,13 @@
       </p:pic>
       <p:sp>
         <p:nvSpPr>
-          <p:cNvPr id="8" name="Rectangle 7"/>
+          <p:cNvPr id="7" name="Rectangle 6"/>
           <p:cNvSpPr/>
           <p:nvPr/>
         </p:nvSpPr>
         <p:spPr>
           <a:xfrm>
-            <a:off x="748248" y="2103704"/>
+            <a:off x="837841" y="3230672"/>
             <a:ext cx="172836" cy="176901"/>
           </a:xfrm>
           <a:prstGeom prst="rect">
@@ -9567,7 +11663,7 @@
       </p:sp>
       <p:sp>
         <p:nvSpPr>
-          <p:cNvPr id="9" name="Title 1"/>
+          <p:cNvPr id="8" name="Title 1"/>
           <p:cNvSpPr txBox="1">
             <a:spLocks/>
           </p:cNvSpPr>
@@ -9575,8 +11671,8 @@
         </p:nvSpPr>
         <p:spPr>
           <a:xfrm>
-            <a:off x="1009453" y="2000097"/>
-            <a:ext cx="4003872" cy="1384223"/>
+            <a:off x="709053" y="1839605"/>
+            <a:ext cx="4003872" cy="605352"/>
           </a:xfrm>
           <a:prstGeom prst="rect">
             <a:avLst/>
@@ -9610,29 +11706,550 @@
               </a:lnSpc>
             </a:pPr>
             <a:r>
-              <a:rPr lang="en-US" sz="2000" b="0" dirty="0" smtClean="0">
-                <a:solidFill>
-                  <a:schemeClr val="tx1">
-                    <a:lumMod val="95000"/>
-                    <a:lumOff val="5000"/>
-                  </a:schemeClr>
-                </a:solidFill>
-                <a:ea typeface="Roboto Condensed" pitchFamily="2" charset="0"/>
-              </a:rPr>
-              <a:t>Tạo ra một biến, khi nhấn button A thì tăng biến lên một giá trị, nhấn button B thì giảm biến đi một giá trị</a:t>
-            </a:r>
+              <a:rPr lang="en-US" sz="2000" dirty="0" err="1" smtClean="0">
+                <a:solidFill>
+                  <a:schemeClr val="tx1">
+                    <a:lumMod val="95000"/>
+                    <a:lumOff val="5000"/>
+                  </a:schemeClr>
+                </a:solidFill>
+                <a:ea typeface="Roboto Condensed" pitchFamily="2" charset="0"/>
+              </a:rPr>
+              <a:t>Ví</a:t>
+            </a:r>
+            <a:r>
+              <a:rPr lang="en-US" sz="2000" dirty="0" smtClean="0">
+                <a:solidFill>
+                  <a:schemeClr val="tx1">
+                    <a:lumMod val="95000"/>
+                    <a:lumOff val="5000"/>
+                  </a:schemeClr>
+                </a:solidFill>
+                <a:ea typeface="Roboto Condensed" pitchFamily="2" charset="0"/>
+              </a:rPr>
+              <a:t> </a:t>
+            </a:r>
+            <a:r>
+              <a:rPr lang="en-US" sz="2000" dirty="0" err="1" smtClean="0">
+                <a:solidFill>
+                  <a:schemeClr val="tx1">
+                    <a:lumMod val="95000"/>
+                    <a:lumOff val="5000"/>
+                  </a:schemeClr>
+                </a:solidFill>
+                <a:ea typeface="Roboto Condensed" pitchFamily="2" charset="0"/>
+              </a:rPr>
+              <a:t>dụ</a:t>
+            </a:r>
+            <a:r>
+              <a:rPr lang="en-US" sz="2000" dirty="0" smtClean="0">
+                <a:solidFill>
+                  <a:schemeClr val="tx1">
+                    <a:lumMod val="95000"/>
+                    <a:lumOff val="5000"/>
+                  </a:schemeClr>
+                </a:solidFill>
+                <a:ea typeface="Roboto Condensed" pitchFamily="2" charset="0"/>
+              </a:rPr>
+              <a:t> </a:t>
+            </a:r>
+            <a:r>
+              <a:rPr lang="en-US" sz="2000" dirty="0" err="1" smtClean="0">
+                <a:solidFill>
+                  <a:schemeClr val="tx1">
+                    <a:lumMod val="95000"/>
+                    <a:lumOff val="5000"/>
+                  </a:schemeClr>
+                </a:solidFill>
+                <a:ea typeface="Roboto Condensed" pitchFamily="2" charset="0"/>
+              </a:rPr>
+              <a:t>bạn</a:t>
+            </a:r>
+            <a:r>
+              <a:rPr lang="en-US" sz="2000" dirty="0" smtClean="0">
+                <a:solidFill>
+                  <a:schemeClr val="tx1">
+                    <a:lumMod val="95000"/>
+                    <a:lumOff val="5000"/>
+                  </a:schemeClr>
+                </a:solidFill>
+                <a:ea typeface="Roboto Condensed" pitchFamily="2" charset="0"/>
+              </a:rPr>
+              <a:t> </a:t>
+            </a:r>
+            <a:r>
+              <a:rPr lang="en-US" sz="2000" dirty="0" err="1" smtClean="0">
+                <a:solidFill>
+                  <a:schemeClr val="tx1">
+                    <a:lumMod val="95000"/>
+                    <a:lumOff val="5000"/>
+                  </a:schemeClr>
+                </a:solidFill>
+                <a:ea typeface="Roboto Condensed" pitchFamily="2" charset="0"/>
+              </a:rPr>
+              <a:t>có</a:t>
+            </a:r>
+            <a:r>
+              <a:rPr lang="en-US" sz="2000" dirty="0" smtClean="0">
+                <a:solidFill>
+                  <a:schemeClr val="tx1">
+                    <a:lumMod val="95000"/>
+                    <a:lumOff val="5000"/>
+                  </a:schemeClr>
+                </a:solidFill>
+                <a:ea typeface="Roboto Condensed" pitchFamily="2" charset="0"/>
+              </a:rPr>
+              <a:t> 2 </a:t>
+            </a:r>
+            <a:r>
+              <a:rPr lang="en-US" sz="2000" dirty="0" err="1" smtClean="0">
+                <a:solidFill>
+                  <a:schemeClr val="tx1">
+                    <a:lumMod val="95000"/>
+                    <a:lumOff val="5000"/>
+                  </a:schemeClr>
+                </a:solidFill>
+                <a:ea typeface="Roboto Condensed" pitchFamily="2" charset="0"/>
+              </a:rPr>
+              <a:t>biến</a:t>
+            </a:r>
+            <a:r>
+              <a:rPr lang="en-US" sz="2000" dirty="0" smtClean="0">
+                <a:solidFill>
+                  <a:schemeClr val="tx1">
+                    <a:lumMod val="95000"/>
+                    <a:lumOff val="5000"/>
+                  </a:schemeClr>
+                </a:solidFill>
+                <a:ea typeface="Roboto Condensed" pitchFamily="2" charset="0"/>
+              </a:rPr>
+              <a:t> x = 10, y = 5</a:t>
+            </a:r>
+            <a:endParaRPr lang="en-US" sz="2000" dirty="0" smtClean="0">
+              <a:solidFill>
+                <a:schemeClr val="tx1">
+                  <a:lumMod val="95000"/>
+                  <a:lumOff val="5000"/>
+                </a:schemeClr>
+              </a:solidFill>
+              <a:ea typeface="Roboto Condensed" pitchFamily="2" charset="0"/>
+            </a:endParaRPr>
           </a:p>
         </p:txBody>
       </p:sp>
       <p:sp>
         <p:nvSpPr>
-          <p:cNvPr id="10" name="Rectangle 9"/>
+          <p:cNvPr id="11" name="Title 1"/>
+          <p:cNvSpPr txBox="1">
+            <a:spLocks/>
+          </p:cNvSpPr>
+          <p:nvPr/>
+        </p:nvSpPr>
+        <p:spPr>
+          <a:xfrm>
+            <a:off x="709053" y="2270788"/>
+            <a:ext cx="5675271" cy="605352"/>
+          </a:xfrm>
+          <a:prstGeom prst="rect">
+            <a:avLst/>
+          </a:prstGeom>
+        </p:spPr>
+        <p:txBody>
+          <a:bodyPr/>
+          <a:lstStyle>
+            <a:lvl1pPr algn="l" defTabSz="914400" rtl="0" eaLnBrk="1" latinLnBrk="0" hangingPunct="1">
+              <a:lnSpc>
+                <a:spcPct val="90000"/>
+              </a:lnSpc>
+              <a:spcBef>
+                <a:spcPct val="0"/>
+              </a:spcBef>
+              <a:buNone/>
+              <a:defRPr sz="3200" b="1" kern="1200">
+                <a:solidFill>
+                  <a:srgbClr val="019DD0"/>
+                </a:solidFill>
+                <a:latin typeface="Arial" panose="020B0604020202020204" pitchFamily="34" charset="0"/>
+                <a:ea typeface="+mj-ea"/>
+                <a:cs typeface="Arial" panose="020B0604020202020204" pitchFamily="34" charset="0"/>
+              </a:defRPr>
+            </a:lvl1pPr>
+          </a:lstStyle>
+          <a:p>
+            <a:pPr>
+              <a:lnSpc>
+                <a:spcPct val="100000"/>
+              </a:lnSpc>
+            </a:pPr>
+            <a:r>
+              <a:rPr lang="en-US" sz="2000" b="0" i="1" dirty="0" err="1" smtClean="0">
+                <a:solidFill>
+                  <a:schemeClr val="tx1">
+                    <a:lumMod val="95000"/>
+                    <a:lumOff val="5000"/>
+                  </a:schemeClr>
+                </a:solidFill>
+                <a:ea typeface="Roboto Condensed" pitchFamily="2" charset="0"/>
+              </a:rPr>
+              <a:t>Bạn</a:t>
+            </a:r>
+            <a:r>
+              <a:rPr lang="en-US" sz="2000" b="0" i="1" dirty="0" smtClean="0">
+                <a:solidFill>
+                  <a:schemeClr val="tx1">
+                    <a:lumMod val="95000"/>
+                    <a:lumOff val="5000"/>
+                  </a:schemeClr>
+                </a:solidFill>
+                <a:ea typeface="Roboto Condensed" pitchFamily="2" charset="0"/>
+              </a:rPr>
+              <a:t> </a:t>
+            </a:r>
+            <a:r>
+              <a:rPr lang="en-US" sz="2000" b="0" i="1" dirty="0" err="1" smtClean="0">
+                <a:solidFill>
+                  <a:schemeClr val="tx1">
+                    <a:lumMod val="95000"/>
+                    <a:lumOff val="5000"/>
+                  </a:schemeClr>
+                </a:solidFill>
+                <a:ea typeface="Roboto Condensed" pitchFamily="2" charset="0"/>
+              </a:rPr>
+              <a:t>có</a:t>
+            </a:r>
+            <a:r>
+              <a:rPr lang="en-US" sz="2000" b="0" i="1" dirty="0" smtClean="0">
+                <a:solidFill>
+                  <a:schemeClr val="tx1">
+                    <a:lumMod val="95000"/>
+                    <a:lumOff val="5000"/>
+                  </a:schemeClr>
+                </a:solidFill>
+                <a:ea typeface="Roboto Condensed" pitchFamily="2" charset="0"/>
+              </a:rPr>
+              <a:t> </a:t>
+            </a:r>
+            <a:r>
+              <a:rPr lang="en-US" sz="2000" b="0" i="1" dirty="0" err="1" smtClean="0">
+                <a:solidFill>
+                  <a:schemeClr val="tx1">
+                    <a:lumMod val="95000"/>
+                    <a:lumOff val="5000"/>
+                  </a:schemeClr>
+                </a:solidFill>
+                <a:ea typeface="Roboto Condensed" pitchFamily="2" charset="0"/>
+              </a:rPr>
+              <a:t>thể</a:t>
+            </a:r>
+            <a:r>
+              <a:rPr lang="en-US" sz="2000" b="0" i="1" dirty="0" smtClean="0">
+                <a:solidFill>
+                  <a:schemeClr val="tx1">
+                    <a:lumMod val="95000"/>
+                    <a:lumOff val="5000"/>
+                  </a:schemeClr>
+                </a:solidFill>
+                <a:ea typeface="Roboto Condensed" pitchFamily="2" charset="0"/>
+              </a:rPr>
+              <a:t> </a:t>
+            </a:r>
+            <a:r>
+              <a:rPr lang="en-US" sz="2000" b="0" i="1" dirty="0" err="1" smtClean="0">
+                <a:solidFill>
+                  <a:schemeClr val="tx1">
+                    <a:lumMod val="95000"/>
+                    <a:lumOff val="5000"/>
+                  </a:schemeClr>
+                </a:solidFill>
+                <a:ea typeface="Roboto Condensed" pitchFamily="2" charset="0"/>
+              </a:rPr>
+              <a:t>sử</a:t>
+            </a:r>
+            <a:r>
+              <a:rPr lang="en-US" sz="2000" b="0" i="1" dirty="0" smtClean="0">
+                <a:solidFill>
+                  <a:schemeClr val="tx1">
+                    <a:lumMod val="95000"/>
+                    <a:lumOff val="5000"/>
+                  </a:schemeClr>
+                </a:solidFill>
+                <a:ea typeface="Roboto Condensed" pitchFamily="2" charset="0"/>
+              </a:rPr>
+              <a:t> </a:t>
+            </a:r>
+            <a:r>
+              <a:rPr lang="en-US" sz="2000" b="0" i="1" dirty="0" err="1" smtClean="0">
+                <a:solidFill>
+                  <a:schemeClr val="tx1">
+                    <a:lumMod val="95000"/>
+                    <a:lumOff val="5000"/>
+                  </a:schemeClr>
+                </a:solidFill>
+                <a:ea typeface="Roboto Condensed" pitchFamily="2" charset="0"/>
+              </a:rPr>
+              <a:t>dụng</a:t>
+            </a:r>
+            <a:r>
+              <a:rPr lang="en-US" sz="2000" b="0" i="1" dirty="0" smtClean="0">
+                <a:solidFill>
+                  <a:schemeClr val="tx1">
+                    <a:lumMod val="95000"/>
+                    <a:lumOff val="5000"/>
+                  </a:schemeClr>
+                </a:solidFill>
+                <a:ea typeface="Roboto Condensed" pitchFamily="2" charset="0"/>
+              </a:rPr>
+              <a:t> </a:t>
+            </a:r>
+            <a:r>
+              <a:rPr lang="en-US" sz="2000" b="0" i="1" dirty="0" err="1" smtClean="0">
+                <a:solidFill>
+                  <a:schemeClr val="tx1">
+                    <a:lumMod val="95000"/>
+                    <a:lumOff val="5000"/>
+                  </a:schemeClr>
+                </a:solidFill>
+                <a:ea typeface="Roboto Condensed" pitchFamily="2" charset="0"/>
+              </a:rPr>
+              <a:t>Micobit</a:t>
+            </a:r>
+            <a:r>
+              <a:rPr lang="en-US" sz="2000" b="0" i="1" dirty="0" smtClean="0">
+                <a:solidFill>
+                  <a:schemeClr val="tx1">
+                    <a:lumMod val="95000"/>
+                    <a:lumOff val="5000"/>
+                  </a:schemeClr>
+                </a:solidFill>
+                <a:ea typeface="Roboto Condensed" pitchFamily="2" charset="0"/>
+              </a:rPr>
+              <a:t> </a:t>
+            </a:r>
+            <a:r>
+              <a:rPr lang="en-US" sz="2000" b="0" i="1" dirty="0" err="1" smtClean="0">
+                <a:solidFill>
+                  <a:schemeClr val="tx1">
+                    <a:lumMod val="95000"/>
+                    <a:lumOff val="5000"/>
+                  </a:schemeClr>
+                </a:solidFill>
+                <a:ea typeface="Roboto Condensed" pitchFamily="2" charset="0"/>
+              </a:rPr>
+              <a:t>để</a:t>
+            </a:r>
+            <a:r>
+              <a:rPr lang="en-US" sz="2000" b="0" i="1" dirty="0" smtClean="0">
+                <a:solidFill>
+                  <a:schemeClr val="tx1">
+                    <a:lumMod val="95000"/>
+                    <a:lumOff val="5000"/>
+                  </a:schemeClr>
+                </a:solidFill>
+                <a:ea typeface="Roboto Condensed" pitchFamily="2" charset="0"/>
+              </a:rPr>
+              <a:t> </a:t>
+            </a:r>
+            <a:r>
+              <a:rPr lang="en-US" sz="2000" b="0" i="1" dirty="0" err="1" smtClean="0">
+                <a:solidFill>
+                  <a:schemeClr val="tx1">
+                    <a:lumMod val="95000"/>
+                    <a:lumOff val="5000"/>
+                  </a:schemeClr>
+                </a:solidFill>
+                <a:ea typeface="Roboto Condensed" pitchFamily="2" charset="0"/>
+              </a:rPr>
+              <a:t>thực</a:t>
+            </a:r>
+            <a:r>
+              <a:rPr lang="en-US" sz="2000" b="0" i="1" dirty="0" smtClean="0">
+                <a:solidFill>
+                  <a:schemeClr val="tx1">
+                    <a:lumMod val="95000"/>
+                    <a:lumOff val="5000"/>
+                  </a:schemeClr>
+                </a:solidFill>
+                <a:ea typeface="Roboto Condensed" pitchFamily="2" charset="0"/>
+              </a:rPr>
+              <a:t> </a:t>
+            </a:r>
+            <a:r>
+              <a:rPr lang="en-US" sz="2000" b="0" i="1" dirty="0" err="1" smtClean="0">
+                <a:solidFill>
+                  <a:schemeClr val="tx1">
+                    <a:lumMod val="95000"/>
+                    <a:lumOff val="5000"/>
+                  </a:schemeClr>
+                </a:solidFill>
+                <a:ea typeface="Roboto Condensed" pitchFamily="2" charset="0"/>
+              </a:rPr>
+              <a:t>hiện</a:t>
+            </a:r>
+            <a:r>
+              <a:rPr lang="en-US" sz="2000" b="0" i="1" dirty="0" smtClean="0">
+                <a:solidFill>
+                  <a:schemeClr val="tx1">
+                    <a:lumMod val="95000"/>
+                    <a:lumOff val="5000"/>
+                  </a:schemeClr>
+                </a:solidFill>
+                <a:ea typeface="Roboto Condensed" pitchFamily="2" charset="0"/>
+              </a:rPr>
+              <a:t> </a:t>
+            </a:r>
+            <a:r>
+              <a:rPr lang="en-US" sz="2000" b="0" i="1" dirty="0" err="1" smtClean="0">
+                <a:solidFill>
+                  <a:schemeClr val="tx1">
+                    <a:lumMod val="95000"/>
+                    <a:lumOff val="5000"/>
+                  </a:schemeClr>
+                </a:solidFill>
+                <a:ea typeface="Roboto Condensed" pitchFamily="2" charset="0"/>
+              </a:rPr>
+              <a:t>các</a:t>
+            </a:r>
+            <a:r>
+              <a:rPr lang="en-US" sz="2000" b="0" i="1" dirty="0" smtClean="0">
+                <a:solidFill>
+                  <a:schemeClr val="tx1">
+                    <a:lumMod val="95000"/>
+                    <a:lumOff val="5000"/>
+                  </a:schemeClr>
+                </a:solidFill>
+                <a:ea typeface="Roboto Condensed" pitchFamily="2" charset="0"/>
+              </a:rPr>
+              <a:t> </a:t>
+            </a:r>
+            <a:r>
+              <a:rPr lang="en-US" sz="2000" b="0" i="1" dirty="0" err="1" smtClean="0">
+                <a:solidFill>
+                  <a:schemeClr val="tx1">
+                    <a:lumMod val="95000"/>
+                    <a:lumOff val="5000"/>
+                  </a:schemeClr>
+                </a:solidFill>
+                <a:ea typeface="Roboto Condensed" pitchFamily="2" charset="0"/>
+              </a:rPr>
+              <a:t>phép</a:t>
+            </a:r>
+            <a:r>
+              <a:rPr lang="en-US" sz="2000" b="0" i="1" dirty="0" smtClean="0">
+                <a:solidFill>
+                  <a:schemeClr val="tx1">
+                    <a:lumMod val="95000"/>
+                    <a:lumOff val="5000"/>
+                  </a:schemeClr>
+                </a:solidFill>
+                <a:ea typeface="Roboto Condensed" pitchFamily="2" charset="0"/>
+              </a:rPr>
+              <a:t> </a:t>
+            </a:r>
+            <a:r>
+              <a:rPr lang="en-US" sz="2000" b="0" i="1" dirty="0" err="1" smtClean="0">
+                <a:solidFill>
+                  <a:schemeClr val="tx1">
+                    <a:lumMod val="95000"/>
+                    <a:lumOff val="5000"/>
+                  </a:schemeClr>
+                </a:solidFill>
+                <a:ea typeface="Roboto Condensed" pitchFamily="2" charset="0"/>
+              </a:rPr>
+              <a:t>tính</a:t>
+            </a:r>
+            <a:r>
+              <a:rPr lang="en-US" sz="2000" b="0" i="1" dirty="0">
+                <a:solidFill>
+                  <a:schemeClr val="tx1">
+                    <a:lumMod val="95000"/>
+                    <a:lumOff val="5000"/>
+                  </a:schemeClr>
+                </a:solidFill>
+                <a:ea typeface="Roboto Condensed" pitchFamily="2" charset="0"/>
+              </a:rPr>
+              <a:t> </a:t>
+            </a:r>
+            <a:r>
+              <a:rPr lang="en-US" sz="2000" b="0" i="1" dirty="0" err="1" smtClean="0">
+                <a:solidFill>
+                  <a:schemeClr val="tx1">
+                    <a:lumMod val="95000"/>
+                    <a:lumOff val="5000"/>
+                  </a:schemeClr>
+                </a:solidFill>
+                <a:ea typeface="Roboto Condensed" pitchFamily="2" charset="0"/>
+              </a:rPr>
+              <a:t>với</a:t>
+            </a:r>
+            <a:r>
+              <a:rPr lang="en-US" sz="2000" b="0" i="1" dirty="0" smtClean="0">
+                <a:solidFill>
+                  <a:schemeClr val="tx1">
+                    <a:lumMod val="95000"/>
+                    <a:lumOff val="5000"/>
+                  </a:schemeClr>
+                </a:solidFill>
+                <a:ea typeface="Roboto Condensed" pitchFamily="2" charset="0"/>
+              </a:rPr>
+              <a:t> </a:t>
+            </a:r>
+            <a:r>
+              <a:rPr lang="en-US" sz="2000" b="0" i="1" dirty="0" err="1" smtClean="0">
+                <a:solidFill>
+                  <a:schemeClr val="tx1">
+                    <a:lumMod val="95000"/>
+                    <a:lumOff val="5000"/>
+                  </a:schemeClr>
+                </a:solidFill>
+                <a:ea typeface="Roboto Condensed" pitchFamily="2" charset="0"/>
+              </a:rPr>
+              <a:t>biến</a:t>
+            </a:r>
+            <a:r>
+              <a:rPr lang="en-US" sz="2000" b="0" i="1" dirty="0" smtClean="0">
+                <a:solidFill>
+                  <a:schemeClr val="tx1">
+                    <a:lumMod val="95000"/>
+                    <a:lumOff val="5000"/>
+                  </a:schemeClr>
+                </a:solidFill>
+                <a:ea typeface="Roboto Condensed" pitchFamily="2" charset="0"/>
+              </a:rPr>
+              <a:t> </a:t>
+            </a:r>
+            <a:r>
+              <a:rPr lang="en-US" sz="2000" b="0" i="1" dirty="0" err="1" smtClean="0">
+                <a:solidFill>
+                  <a:schemeClr val="tx1">
+                    <a:lumMod val="95000"/>
+                    <a:lumOff val="5000"/>
+                  </a:schemeClr>
+                </a:solidFill>
+                <a:ea typeface="Roboto Condensed" pitchFamily="2" charset="0"/>
+              </a:rPr>
+              <a:t>này</a:t>
+            </a:r>
+            <a:endParaRPr lang="en-US" sz="2000" b="0" i="1" dirty="0" smtClean="0">
+              <a:solidFill>
+                <a:schemeClr val="tx1">
+                  <a:lumMod val="95000"/>
+                  <a:lumOff val="5000"/>
+                </a:schemeClr>
+              </a:solidFill>
+              <a:ea typeface="Roboto Condensed" pitchFamily="2" charset="0"/>
+            </a:endParaRPr>
+          </a:p>
+        </p:txBody>
+      </p:sp>
+      <p:sp>
+        <p:nvSpPr>
+          <p:cNvPr id="13" name="Rectangle 12"/>
           <p:cNvSpPr/>
           <p:nvPr/>
         </p:nvSpPr>
         <p:spPr>
           <a:xfrm>
-            <a:off x="748248" y="3627704"/>
+            <a:off x="837841" y="4077641"/>
             <a:ext cx="172836" cy="176901"/>
           </a:xfrm>
           <a:prstGeom prst="rect">
@@ -9681,7 +12298,7 @@
       </p:sp>
       <p:sp>
         <p:nvSpPr>
-          <p:cNvPr id="11" name="Title 1"/>
+          <p:cNvPr id="15" name="Title 1"/>
           <p:cNvSpPr txBox="1">
             <a:spLocks/>
           </p:cNvSpPr>
@@ -9689,8 +12306,8 @@
         </p:nvSpPr>
         <p:spPr>
           <a:xfrm>
-            <a:off x="1009453" y="3524097"/>
-            <a:ext cx="4003872" cy="876223"/>
+            <a:off x="1010677" y="3132967"/>
+            <a:ext cx="5208546" cy="815178"/>
           </a:xfrm>
           <a:prstGeom prst="rect">
             <a:avLst/>
@@ -9724,49 +12341,828 @@
               </a:lnSpc>
             </a:pPr>
             <a:r>
-              <a:rPr lang="en-US" sz="2000" b="0" dirty="0" smtClean="0">
-                <a:solidFill>
-                  <a:schemeClr val="tx1">
-                    <a:lumMod val="95000"/>
-                    <a:lumOff val="5000"/>
-                  </a:schemeClr>
-                </a:solidFill>
-                <a:ea typeface="Roboto Condensed" pitchFamily="2" charset="0"/>
-              </a:rPr>
-              <a:t>Chạm vào Logo thì hiển thị giá trị của biến ra màn hình LED</a:t>
-            </a:r>
+              <a:rPr lang="en-US" sz="2000" b="0" dirty="0" err="1" smtClean="0">
+                <a:solidFill>
+                  <a:schemeClr val="tx1">
+                    <a:lumMod val="95000"/>
+                    <a:lumOff val="5000"/>
+                  </a:schemeClr>
+                </a:solidFill>
+                <a:ea typeface="Roboto Condensed" pitchFamily="2" charset="0"/>
+              </a:rPr>
+              <a:t>Tạo</a:t>
+            </a:r>
+            <a:r>
+              <a:rPr lang="en-US" sz="2000" b="0" dirty="0" smtClean="0">
+                <a:solidFill>
+                  <a:schemeClr val="tx1">
+                    <a:lumMod val="95000"/>
+                    <a:lumOff val="5000"/>
+                  </a:schemeClr>
+                </a:solidFill>
+                <a:ea typeface="Roboto Condensed" pitchFamily="2" charset="0"/>
+              </a:rPr>
+              <a:t> </a:t>
+            </a:r>
+            <a:r>
+              <a:rPr lang="en-US" sz="2000" b="0" dirty="0" err="1" smtClean="0">
+                <a:solidFill>
+                  <a:schemeClr val="tx1">
+                    <a:lumMod val="95000"/>
+                    <a:lumOff val="5000"/>
+                  </a:schemeClr>
+                </a:solidFill>
+                <a:ea typeface="Roboto Condensed" pitchFamily="2" charset="0"/>
+              </a:rPr>
+              <a:t>biến</a:t>
+            </a:r>
+            <a:r>
+              <a:rPr lang="en-US" sz="2000" b="0" dirty="0" smtClean="0">
+                <a:solidFill>
+                  <a:schemeClr val="tx1">
+                    <a:lumMod val="95000"/>
+                    <a:lumOff val="5000"/>
+                  </a:schemeClr>
+                </a:solidFill>
+                <a:ea typeface="Roboto Condensed" pitchFamily="2" charset="0"/>
+              </a:rPr>
+              <a:t> x, y: </a:t>
+            </a:r>
+            <a:r>
+              <a:rPr lang="en-US" sz="2000" b="0" dirty="0" err="1" smtClean="0">
+                <a:solidFill>
+                  <a:schemeClr val="tx1">
+                    <a:lumMod val="95000"/>
+                    <a:lumOff val="5000"/>
+                  </a:schemeClr>
+                </a:solidFill>
+                <a:ea typeface="Roboto Condensed" pitchFamily="2" charset="0"/>
+              </a:rPr>
+              <a:t>Vào</a:t>
+            </a:r>
+            <a:r>
+              <a:rPr lang="en-US" sz="2000" b="0" dirty="0" smtClean="0">
+                <a:solidFill>
+                  <a:schemeClr val="tx1">
+                    <a:lumMod val="95000"/>
+                    <a:lumOff val="5000"/>
+                  </a:schemeClr>
+                </a:solidFill>
+                <a:ea typeface="Roboto Condensed" pitchFamily="2" charset="0"/>
+              </a:rPr>
+              <a:t> </a:t>
+            </a:r>
+            <a:r>
+              <a:rPr lang="en-US" sz="2000" dirty="0" smtClean="0">
+                <a:solidFill>
+                  <a:schemeClr val="tx1">
+                    <a:lumMod val="95000"/>
+                    <a:lumOff val="5000"/>
+                  </a:schemeClr>
+                </a:solidFill>
+                <a:ea typeface="Roboto Condensed" pitchFamily="2" charset="0"/>
+              </a:rPr>
+              <a:t>Variables</a:t>
+            </a:r>
+            <a:r>
+              <a:rPr lang="en-US" sz="2000" b="0" dirty="0" smtClean="0">
+                <a:solidFill>
+                  <a:schemeClr val="tx1">
+                    <a:lumMod val="95000"/>
+                    <a:lumOff val="5000"/>
+                  </a:schemeClr>
+                </a:solidFill>
+                <a:ea typeface="Roboto Condensed" pitchFamily="2" charset="0"/>
+              </a:rPr>
+              <a:t> </a:t>
+            </a:r>
+            <a:r>
+              <a:rPr lang="en-US" sz="2000" b="0" dirty="0" err="1" smtClean="0">
+                <a:solidFill>
+                  <a:schemeClr val="tx1">
+                    <a:lumMod val="95000"/>
+                    <a:lumOff val="5000"/>
+                  </a:schemeClr>
+                </a:solidFill>
+                <a:ea typeface="Roboto Condensed" pitchFamily="2" charset="0"/>
+              </a:rPr>
+              <a:t>chọn</a:t>
+            </a:r>
+            <a:r>
+              <a:rPr lang="en-US" sz="2000" b="0" dirty="0">
+                <a:solidFill>
+                  <a:schemeClr val="tx1">
+                    <a:lumMod val="95000"/>
+                    <a:lumOff val="5000"/>
+                  </a:schemeClr>
+                </a:solidFill>
+                <a:ea typeface="Roboto Condensed" pitchFamily="2" charset="0"/>
+              </a:rPr>
+              <a:t> </a:t>
+            </a:r>
+            <a:r>
+              <a:rPr lang="en-US" sz="2000" dirty="0">
+                <a:solidFill>
+                  <a:schemeClr val="tx1">
+                    <a:lumMod val="95000"/>
+                    <a:lumOff val="5000"/>
+                  </a:schemeClr>
+                </a:solidFill>
+                <a:ea typeface="Roboto Condensed" pitchFamily="2" charset="0"/>
+              </a:rPr>
+              <a:t>Make a </a:t>
+            </a:r>
+            <a:r>
+              <a:rPr lang="en-US" sz="2000" dirty="0" smtClean="0">
+                <a:solidFill>
+                  <a:schemeClr val="tx1">
+                    <a:lumMod val="95000"/>
+                    <a:lumOff val="5000"/>
+                  </a:schemeClr>
+                </a:solidFill>
+                <a:ea typeface="Roboto Condensed" pitchFamily="2" charset="0"/>
+              </a:rPr>
+              <a:t>Variable</a:t>
+            </a:r>
+            <a:r>
+              <a:rPr lang="en-US" sz="2000" b="0" dirty="0" smtClean="0">
+                <a:solidFill>
+                  <a:schemeClr val="tx1">
+                    <a:lumMod val="95000"/>
+                    <a:lumOff val="5000"/>
+                  </a:schemeClr>
+                </a:solidFill>
+                <a:ea typeface="Roboto Condensed" pitchFamily="2" charset="0"/>
+              </a:rPr>
+              <a:t>…</a:t>
+            </a:r>
+            <a:r>
+              <a:rPr lang="en-US" sz="2000" b="0" dirty="0" err="1" smtClean="0">
+                <a:solidFill>
+                  <a:schemeClr val="tx1">
+                    <a:lumMod val="95000"/>
+                    <a:lumOff val="5000"/>
+                  </a:schemeClr>
+                </a:solidFill>
+                <a:ea typeface="Roboto Condensed" pitchFamily="2" charset="0"/>
+              </a:rPr>
+              <a:t>Lần</a:t>
+            </a:r>
+            <a:r>
+              <a:rPr lang="en-US" sz="2000" b="0" dirty="0" smtClean="0">
+                <a:solidFill>
+                  <a:schemeClr val="tx1">
+                    <a:lumMod val="95000"/>
+                    <a:lumOff val="5000"/>
+                  </a:schemeClr>
+                </a:solidFill>
+                <a:ea typeface="Roboto Condensed" pitchFamily="2" charset="0"/>
+              </a:rPr>
+              <a:t> </a:t>
+            </a:r>
+            <a:r>
+              <a:rPr lang="en-US" sz="2000" b="0" dirty="0" err="1" smtClean="0">
+                <a:solidFill>
+                  <a:schemeClr val="tx1">
+                    <a:lumMod val="95000"/>
+                    <a:lumOff val="5000"/>
+                  </a:schemeClr>
+                </a:solidFill>
+                <a:ea typeface="Roboto Condensed" pitchFamily="2" charset="0"/>
+              </a:rPr>
+              <a:t>lượt</a:t>
+            </a:r>
+            <a:r>
+              <a:rPr lang="en-US" sz="2000" b="0" dirty="0" smtClean="0">
+                <a:solidFill>
+                  <a:schemeClr val="tx1">
+                    <a:lumMod val="95000"/>
+                    <a:lumOff val="5000"/>
+                  </a:schemeClr>
+                </a:solidFill>
+                <a:ea typeface="Roboto Condensed" pitchFamily="2" charset="0"/>
+              </a:rPr>
+              <a:t> </a:t>
+            </a:r>
+            <a:r>
+              <a:rPr lang="en-US" sz="2000" b="0" dirty="0" err="1" smtClean="0">
+                <a:solidFill>
+                  <a:schemeClr val="tx1">
+                    <a:lumMod val="95000"/>
+                    <a:lumOff val="5000"/>
+                  </a:schemeClr>
+                </a:solidFill>
+                <a:ea typeface="Roboto Condensed" pitchFamily="2" charset="0"/>
+              </a:rPr>
+              <a:t>định</a:t>
+            </a:r>
+            <a:r>
+              <a:rPr lang="en-US" sz="2000" b="0" dirty="0" smtClean="0">
+                <a:solidFill>
+                  <a:schemeClr val="tx1">
+                    <a:lumMod val="95000"/>
+                    <a:lumOff val="5000"/>
+                  </a:schemeClr>
+                </a:solidFill>
+                <a:ea typeface="Roboto Condensed" pitchFamily="2" charset="0"/>
+              </a:rPr>
+              <a:t> </a:t>
+            </a:r>
+            <a:r>
+              <a:rPr lang="en-US" sz="2000" b="0" dirty="0" err="1" smtClean="0">
+                <a:solidFill>
+                  <a:schemeClr val="tx1">
+                    <a:lumMod val="95000"/>
+                    <a:lumOff val="5000"/>
+                  </a:schemeClr>
+                </a:solidFill>
+                <a:ea typeface="Roboto Condensed" pitchFamily="2" charset="0"/>
+              </a:rPr>
+              <a:t>nghĩa</a:t>
+            </a:r>
+            <a:r>
+              <a:rPr lang="en-US" sz="2000" b="0" dirty="0" smtClean="0">
+                <a:solidFill>
+                  <a:schemeClr val="tx1">
+                    <a:lumMod val="95000"/>
+                    <a:lumOff val="5000"/>
+                  </a:schemeClr>
+                </a:solidFill>
+                <a:ea typeface="Roboto Condensed" pitchFamily="2" charset="0"/>
+              </a:rPr>
+              <a:t> 2 </a:t>
+            </a:r>
+            <a:r>
+              <a:rPr lang="en-US" sz="2000" b="0" dirty="0" err="1" smtClean="0">
+                <a:solidFill>
+                  <a:schemeClr val="tx1">
+                    <a:lumMod val="95000"/>
+                    <a:lumOff val="5000"/>
+                  </a:schemeClr>
+                </a:solidFill>
+                <a:ea typeface="Roboto Condensed" pitchFamily="2" charset="0"/>
+              </a:rPr>
+              <a:t>biến</a:t>
+            </a:r>
+            <a:r>
+              <a:rPr lang="en-US" sz="2000" b="0" dirty="0" smtClean="0">
+                <a:solidFill>
+                  <a:schemeClr val="tx1">
+                    <a:lumMod val="95000"/>
+                    <a:lumOff val="5000"/>
+                  </a:schemeClr>
+                </a:solidFill>
+                <a:ea typeface="Roboto Condensed" pitchFamily="2" charset="0"/>
+              </a:rPr>
+              <a:t> x </a:t>
+            </a:r>
+            <a:r>
+              <a:rPr lang="en-US" sz="2000" b="0" dirty="0" err="1" smtClean="0">
+                <a:solidFill>
+                  <a:schemeClr val="tx1">
+                    <a:lumMod val="95000"/>
+                    <a:lumOff val="5000"/>
+                  </a:schemeClr>
+                </a:solidFill>
+                <a:ea typeface="Roboto Condensed" pitchFamily="2" charset="0"/>
+              </a:rPr>
+              <a:t>và</a:t>
+            </a:r>
+            <a:r>
+              <a:rPr lang="en-US" sz="2000" b="0" dirty="0" smtClean="0">
+                <a:solidFill>
+                  <a:schemeClr val="tx1">
+                    <a:lumMod val="95000"/>
+                    <a:lumOff val="5000"/>
+                  </a:schemeClr>
+                </a:solidFill>
+                <a:ea typeface="Roboto Condensed" pitchFamily="2" charset="0"/>
+              </a:rPr>
+              <a:t> y. </a:t>
+            </a:r>
+            <a:endParaRPr lang="en-US" sz="2000" b="0" dirty="0" smtClean="0">
+              <a:solidFill>
+                <a:schemeClr val="tx1">
+                  <a:lumMod val="95000"/>
+                  <a:lumOff val="5000"/>
+                </a:schemeClr>
+              </a:solidFill>
+              <a:ea typeface="Roboto Condensed" pitchFamily="2" charset="0"/>
+            </a:endParaRPr>
           </a:p>
         </p:txBody>
       </p:sp>
+      <p:pic>
+        <p:nvPicPr>
+          <p:cNvPr id="10" name="Picture 9"/>
+          <p:cNvPicPr>
+            <a:picLocks noChangeAspect="1"/>
+          </p:cNvPicPr>
+          <p:nvPr/>
+        </p:nvPicPr>
+        <p:blipFill>
+          <a:blip r:embed="rId3"/>
+          <a:stretch>
+            <a:fillRect/>
+          </a:stretch>
+        </p:blipFill>
+        <p:spPr>
+          <a:xfrm>
+            <a:off x="6473851" y="1252569"/>
+            <a:ext cx="1838325" cy="2695575"/>
+          </a:xfrm>
+          <a:prstGeom prst="rect">
+            <a:avLst/>
+          </a:prstGeom>
+        </p:spPr>
+      </p:pic>
+      <p:cxnSp>
+        <p:nvCxnSpPr>
+          <p:cNvPr id="18" name="Curved Connector 17"/>
+          <p:cNvCxnSpPr/>
+          <p:nvPr/>
+        </p:nvCxnSpPr>
+        <p:spPr>
+          <a:xfrm flipV="1">
+            <a:off x="5338119" y="2677297"/>
+            <a:ext cx="881104" cy="370703"/>
+          </a:xfrm>
+          <a:prstGeom prst="curvedConnector3">
+            <a:avLst/>
+          </a:prstGeom>
+          <a:ln w="12700">
+            <a:solidFill>
+              <a:srgbClr val="FF0000"/>
+            </a:solidFill>
+            <a:prstDash val="dash"/>
+            <a:tailEnd type="triangle"/>
+          </a:ln>
+        </p:spPr>
+        <p:style>
+          <a:lnRef idx="1">
+            <a:schemeClr val="accent1"/>
+          </a:lnRef>
+          <a:fillRef idx="0">
+            <a:schemeClr val="accent1"/>
+          </a:fillRef>
+          <a:effectRef idx="0">
+            <a:schemeClr val="accent1"/>
+          </a:effectRef>
+          <a:fontRef idx="minor">
+            <a:schemeClr val="tx1"/>
+          </a:fontRef>
+        </p:style>
+      </p:cxnSp>
       <p:sp>
         <p:nvSpPr>
-          <p:cNvPr id="12" name="Rounded Rectangle 11"/>
+          <p:cNvPr id="19" name="Title 1"/>
+          <p:cNvSpPr txBox="1">
+            <a:spLocks/>
+          </p:cNvSpPr>
+          <p:nvPr/>
+        </p:nvSpPr>
+        <p:spPr>
+          <a:xfrm>
+            <a:off x="1010677" y="3967369"/>
+            <a:ext cx="5208546" cy="475206"/>
+          </a:xfrm>
+          <a:prstGeom prst="rect">
+            <a:avLst/>
+          </a:prstGeom>
+        </p:spPr>
+        <p:txBody>
+          <a:bodyPr/>
+          <a:lstStyle>
+            <a:lvl1pPr algn="l" defTabSz="914400" rtl="0" eaLnBrk="1" latinLnBrk="0" hangingPunct="1">
+              <a:lnSpc>
+                <a:spcPct val="90000"/>
+              </a:lnSpc>
+              <a:spcBef>
+                <a:spcPct val="0"/>
+              </a:spcBef>
+              <a:buNone/>
+              <a:defRPr sz="3200" b="1" kern="1200">
+                <a:solidFill>
+                  <a:srgbClr val="019DD0"/>
+                </a:solidFill>
+                <a:latin typeface="Arial" panose="020B0604020202020204" pitchFamily="34" charset="0"/>
+                <a:ea typeface="+mj-ea"/>
+                <a:cs typeface="Arial" panose="020B0604020202020204" pitchFamily="34" charset="0"/>
+              </a:defRPr>
+            </a:lvl1pPr>
+          </a:lstStyle>
+          <a:p>
+            <a:pPr>
+              <a:lnSpc>
+                <a:spcPct val="100000"/>
+              </a:lnSpc>
+            </a:pPr>
+            <a:r>
+              <a:rPr lang="en-US" sz="2000" b="0" dirty="0" err="1" smtClean="0">
+                <a:solidFill>
+                  <a:schemeClr val="tx1">
+                    <a:lumMod val="95000"/>
+                    <a:lumOff val="5000"/>
+                  </a:schemeClr>
+                </a:solidFill>
+                <a:ea typeface="Roboto Condensed" pitchFamily="2" charset="0"/>
+              </a:rPr>
+              <a:t>Lần</a:t>
+            </a:r>
+            <a:r>
+              <a:rPr lang="en-US" sz="2000" b="0" dirty="0" smtClean="0">
+                <a:solidFill>
+                  <a:schemeClr val="tx1">
+                    <a:lumMod val="95000"/>
+                    <a:lumOff val="5000"/>
+                  </a:schemeClr>
+                </a:solidFill>
+                <a:ea typeface="Roboto Condensed" pitchFamily="2" charset="0"/>
+              </a:rPr>
+              <a:t> </a:t>
+            </a:r>
+            <a:r>
+              <a:rPr lang="en-US" sz="2000" b="0" dirty="0" err="1" smtClean="0">
+                <a:solidFill>
+                  <a:schemeClr val="tx1">
+                    <a:lumMod val="95000"/>
+                    <a:lumOff val="5000"/>
+                  </a:schemeClr>
+                </a:solidFill>
+                <a:ea typeface="Roboto Condensed" pitchFamily="2" charset="0"/>
+              </a:rPr>
+              <a:t>lượt</a:t>
+            </a:r>
+            <a:r>
+              <a:rPr lang="en-US" sz="2000" b="0" dirty="0" smtClean="0">
+                <a:solidFill>
+                  <a:schemeClr val="tx1">
+                    <a:lumMod val="95000"/>
+                    <a:lumOff val="5000"/>
+                  </a:schemeClr>
+                </a:solidFill>
+                <a:ea typeface="Roboto Condensed" pitchFamily="2" charset="0"/>
+              </a:rPr>
+              <a:t> </a:t>
+            </a:r>
+            <a:r>
+              <a:rPr lang="en-US" sz="2000" b="0" dirty="0" err="1" smtClean="0">
+                <a:solidFill>
+                  <a:schemeClr val="tx1">
+                    <a:lumMod val="95000"/>
+                    <a:lumOff val="5000"/>
+                  </a:schemeClr>
+                </a:solidFill>
+                <a:ea typeface="Roboto Condensed" pitchFamily="2" charset="0"/>
+              </a:rPr>
+              <a:t>kéo</a:t>
+            </a:r>
+            <a:r>
+              <a:rPr lang="en-US" sz="2000" b="0" dirty="0" smtClean="0">
+                <a:solidFill>
+                  <a:schemeClr val="tx1">
+                    <a:lumMod val="95000"/>
+                    <a:lumOff val="5000"/>
+                  </a:schemeClr>
+                </a:solidFill>
+                <a:ea typeface="Roboto Condensed" pitchFamily="2" charset="0"/>
+              </a:rPr>
+              <a:t> </a:t>
+            </a:r>
+            <a:r>
+              <a:rPr lang="en-US" sz="2000" b="0" dirty="0" err="1" smtClean="0">
+                <a:solidFill>
+                  <a:schemeClr val="tx1">
+                    <a:lumMod val="95000"/>
+                    <a:lumOff val="5000"/>
+                  </a:schemeClr>
+                </a:solidFill>
+                <a:ea typeface="Roboto Condensed" pitchFamily="2" charset="0"/>
+              </a:rPr>
+              <a:t>vào</a:t>
+            </a:r>
+            <a:r>
+              <a:rPr lang="en-US" sz="2000" b="0" dirty="0" smtClean="0">
+                <a:solidFill>
+                  <a:schemeClr val="tx1">
+                    <a:lumMod val="95000"/>
+                    <a:lumOff val="5000"/>
+                  </a:schemeClr>
+                </a:solidFill>
+                <a:ea typeface="Roboto Condensed" pitchFamily="2" charset="0"/>
+              </a:rPr>
+              <a:t> </a:t>
+            </a:r>
+            <a:r>
+              <a:rPr lang="en-US" sz="2000" dirty="0" smtClean="0">
+                <a:solidFill>
+                  <a:schemeClr val="tx1">
+                    <a:lumMod val="95000"/>
+                    <a:lumOff val="5000"/>
+                  </a:schemeClr>
+                </a:solidFill>
+                <a:ea typeface="Roboto Condensed" pitchFamily="2" charset="0"/>
+              </a:rPr>
+              <a:t>on Start </a:t>
+            </a:r>
+            <a:r>
+              <a:rPr lang="en-US" sz="2000" b="0" dirty="0" err="1" smtClean="0">
+                <a:solidFill>
+                  <a:schemeClr val="tx1">
+                    <a:lumMod val="95000"/>
+                    <a:lumOff val="5000"/>
+                  </a:schemeClr>
+                </a:solidFill>
+                <a:ea typeface="Roboto Condensed" pitchFamily="2" charset="0"/>
+              </a:rPr>
+              <a:t>như</a:t>
+            </a:r>
+            <a:r>
+              <a:rPr lang="en-US" sz="2000" b="0" dirty="0" smtClean="0">
+                <a:solidFill>
+                  <a:schemeClr val="tx1">
+                    <a:lumMod val="95000"/>
+                    <a:lumOff val="5000"/>
+                  </a:schemeClr>
+                </a:solidFill>
+                <a:ea typeface="Roboto Condensed" pitchFamily="2" charset="0"/>
+              </a:rPr>
+              <a:t> </a:t>
+            </a:r>
+            <a:r>
+              <a:rPr lang="en-US" sz="2000" b="0" dirty="0" err="1" smtClean="0">
+                <a:solidFill>
+                  <a:schemeClr val="tx1">
+                    <a:lumMod val="95000"/>
+                    <a:lumOff val="5000"/>
+                  </a:schemeClr>
+                </a:solidFill>
+                <a:ea typeface="Roboto Condensed" pitchFamily="2" charset="0"/>
+              </a:rPr>
+              <a:t>sau</a:t>
+            </a:r>
+            <a:endParaRPr lang="en-US" sz="2000" b="0" dirty="0" smtClean="0">
+              <a:solidFill>
+                <a:schemeClr val="tx1">
+                  <a:lumMod val="95000"/>
+                  <a:lumOff val="5000"/>
+                </a:schemeClr>
+              </a:solidFill>
+              <a:ea typeface="Roboto Condensed" pitchFamily="2" charset="0"/>
+            </a:endParaRPr>
+          </a:p>
+        </p:txBody>
+      </p:sp>
+      <p:pic>
+        <p:nvPicPr>
+          <p:cNvPr id="20" name="Picture 19"/>
+          <p:cNvPicPr>
+            <a:picLocks noChangeAspect="1"/>
+          </p:cNvPicPr>
+          <p:nvPr/>
+        </p:nvPicPr>
+        <p:blipFill>
+          <a:blip r:embed="rId4"/>
+          <a:stretch>
+            <a:fillRect/>
+          </a:stretch>
+        </p:blipFill>
+        <p:spPr>
+          <a:xfrm>
+            <a:off x="942415" y="4537095"/>
+            <a:ext cx="1933575" cy="1828800"/>
+          </a:xfrm>
+          <a:prstGeom prst="rect">
+            <a:avLst/>
+          </a:prstGeom>
+        </p:spPr>
+      </p:pic>
+      <p:sp>
+        <p:nvSpPr>
+          <p:cNvPr id="21" name="Title 1"/>
+          <p:cNvSpPr txBox="1">
+            <a:spLocks/>
+          </p:cNvSpPr>
+          <p:nvPr/>
+        </p:nvSpPr>
+        <p:spPr>
+          <a:xfrm>
+            <a:off x="3061899" y="5079477"/>
+            <a:ext cx="2630447" cy="475206"/>
+          </a:xfrm>
+          <a:prstGeom prst="rect">
+            <a:avLst/>
+          </a:prstGeom>
+        </p:spPr>
+        <p:txBody>
+          <a:bodyPr/>
+          <a:lstStyle>
+            <a:lvl1pPr algn="l" defTabSz="914400" rtl="0" eaLnBrk="1" latinLnBrk="0" hangingPunct="1">
+              <a:lnSpc>
+                <a:spcPct val="90000"/>
+              </a:lnSpc>
+              <a:spcBef>
+                <a:spcPct val="0"/>
+              </a:spcBef>
+              <a:buNone/>
+              <a:defRPr sz="3200" b="1" kern="1200">
+                <a:solidFill>
+                  <a:srgbClr val="019DD0"/>
+                </a:solidFill>
+                <a:latin typeface="Arial" panose="020B0604020202020204" pitchFamily="34" charset="0"/>
+                <a:ea typeface="+mj-ea"/>
+                <a:cs typeface="Arial" panose="020B0604020202020204" pitchFamily="34" charset="0"/>
+              </a:defRPr>
+            </a:lvl1pPr>
+          </a:lstStyle>
+          <a:p>
+            <a:pPr>
+              <a:lnSpc>
+                <a:spcPct val="100000"/>
+              </a:lnSpc>
+            </a:pPr>
+            <a:r>
+              <a:rPr lang="en-US" sz="2000" b="0" dirty="0" err="1" smtClean="0">
+                <a:solidFill>
+                  <a:schemeClr val="tx1">
+                    <a:lumMod val="95000"/>
+                    <a:lumOff val="5000"/>
+                  </a:schemeClr>
+                </a:solidFill>
+                <a:ea typeface="Roboto Condensed" pitchFamily="2" charset="0"/>
+              </a:rPr>
+              <a:t>Sau</a:t>
+            </a:r>
+            <a:r>
+              <a:rPr lang="en-US" sz="2000" b="0" dirty="0" smtClean="0">
+                <a:solidFill>
+                  <a:schemeClr val="tx1">
+                    <a:lumMod val="95000"/>
+                    <a:lumOff val="5000"/>
+                  </a:schemeClr>
+                </a:solidFill>
+                <a:ea typeface="Roboto Condensed" pitchFamily="2" charset="0"/>
+              </a:rPr>
+              <a:t> </a:t>
+            </a:r>
+            <a:r>
+              <a:rPr lang="en-US" sz="2000" b="0" dirty="0" err="1" smtClean="0">
+                <a:solidFill>
+                  <a:schemeClr val="tx1">
+                    <a:lumMod val="95000"/>
+                    <a:lumOff val="5000"/>
+                  </a:schemeClr>
+                </a:solidFill>
+                <a:ea typeface="Roboto Condensed" pitchFamily="2" charset="0"/>
+              </a:rPr>
+              <a:t>đó</a:t>
+            </a:r>
+            <a:r>
+              <a:rPr lang="en-US" sz="2000" b="0" dirty="0" smtClean="0">
+                <a:solidFill>
+                  <a:schemeClr val="tx1">
+                    <a:lumMod val="95000"/>
+                    <a:lumOff val="5000"/>
+                  </a:schemeClr>
+                </a:solidFill>
+                <a:ea typeface="Roboto Condensed" pitchFamily="2" charset="0"/>
+              </a:rPr>
+              <a:t> </a:t>
+            </a:r>
+            <a:r>
+              <a:rPr lang="en-US" sz="2000" b="0" dirty="0" err="1" smtClean="0">
+                <a:solidFill>
+                  <a:schemeClr val="tx1">
+                    <a:lumMod val="95000"/>
+                    <a:lumOff val="5000"/>
+                  </a:schemeClr>
+                </a:solidFill>
+                <a:ea typeface="Roboto Condensed" pitchFamily="2" charset="0"/>
+              </a:rPr>
+              <a:t>thay</a:t>
+            </a:r>
+            <a:r>
+              <a:rPr lang="en-US" sz="2000" b="0" dirty="0" smtClean="0">
+                <a:solidFill>
+                  <a:schemeClr val="tx1">
+                    <a:lumMod val="95000"/>
+                    <a:lumOff val="5000"/>
+                  </a:schemeClr>
+                </a:solidFill>
+                <a:ea typeface="Roboto Condensed" pitchFamily="2" charset="0"/>
+              </a:rPr>
+              <a:t> </a:t>
+            </a:r>
+            <a:r>
+              <a:rPr lang="en-US" sz="2000" b="0" dirty="0" err="1" smtClean="0">
+                <a:solidFill>
+                  <a:schemeClr val="tx1">
+                    <a:lumMod val="95000"/>
+                    <a:lumOff val="5000"/>
+                  </a:schemeClr>
+                </a:solidFill>
+                <a:ea typeface="Roboto Condensed" pitchFamily="2" charset="0"/>
+              </a:rPr>
+              <a:t>lại</a:t>
+            </a:r>
+            <a:r>
+              <a:rPr lang="en-US" sz="2000" b="0" dirty="0" smtClean="0">
+                <a:solidFill>
+                  <a:schemeClr val="tx1">
+                    <a:lumMod val="95000"/>
+                    <a:lumOff val="5000"/>
+                  </a:schemeClr>
+                </a:solidFill>
+                <a:ea typeface="Roboto Condensed" pitchFamily="2" charset="0"/>
+              </a:rPr>
+              <a:t> </a:t>
+            </a:r>
+            <a:r>
+              <a:rPr lang="en-US" sz="2000" b="0" dirty="0" err="1" smtClean="0">
+                <a:solidFill>
+                  <a:schemeClr val="tx1">
+                    <a:lumMod val="95000"/>
+                    <a:lumOff val="5000"/>
+                  </a:schemeClr>
+                </a:solidFill>
+                <a:ea typeface="Roboto Condensed" pitchFamily="2" charset="0"/>
+              </a:rPr>
+              <a:t>giá</a:t>
+            </a:r>
+            <a:r>
+              <a:rPr lang="en-US" sz="2000" b="0" dirty="0" smtClean="0">
+                <a:solidFill>
+                  <a:schemeClr val="tx1">
+                    <a:lumMod val="95000"/>
+                    <a:lumOff val="5000"/>
+                  </a:schemeClr>
+                </a:solidFill>
+                <a:ea typeface="Roboto Condensed" pitchFamily="2" charset="0"/>
+              </a:rPr>
+              <a:t> </a:t>
+            </a:r>
+            <a:r>
+              <a:rPr lang="en-US" sz="2000" b="0" dirty="0" err="1" smtClean="0">
+                <a:solidFill>
+                  <a:schemeClr val="tx1">
+                    <a:lumMod val="95000"/>
+                    <a:lumOff val="5000"/>
+                  </a:schemeClr>
+                </a:solidFill>
+                <a:ea typeface="Roboto Condensed" pitchFamily="2" charset="0"/>
+              </a:rPr>
+              <a:t>trị</a:t>
+            </a:r>
+            <a:endParaRPr lang="en-US" sz="2000" b="0" dirty="0" smtClean="0">
+              <a:solidFill>
+                <a:schemeClr val="tx1">
+                  <a:lumMod val="95000"/>
+                  <a:lumOff val="5000"/>
+                </a:schemeClr>
+              </a:solidFill>
+              <a:ea typeface="Roboto Condensed" pitchFamily="2" charset="0"/>
+            </a:endParaRPr>
+          </a:p>
+        </p:txBody>
+      </p:sp>
+      <p:pic>
+        <p:nvPicPr>
+          <p:cNvPr id="22" name="Picture 21"/>
+          <p:cNvPicPr>
+            <a:picLocks noChangeAspect="1"/>
+          </p:cNvPicPr>
+          <p:nvPr/>
+        </p:nvPicPr>
+        <p:blipFill>
+          <a:blip r:embed="rId5"/>
+          <a:stretch>
+            <a:fillRect/>
+          </a:stretch>
+        </p:blipFill>
+        <p:spPr>
+          <a:xfrm>
+            <a:off x="6122901" y="4461799"/>
+            <a:ext cx="1857375" cy="1752600"/>
+          </a:xfrm>
+          <a:prstGeom prst="rect">
+            <a:avLst/>
+          </a:prstGeom>
+        </p:spPr>
+      </p:pic>
+      <p:sp>
+        <p:nvSpPr>
+          <p:cNvPr id="23" name="Right Arrow 22"/>
           <p:cNvSpPr/>
           <p:nvPr/>
         </p:nvSpPr>
         <p:spPr>
           <a:xfrm>
-            <a:off x="748248" y="4540489"/>
-            <a:ext cx="4877852" cy="1687675"/>
-          </a:xfrm>
-          <a:prstGeom prst="roundRect">
-            <a:avLst/>
-          </a:prstGeom>
-          <a:gradFill flip="none" rotWithShape="1">
-            <a:gsLst>
-              <a:gs pos="15000">
-                <a:srgbClr val="EC5F77"/>
-              </a:gs>
-              <a:gs pos="100000">
-                <a:srgbClr val="A8589E"/>
-              </a:gs>
-            </a:gsLst>
-            <a:lin ang="0" scaled="1"/>
-            <a:tileRect/>
-          </a:gradFill>
-          <a:ln>
-            <a:noFill/>
-          </a:ln>
+            <a:off x="3602765" y="5554683"/>
+            <a:ext cx="1548714" cy="181232"/>
+          </a:xfrm>
+          <a:prstGeom prst="rightArrow">
+            <a:avLst/>
+          </a:prstGeom>
         </p:spPr>
         <p:style>
           <a:lnRef idx="2">
@@ -9789,24 +13185,27 @@
           <a:lstStyle/>
           <a:p>
             <a:pPr algn="ctr"/>
-            <a:r>
-              <a:rPr lang="en-US" dirty="0" smtClean="0"/>
-              <a:t>Hình bên trái là đáp án cho cách sử dụng biến trong chương trình Microsoft Makecode với BBC micro:bit</a:t>
-            </a:r>
-            <a:endParaRPr lang="en-US" b="1" dirty="0"/>
+            <a:endParaRPr lang="en-US"/>
           </a:p>
         </p:txBody>
       </p:sp>
     </p:spTree>
     <p:extLst>
       <p:ext uri="{BB962C8B-B14F-4D97-AF65-F5344CB8AC3E}">
-        <p14:creationId xmlns:p14="http://schemas.microsoft.com/office/powerpoint/2010/main" val="4000516441"/>
+        <p14:creationId xmlns:p14="http://schemas.microsoft.com/office/powerpoint/2010/main" val="3505910361"/>
       </p:ext>
     </p:extLst>
   </p:cSld>
   <p:clrMapOvr>
     <a:masterClrMapping/>
   </p:clrMapOvr>
+  <p:timing>
+    <p:tnLst>
+      <p:par>
+        <p:cTn id="1" dur="indefinite" restart="never" nodeType="tmRoot"/>
+      </p:par>
+    </p:tnLst>
+  </p:timing>
 </p:sld>
 </file>
 
@@ -9853,309 +13252,7 @@
       </p:sp>
       <p:sp>
         <p:nvSpPr>
-          <p:cNvPr id="3" name="Title 1"/>
-          <p:cNvSpPr txBox="1">
-            <a:spLocks/>
-          </p:cNvSpPr>
-          <p:nvPr/>
-        </p:nvSpPr>
-        <p:spPr>
-          <a:xfrm>
-            <a:off x="709053" y="4862785"/>
-            <a:ext cx="5644503" cy="508846"/>
-          </a:xfrm>
-          <a:prstGeom prst="rect">
-            <a:avLst/>
-          </a:prstGeom>
-        </p:spPr>
-        <p:txBody>
-          <a:bodyPr/>
-          <a:lstStyle>
-            <a:lvl1pPr algn="l" defTabSz="914400" rtl="0" eaLnBrk="1" latinLnBrk="0" hangingPunct="1">
-              <a:lnSpc>
-                <a:spcPct val="90000"/>
-              </a:lnSpc>
-              <a:spcBef>
-                <a:spcPct val="0"/>
-              </a:spcBef>
-              <a:buNone/>
-              <a:defRPr sz="3200" b="1" kern="1200">
-                <a:solidFill>
-                  <a:srgbClr val="019DD0"/>
-                </a:solidFill>
-                <a:latin typeface="Arial" panose="020B0604020202020204" pitchFamily="34" charset="0"/>
-                <a:ea typeface="+mj-ea"/>
-                <a:cs typeface="Arial" panose="020B0604020202020204" pitchFamily="34" charset="0"/>
-              </a:defRPr>
-            </a:lvl1pPr>
-          </a:lstStyle>
-          <a:p>
-            <a:pPr>
-              <a:lnSpc>
-                <a:spcPct val="100000"/>
-              </a:lnSpc>
-            </a:pPr>
-            <a:r>
-              <a:rPr lang="en-US" sz="2000" b="0" dirty="0" smtClean="0">
-                <a:solidFill>
-                  <a:schemeClr val="tx1">
-                    <a:lumMod val="95000"/>
-                    <a:lumOff val="5000"/>
-                  </a:schemeClr>
-                </a:solidFill>
-                <a:ea typeface="Roboto Condensed" pitchFamily="2" charset="0"/>
-              </a:rPr>
-              <a:t>Bước 1: Click Download tải file về máy tính</a:t>
-            </a:r>
-          </a:p>
-        </p:txBody>
-      </p:sp>
-      <p:pic>
-        <p:nvPicPr>
-          <p:cNvPr id="4" name="Picture 3"/>
-          <p:cNvPicPr>
-            <a:picLocks noChangeAspect="1"/>
-          </p:cNvPicPr>
-          <p:nvPr/>
-        </p:nvPicPr>
-        <p:blipFill>
-          <a:blip r:embed="rId2"/>
-          <a:stretch>
-            <a:fillRect/>
-          </a:stretch>
-        </p:blipFill>
-        <p:spPr>
-          <a:xfrm>
-            <a:off x="5743928" y="4822111"/>
-            <a:ext cx="2909512" cy="456394"/>
-          </a:xfrm>
-          <a:prstGeom prst="rect">
-            <a:avLst/>
-          </a:prstGeom>
-        </p:spPr>
-      </p:pic>
-      <p:sp>
-        <p:nvSpPr>
-          <p:cNvPr id="5" name="Title 1"/>
-          <p:cNvSpPr txBox="1">
-            <a:spLocks/>
-          </p:cNvSpPr>
-          <p:nvPr/>
-        </p:nvSpPr>
-        <p:spPr>
-          <a:xfrm>
-            <a:off x="709053" y="5412305"/>
-            <a:ext cx="8047836" cy="496573"/>
-          </a:xfrm>
-          <a:prstGeom prst="rect">
-            <a:avLst/>
-          </a:prstGeom>
-        </p:spPr>
-        <p:txBody>
-          <a:bodyPr/>
-          <a:lstStyle>
-            <a:lvl1pPr algn="l" defTabSz="914400" rtl="0" eaLnBrk="1" latinLnBrk="0" hangingPunct="1">
-              <a:lnSpc>
-                <a:spcPct val="90000"/>
-              </a:lnSpc>
-              <a:spcBef>
-                <a:spcPct val="0"/>
-              </a:spcBef>
-              <a:buNone/>
-              <a:defRPr sz="3200" b="1" kern="1200">
-                <a:solidFill>
-                  <a:srgbClr val="019DD0"/>
-                </a:solidFill>
-                <a:latin typeface="Arial" panose="020B0604020202020204" pitchFamily="34" charset="0"/>
-                <a:ea typeface="+mj-ea"/>
-                <a:cs typeface="Arial" panose="020B0604020202020204" pitchFamily="34" charset="0"/>
-              </a:defRPr>
-            </a:lvl1pPr>
-          </a:lstStyle>
-          <a:p>
-            <a:pPr>
-              <a:lnSpc>
-                <a:spcPct val="100000"/>
-              </a:lnSpc>
-            </a:pPr>
-            <a:r>
-              <a:rPr lang="en-US" sz="2000" b="0" dirty="0" smtClean="0">
-                <a:solidFill>
-                  <a:schemeClr val="tx1">
-                    <a:lumMod val="95000"/>
-                    <a:lumOff val="5000"/>
-                  </a:schemeClr>
-                </a:solidFill>
-                <a:ea typeface="Roboto Condensed" pitchFamily="2" charset="0"/>
-              </a:rPr>
-              <a:t>Bước 2: Gắn đầu USB vào máy tính, đầu micro USB vào micro:bit </a:t>
-            </a:r>
-          </a:p>
-        </p:txBody>
-      </p:sp>
-      <p:sp>
-        <p:nvSpPr>
-          <p:cNvPr id="8" name="TextBox 7"/>
-          <p:cNvSpPr txBox="1"/>
-          <p:nvPr/>
-        </p:nvSpPr>
-        <p:spPr>
-          <a:xfrm>
-            <a:off x="1265305" y="1364739"/>
-            <a:ext cx="5649845" cy="461665"/>
-          </a:xfrm>
-          <a:prstGeom prst="rect">
-            <a:avLst/>
-          </a:prstGeom>
-          <a:noFill/>
-        </p:spPr>
-        <p:txBody>
-          <a:bodyPr wrap="square" rtlCol="0">
-            <a:spAutoFit/>
-          </a:bodyPr>
-          <a:lstStyle/>
-          <a:p>
-            <a:r>
-              <a:rPr lang="en-US" sz="2400" b="1" dirty="0" smtClean="0">
-                <a:solidFill>
-                  <a:schemeClr val="tx1">
-                    <a:lumMod val="85000"/>
-                    <a:lumOff val="15000"/>
-                  </a:schemeClr>
-                </a:solidFill>
-                <a:latin typeface="UTM Helve" panose="02040603050506020204" pitchFamily="18" charset="0"/>
-                <a:ea typeface="Roboto" pitchFamily="2" charset="0"/>
-              </a:rPr>
-              <a:t>Đưa chương trình vào micro:bit</a:t>
-            </a:r>
-            <a:endParaRPr lang="en-US" sz="2400" b="1" dirty="0">
-              <a:solidFill>
-                <a:schemeClr val="tx1">
-                  <a:lumMod val="85000"/>
-                  <a:lumOff val="15000"/>
-                </a:schemeClr>
-              </a:solidFill>
-              <a:latin typeface="UTM Helve" panose="02040603050506020204" pitchFamily="18" charset="0"/>
-              <a:ea typeface="Roboto" pitchFamily="2" charset="0"/>
-            </a:endParaRPr>
-          </a:p>
-        </p:txBody>
-      </p:sp>
-      <p:pic>
-        <p:nvPicPr>
-          <p:cNvPr id="9" name="Picture 8"/>
-          <p:cNvPicPr>
-            <a:picLocks noChangeAspect="1"/>
-          </p:cNvPicPr>
-          <p:nvPr/>
-        </p:nvPicPr>
-        <p:blipFill>
-          <a:blip r:embed="rId3">
-            <a:extLst>
-              <a:ext uri="{28A0092B-C50C-407E-A947-70E740481C1C}">
-                <a14:useLocalDpi xmlns:a14="http://schemas.microsoft.com/office/drawing/2010/main" val="0"/>
-              </a:ext>
-            </a:extLst>
-          </a:blip>
-          <a:stretch>
-            <a:fillRect/>
-          </a:stretch>
-        </p:blipFill>
-        <p:spPr>
-          <a:xfrm>
-            <a:off x="709053" y="1437696"/>
-            <a:ext cx="466725" cy="409575"/>
-          </a:xfrm>
-          <a:prstGeom prst="rect">
-            <a:avLst/>
-          </a:prstGeom>
-        </p:spPr>
-      </p:pic>
-      <p:pic>
-        <p:nvPicPr>
-          <p:cNvPr id="11" name="Picture 10"/>
-          <p:cNvPicPr>
-            <a:picLocks noChangeAspect="1"/>
-          </p:cNvPicPr>
-          <p:nvPr/>
-        </p:nvPicPr>
-        <p:blipFill rotWithShape="1">
-          <a:blip r:embed="rId4"/>
-          <a:srcRect t="9567"/>
-          <a:stretch/>
-        </p:blipFill>
-        <p:spPr>
-          <a:xfrm>
-            <a:off x="1477989" y="1992477"/>
-            <a:ext cx="6441059" cy="2452204"/>
-          </a:xfrm>
-          <a:prstGeom prst="rect">
-            <a:avLst/>
-          </a:prstGeom>
-        </p:spPr>
-      </p:pic>
-      <p:sp>
-        <p:nvSpPr>
-          <p:cNvPr id="12" name="Title 1"/>
-          <p:cNvSpPr txBox="1">
-            <a:spLocks/>
-          </p:cNvSpPr>
-          <p:nvPr/>
-        </p:nvSpPr>
-        <p:spPr>
-          <a:xfrm>
-            <a:off x="709053" y="5983805"/>
-            <a:ext cx="8047836" cy="496573"/>
-          </a:xfrm>
-          <a:prstGeom prst="rect">
-            <a:avLst/>
-          </a:prstGeom>
-        </p:spPr>
-        <p:txBody>
-          <a:bodyPr/>
-          <a:lstStyle>
-            <a:lvl1pPr algn="l" defTabSz="914400" rtl="0" eaLnBrk="1" latinLnBrk="0" hangingPunct="1">
-              <a:lnSpc>
-                <a:spcPct val="90000"/>
-              </a:lnSpc>
-              <a:spcBef>
-                <a:spcPct val="0"/>
-              </a:spcBef>
-              <a:buNone/>
-              <a:defRPr sz="3200" b="1" kern="1200">
-                <a:solidFill>
-                  <a:srgbClr val="019DD0"/>
-                </a:solidFill>
-                <a:latin typeface="Arial" panose="020B0604020202020204" pitchFamily="34" charset="0"/>
-                <a:ea typeface="+mj-ea"/>
-                <a:cs typeface="Arial" panose="020B0604020202020204" pitchFamily="34" charset="0"/>
-              </a:defRPr>
-            </a:lvl1pPr>
-          </a:lstStyle>
-          <a:p>
-            <a:pPr>
-              <a:lnSpc>
-                <a:spcPct val="100000"/>
-              </a:lnSpc>
-            </a:pPr>
-            <a:r>
-              <a:rPr lang="en-US" sz="2000" b="0" dirty="0" smtClean="0">
-                <a:solidFill>
-                  <a:schemeClr val="tx1">
-                    <a:lumMod val="95000"/>
-                    <a:lumOff val="5000"/>
-                  </a:schemeClr>
-                </a:solidFill>
-                <a:ea typeface="Roboto Condensed" pitchFamily="2" charset="0"/>
-              </a:rPr>
-              <a:t>Bước 3: Copy file .hex vào micro:bit </a:t>
-            </a:r>
-          </a:p>
-        </p:txBody>
-      </p:sp>
-      <p:sp>
-        <p:nvSpPr>
-          <p:cNvPr id="15" name="Rectangle 14"/>
+          <p:cNvPr id="3" name="Rectangle 2"/>
           <p:cNvSpPr/>
           <p:nvPr/>
         </p:nvSpPr>
@@ -10210,7 +13307,7 @@
       </p:sp>
       <p:sp>
         <p:nvSpPr>
-          <p:cNvPr id="16" name="TextBox 15"/>
+          <p:cNvPr id="4" name="TextBox 3"/>
           <p:cNvSpPr txBox="1"/>
           <p:nvPr/>
         </p:nvSpPr>
@@ -10250,16 +13347,1415 @@
           </a:p>
         </p:txBody>
       </p:sp>
+      <p:sp>
+        <p:nvSpPr>
+          <p:cNvPr id="5" name="TextBox 4"/>
+          <p:cNvSpPr txBox="1"/>
+          <p:nvPr/>
+        </p:nvSpPr>
+        <p:spPr>
+          <a:xfrm>
+            <a:off x="1265305" y="1259367"/>
+            <a:ext cx="5649845" cy="461665"/>
+          </a:xfrm>
+          <a:prstGeom prst="rect">
+            <a:avLst/>
+          </a:prstGeom>
+          <a:noFill/>
+        </p:spPr>
+        <p:txBody>
+          <a:bodyPr wrap="square" rtlCol="0">
+            <a:spAutoFit/>
+          </a:bodyPr>
+          <a:lstStyle/>
+          <a:p>
+            <a:r>
+              <a:rPr lang="en-US" sz="2400" b="1" dirty="0" err="1" smtClean="0">
+                <a:solidFill>
+                  <a:schemeClr val="tx1">
+                    <a:lumMod val="85000"/>
+                    <a:lumOff val="15000"/>
+                  </a:schemeClr>
+                </a:solidFill>
+                <a:latin typeface="UTM Helve" panose="02040603050506020204" pitchFamily="18" charset="0"/>
+                <a:ea typeface="Roboto" pitchFamily="2" charset="0"/>
+              </a:rPr>
+              <a:t>Tính</a:t>
+            </a:r>
+            <a:r>
+              <a:rPr lang="en-US" sz="2400" b="1" dirty="0" smtClean="0">
+                <a:solidFill>
+                  <a:schemeClr val="tx1">
+                    <a:lumMod val="85000"/>
+                    <a:lumOff val="15000"/>
+                  </a:schemeClr>
+                </a:solidFill>
+                <a:latin typeface="UTM Helve" panose="02040603050506020204" pitchFamily="18" charset="0"/>
+                <a:ea typeface="Roboto" pitchFamily="2" charset="0"/>
+              </a:rPr>
+              <a:t> </a:t>
+            </a:r>
+            <a:r>
+              <a:rPr lang="en-US" sz="2400" b="1" dirty="0" err="1" smtClean="0">
+                <a:solidFill>
+                  <a:schemeClr val="tx1">
+                    <a:lumMod val="85000"/>
+                    <a:lumOff val="15000"/>
+                  </a:schemeClr>
+                </a:solidFill>
+                <a:latin typeface="UTM Helve" panose="02040603050506020204" pitchFamily="18" charset="0"/>
+                <a:ea typeface="Roboto" pitchFamily="2" charset="0"/>
+              </a:rPr>
+              <a:t>toán</a:t>
+            </a:r>
+            <a:r>
+              <a:rPr lang="en-US" sz="2400" b="1" dirty="0" smtClean="0">
+                <a:solidFill>
+                  <a:schemeClr val="tx1">
+                    <a:lumMod val="85000"/>
+                    <a:lumOff val="15000"/>
+                  </a:schemeClr>
+                </a:solidFill>
+                <a:latin typeface="UTM Helve" panose="02040603050506020204" pitchFamily="18" charset="0"/>
+                <a:ea typeface="Roboto" pitchFamily="2" charset="0"/>
+              </a:rPr>
+              <a:t> </a:t>
+            </a:r>
+            <a:r>
+              <a:rPr lang="en-US" sz="2400" b="1" dirty="0" err="1" smtClean="0">
+                <a:solidFill>
+                  <a:schemeClr val="tx1">
+                    <a:lumMod val="85000"/>
+                    <a:lumOff val="15000"/>
+                  </a:schemeClr>
+                </a:solidFill>
+                <a:latin typeface="UTM Helve" panose="02040603050506020204" pitchFamily="18" charset="0"/>
+                <a:ea typeface="Roboto" pitchFamily="2" charset="0"/>
+              </a:rPr>
+              <a:t>với</a:t>
+            </a:r>
+            <a:r>
+              <a:rPr lang="en-US" sz="2400" b="1" dirty="0" smtClean="0">
+                <a:solidFill>
+                  <a:schemeClr val="tx1">
+                    <a:lumMod val="85000"/>
+                    <a:lumOff val="15000"/>
+                  </a:schemeClr>
+                </a:solidFill>
+                <a:latin typeface="UTM Helve" panose="02040603050506020204" pitchFamily="18" charset="0"/>
+                <a:ea typeface="Roboto" pitchFamily="2" charset="0"/>
+              </a:rPr>
+              <a:t> </a:t>
+            </a:r>
+            <a:r>
+              <a:rPr lang="en-US" sz="2400" b="1" dirty="0" err="1" smtClean="0">
+                <a:solidFill>
+                  <a:schemeClr val="tx1">
+                    <a:lumMod val="85000"/>
+                    <a:lumOff val="15000"/>
+                  </a:schemeClr>
+                </a:solidFill>
+                <a:latin typeface="UTM Helve" panose="02040603050506020204" pitchFamily="18" charset="0"/>
+                <a:ea typeface="Roboto" pitchFamily="2" charset="0"/>
+              </a:rPr>
+              <a:t>Biến</a:t>
+            </a:r>
+            <a:endParaRPr lang="en-US" sz="2400" b="1" dirty="0">
+              <a:solidFill>
+                <a:schemeClr val="tx1">
+                  <a:lumMod val="85000"/>
+                  <a:lumOff val="15000"/>
+                </a:schemeClr>
+              </a:solidFill>
+              <a:latin typeface="UTM Helve" panose="02040603050506020204" pitchFamily="18" charset="0"/>
+              <a:ea typeface="Roboto" pitchFamily="2" charset="0"/>
+            </a:endParaRPr>
+          </a:p>
+        </p:txBody>
+      </p:sp>
+      <p:pic>
+        <p:nvPicPr>
+          <p:cNvPr id="6" name="Picture 5"/>
+          <p:cNvPicPr>
+            <a:picLocks noChangeAspect="1"/>
+          </p:cNvPicPr>
+          <p:nvPr/>
+        </p:nvPicPr>
+        <p:blipFill>
+          <a:blip r:embed="rId2">
+            <a:extLst>
+              <a:ext uri="{28A0092B-C50C-407E-A947-70E740481C1C}">
+                <a14:useLocalDpi xmlns:a14="http://schemas.microsoft.com/office/drawing/2010/main" val="0"/>
+              </a:ext>
+            </a:extLst>
+          </a:blip>
+          <a:stretch>
+            <a:fillRect/>
+          </a:stretch>
+        </p:blipFill>
+        <p:spPr>
+          <a:xfrm>
+            <a:off x="709053" y="1332324"/>
+            <a:ext cx="466725" cy="409575"/>
+          </a:xfrm>
+          <a:prstGeom prst="rect">
+            <a:avLst/>
+          </a:prstGeom>
+        </p:spPr>
+      </p:pic>
+      <p:sp>
+        <p:nvSpPr>
+          <p:cNvPr id="24" name="Rectangle 23"/>
+          <p:cNvSpPr/>
+          <p:nvPr/>
+        </p:nvSpPr>
+        <p:spPr>
+          <a:xfrm>
+            <a:off x="818043" y="1999293"/>
+            <a:ext cx="172836" cy="176901"/>
+          </a:xfrm>
+          <a:prstGeom prst="rect">
+            <a:avLst/>
+          </a:prstGeom>
+          <a:gradFill flip="none" rotWithShape="1">
+            <a:gsLst>
+              <a:gs pos="15000">
+                <a:srgbClr val="EC5F77"/>
+              </a:gs>
+              <a:gs pos="100000">
+                <a:srgbClr val="A8589E"/>
+              </a:gs>
+            </a:gsLst>
+            <a:lin ang="0" scaled="1"/>
+            <a:tileRect/>
+          </a:gradFill>
+          <a:ln>
+            <a:noFill/>
+          </a:ln>
+        </p:spPr>
+        <p:style>
+          <a:lnRef idx="2">
+            <a:schemeClr val="accent1">
+              <a:shade val="50000"/>
+            </a:schemeClr>
+          </a:lnRef>
+          <a:fillRef idx="1">
+            <a:schemeClr val="accent1"/>
+          </a:fillRef>
+          <a:effectRef idx="0">
+            <a:schemeClr val="accent1"/>
+          </a:effectRef>
+          <a:fontRef idx="minor">
+            <a:schemeClr val="lt1"/>
+          </a:fontRef>
+        </p:style>
+        <p:txBody>
+          <a:bodyPr rtlCol="0" anchor="ctr"/>
+          <a:lstStyle/>
+          <a:p>
+            <a:pPr algn="ctr"/>
+            <a:endParaRPr lang="en-US"/>
+          </a:p>
+        </p:txBody>
+      </p:sp>
+      <p:sp>
+        <p:nvSpPr>
+          <p:cNvPr id="25" name="Title 1"/>
+          <p:cNvSpPr txBox="1">
+            <a:spLocks/>
+          </p:cNvSpPr>
+          <p:nvPr/>
+        </p:nvSpPr>
+        <p:spPr>
+          <a:xfrm>
+            <a:off x="990879" y="1901588"/>
+            <a:ext cx="5353617" cy="815178"/>
+          </a:xfrm>
+          <a:prstGeom prst="rect">
+            <a:avLst/>
+          </a:prstGeom>
+        </p:spPr>
+        <p:txBody>
+          <a:bodyPr/>
+          <a:lstStyle>
+            <a:lvl1pPr algn="l" defTabSz="914400" rtl="0" eaLnBrk="1" latinLnBrk="0" hangingPunct="1">
+              <a:lnSpc>
+                <a:spcPct val="90000"/>
+              </a:lnSpc>
+              <a:spcBef>
+                <a:spcPct val="0"/>
+              </a:spcBef>
+              <a:buNone/>
+              <a:defRPr sz="3200" b="1" kern="1200">
+                <a:solidFill>
+                  <a:srgbClr val="019DD0"/>
+                </a:solidFill>
+                <a:latin typeface="Arial" panose="020B0604020202020204" pitchFamily="34" charset="0"/>
+                <a:ea typeface="+mj-ea"/>
+                <a:cs typeface="Arial" panose="020B0604020202020204" pitchFamily="34" charset="0"/>
+              </a:defRPr>
+            </a:lvl1pPr>
+          </a:lstStyle>
+          <a:p>
+            <a:pPr>
+              <a:lnSpc>
+                <a:spcPct val="100000"/>
+              </a:lnSpc>
+            </a:pPr>
+            <a:r>
+              <a:rPr lang="en-US" sz="2000" b="0" dirty="0" err="1" smtClean="0">
+                <a:solidFill>
+                  <a:schemeClr val="tx1">
+                    <a:lumMod val="95000"/>
+                    <a:lumOff val="5000"/>
+                  </a:schemeClr>
+                </a:solidFill>
+                <a:ea typeface="Roboto Condensed" pitchFamily="2" charset="0"/>
+              </a:rPr>
+              <a:t>Sau</a:t>
+            </a:r>
+            <a:r>
+              <a:rPr lang="en-US" sz="2000" b="0" dirty="0" smtClean="0">
+                <a:solidFill>
+                  <a:schemeClr val="tx1">
+                    <a:lumMod val="95000"/>
+                    <a:lumOff val="5000"/>
+                  </a:schemeClr>
+                </a:solidFill>
+                <a:ea typeface="Roboto Condensed" pitchFamily="2" charset="0"/>
+              </a:rPr>
+              <a:t> </a:t>
+            </a:r>
+            <a:r>
+              <a:rPr lang="en-US" sz="2000" b="0" dirty="0" err="1" smtClean="0">
+                <a:solidFill>
+                  <a:schemeClr val="tx1">
+                    <a:lumMod val="95000"/>
+                    <a:lumOff val="5000"/>
+                  </a:schemeClr>
+                </a:solidFill>
+                <a:ea typeface="Roboto Condensed" pitchFamily="2" charset="0"/>
+              </a:rPr>
+              <a:t>đó</a:t>
+            </a:r>
+            <a:r>
+              <a:rPr lang="en-US" sz="2000" b="0" dirty="0" smtClean="0">
+                <a:solidFill>
+                  <a:schemeClr val="tx1">
+                    <a:lumMod val="95000"/>
+                    <a:lumOff val="5000"/>
+                  </a:schemeClr>
+                </a:solidFill>
+                <a:ea typeface="Roboto Condensed" pitchFamily="2" charset="0"/>
+              </a:rPr>
+              <a:t> </a:t>
+            </a:r>
+            <a:r>
+              <a:rPr lang="en-US" sz="2000" b="0" dirty="0" err="1" smtClean="0">
+                <a:solidFill>
+                  <a:schemeClr val="tx1">
+                    <a:lumMod val="95000"/>
+                    <a:lumOff val="5000"/>
+                  </a:schemeClr>
+                </a:solidFill>
+                <a:ea typeface="Roboto Condensed" pitchFamily="2" charset="0"/>
+              </a:rPr>
+              <a:t>có</a:t>
+            </a:r>
+            <a:r>
+              <a:rPr lang="en-US" sz="2000" b="0" dirty="0" smtClean="0">
+                <a:solidFill>
+                  <a:schemeClr val="tx1">
+                    <a:lumMod val="95000"/>
+                    <a:lumOff val="5000"/>
+                  </a:schemeClr>
+                </a:solidFill>
+                <a:ea typeface="Roboto Condensed" pitchFamily="2" charset="0"/>
+              </a:rPr>
+              <a:t> </a:t>
+            </a:r>
+            <a:r>
+              <a:rPr lang="en-US" sz="2000" b="0" dirty="0" err="1" smtClean="0">
+                <a:solidFill>
+                  <a:schemeClr val="tx1">
+                    <a:lumMod val="95000"/>
+                    <a:lumOff val="5000"/>
+                  </a:schemeClr>
+                </a:solidFill>
+                <a:ea typeface="Roboto Condensed" pitchFamily="2" charset="0"/>
+              </a:rPr>
+              <a:t>thể</a:t>
+            </a:r>
+            <a:r>
+              <a:rPr lang="en-US" sz="2000" b="0" dirty="0" smtClean="0">
+                <a:solidFill>
+                  <a:schemeClr val="tx1">
+                    <a:lumMod val="95000"/>
+                    <a:lumOff val="5000"/>
+                  </a:schemeClr>
+                </a:solidFill>
+                <a:ea typeface="Roboto Condensed" pitchFamily="2" charset="0"/>
+              </a:rPr>
+              <a:t> </a:t>
+            </a:r>
+            <a:r>
+              <a:rPr lang="en-US" sz="2000" b="0" dirty="0" err="1" smtClean="0">
+                <a:solidFill>
+                  <a:schemeClr val="tx1">
+                    <a:lumMod val="95000"/>
+                    <a:lumOff val="5000"/>
+                  </a:schemeClr>
+                </a:solidFill>
+                <a:ea typeface="Roboto Condensed" pitchFamily="2" charset="0"/>
+              </a:rPr>
+              <a:t>thực</a:t>
+            </a:r>
+            <a:r>
+              <a:rPr lang="en-US" sz="2000" b="0" dirty="0" smtClean="0">
+                <a:solidFill>
+                  <a:schemeClr val="tx1">
+                    <a:lumMod val="95000"/>
+                    <a:lumOff val="5000"/>
+                  </a:schemeClr>
+                </a:solidFill>
+                <a:ea typeface="Roboto Condensed" pitchFamily="2" charset="0"/>
+              </a:rPr>
+              <a:t> </a:t>
+            </a:r>
+            <a:r>
+              <a:rPr lang="en-US" sz="2000" b="0" dirty="0" err="1" smtClean="0">
+                <a:solidFill>
+                  <a:schemeClr val="tx1">
+                    <a:lumMod val="95000"/>
+                    <a:lumOff val="5000"/>
+                  </a:schemeClr>
+                </a:solidFill>
+                <a:ea typeface="Roboto Condensed" pitchFamily="2" charset="0"/>
+              </a:rPr>
+              <a:t>hiện</a:t>
+            </a:r>
+            <a:r>
+              <a:rPr lang="en-US" sz="2000" b="0" dirty="0" smtClean="0">
+                <a:solidFill>
+                  <a:schemeClr val="tx1">
+                    <a:lumMod val="95000"/>
+                    <a:lumOff val="5000"/>
+                  </a:schemeClr>
+                </a:solidFill>
+                <a:ea typeface="Roboto Condensed" pitchFamily="2" charset="0"/>
+              </a:rPr>
+              <a:t> </a:t>
+            </a:r>
+            <a:r>
+              <a:rPr lang="en-US" sz="2000" b="0" dirty="0" err="1" smtClean="0">
+                <a:solidFill>
+                  <a:schemeClr val="tx1">
+                    <a:lumMod val="95000"/>
+                    <a:lumOff val="5000"/>
+                  </a:schemeClr>
+                </a:solidFill>
+                <a:ea typeface="Roboto Condensed" pitchFamily="2" charset="0"/>
+              </a:rPr>
+              <a:t>các</a:t>
+            </a:r>
+            <a:r>
+              <a:rPr lang="en-US" sz="2000" b="0" dirty="0" smtClean="0">
+                <a:solidFill>
+                  <a:schemeClr val="tx1">
+                    <a:lumMod val="95000"/>
+                    <a:lumOff val="5000"/>
+                  </a:schemeClr>
+                </a:solidFill>
+                <a:ea typeface="Roboto Condensed" pitchFamily="2" charset="0"/>
+              </a:rPr>
+              <a:t> </a:t>
+            </a:r>
+            <a:r>
+              <a:rPr lang="en-US" sz="2000" b="0" dirty="0" err="1" smtClean="0">
+                <a:solidFill>
+                  <a:schemeClr val="tx1">
+                    <a:lumMod val="95000"/>
+                    <a:lumOff val="5000"/>
+                  </a:schemeClr>
+                </a:solidFill>
+                <a:ea typeface="Roboto Condensed" pitchFamily="2" charset="0"/>
+              </a:rPr>
+              <a:t>phép</a:t>
+            </a:r>
+            <a:r>
+              <a:rPr lang="en-US" sz="2000" b="0" dirty="0" smtClean="0">
+                <a:solidFill>
+                  <a:schemeClr val="tx1">
+                    <a:lumMod val="95000"/>
+                    <a:lumOff val="5000"/>
+                  </a:schemeClr>
+                </a:solidFill>
+                <a:ea typeface="Roboto Condensed" pitchFamily="2" charset="0"/>
+              </a:rPr>
+              <a:t> </a:t>
+            </a:r>
+            <a:r>
+              <a:rPr lang="en-US" sz="2000" b="0" dirty="0" err="1" smtClean="0">
+                <a:solidFill>
+                  <a:schemeClr val="tx1">
+                    <a:lumMod val="95000"/>
+                    <a:lumOff val="5000"/>
+                  </a:schemeClr>
+                </a:solidFill>
+                <a:ea typeface="Roboto Condensed" pitchFamily="2" charset="0"/>
+              </a:rPr>
+              <a:t>tính</a:t>
+            </a:r>
+            <a:r>
+              <a:rPr lang="en-US" sz="2000" b="0" dirty="0" smtClean="0">
+                <a:solidFill>
+                  <a:schemeClr val="tx1">
+                    <a:lumMod val="95000"/>
+                    <a:lumOff val="5000"/>
+                  </a:schemeClr>
+                </a:solidFill>
+                <a:ea typeface="Roboto Condensed" pitchFamily="2" charset="0"/>
+              </a:rPr>
+              <a:t> </a:t>
+            </a:r>
+            <a:r>
+              <a:rPr lang="en-US" sz="2000" b="0" dirty="0" err="1" smtClean="0">
+                <a:solidFill>
+                  <a:schemeClr val="tx1">
+                    <a:lumMod val="95000"/>
+                    <a:lumOff val="5000"/>
+                  </a:schemeClr>
+                </a:solidFill>
+                <a:ea typeface="Roboto Condensed" pitchFamily="2" charset="0"/>
+              </a:rPr>
+              <a:t>bằng</a:t>
+            </a:r>
+            <a:r>
+              <a:rPr lang="en-US" sz="2000" b="0" dirty="0" smtClean="0">
+                <a:solidFill>
+                  <a:schemeClr val="tx1">
+                    <a:lumMod val="95000"/>
+                    <a:lumOff val="5000"/>
+                  </a:schemeClr>
+                </a:solidFill>
+                <a:ea typeface="Roboto Condensed" pitchFamily="2" charset="0"/>
+              </a:rPr>
+              <a:t> </a:t>
+            </a:r>
+            <a:r>
+              <a:rPr lang="en-US" sz="2000" b="0" dirty="0" err="1" smtClean="0">
+                <a:solidFill>
+                  <a:schemeClr val="tx1">
+                    <a:lumMod val="95000"/>
+                    <a:lumOff val="5000"/>
+                  </a:schemeClr>
+                </a:solidFill>
+                <a:ea typeface="Roboto Condensed" pitchFamily="2" charset="0"/>
+              </a:rPr>
+              <a:t>cách</a:t>
+            </a:r>
+            <a:r>
+              <a:rPr lang="en-US" sz="2000" b="0" dirty="0" smtClean="0">
+                <a:solidFill>
+                  <a:schemeClr val="tx1">
+                    <a:lumMod val="95000"/>
+                    <a:lumOff val="5000"/>
+                  </a:schemeClr>
+                </a:solidFill>
+                <a:ea typeface="Roboto Condensed" pitchFamily="2" charset="0"/>
+              </a:rPr>
+              <a:t> </a:t>
+            </a:r>
+            <a:r>
+              <a:rPr lang="en-US" sz="2000" b="0" dirty="0" err="1" smtClean="0">
+                <a:solidFill>
+                  <a:schemeClr val="tx1">
+                    <a:lumMod val="95000"/>
+                    <a:lumOff val="5000"/>
+                  </a:schemeClr>
+                </a:solidFill>
+                <a:ea typeface="Roboto Condensed" pitchFamily="2" charset="0"/>
+              </a:rPr>
+              <a:t>sử</a:t>
+            </a:r>
+            <a:r>
+              <a:rPr lang="en-US" sz="2000" b="0" dirty="0" smtClean="0">
+                <a:solidFill>
+                  <a:schemeClr val="tx1">
+                    <a:lumMod val="95000"/>
+                    <a:lumOff val="5000"/>
+                  </a:schemeClr>
+                </a:solidFill>
+                <a:ea typeface="Roboto Condensed" pitchFamily="2" charset="0"/>
+              </a:rPr>
+              <a:t> </a:t>
+            </a:r>
+            <a:r>
+              <a:rPr lang="en-US" sz="2000" b="0" dirty="0" err="1" smtClean="0">
+                <a:solidFill>
+                  <a:schemeClr val="tx1">
+                    <a:lumMod val="95000"/>
+                    <a:lumOff val="5000"/>
+                  </a:schemeClr>
+                </a:solidFill>
+                <a:ea typeface="Roboto Condensed" pitchFamily="2" charset="0"/>
+              </a:rPr>
+              <a:t>dụng</a:t>
+            </a:r>
+            <a:r>
+              <a:rPr lang="en-US" sz="2000" b="0" dirty="0" smtClean="0">
+                <a:solidFill>
+                  <a:schemeClr val="tx1">
+                    <a:lumMod val="95000"/>
+                    <a:lumOff val="5000"/>
+                  </a:schemeClr>
+                </a:solidFill>
+                <a:ea typeface="Roboto Condensed" pitchFamily="2" charset="0"/>
+              </a:rPr>
+              <a:t> </a:t>
+            </a:r>
+            <a:r>
+              <a:rPr lang="en-US" sz="2000" b="0" dirty="0" err="1" smtClean="0">
+                <a:solidFill>
+                  <a:schemeClr val="tx1">
+                    <a:lumMod val="95000"/>
+                    <a:lumOff val="5000"/>
+                  </a:schemeClr>
+                </a:solidFill>
+                <a:ea typeface="Roboto Condensed" pitchFamily="2" charset="0"/>
+              </a:rPr>
+              <a:t>khối</a:t>
+            </a:r>
+            <a:r>
+              <a:rPr lang="en-US" sz="2000" b="0" dirty="0" smtClean="0">
+                <a:solidFill>
+                  <a:schemeClr val="tx1">
+                    <a:lumMod val="95000"/>
+                    <a:lumOff val="5000"/>
+                  </a:schemeClr>
+                </a:solidFill>
+                <a:ea typeface="Roboto Condensed" pitchFamily="2" charset="0"/>
+              </a:rPr>
+              <a:t> </a:t>
+            </a:r>
+            <a:r>
+              <a:rPr lang="en-US" sz="2000" b="0" dirty="0" err="1" smtClean="0">
+                <a:solidFill>
+                  <a:schemeClr val="tx1">
+                    <a:lumMod val="95000"/>
+                    <a:lumOff val="5000"/>
+                  </a:schemeClr>
+                </a:solidFill>
+                <a:ea typeface="Roboto Condensed" pitchFamily="2" charset="0"/>
+              </a:rPr>
+              <a:t>phép</a:t>
+            </a:r>
+            <a:r>
+              <a:rPr lang="en-US" sz="2000" b="0" dirty="0" smtClean="0">
+                <a:solidFill>
+                  <a:schemeClr val="tx1">
+                    <a:lumMod val="95000"/>
+                    <a:lumOff val="5000"/>
+                  </a:schemeClr>
+                </a:solidFill>
+                <a:ea typeface="Roboto Condensed" pitchFamily="2" charset="0"/>
+              </a:rPr>
+              <a:t> </a:t>
+            </a:r>
+            <a:r>
+              <a:rPr lang="en-US" sz="2000" b="0" dirty="0" err="1" smtClean="0">
+                <a:solidFill>
+                  <a:schemeClr val="tx1">
+                    <a:lumMod val="95000"/>
+                    <a:lumOff val="5000"/>
+                  </a:schemeClr>
+                </a:solidFill>
+                <a:ea typeface="Roboto Condensed" pitchFamily="2" charset="0"/>
+              </a:rPr>
+              <a:t>tính</a:t>
+            </a:r>
+            <a:r>
+              <a:rPr lang="en-US" sz="2000" b="0" dirty="0" smtClean="0">
+                <a:solidFill>
+                  <a:schemeClr val="tx1">
+                    <a:lumMod val="95000"/>
+                    <a:lumOff val="5000"/>
+                  </a:schemeClr>
+                </a:solidFill>
+                <a:ea typeface="Roboto Condensed" pitchFamily="2" charset="0"/>
+              </a:rPr>
+              <a:t> </a:t>
+            </a:r>
+            <a:r>
+              <a:rPr lang="en-US" sz="2000" b="0" dirty="0" err="1" smtClean="0">
+                <a:solidFill>
+                  <a:schemeClr val="tx1">
+                    <a:lumMod val="95000"/>
+                    <a:lumOff val="5000"/>
+                  </a:schemeClr>
+                </a:solidFill>
+                <a:ea typeface="Roboto Condensed" pitchFamily="2" charset="0"/>
+              </a:rPr>
+              <a:t>trong</a:t>
+            </a:r>
+            <a:r>
+              <a:rPr lang="en-US" sz="2000" b="0" dirty="0" smtClean="0">
+                <a:solidFill>
+                  <a:schemeClr val="tx1">
+                    <a:lumMod val="95000"/>
+                    <a:lumOff val="5000"/>
+                  </a:schemeClr>
+                </a:solidFill>
+                <a:ea typeface="Roboto Condensed" pitchFamily="2" charset="0"/>
+              </a:rPr>
+              <a:t> </a:t>
+            </a:r>
+            <a:r>
+              <a:rPr lang="en-US" sz="2000" b="0" dirty="0" err="1" smtClean="0">
+                <a:solidFill>
+                  <a:schemeClr val="tx1">
+                    <a:lumMod val="95000"/>
+                    <a:lumOff val="5000"/>
+                  </a:schemeClr>
+                </a:solidFill>
+                <a:ea typeface="Roboto Condensed" pitchFamily="2" charset="0"/>
+              </a:rPr>
+              <a:t>mục</a:t>
+            </a:r>
+            <a:r>
+              <a:rPr lang="en-US" sz="2000" b="0" dirty="0" smtClean="0">
+                <a:solidFill>
+                  <a:schemeClr val="tx1">
+                    <a:lumMod val="95000"/>
+                    <a:lumOff val="5000"/>
+                  </a:schemeClr>
+                </a:solidFill>
+                <a:ea typeface="Roboto Condensed" pitchFamily="2" charset="0"/>
+              </a:rPr>
+              <a:t> </a:t>
+            </a:r>
+            <a:r>
+              <a:rPr lang="en-US" sz="2000" dirty="0" smtClean="0">
+                <a:solidFill>
+                  <a:srgbClr val="C232CD"/>
+                </a:solidFill>
+                <a:ea typeface="Roboto Condensed" pitchFamily="2" charset="0"/>
+              </a:rPr>
+              <a:t>Math</a:t>
+            </a:r>
+            <a:endParaRPr lang="en-US" sz="2000" dirty="0" smtClean="0">
+              <a:solidFill>
+                <a:srgbClr val="C232CD"/>
+              </a:solidFill>
+              <a:ea typeface="Roboto Condensed" pitchFamily="2" charset="0"/>
+            </a:endParaRPr>
+          </a:p>
+        </p:txBody>
+      </p:sp>
+      <p:pic>
+        <p:nvPicPr>
+          <p:cNvPr id="9" name="Picture 8"/>
+          <p:cNvPicPr>
+            <a:picLocks noChangeAspect="1"/>
+          </p:cNvPicPr>
+          <p:nvPr/>
+        </p:nvPicPr>
+        <p:blipFill rotWithShape="1">
+          <a:blip r:embed="rId3"/>
+          <a:srcRect t="22177"/>
+          <a:stretch/>
+        </p:blipFill>
+        <p:spPr>
+          <a:xfrm>
+            <a:off x="7058255" y="1224589"/>
+            <a:ext cx="1400175" cy="1712319"/>
+          </a:xfrm>
+          <a:prstGeom prst="rect">
+            <a:avLst/>
+          </a:prstGeom>
+        </p:spPr>
+      </p:pic>
+      <p:pic>
+        <p:nvPicPr>
+          <p:cNvPr id="12" name="Picture 11"/>
+          <p:cNvPicPr>
+            <a:picLocks noChangeAspect="1"/>
+          </p:cNvPicPr>
+          <p:nvPr/>
+        </p:nvPicPr>
+        <p:blipFill>
+          <a:blip r:embed="rId4"/>
+          <a:stretch>
+            <a:fillRect/>
+          </a:stretch>
+        </p:blipFill>
+        <p:spPr>
+          <a:xfrm>
+            <a:off x="837841" y="2778655"/>
+            <a:ext cx="5876925" cy="2028825"/>
+          </a:xfrm>
+          <a:prstGeom prst="rect">
+            <a:avLst/>
+          </a:prstGeom>
+        </p:spPr>
+      </p:pic>
+      <p:sp>
+        <p:nvSpPr>
+          <p:cNvPr id="26" name="Title 1"/>
+          <p:cNvSpPr txBox="1">
+            <a:spLocks/>
+          </p:cNvSpPr>
+          <p:nvPr/>
+        </p:nvSpPr>
+        <p:spPr>
+          <a:xfrm>
+            <a:off x="837841" y="5002352"/>
+            <a:ext cx="7620589" cy="815178"/>
+          </a:xfrm>
+          <a:prstGeom prst="rect">
+            <a:avLst/>
+          </a:prstGeom>
+        </p:spPr>
+        <p:txBody>
+          <a:bodyPr/>
+          <a:lstStyle>
+            <a:lvl1pPr algn="l" defTabSz="914400" rtl="0" eaLnBrk="1" latinLnBrk="0" hangingPunct="1">
+              <a:lnSpc>
+                <a:spcPct val="90000"/>
+              </a:lnSpc>
+              <a:spcBef>
+                <a:spcPct val="0"/>
+              </a:spcBef>
+              <a:buNone/>
+              <a:defRPr sz="3200" b="1" kern="1200">
+                <a:solidFill>
+                  <a:srgbClr val="019DD0"/>
+                </a:solidFill>
+                <a:latin typeface="Arial" panose="020B0604020202020204" pitchFamily="34" charset="0"/>
+                <a:ea typeface="+mj-ea"/>
+                <a:cs typeface="Arial" panose="020B0604020202020204" pitchFamily="34" charset="0"/>
+              </a:defRPr>
+            </a:lvl1pPr>
+          </a:lstStyle>
+          <a:p>
+            <a:pPr marL="342900" indent="-342900">
+              <a:lnSpc>
+                <a:spcPct val="100000"/>
+              </a:lnSpc>
+              <a:buFontTx/>
+              <a:buChar char="-"/>
+            </a:pPr>
+            <a:r>
+              <a:rPr lang="en-US" sz="2000" b="0" dirty="0" err="1" smtClean="0">
+                <a:solidFill>
+                  <a:schemeClr val="tx1">
+                    <a:lumMod val="95000"/>
+                    <a:lumOff val="5000"/>
+                  </a:schemeClr>
+                </a:solidFill>
+                <a:ea typeface="Roboto Condensed" pitchFamily="2" charset="0"/>
+              </a:rPr>
+              <a:t>Khi</a:t>
+            </a:r>
+            <a:r>
+              <a:rPr lang="en-US" sz="2000" b="0" dirty="0" smtClean="0">
+                <a:solidFill>
+                  <a:schemeClr val="tx1">
+                    <a:lumMod val="95000"/>
+                    <a:lumOff val="5000"/>
+                  </a:schemeClr>
+                </a:solidFill>
+                <a:ea typeface="Roboto Condensed" pitchFamily="2" charset="0"/>
+              </a:rPr>
+              <a:t> </a:t>
+            </a:r>
+            <a:r>
+              <a:rPr lang="en-US" sz="2000" b="0" dirty="0" err="1" smtClean="0">
+                <a:solidFill>
+                  <a:schemeClr val="tx1">
+                    <a:lumMod val="95000"/>
+                    <a:lumOff val="5000"/>
+                  </a:schemeClr>
+                </a:solidFill>
+                <a:ea typeface="Roboto Condensed" pitchFamily="2" charset="0"/>
+              </a:rPr>
+              <a:t>nhấn</a:t>
+            </a:r>
+            <a:r>
+              <a:rPr lang="en-US" sz="2000" b="0" dirty="0" smtClean="0">
+                <a:solidFill>
+                  <a:schemeClr val="tx1">
+                    <a:lumMod val="95000"/>
+                    <a:lumOff val="5000"/>
+                  </a:schemeClr>
+                </a:solidFill>
+                <a:ea typeface="Roboto Condensed" pitchFamily="2" charset="0"/>
+              </a:rPr>
+              <a:t> </a:t>
+            </a:r>
+            <a:r>
+              <a:rPr lang="en-US" sz="2000" b="0" dirty="0" err="1" smtClean="0">
+                <a:solidFill>
+                  <a:schemeClr val="tx1">
+                    <a:lumMod val="95000"/>
+                    <a:lumOff val="5000"/>
+                  </a:schemeClr>
+                </a:solidFill>
+                <a:ea typeface="Roboto Condensed" pitchFamily="2" charset="0"/>
+              </a:rPr>
+              <a:t>phím</a:t>
+            </a:r>
+            <a:r>
+              <a:rPr lang="en-US" sz="2000" b="0" dirty="0" smtClean="0">
+                <a:solidFill>
+                  <a:schemeClr val="tx1">
+                    <a:lumMod val="95000"/>
+                    <a:lumOff val="5000"/>
+                  </a:schemeClr>
+                </a:solidFill>
+                <a:ea typeface="Roboto Condensed" pitchFamily="2" charset="0"/>
+              </a:rPr>
+              <a:t> A </a:t>
+            </a:r>
+            <a:r>
+              <a:rPr lang="en-US" sz="2000" b="0" dirty="0" err="1" smtClean="0">
+                <a:solidFill>
+                  <a:schemeClr val="tx1">
+                    <a:lumMod val="95000"/>
+                    <a:lumOff val="5000"/>
+                  </a:schemeClr>
+                </a:solidFill>
+                <a:ea typeface="Roboto Condensed" pitchFamily="2" charset="0"/>
+              </a:rPr>
+              <a:t>thì</a:t>
+            </a:r>
+            <a:r>
+              <a:rPr lang="en-US" sz="2000" b="0" dirty="0" smtClean="0">
+                <a:solidFill>
+                  <a:schemeClr val="tx1">
+                    <a:lumMod val="95000"/>
+                    <a:lumOff val="5000"/>
+                  </a:schemeClr>
+                </a:solidFill>
+                <a:ea typeface="Roboto Condensed" pitchFamily="2" charset="0"/>
+              </a:rPr>
+              <a:t> </a:t>
+            </a:r>
+            <a:r>
+              <a:rPr lang="en-US" sz="2000" b="0" dirty="0" err="1" smtClean="0">
+                <a:solidFill>
+                  <a:schemeClr val="tx1">
+                    <a:lumMod val="95000"/>
+                    <a:lumOff val="5000"/>
+                  </a:schemeClr>
+                </a:solidFill>
+                <a:ea typeface="Roboto Condensed" pitchFamily="2" charset="0"/>
+              </a:rPr>
+              <a:t>tính</a:t>
+            </a:r>
+            <a:r>
+              <a:rPr lang="en-US" sz="2000" b="0" dirty="0" smtClean="0">
+                <a:solidFill>
+                  <a:schemeClr val="tx1">
+                    <a:lumMod val="95000"/>
+                    <a:lumOff val="5000"/>
+                  </a:schemeClr>
+                </a:solidFill>
+                <a:ea typeface="Roboto Condensed" pitchFamily="2" charset="0"/>
+              </a:rPr>
+              <a:t> </a:t>
+            </a:r>
+            <a:r>
+              <a:rPr lang="en-US" sz="2000" b="0" dirty="0" err="1" smtClean="0">
+                <a:solidFill>
+                  <a:schemeClr val="tx1">
+                    <a:lumMod val="95000"/>
+                    <a:lumOff val="5000"/>
+                  </a:schemeClr>
+                </a:solidFill>
+                <a:ea typeface="Roboto Condensed" pitchFamily="2" charset="0"/>
+              </a:rPr>
+              <a:t>Tổng</a:t>
+            </a:r>
+            <a:r>
+              <a:rPr lang="en-US" sz="2000" b="0" dirty="0" smtClean="0">
+                <a:solidFill>
+                  <a:schemeClr val="tx1">
+                    <a:lumMod val="95000"/>
+                    <a:lumOff val="5000"/>
+                  </a:schemeClr>
+                </a:solidFill>
+                <a:ea typeface="Roboto Condensed" pitchFamily="2" charset="0"/>
+              </a:rPr>
+              <a:t> </a:t>
+            </a:r>
+            <a:r>
+              <a:rPr lang="en-US" sz="2000" b="0" dirty="0" err="1" smtClean="0">
+                <a:solidFill>
+                  <a:schemeClr val="tx1">
+                    <a:lumMod val="95000"/>
+                    <a:lumOff val="5000"/>
+                  </a:schemeClr>
+                </a:solidFill>
+                <a:ea typeface="Roboto Condensed" pitchFamily="2" charset="0"/>
+              </a:rPr>
+              <a:t>và</a:t>
+            </a:r>
+            <a:r>
+              <a:rPr lang="en-US" sz="2000" b="0" dirty="0" smtClean="0">
+                <a:solidFill>
+                  <a:schemeClr val="tx1">
+                    <a:lumMod val="95000"/>
+                    <a:lumOff val="5000"/>
+                  </a:schemeClr>
+                </a:solidFill>
+                <a:ea typeface="Roboto Condensed" pitchFamily="2" charset="0"/>
+              </a:rPr>
+              <a:t> </a:t>
+            </a:r>
+            <a:r>
+              <a:rPr lang="en-US" sz="2000" b="0" dirty="0" err="1" smtClean="0">
+                <a:solidFill>
+                  <a:schemeClr val="tx1">
+                    <a:lumMod val="95000"/>
+                    <a:lumOff val="5000"/>
+                  </a:schemeClr>
+                </a:solidFill>
+                <a:ea typeface="Roboto Condensed" pitchFamily="2" charset="0"/>
+              </a:rPr>
+              <a:t>hiển</a:t>
+            </a:r>
+            <a:r>
+              <a:rPr lang="en-US" sz="2000" b="0" dirty="0" smtClean="0">
+                <a:solidFill>
+                  <a:schemeClr val="tx1">
+                    <a:lumMod val="95000"/>
+                    <a:lumOff val="5000"/>
+                  </a:schemeClr>
+                </a:solidFill>
+                <a:ea typeface="Roboto Condensed" pitchFamily="2" charset="0"/>
+              </a:rPr>
+              <a:t> </a:t>
+            </a:r>
+            <a:r>
+              <a:rPr lang="en-US" sz="2000" b="0" dirty="0" err="1" smtClean="0">
+                <a:solidFill>
+                  <a:schemeClr val="tx1">
+                    <a:lumMod val="95000"/>
+                    <a:lumOff val="5000"/>
+                  </a:schemeClr>
+                </a:solidFill>
+                <a:ea typeface="Roboto Condensed" pitchFamily="2" charset="0"/>
+              </a:rPr>
+              <a:t>thị</a:t>
+            </a:r>
+            <a:r>
+              <a:rPr lang="en-US" sz="2000" b="0" dirty="0" smtClean="0">
+                <a:solidFill>
+                  <a:schemeClr val="tx1">
+                    <a:lumMod val="95000"/>
+                    <a:lumOff val="5000"/>
+                  </a:schemeClr>
+                </a:solidFill>
+                <a:ea typeface="Roboto Condensed" pitchFamily="2" charset="0"/>
+              </a:rPr>
+              <a:t> </a:t>
+            </a:r>
+            <a:r>
+              <a:rPr lang="en-US" sz="2000" b="0" dirty="0" err="1" smtClean="0">
+                <a:solidFill>
+                  <a:schemeClr val="tx1">
+                    <a:lumMod val="95000"/>
+                    <a:lumOff val="5000"/>
+                  </a:schemeClr>
+                </a:solidFill>
+                <a:ea typeface="Roboto Condensed" pitchFamily="2" charset="0"/>
+              </a:rPr>
+              <a:t>kết</a:t>
+            </a:r>
+            <a:r>
+              <a:rPr lang="en-US" sz="2000" b="0" dirty="0" smtClean="0">
+                <a:solidFill>
+                  <a:schemeClr val="tx1">
+                    <a:lumMod val="95000"/>
+                    <a:lumOff val="5000"/>
+                  </a:schemeClr>
+                </a:solidFill>
+                <a:ea typeface="Roboto Condensed" pitchFamily="2" charset="0"/>
+              </a:rPr>
+              <a:t> </a:t>
+            </a:r>
+            <a:r>
+              <a:rPr lang="en-US" sz="2000" b="0" dirty="0" err="1" smtClean="0">
+                <a:solidFill>
+                  <a:schemeClr val="tx1">
+                    <a:lumMod val="95000"/>
+                    <a:lumOff val="5000"/>
+                  </a:schemeClr>
+                </a:solidFill>
+                <a:ea typeface="Roboto Condensed" pitchFamily="2" charset="0"/>
+              </a:rPr>
+              <a:t>quả</a:t>
+            </a:r>
+            <a:r>
+              <a:rPr lang="en-US" sz="2000" b="0" dirty="0" smtClean="0">
+                <a:solidFill>
+                  <a:schemeClr val="tx1">
+                    <a:lumMod val="95000"/>
+                    <a:lumOff val="5000"/>
+                  </a:schemeClr>
+                </a:solidFill>
+                <a:ea typeface="Roboto Condensed" pitchFamily="2" charset="0"/>
+              </a:rPr>
+              <a:t> </a:t>
+            </a:r>
+            <a:r>
+              <a:rPr lang="en-US" sz="2000" b="0" dirty="0" err="1" smtClean="0">
+                <a:solidFill>
+                  <a:schemeClr val="tx1">
+                    <a:lumMod val="95000"/>
+                    <a:lumOff val="5000"/>
+                  </a:schemeClr>
+                </a:solidFill>
+                <a:ea typeface="Roboto Condensed" pitchFamily="2" charset="0"/>
+              </a:rPr>
+              <a:t>ra</a:t>
+            </a:r>
+            <a:r>
+              <a:rPr lang="en-US" sz="2000" b="0" dirty="0" smtClean="0">
+                <a:solidFill>
+                  <a:schemeClr val="tx1">
+                    <a:lumMod val="95000"/>
+                    <a:lumOff val="5000"/>
+                  </a:schemeClr>
+                </a:solidFill>
+                <a:ea typeface="Roboto Condensed" pitchFamily="2" charset="0"/>
+              </a:rPr>
+              <a:t> LED</a:t>
+            </a:r>
+          </a:p>
+          <a:p>
+            <a:pPr marL="342900" indent="-342900">
+              <a:lnSpc>
+                <a:spcPct val="100000"/>
+              </a:lnSpc>
+              <a:buFontTx/>
+              <a:buChar char="-"/>
+            </a:pPr>
+            <a:r>
+              <a:rPr lang="en-US" sz="2000" b="0" dirty="0" err="1" smtClean="0">
+                <a:solidFill>
+                  <a:schemeClr val="tx1">
+                    <a:lumMod val="95000"/>
+                    <a:lumOff val="5000"/>
+                  </a:schemeClr>
+                </a:solidFill>
+                <a:ea typeface="Roboto Condensed" pitchFamily="2" charset="0"/>
+              </a:rPr>
+              <a:t>Khi</a:t>
+            </a:r>
+            <a:r>
+              <a:rPr lang="en-US" sz="2000" b="0" dirty="0" smtClean="0">
+                <a:solidFill>
+                  <a:schemeClr val="tx1">
+                    <a:lumMod val="95000"/>
+                    <a:lumOff val="5000"/>
+                  </a:schemeClr>
+                </a:solidFill>
+                <a:ea typeface="Roboto Condensed" pitchFamily="2" charset="0"/>
+              </a:rPr>
+              <a:t> </a:t>
+            </a:r>
+            <a:r>
+              <a:rPr lang="en-US" sz="2000" b="0" dirty="0" err="1" smtClean="0">
+                <a:solidFill>
+                  <a:schemeClr val="tx1">
+                    <a:lumMod val="95000"/>
+                    <a:lumOff val="5000"/>
+                  </a:schemeClr>
+                </a:solidFill>
+                <a:ea typeface="Roboto Condensed" pitchFamily="2" charset="0"/>
+              </a:rPr>
+              <a:t>nhấn</a:t>
+            </a:r>
+            <a:r>
+              <a:rPr lang="en-US" sz="2000" b="0" dirty="0" smtClean="0">
+                <a:solidFill>
+                  <a:schemeClr val="tx1">
+                    <a:lumMod val="95000"/>
+                    <a:lumOff val="5000"/>
+                  </a:schemeClr>
+                </a:solidFill>
+                <a:ea typeface="Roboto Condensed" pitchFamily="2" charset="0"/>
+              </a:rPr>
+              <a:t> </a:t>
+            </a:r>
+            <a:r>
+              <a:rPr lang="en-US" sz="2000" b="0" dirty="0" err="1" smtClean="0">
+                <a:solidFill>
+                  <a:schemeClr val="tx1">
+                    <a:lumMod val="95000"/>
+                    <a:lumOff val="5000"/>
+                  </a:schemeClr>
+                </a:solidFill>
+                <a:ea typeface="Roboto Condensed" pitchFamily="2" charset="0"/>
+              </a:rPr>
+              <a:t>phím</a:t>
+            </a:r>
+            <a:r>
+              <a:rPr lang="en-US" sz="2000" b="0" dirty="0" smtClean="0">
+                <a:solidFill>
+                  <a:schemeClr val="tx1">
+                    <a:lumMod val="95000"/>
+                    <a:lumOff val="5000"/>
+                  </a:schemeClr>
+                </a:solidFill>
+                <a:ea typeface="Roboto Condensed" pitchFamily="2" charset="0"/>
+              </a:rPr>
+              <a:t> B </a:t>
+            </a:r>
+            <a:r>
+              <a:rPr lang="en-US" sz="2000" b="0" dirty="0" err="1" smtClean="0">
+                <a:solidFill>
+                  <a:schemeClr val="tx1">
+                    <a:lumMod val="95000"/>
+                    <a:lumOff val="5000"/>
+                  </a:schemeClr>
+                </a:solidFill>
+                <a:ea typeface="Roboto Condensed" pitchFamily="2" charset="0"/>
+              </a:rPr>
+              <a:t>thì</a:t>
+            </a:r>
+            <a:r>
+              <a:rPr lang="en-US" sz="2000" b="0" dirty="0" smtClean="0">
+                <a:solidFill>
+                  <a:schemeClr val="tx1">
+                    <a:lumMod val="95000"/>
+                    <a:lumOff val="5000"/>
+                  </a:schemeClr>
+                </a:solidFill>
+                <a:ea typeface="Roboto Condensed" pitchFamily="2" charset="0"/>
+              </a:rPr>
+              <a:t> </a:t>
+            </a:r>
+            <a:r>
+              <a:rPr lang="en-US" sz="2000" b="0" dirty="0" err="1" smtClean="0">
+                <a:solidFill>
+                  <a:schemeClr val="tx1">
+                    <a:lumMod val="95000"/>
+                    <a:lumOff val="5000"/>
+                  </a:schemeClr>
+                </a:solidFill>
+                <a:ea typeface="Roboto Condensed" pitchFamily="2" charset="0"/>
+              </a:rPr>
+              <a:t>tính</a:t>
+            </a:r>
+            <a:r>
+              <a:rPr lang="en-US" sz="2000" b="0" dirty="0" smtClean="0">
+                <a:solidFill>
+                  <a:schemeClr val="tx1">
+                    <a:lumMod val="95000"/>
+                    <a:lumOff val="5000"/>
+                  </a:schemeClr>
+                </a:solidFill>
+                <a:ea typeface="Roboto Condensed" pitchFamily="2" charset="0"/>
+              </a:rPr>
+              <a:t> </a:t>
+            </a:r>
+            <a:r>
+              <a:rPr lang="en-US" sz="2000" b="0" dirty="0" err="1" smtClean="0">
+                <a:solidFill>
+                  <a:schemeClr val="tx1">
+                    <a:lumMod val="95000"/>
+                    <a:lumOff val="5000"/>
+                  </a:schemeClr>
+                </a:solidFill>
+                <a:ea typeface="Roboto Condensed" pitchFamily="2" charset="0"/>
+              </a:rPr>
+              <a:t>Tích</a:t>
+            </a:r>
+            <a:r>
+              <a:rPr lang="en-US" sz="2000" b="0" dirty="0" smtClean="0">
+                <a:solidFill>
+                  <a:schemeClr val="tx1">
+                    <a:lumMod val="95000"/>
+                    <a:lumOff val="5000"/>
+                  </a:schemeClr>
+                </a:solidFill>
+                <a:ea typeface="Roboto Condensed" pitchFamily="2" charset="0"/>
+              </a:rPr>
+              <a:t> </a:t>
+            </a:r>
+            <a:r>
+              <a:rPr lang="en-US" sz="2000" b="0" dirty="0" err="1">
+                <a:solidFill>
+                  <a:schemeClr val="tx1">
+                    <a:lumMod val="95000"/>
+                    <a:lumOff val="5000"/>
+                  </a:schemeClr>
+                </a:solidFill>
+                <a:ea typeface="Roboto Condensed" pitchFamily="2" charset="0"/>
+              </a:rPr>
+              <a:t>và</a:t>
+            </a:r>
+            <a:r>
+              <a:rPr lang="en-US" sz="2000" b="0" dirty="0">
+                <a:solidFill>
+                  <a:schemeClr val="tx1">
+                    <a:lumMod val="95000"/>
+                    <a:lumOff val="5000"/>
+                  </a:schemeClr>
+                </a:solidFill>
+                <a:ea typeface="Roboto Condensed" pitchFamily="2" charset="0"/>
+              </a:rPr>
+              <a:t> </a:t>
+            </a:r>
+            <a:r>
+              <a:rPr lang="en-US" sz="2000" b="0" dirty="0" err="1">
+                <a:solidFill>
+                  <a:schemeClr val="tx1">
+                    <a:lumMod val="95000"/>
+                    <a:lumOff val="5000"/>
+                  </a:schemeClr>
+                </a:solidFill>
+                <a:ea typeface="Roboto Condensed" pitchFamily="2" charset="0"/>
+              </a:rPr>
+              <a:t>hiển</a:t>
+            </a:r>
+            <a:r>
+              <a:rPr lang="en-US" sz="2000" b="0" dirty="0">
+                <a:solidFill>
+                  <a:schemeClr val="tx1">
+                    <a:lumMod val="95000"/>
+                    <a:lumOff val="5000"/>
+                  </a:schemeClr>
+                </a:solidFill>
+                <a:ea typeface="Roboto Condensed" pitchFamily="2" charset="0"/>
+              </a:rPr>
+              <a:t> </a:t>
+            </a:r>
+            <a:r>
+              <a:rPr lang="en-US" sz="2000" b="0" dirty="0" err="1">
+                <a:solidFill>
+                  <a:schemeClr val="tx1">
+                    <a:lumMod val="95000"/>
+                    <a:lumOff val="5000"/>
+                  </a:schemeClr>
+                </a:solidFill>
+                <a:ea typeface="Roboto Condensed" pitchFamily="2" charset="0"/>
+              </a:rPr>
+              <a:t>thị</a:t>
+            </a:r>
+            <a:r>
+              <a:rPr lang="en-US" sz="2000" b="0" dirty="0">
+                <a:solidFill>
+                  <a:schemeClr val="tx1">
+                    <a:lumMod val="95000"/>
+                    <a:lumOff val="5000"/>
+                  </a:schemeClr>
+                </a:solidFill>
+                <a:ea typeface="Roboto Condensed" pitchFamily="2" charset="0"/>
+              </a:rPr>
+              <a:t> </a:t>
+            </a:r>
+            <a:r>
+              <a:rPr lang="en-US" sz="2000" b="0" dirty="0" err="1">
+                <a:solidFill>
+                  <a:schemeClr val="tx1">
+                    <a:lumMod val="95000"/>
+                    <a:lumOff val="5000"/>
+                  </a:schemeClr>
+                </a:solidFill>
+                <a:ea typeface="Roboto Condensed" pitchFamily="2" charset="0"/>
+              </a:rPr>
+              <a:t>kết</a:t>
+            </a:r>
+            <a:r>
+              <a:rPr lang="en-US" sz="2000" b="0" dirty="0">
+                <a:solidFill>
+                  <a:schemeClr val="tx1">
+                    <a:lumMod val="95000"/>
+                    <a:lumOff val="5000"/>
+                  </a:schemeClr>
+                </a:solidFill>
+                <a:ea typeface="Roboto Condensed" pitchFamily="2" charset="0"/>
+              </a:rPr>
+              <a:t> </a:t>
+            </a:r>
+            <a:r>
+              <a:rPr lang="en-US" sz="2000" b="0" dirty="0" err="1">
+                <a:solidFill>
+                  <a:schemeClr val="tx1">
+                    <a:lumMod val="95000"/>
+                    <a:lumOff val="5000"/>
+                  </a:schemeClr>
+                </a:solidFill>
+                <a:ea typeface="Roboto Condensed" pitchFamily="2" charset="0"/>
+              </a:rPr>
+              <a:t>quả</a:t>
+            </a:r>
+            <a:r>
+              <a:rPr lang="en-US" sz="2000" b="0" dirty="0">
+                <a:solidFill>
+                  <a:schemeClr val="tx1">
+                    <a:lumMod val="95000"/>
+                    <a:lumOff val="5000"/>
+                  </a:schemeClr>
+                </a:solidFill>
+                <a:ea typeface="Roboto Condensed" pitchFamily="2" charset="0"/>
+              </a:rPr>
+              <a:t> </a:t>
+            </a:r>
+            <a:r>
+              <a:rPr lang="en-US" sz="2000" b="0" dirty="0" err="1">
+                <a:solidFill>
+                  <a:schemeClr val="tx1">
+                    <a:lumMod val="95000"/>
+                    <a:lumOff val="5000"/>
+                  </a:schemeClr>
+                </a:solidFill>
+                <a:ea typeface="Roboto Condensed" pitchFamily="2" charset="0"/>
+              </a:rPr>
+              <a:t>ra</a:t>
+            </a:r>
+            <a:r>
+              <a:rPr lang="en-US" sz="2000" b="0" dirty="0">
+                <a:solidFill>
+                  <a:schemeClr val="tx1">
+                    <a:lumMod val="95000"/>
+                    <a:lumOff val="5000"/>
+                  </a:schemeClr>
+                </a:solidFill>
+                <a:ea typeface="Roboto Condensed" pitchFamily="2" charset="0"/>
+              </a:rPr>
+              <a:t> LED</a:t>
+            </a:r>
+            <a:endParaRPr lang="en-US" sz="2000" dirty="0" smtClean="0">
+              <a:solidFill>
+                <a:srgbClr val="C232CD"/>
+              </a:solidFill>
+              <a:ea typeface="Roboto Condensed" pitchFamily="2" charset="0"/>
+            </a:endParaRPr>
+          </a:p>
+        </p:txBody>
+      </p:sp>
     </p:spTree>
     <p:extLst>
       <p:ext uri="{BB962C8B-B14F-4D97-AF65-F5344CB8AC3E}">
-        <p14:creationId xmlns:p14="http://schemas.microsoft.com/office/powerpoint/2010/main" val="3773185111"/>
+        <p14:creationId xmlns:p14="http://schemas.microsoft.com/office/powerpoint/2010/main" val="3073515093"/>
       </p:ext>
     </p:extLst>
   </p:cSld>
   <p:clrMapOvr>
     <a:masterClrMapping/>
   </p:clrMapOvr>
+  <p:timing>
+    <p:tnLst>
+      <p:par>
+        <p:cTn id="1" dur="indefinite" restart="never" nodeType="tmRoot"/>
+      </p:par>
+    </p:tnLst>
+  </p:timing>
 </p:sld>
 </file>
 
